--- a/簡報2.pptx
+++ b/簡報2.pptx
@@ -7,11 +7,27 @@
   <p:sldIdLst>
     <p:sldId id="256" r:id="rId2"/>
     <p:sldId id="257" r:id="rId3"/>
-    <p:sldId id="258" r:id="rId4"/>
-    <p:sldId id="259" r:id="rId5"/>
+    <p:sldId id="259" r:id="rId4"/>
+    <p:sldId id="258" r:id="rId5"/>
     <p:sldId id="260" r:id="rId6"/>
     <p:sldId id="262" r:id="rId7"/>
-    <p:sldId id="261" r:id="rId8"/>
+    <p:sldId id="268" r:id="rId8"/>
+    <p:sldId id="263" r:id="rId9"/>
+    <p:sldId id="261" r:id="rId10"/>
+    <p:sldId id="269" r:id="rId11"/>
+    <p:sldId id="264" r:id="rId12"/>
+    <p:sldId id="265" r:id="rId13"/>
+    <p:sldId id="266" r:id="rId14"/>
+    <p:sldId id="267" r:id="rId15"/>
+    <p:sldId id="270" r:id="rId16"/>
+    <p:sldId id="271" r:id="rId17"/>
+    <p:sldId id="272" r:id="rId18"/>
+    <p:sldId id="274" r:id="rId19"/>
+    <p:sldId id="273" r:id="rId20"/>
+    <p:sldId id="275" r:id="rId21"/>
+    <p:sldId id="276" r:id="rId22"/>
+    <p:sldId id="277" r:id="rId23"/>
+    <p:sldId id="278" r:id="rId24"/>
   </p:sldIdLst>
   <p:sldSz cx="12192000" cy="6858000"/>
   <p:notesSz cx="6858000" cy="9144000"/>
@@ -110,6 +126,11 @@
       </a:defRPr>
     </a:lvl9pPr>
   </p:defaultTextStyle>
+  <p:extLst>
+    <p:ext uri="{EFAFB233-063F-42B5-8137-9DF3F51BA10A}">
+      <p15:sldGuideLst xmlns:p15="http://schemas.microsoft.com/office/powerpoint/2012/main"/>
+    </p:ext>
+  </p:extLst>
 </p:presentation>
 </file>
 
@@ -270,7 +291,7 @@
           <a:p>
             <a:fld id="{D95C14DF-673A-4C21-9880-B693E2F34FC8}" type="datetimeFigureOut">
               <a:rPr lang="zh-TW" altLang="en-US" smtClean="0"/>
-              <a:t>2020/10/14</a:t>
+              <a:t>2020/10/19</a:t>
             </a:fld>
             <a:endParaRPr lang="zh-TW" altLang="en-US"/>
           </a:p>
@@ -440,7 +461,7 @@
           <a:p>
             <a:fld id="{D95C14DF-673A-4C21-9880-B693E2F34FC8}" type="datetimeFigureOut">
               <a:rPr lang="zh-TW" altLang="en-US" smtClean="0"/>
-              <a:t>2020/10/14</a:t>
+              <a:t>2020/10/19</a:t>
             </a:fld>
             <a:endParaRPr lang="zh-TW" altLang="en-US"/>
           </a:p>
@@ -620,7 +641,7 @@
           <a:p>
             <a:fld id="{D95C14DF-673A-4C21-9880-B693E2F34FC8}" type="datetimeFigureOut">
               <a:rPr lang="zh-TW" altLang="en-US" smtClean="0"/>
-              <a:t>2020/10/14</a:t>
+              <a:t>2020/10/19</a:t>
             </a:fld>
             <a:endParaRPr lang="zh-TW" altLang="en-US"/>
           </a:p>
@@ -790,7 +811,7 @@
           <a:p>
             <a:fld id="{D95C14DF-673A-4C21-9880-B693E2F34FC8}" type="datetimeFigureOut">
               <a:rPr lang="zh-TW" altLang="en-US" smtClean="0"/>
-              <a:t>2020/10/14</a:t>
+              <a:t>2020/10/19</a:t>
             </a:fld>
             <a:endParaRPr lang="zh-TW" altLang="en-US"/>
           </a:p>
@@ -1036,7 +1057,7 @@
           <a:p>
             <a:fld id="{D95C14DF-673A-4C21-9880-B693E2F34FC8}" type="datetimeFigureOut">
               <a:rPr lang="zh-TW" altLang="en-US" smtClean="0"/>
-              <a:t>2020/10/14</a:t>
+              <a:t>2020/10/19</a:t>
             </a:fld>
             <a:endParaRPr lang="zh-TW" altLang="en-US"/>
           </a:p>
@@ -1268,7 +1289,7 @@
           <a:p>
             <a:fld id="{D95C14DF-673A-4C21-9880-B693E2F34FC8}" type="datetimeFigureOut">
               <a:rPr lang="zh-TW" altLang="en-US" smtClean="0"/>
-              <a:t>2020/10/14</a:t>
+              <a:t>2020/10/19</a:t>
             </a:fld>
             <a:endParaRPr lang="zh-TW" altLang="en-US"/>
           </a:p>
@@ -1635,7 +1656,7 @@
           <a:p>
             <a:fld id="{D95C14DF-673A-4C21-9880-B693E2F34FC8}" type="datetimeFigureOut">
               <a:rPr lang="zh-TW" altLang="en-US" smtClean="0"/>
-              <a:t>2020/10/14</a:t>
+              <a:t>2020/10/19</a:t>
             </a:fld>
             <a:endParaRPr lang="zh-TW" altLang="en-US"/>
           </a:p>
@@ -1753,7 +1774,7 @@
           <a:p>
             <a:fld id="{D95C14DF-673A-4C21-9880-B693E2F34FC8}" type="datetimeFigureOut">
               <a:rPr lang="zh-TW" altLang="en-US" smtClean="0"/>
-              <a:t>2020/10/14</a:t>
+              <a:t>2020/10/19</a:t>
             </a:fld>
             <a:endParaRPr lang="zh-TW" altLang="en-US"/>
           </a:p>
@@ -1848,7 +1869,7 @@
           <a:p>
             <a:fld id="{D95C14DF-673A-4C21-9880-B693E2F34FC8}" type="datetimeFigureOut">
               <a:rPr lang="zh-TW" altLang="en-US" smtClean="0"/>
-              <a:t>2020/10/14</a:t>
+              <a:t>2020/10/19</a:t>
             </a:fld>
             <a:endParaRPr lang="zh-TW" altLang="en-US"/>
           </a:p>
@@ -2125,7 +2146,7 @@
           <a:p>
             <a:fld id="{D95C14DF-673A-4C21-9880-B693E2F34FC8}" type="datetimeFigureOut">
               <a:rPr lang="zh-TW" altLang="en-US" smtClean="0"/>
-              <a:t>2020/10/14</a:t>
+              <a:t>2020/10/19</a:t>
             </a:fld>
             <a:endParaRPr lang="zh-TW" altLang="en-US"/>
           </a:p>
@@ -2378,7 +2399,7 @@
           <a:p>
             <a:fld id="{D95C14DF-673A-4C21-9880-B693E2F34FC8}" type="datetimeFigureOut">
               <a:rPr lang="zh-TW" altLang="en-US" smtClean="0"/>
-              <a:t>2020/10/14</a:t>
+              <a:t>2020/10/19</a:t>
             </a:fld>
             <a:endParaRPr lang="zh-TW" altLang="en-US"/>
           </a:p>
@@ -2591,7 +2612,7 @@
           <a:p>
             <a:fld id="{D95C14DF-673A-4C21-9880-B693E2F34FC8}" type="datetimeFigureOut">
               <a:rPr lang="zh-TW" altLang="en-US" smtClean="0"/>
-              <a:t>2020/10/14</a:t>
+              <a:t>2020/10/19</a:t>
             </a:fld>
             <a:endParaRPr lang="zh-TW" altLang="en-US"/>
           </a:p>
@@ -3047,6 +3068,3744 @@
 </p:sld>
 </file>
 
+<file path=ppt/slides/slide10.xml><?xml version="1.0" encoding="utf-8"?>
+<p:sld xmlns:a="http://schemas.openxmlformats.org/drawingml/2006/main" xmlns:r="http://schemas.openxmlformats.org/officeDocument/2006/relationships" xmlns:p="http://schemas.openxmlformats.org/presentationml/2006/main">
+  <p:cSld>
+    <p:spTree>
+      <p:nvGrpSpPr>
+        <p:cNvPr id="1" name=""/>
+        <p:cNvGrpSpPr/>
+        <p:nvPr/>
+      </p:nvGrpSpPr>
+      <p:grpSpPr>
+        <a:xfrm>
+          <a:off x="0" y="0"/>
+          <a:ext cx="0" cy="0"/>
+          <a:chOff x="0" y="0"/>
+          <a:chExt cx="0" cy="0"/>
+        </a:xfrm>
+      </p:grpSpPr>
+      <p:sp>
+        <p:nvSpPr>
+          <p:cNvPr id="2" name="標題 1"/>
+          <p:cNvSpPr>
+            <a:spLocks noGrp="1"/>
+          </p:cNvSpPr>
+          <p:nvPr>
+            <p:ph type="title"/>
+          </p:nvPr>
+        </p:nvSpPr>
+        <p:spPr>
+          <a:xfrm>
+            <a:off x="606552" y="175317"/>
+            <a:ext cx="10515600" cy="1325563"/>
+          </a:xfrm>
+        </p:spPr>
+        <p:txBody>
+          <a:bodyPr/>
+          <a:lstStyle/>
+          <a:p>
+            <a:r>
+              <a:rPr lang="zh-TW" altLang="en-US" dirty="0" smtClean="0"/>
+              <a:t>補充</a:t>
+            </a:r>
+            <a:r>
+              <a:rPr lang="en-US" altLang="zh-TW" dirty="0" smtClean="0"/>
+              <a:t>:</a:t>
+            </a:r>
+            <a:endParaRPr lang="zh-TW" altLang="en-US" dirty="0"/>
+          </a:p>
+        </p:txBody>
+      </p:sp>
+      <p:graphicFrame>
+        <p:nvGraphicFramePr>
+          <p:cNvPr id="4" name="表格 3"/>
+          <p:cNvGraphicFramePr>
+            <a:graphicFrameLocks noGrp="1"/>
+          </p:cNvGraphicFramePr>
+          <p:nvPr>
+            <p:extLst>
+              <p:ext uri="{D42A27DB-BD31-4B8C-83A1-F6EECF244321}">
+                <p14:modId xmlns:p14="http://schemas.microsoft.com/office/powerpoint/2010/main" val="3769571097"/>
+              </p:ext>
+            </p:extLst>
+          </p:nvPr>
+        </p:nvGraphicFramePr>
+        <p:xfrm>
+          <a:off x="7266432" y="1966545"/>
+          <a:ext cx="2153328" cy="3291840"/>
+        </p:xfrm>
+        <a:graphic>
+          <a:graphicData uri="http://schemas.openxmlformats.org/drawingml/2006/table">
+            <a:tbl>
+              <a:tblPr/>
+              <a:tblGrid>
+                <a:gridCol w="1076664"/>
+                <a:gridCol w="1076664"/>
+              </a:tblGrid>
+              <a:tr h="0">
+                <a:tc>
+                  <a:txBody>
+                    <a:bodyPr/>
+                    <a:lstStyle/>
+                    <a:p>
+                      <a:r>
+                        <a:rPr lang="en-US" dirty="0">
+                          <a:effectLst/>
+                        </a:rPr>
+                        <a:t>character</a:t>
+                      </a:r>
+                    </a:p>
+                  </a:txBody>
+                  <a:tcPr anchor="ctr">
+                    <a:lnL>
+                      <a:noFill/>
+                    </a:lnL>
+                    <a:lnR>
+                      <a:noFill/>
+                    </a:lnR>
+                    <a:lnT>
+                      <a:noFill/>
+                    </a:lnT>
+                    <a:lnB>
+                      <a:noFill/>
+                    </a:lnB>
+                    <a:solidFill>
+                      <a:srgbClr val="F0F0F0"/>
+                    </a:solidFill>
+                  </a:tcPr>
+                </a:tc>
+                <a:tc>
+                  <a:txBody>
+                    <a:bodyPr/>
+                    <a:lstStyle/>
+                    <a:p>
+                      <a:r>
+                        <a:rPr lang="en-US">
+                          <a:effectLst/>
+                        </a:rPr>
+                        <a:t>color</a:t>
+                      </a:r>
+                    </a:p>
+                  </a:txBody>
+                  <a:tcPr anchor="ctr">
+                    <a:lnL>
+                      <a:noFill/>
+                    </a:lnL>
+                    <a:lnR>
+                      <a:noFill/>
+                    </a:lnR>
+                    <a:lnT>
+                      <a:noFill/>
+                    </a:lnT>
+                    <a:lnB>
+                      <a:noFill/>
+                    </a:lnB>
+                    <a:solidFill>
+                      <a:srgbClr val="F0F0F0"/>
+                    </a:solidFill>
+                  </a:tcPr>
+                </a:tc>
+              </a:tr>
+              <a:tr h="0">
+                <a:tc>
+                  <a:txBody>
+                    <a:bodyPr/>
+                    <a:lstStyle/>
+                    <a:p>
+                      <a:r>
+                        <a:rPr lang="en-US">
+                          <a:effectLst/>
+                        </a:rPr>
+                        <a:t>'b'</a:t>
+                      </a:r>
+                    </a:p>
+                  </a:txBody>
+                  <a:tcPr anchor="ctr">
+                    <a:lnL>
+                      <a:noFill/>
+                    </a:lnL>
+                    <a:lnR>
+                      <a:noFill/>
+                    </a:lnR>
+                    <a:lnT>
+                      <a:noFill/>
+                    </a:lnT>
+                    <a:lnB>
+                      <a:noFill/>
+                    </a:lnB>
+                    <a:solidFill>
+                      <a:srgbClr val="FFFFFF"/>
+                    </a:solidFill>
+                  </a:tcPr>
+                </a:tc>
+                <a:tc>
+                  <a:txBody>
+                    <a:bodyPr/>
+                    <a:lstStyle/>
+                    <a:p>
+                      <a:r>
+                        <a:rPr lang="en-US" dirty="0">
+                          <a:effectLst/>
+                        </a:rPr>
+                        <a:t>blue</a:t>
+                      </a:r>
+                    </a:p>
+                  </a:txBody>
+                  <a:tcPr anchor="ctr">
+                    <a:lnL>
+                      <a:noFill/>
+                    </a:lnL>
+                    <a:lnR>
+                      <a:noFill/>
+                    </a:lnR>
+                    <a:lnT>
+                      <a:noFill/>
+                    </a:lnT>
+                    <a:lnB>
+                      <a:noFill/>
+                    </a:lnB>
+                    <a:solidFill>
+                      <a:srgbClr val="FFFFFF"/>
+                    </a:solidFill>
+                  </a:tcPr>
+                </a:tc>
+              </a:tr>
+              <a:tr h="0">
+                <a:tc>
+                  <a:txBody>
+                    <a:bodyPr/>
+                    <a:lstStyle/>
+                    <a:p>
+                      <a:r>
+                        <a:rPr lang="en-US" dirty="0">
+                          <a:effectLst/>
+                        </a:rPr>
+                        <a:t>'g'</a:t>
+                      </a:r>
+                    </a:p>
+                  </a:txBody>
+                  <a:tcPr anchor="ctr">
+                    <a:lnL>
+                      <a:noFill/>
+                    </a:lnL>
+                    <a:lnR>
+                      <a:noFill/>
+                    </a:lnR>
+                    <a:lnT>
+                      <a:noFill/>
+                    </a:lnT>
+                    <a:lnB>
+                      <a:noFill/>
+                    </a:lnB>
+                    <a:solidFill>
+                      <a:srgbClr val="FFFFFF"/>
+                    </a:solidFill>
+                  </a:tcPr>
+                </a:tc>
+                <a:tc>
+                  <a:txBody>
+                    <a:bodyPr/>
+                    <a:lstStyle/>
+                    <a:p>
+                      <a:r>
+                        <a:rPr lang="en-US" dirty="0">
+                          <a:effectLst/>
+                        </a:rPr>
+                        <a:t>green</a:t>
+                      </a:r>
+                    </a:p>
+                  </a:txBody>
+                  <a:tcPr anchor="ctr">
+                    <a:lnL>
+                      <a:noFill/>
+                    </a:lnL>
+                    <a:lnR>
+                      <a:noFill/>
+                    </a:lnR>
+                    <a:lnT>
+                      <a:noFill/>
+                    </a:lnT>
+                    <a:lnB>
+                      <a:noFill/>
+                    </a:lnB>
+                    <a:solidFill>
+                      <a:srgbClr val="FFFFFF"/>
+                    </a:solidFill>
+                  </a:tcPr>
+                </a:tc>
+              </a:tr>
+              <a:tr h="0">
+                <a:tc>
+                  <a:txBody>
+                    <a:bodyPr/>
+                    <a:lstStyle/>
+                    <a:p>
+                      <a:r>
+                        <a:rPr lang="en-US" dirty="0">
+                          <a:effectLst/>
+                        </a:rPr>
+                        <a:t>'r'</a:t>
+                      </a:r>
+                    </a:p>
+                  </a:txBody>
+                  <a:tcPr anchor="ctr">
+                    <a:lnL>
+                      <a:noFill/>
+                    </a:lnL>
+                    <a:lnR>
+                      <a:noFill/>
+                    </a:lnR>
+                    <a:lnT>
+                      <a:noFill/>
+                    </a:lnT>
+                    <a:lnB>
+                      <a:noFill/>
+                    </a:lnB>
+                    <a:solidFill>
+                      <a:srgbClr val="FFFFFF"/>
+                    </a:solidFill>
+                  </a:tcPr>
+                </a:tc>
+                <a:tc>
+                  <a:txBody>
+                    <a:bodyPr/>
+                    <a:lstStyle/>
+                    <a:p>
+                      <a:r>
+                        <a:rPr lang="en-US" dirty="0">
+                          <a:effectLst/>
+                        </a:rPr>
+                        <a:t>red</a:t>
+                      </a:r>
+                    </a:p>
+                  </a:txBody>
+                  <a:tcPr anchor="ctr">
+                    <a:lnL>
+                      <a:noFill/>
+                    </a:lnL>
+                    <a:lnR>
+                      <a:noFill/>
+                    </a:lnR>
+                    <a:lnT>
+                      <a:noFill/>
+                    </a:lnT>
+                    <a:lnB>
+                      <a:noFill/>
+                    </a:lnB>
+                    <a:solidFill>
+                      <a:srgbClr val="FFFFFF"/>
+                    </a:solidFill>
+                  </a:tcPr>
+                </a:tc>
+              </a:tr>
+              <a:tr h="0">
+                <a:tc>
+                  <a:txBody>
+                    <a:bodyPr/>
+                    <a:lstStyle/>
+                    <a:p>
+                      <a:r>
+                        <a:rPr lang="en-US" dirty="0">
+                          <a:effectLst/>
+                        </a:rPr>
+                        <a:t>'c'</a:t>
+                      </a:r>
+                    </a:p>
+                  </a:txBody>
+                  <a:tcPr anchor="ctr">
+                    <a:lnL>
+                      <a:noFill/>
+                    </a:lnL>
+                    <a:lnR>
+                      <a:noFill/>
+                    </a:lnR>
+                    <a:lnT>
+                      <a:noFill/>
+                    </a:lnT>
+                    <a:lnB>
+                      <a:noFill/>
+                    </a:lnB>
+                    <a:solidFill>
+                      <a:srgbClr val="FFFFFF"/>
+                    </a:solidFill>
+                  </a:tcPr>
+                </a:tc>
+                <a:tc>
+                  <a:txBody>
+                    <a:bodyPr/>
+                    <a:lstStyle/>
+                    <a:p>
+                      <a:r>
+                        <a:rPr lang="en-US" dirty="0">
+                          <a:effectLst/>
+                        </a:rPr>
+                        <a:t>cyan</a:t>
+                      </a:r>
+                    </a:p>
+                  </a:txBody>
+                  <a:tcPr anchor="ctr">
+                    <a:lnL>
+                      <a:noFill/>
+                    </a:lnL>
+                    <a:lnR>
+                      <a:noFill/>
+                    </a:lnR>
+                    <a:lnT>
+                      <a:noFill/>
+                    </a:lnT>
+                    <a:lnB>
+                      <a:noFill/>
+                    </a:lnB>
+                    <a:solidFill>
+                      <a:srgbClr val="FFFFFF"/>
+                    </a:solidFill>
+                  </a:tcPr>
+                </a:tc>
+              </a:tr>
+              <a:tr h="0">
+                <a:tc>
+                  <a:txBody>
+                    <a:bodyPr/>
+                    <a:lstStyle/>
+                    <a:p>
+                      <a:r>
+                        <a:rPr lang="en-US">
+                          <a:effectLst/>
+                        </a:rPr>
+                        <a:t>'m'</a:t>
+                      </a:r>
+                    </a:p>
+                  </a:txBody>
+                  <a:tcPr anchor="ctr">
+                    <a:lnL>
+                      <a:noFill/>
+                    </a:lnL>
+                    <a:lnR>
+                      <a:noFill/>
+                    </a:lnR>
+                    <a:lnT>
+                      <a:noFill/>
+                    </a:lnT>
+                    <a:lnB>
+                      <a:noFill/>
+                    </a:lnB>
+                    <a:solidFill>
+                      <a:srgbClr val="FFFFFF"/>
+                    </a:solidFill>
+                  </a:tcPr>
+                </a:tc>
+                <a:tc>
+                  <a:txBody>
+                    <a:bodyPr/>
+                    <a:lstStyle/>
+                    <a:p>
+                      <a:r>
+                        <a:rPr lang="en-US" dirty="0">
+                          <a:effectLst/>
+                        </a:rPr>
+                        <a:t>magenta</a:t>
+                      </a:r>
+                    </a:p>
+                  </a:txBody>
+                  <a:tcPr anchor="ctr">
+                    <a:lnL>
+                      <a:noFill/>
+                    </a:lnL>
+                    <a:lnR>
+                      <a:noFill/>
+                    </a:lnR>
+                    <a:lnT>
+                      <a:noFill/>
+                    </a:lnT>
+                    <a:lnB>
+                      <a:noFill/>
+                    </a:lnB>
+                    <a:solidFill>
+                      <a:srgbClr val="FFFFFF"/>
+                    </a:solidFill>
+                  </a:tcPr>
+                </a:tc>
+              </a:tr>
+              <a:tr h="0">
+                <a:tc>
+                  <a:txBody>
+                    <a:bodyPr/>
+                    <a:lstStyle/>
+                    <a:p>
+                      <a:r>
+                        <a:rPr lang="en-US">
+                          <a:effectLst/>
+                        </a:rPr>
+                        <a:t>'y'</a:t>
+                      </a:r>
+                    </a:p>
+                  </a:txBody>
+                  <a:tcPr anchor="ctr">
+                    <a:lnL>
+                      <a:noFill/>
+                    </a:lnL>
+                    <a:lnR>
+                      <a:noFill/>
+                    </a:lnR>
+                    <a:lnT>
+                      <a:noFill/>
+                    </a:lnT>
+                    <a:lnB>
+                      <a:noFill/>
+                    </a:lnB>
+                    <a:solidFill>
+                      <a:srgbClr val="FFFFFF"/>
+                    </a:solidFill>
+                  </a:tcPr>
+                </a:tc>
+                <a:tc>
+                  <a:txBody>
+                    <a:bodyPr/>
+                    <a:lstStyle/>
+                    <a:p>
+                      <a:r>
+                        <a:rPr lang="en-US">
+                          <a:effectLst/>
+                        </a:rPr>
+                        <a:t>yellow</a:t>
+                      </a:r>
+                    </a:p>
+                  </a:txBody>
+                  <a:tcPr anchor="ctr">
+                    <a:lnL>
+                      <a:noFill/>
+                    </a:lnL>
+                    <a:lnR>
+                      <a:noFill/>
+                    </a:lnR>
+                    <a:lnT>
+                      <a:noFill/>
+                    </a:lnT>
+                    <a:lnB>
+                      <a:noFill/>
+                    </a:lnB>
+                    <a:solidFill>
+                      <a:srgbClr val="FFFFFF"/>
+                    </a:solidFill>
+                  </a:tcPr>
+                </a:tc>
+              </a:tr>
+              <a:tr h="0">
+                <a:tc>
+                  <a:txBody>
+                    <a:bodyPr/>
+                    <a:lstStyle/>
+                    <a:p>
+                      <a:r>
+                        <a:rPr lang="en-US">
+                          <a:effectLst/>
+                        </a:rPr>
+                        <a:t>'k'</a:t>
+                      </a:r>
+                    </a:p>
+                  </a:txBody>
+                  <a:tcPr anchor="ctr">
+                    <a:lnL>
+                      <a:noFill/>
+                    </a:lnL>
+                    <a:lnR>
+                      <a:noFill/>
+                    </a:lnR>
+                    <a:lnT>
+                      <a:noFill/>
+                    </a:lnT>
+                    <a:lnB>
+                      <a:noFill/>
+                    </a:lnB>
+                    <a:solidFill>
+                      <a:srgbClr val="FFFFFF"/>
+                    </a:solidFill>
+                  </a:tcPr>
+                </a:tc>
+                <a:tc>
+                  <a:txBody>
+                    <a:bodyPr/>
+                    <a:lstStyle/>
+                    <a:p>
+                      <a:r>
+                        <a:rPr lang="en-US">
+                          <a:effectLst/>
+                        </a:rPr>
+                        <a:t>black</a:t>
+                      </a:r>
+                    </a:p>
+                  </a:txBody>
+                  <a:tcPr anchor="ctr">
+                    <a:lnL>
+                      <a:noFill/>
+                    </a:lnL>
+                    <a:lnR>
+                      <a:noFill/>
+                    </a:lnR>
+                    <a:lnT>
+                      <a:noFill/>
+                    </a:lnT>
+                    <a:lnB>
+                      <a:noFill/>
+                    </a:lnB>
+                    <a:solidFill>
+                      <a:srgbClr val="FFFFFF"/>
+                    </a:solidFill>
+                  </a:tcPr>
+                </a:tc>
+              </a:tr>
+              <a:tr h="0">
+                <a:tc>
+                  <a:txBody>
+                    <a:bodyPr/>
+                    <a:lstStyle/>
+                    <a:p>
+                      <a:r>
+                        <a:rPr lang="en-US" dirty="0">
+                          <a:effectLst/>
+                        </a:rPr>
+                        <a:t>'w'</a:t>
+                      </a:r>
+                    </a:p>
+                  </a:txBody>
+                  <a:tcPr anchor="ctr">
+                    <a:lnL>
+                      <a:noFill/>
+                    </a:lnL>
+                    <a:lnR>
+                      <a:noFill/>
+                    </a:lnR>
+                    <a:lnT>
+                      <a:noFill/>
+                    </a:lnT>
+                    <a:lnB>
+                      <a:noFill/>
+                    </a:lnB>
+                    <a:solidFill>
+                      <a:srgbClr val="FFFFFF"/>
+                    </a:solidFill>
+                  </a:tcPr>
+                </a:tc>
+                <a:tc>
+                  <a:txBody>
+                    <a:bodyPr/>
+                    <a:lstStyle/>
+                    <a:p>
+                      <a:r>
+                        <a:rPr lang="en-US" dirty="0">
+                          <a:effectLst/>
+                        </a:rPr>
+                        <a:t>white</a:t>
+                      </a:r>
+                    </a:p>
+                  </a:txBody>
+                  <a:tcPr anchor="ctr">
+                    <a:lnL>
+                      <a:noFill/>
+                    </a:lnL>
+                    <a:lnR>
+                      <a:noFill/>
+                    </a:lnR>
+                    <a:lnT>
+                      <a:noFill/>
+                    </a:lnT>
+                    <a:lnB>
+                      <a:noFill/>
+                    </a:lnB>
+                    <a:solidFill>
+                      <a:srgbClr val="FFFFFF"/>
+                    </a:solidFill>
+                  </a:tcPr>
+                </a:tc>
+              </a:tr>
+            </a:tbl>
+          </a:graphicData>
+        </a:graphic>
+      </p:graphicFrame>
+      <p:graphicFrame>
+        <p:nvGraphicFramePr>
+          <p:cNvPr id="7" name="表格 6"/>
+          <p:cNvGraphicFramePr>
+            <a:graphicFrameLocks noGrp="1"/>
+          </p:cNvGraphicFramePr>
+          <p:nvPr>
+            <p:extLst>
+              <p:ext uri="{D42A27DB-BD31-4B8C-83A1-F6EECF244321}">
+                <p14:modId xmlns:p14="http://schemas.microsoft.com/office/powerpoint/2010/main" val="2817865593"/>
+              </p:ext>
+            </p:extLst>
+          </p:nvPr>
+        </p:nvGraphicFramePr>
+        <p:xfrm>
+          <a:off x="2255520" y="2878145"/>
+          <a:ext cx="3458226" cy="2103120"/>
+        </p:xfrm>
+        <a:graphic>
+          <a:graphicData uri="http://schemas.openxmlformats.org/drawingml/2006/table">
+            <a:tbl>
+              <a:tblPr/>
+              <a:tblGrid>
+                <a:gridCol w="1037467"/>
+                <a:gridCol w="2420759"/>
+              </a:tblGrid>
+              <a:tr h="0">
+                <a:tc>
+                  <a:txBody>
+                    <a:bodyPr/>
+                    <a:lstStyle/>
+                    <a:p>
+                      <a:r>
+                        <a:rPr lang="en-US" dirty="0">
+                          <a:effectLst/>
+                        </a:rPr>
+                        <a:t>character</a:t>
+                      </a:r>
+                    </a:p>
+                  </a:txBody>
+                  <a:tcPr anchor="ctr">
+                    <a:lnL>
+                      <a:noFill/>
+                    </a:lnL>
+                    <a:lnR>
+                      <a:noFill/>
+                    </a:lnR>
+                    <a:lnT>
+                      <a:noFill/>
+                    </a:lnT>
+                    <a:lnB>
+                      <a:noFill/>
+                    </a:lnB>
+                    <a:solidFill>
+                      <a:srgbClr val="F0F0F0"/>
+                    </a:solidFill>
+                  </a:tcPr>
+                </a:tc>
+                <a:tc>
+                  <a:txBody>
+                    <a:bodyPr/>
+                    <a:lstStyle/>
+                    <a:p>
+                      <a:r>
+                        <a:rPr lang="en-US" dirty="0">
+                          <a:effectLst/>
+                        </a:rPr>
+                        <a:t>description</a:t>
+                      </a:r>
+                    </a:p>
+                  </a:txBody>
+                  <a:tcPr anchor="ctr">
+                    <a:lnL>
+                      <a:noFill/>
+                    </a:lnL>
+                    <a:lnR>
+                      <a:noFill/>
+                    </a:lnR>
+                    <a:lnT>
+                      <a:noFill/>
+                    </a:lnT>
+                    <a:lnB>
+                      <a:noFill/>
+                    </a:lnB>
+                    <a:lnTlToBr w="12700" cmpd="sng">
+                      <a:noFill/>
+                      <a:prstDash val="solid"/>
+                    </a:lnTlToBr>
+                    <a:lnBlToTr w="12700" cmpd="sng">
+                      <a:noFill/>
+                      <a:prstDash val="solid"/>
+                    </a:lnBlToTr>
+                    <a:solidFill>
+                      <a:srgbClr val="F0F0F0"/>
+                    </a:solidFill>
+                  </a:tcPr>
+                </a:tc>
+              </a:tr>
+              <a:tr h="0">
+                <a:tc>
+                  <a:txBody>
+                    <a:bodyPr/>
+                    <a:lstStyle/>
+                    <a:p>
+                      <a:r>
+                        <a:rPr lang="en-US" altLang="zh-TW">
+                          <a:effectLst/>
+                        </a:rPr>
+                        <a:t>'-'</a:t>
+                      </a:r>
+                    </a:p>
+                  </a:txBody>
+                  <a:tcPr anchor="ctr">
+                    <a:lnL>
+                      <a:noFill/>
+                    </a:lnL>
+                    <a:lnR>
+                      <a:noFill/>
+                    </a:lnR>
+                    <a:lnT>
+                      <a:noFill/>
+                    </a:lnT>
+                    <a:lnB>
+                      <a:noFill/>
+                    </a:lnB>
+                    <a:solidFill>
+                      <a:srgbClr val="FFFFFF"/>
+                    </a:solidFill>
+                  </a:tcPr>
+                </a:tc>
+                <a:tc>
+                  <a:txBody>
+                    <a:bodyPr/>
+                    <a:lstStyle/>
+                    <a:p>
+                      <a:r>
+                        <a:rPr lang="en-US" dirty="0">
+                          <a:effectLst/>
+                        </a:rPr>
+                        <a:t>solid line style</a:t>
+                      </a:r>
+                    </a:p>
+                  </a:txBody>
+                  <a:tcPr anchor="ctr">
+                    <a:lnL>
+                      <a:noFill/>
+                    </a:lnL>
+                    <a:lnR>
+                      <a:noFill/>
+                    </a:lnR>
+                    <a:lnT>
+                      <a:noFill/>
+                    </a:lnT>
+                    <a:lnB>
+                      <a:noFill/>
+                    </a:lnB>
+                    <a:lnTlToBr w="12700" cmpd="sng">
+                      <a:noFill/>
+                      <a:prstDash val="solid"/>
+                    </a:lnTlToBr>
+                    <a:lnBlToTr w="12700" cmpd="sng">
+                      <a:noFill/>
+                      <a:prstDash val="solid"/>
+                    </a:lnBlToTr>
+                    <a:solidFill>
+                      <a:srgbClr val="FFFFFF"/>
+                    </a:solidFill>
+                  </a:tcPr>
+                </a:tc>
+              </a:tr>
+              <a:tr h="0">
+                <a:tc>
+                  <a:txBody>
+                    <a:bodyPr/>
+                    <a:lstStyle/>
+                    <a:p>
+                      <a:r>
+                        <a:rPr lang="en-US" altLang="zh-TW">
+                          <a:effectLst/>
+                        </a:rPr>
+                        <a:t>'--'</a:t>
+                      </a:r>
+                    </a:p>
+                  </a:txBody>
+                  <a:tcPr anchor="ctr">
+                    <a:lnL>
+                      <a:noFill/>
+                    </a:lnL>
+                    <a:lnR>
+                      <a:noFill/>
+                    </a:lnR>
+                    <a:lnT>
+                      <a:noFill/>
+                    </a:lnT>
+                    <a:lnB>
+                      <a:noFill/>
+                    </a:lnB>
+                    <a:solidFill>
+                      <a:srgbClr val="FFFFFF"/>
+                    </a:solidFill>
+                  </a:tcPr>
+                </a:tc>
+                <a:tc>
+                  <a:txBody>
+                    <a:bodyPr/>
+                    <a:lstStyle/>
+                    <a:p>
+                      <a:r>
+                        <a:rPr lang="en-US">
+                          <a:effectLst/>
+                        </a:rPr>
+                        <a:t>dashed line style</a:t>
+                      </a:r>
+                    </a:p>
+                  </a:txBody>
+                  <a:tcPr anchor="ctr">
+                    <a:lnL>
+                      <a:noFill/>
+                    </a:lnL>
+                    <a:lnR>
+                      <a:noFill/>
+                    </a:lnR>
+                    <a:lnT>
+                      <a:noFill/>
+                    </a:lnT>
+                    <a:lnB>
+                      <a:noFill/>
+                    </a:lnB>
+                    <a:lnTlToBr w="12700" cmpd="sng">
+                      <a:noFill/>
+                      <a:prstDash val="solid"/>
+                    </a:lnTlToBr>
+                    <a:lnBlToTr w="12700" cmpd="sng">
+                      <a:noFill/>
+                      <a:prstDash val="solid"/>
+                    </a:lnBlToTr>
+                    <a:solidFill>
+                      <a:srgbClr val="FFFFFF"/>
+                    </a:solidFill>
+                  </a:tcPr>
+                </a:tc>
+              </a:tr>
+              <a:tr h="0">
+                <a:tc>
+                  <a:txBody>
+                    <a:bodyPr/>
+                    <a:lstStyle/>
+                    <a:p>
+                      <a:r>
+                        <a:rPr lang="en-US" altLang="zh-TW">
+                          <a:effectLst/>
+                        </a:rPr>
+                        <a:t>'-.'</a:t>
+                      </a:r>
+                    </a:p>
+                  </a:txBody>
+                  <a:tcPr anchor="ctr">
+                    <a:lnL>
+                      <a:noFill/>
+                    </a:lnL>
+                    <a:lnR>
+                      <a:noFill/>
+                    </a:lnR>
+                    <a:lnT>
+                      <a:noFill/>
+                    </a:lnT>
+                    <a:lnB>
+                      <a:noFill/>
+                    </a:lnB>
+                    <a:solidFill>
+                      <a:srgbClr val="FFFFFF"/>
+                    </a:solidFill>
+                  </a:tcPr>
+                </a:tc>
+                <a:tc>
+                  <a:txBody>
+                    <a:bodyPr/>
+                    <a:lstStyle/>
+                    <a:p>
+                      <a:r>
+                        <a:rPr lang="en-US">
+                          <a:effectLst/>
+                        </a:rPr>
+                        <a:t>dash-dot line style</a:t>
+                      </a:r>
+                    </a:p>
+                  </a:txBody>
+                  <a:tcPr anchor="ctr">
+                    <a:lnL>
+                      <a:noFill/>
+                    </a:lnL>
+                    <a:lnR>
+                      <a:noFill/>
+                    </a:lnR>
+                    <a:lnT>
+                      <a:noFill/>
+                    </a:lnT>
+                    <a:lnB>
+                      <a:noFill/>
+                    </a:lnB>
+                    <a:lnTlToBr w="12700" cmpd="sng">
+                      <a:noFill/>
+                      <a:prstDash val="solid"/>
+                    </a:lnTlToBr>
+                    <a:lnBlToTr w="12700" cmpd="sng">
+                      <a:noFill/>
+                      <a:prstDash val="solid"/>
+                    </a:lnBlToTr>
+                    <a:solidFill>
+                      <a:srgbClr val="FFFFFF"/>
+                    </a:solidFill>
+                  </a:tcPr>
+                </a:tc>
+              </a:tr>
+              <a:tr h="0">
+                <a:tc>
+                  <a:txBody>
+                    <a:bodyPr/>
+                    <a:lstStyle/>
+                    <a:p>
+                      <a:r>
+                        <a:rPr lang="en-US" altLang="zh-TW">
+                          <a:effectLst/>
+                        </a:rPr>
+                        <a:t>':'</a:t>
+                      </a:r>
+                    </a:p>
+                  </a:txBody>
+                  <a:tcPr anchor="ctr">
+                    <a:lnL>
+                      <a:noFill/>
+                    </a:lnL>
+                    <a:lnR>
+                      <a:noFill/>
+                    </a:lnR>
+                    <a:lnT>
+                      <a:noFill/>
+                    </a:lnT>
+                    <a:lnB>
+                      <a:noFill/>
+                    </a:lnB>
+                    <a:solidFill>
+                      <a:srgbClr val="FFFFFF"/>
+                    </a:solidFill>
+                  </a:tcPr>
+                </a:tc>
+                <a:tc>
+                  <a:txBody>
+                    <a:bodyPr/>
+                    <a:lstStyle/>
+                    <a:p>
+                      <a:r>
+                        <a:rPr lang="en-US" dirty="0">
+                          <a:effectLst/>
+                        </a:rPr>
+                        <a:t>dotted line style</a:t>
+                      </a:r>
+                    </a:p>
+                  </a:txBody>
+                  <a:tcPr anchor="ctr">
+                    <a:lnL>
+                      <a:noFill/>
+                    </a:lnL>
+                    <a:lnR>
+                      <a:noFill/>
+                    </a:lnR>
+                    <a:lnT>
+                      <a:noFill/>
+                    </a:lnT>
+                    <a:lnB>
+                      <a:noFill/>
+                    </a:lnB>
+                    <a:lnTlToBr w="12700" cmpd="sng">
+                      <a:noFill/>
+                      <a:prstDash val="solid"/>
+                    </a:lnTlToBr>
+                    <a:lnBlToTr w="12700" cmpd="sng">
+                      <a:noFill/>
+                      <a:prstDash val="solid"/>
+                    </a:lnBlToTr>
+                    <a:solidFill>
+                      <a:srgbClr val="FFFFFF"/>
+                    </a:solidFill>
+                  </a:tcPr>
+                </a:tc>
+              </a:tr>
+            </a:tbl>
+          </a:graphicData>
+        </a:graphic>
+      </p:graphicFrame>
+      <p:sp>
+        <p:nvSpPr>
+          <p:cNvPr id="10" name="文字方塊 9"/>
+          <p:cNvSpPr txBox="1"/>
+          <p:nvPr/>
+        </p:nvSpPr>
+        <p:spPr>
+          <a:xfrm>
+            <a:off x="2255520" y="1966545"/>
+            <a:ext cx="3462528" cy="461665"/>
+          </a:xfrm>
+          <a:prstGeom prst="rect">
+            <a:avLst/>
+          </a:prstGeom>
+          <a:noFill/>
+        </p:spPr>
+        <p:txBody>
+          <a:bodyPr wrap="square" rtlCol="0">
+            <a:spAutoFit/>
+          </a:bodyPr>
+          <a:lstStyle/>
+          <a:p>
+            <a:r>
+              <a:rPr lang="en-US" altLang="zh-TW" sz="2400" dirty="0" smtClean="0"/>
+              <a:t>Line style</a:t>
+            </a:r>
+            <a:endParaRPr lang="zh-TW" altLang="en-US" sz="2400" dirty="0"/>
+          </a:p>
+        </p:txBody>
+      </p:sp>
+      <p:sp>
+        <p:nvSpPr>
+          <p:cNvPr id="11" name="文字方塊 10"/>
+          <p:cNvSpPr txBox="1"/>
+          <p:nvPr/>
+        </p:nvSpPr>
+        <p:spPr>
+          <a:xfrm>
+            <a:off x="7266432" y="1500880"/>
+            <a:ext cx="2657856" cy="461665"/>
+          </a:xfrm>
+          <a:prstGeom prst="rect">
+            <a:avLst/>
+          </a:prstGeom>
+          <a:noFill/>
+        </p:spPr>
+        <p:txBody>
+          <a:bodyPr wrap="square" rtlCol="0">
+            <a:spAutoFit/>
+          </a:bodyPr>
+          <a:lstStyle/>
+          <a:p>
+            <a:r>
+              <a:rPr lang="en-US" altLang="zh-TW" sz="2400" dirty="0" smtClean="0"/>
+              <a:t>Colors</a:t>
+            </a:r>
+            <a:endParaRPr lang="zh-TW" altLang="en-US" sz="2400" dirty="0"/>
+          </a:p>
+        </p:txBody>
+      </p:sp>
+      <p:sp>
+        <p:nvSpPr>
+          <p:cNvPr id="12" name="矩形 11"/>
+          <p:cNvSpPr/>
+          <p:nvPr/>
+        </p:nvSpPr>
+        <p:spPr>
+          <a:xfrm>
+            <a:off x="3344449" y="284101"/>
+            <a:ext cx="7650584" cy="369332"/>
+          </a:xfrm>
+          <a:prstGeom prst="rect">
+            <a:avLst/>
+          </a:prstGeom>
+        </p:spPr>
+        <p:txBody>
+          <a:bodyPr wrap="square">
+            <a:spAutoFit/>
+          </a:bodyPr>
+          <a:lstStyle/>
+          <a:p>
+            <a:r>
+              <a:rPr lang="zh-TW" altLang="en-US" dirty="0" smtClean="0"/>
+              <a:t>參考文件</a:t>
+            </a:r>
+            <a:r>
+              <a:rPr lang="en-US" altLang="zh-TW" dirty="0" smtClean="0"/>
+              <a:t>:https</a:t>
+            </a:r>
+            <a:r>
+              <a:rPr lang="en-US" altLang="zh-TW" dirty="0"/>
+              <a:t>://matplotlib.org/3.3.2/api/_as_gen/matplotlib.pyplot.plot.html</a:t>
+            </a:r>
+            <a:endParaRPr lang="zh-TW" altLang="en-US" dirty="0"/>
+          </a:p>
+        </p:txBody>
+      </p:sp>
+    </p:spTree>
+    <p:extLst>
+      <p:ext uri="{BB962C8B-B14F-4D97-AF65-F5344CB8AC3E}">
+        <p14:creationId xmlns:p14="http://schemas.microsoft.com/office/powerpoint/2010/main" val="2060509436"/>
+      </p:ext>
+    </p:extLst>
+  </p:cSld>
+  <p:clrMapOvr>
+    <a:masterClrMapping/>
+  </p:clrMapOvr>
+</p:sld>
+</file>
+
+<file path=ppt/slides/slide11.xml><?xml version="1.0" encoding="utf-8"?>
+<p:sld xmlns:a="http://schemas.openxmlformats.org/drawingml/2006/main" xmlns:r="http://schemas.openxmlformats.org/officeDocument/2006/relationships" xmlns:p="http://schemas.openxmlformats.org/presentationml/2006/main">
+  <p:cSld>
+    <p:spTree>
+      <p:nvGrpSpPr>
+        <p:cNvPr id="1" name=""/>
+        <p:cNvGrpSpPr/>
+        <p:nvPr/>
+      </p:nvGrpSpPr>
+      <p:grpSpPr>
+        <a:xfrm>
+          <a:off x="0" y="0"/>
+          <a:ext cx="0" cy="0"/>
+          <a:chOff x="0" y="0"/>
+          <a:chExt cx="0" cy="0"/>
+        </a:xfrm>
+      </p:grpSpPr>
+      <p:sp>
+        <p:nvSpPr>
+          <p:cNvPr id="4" name="標題 3"/>
+          <p:cNvSpPr>
+            <a:spLocks noGrp="1"/>
+          </p:cNvSpPr>
+          <p:nvPr>
+            <p:ph type="title"/>
+          </p:nvPr>
+        </p:nvSpPr>
+        <p:spPr/>
+        <p:txBody>
+          <a:bodyPr/>
+          <a:lstStyle/>
+          <a:p>
+            <a:r>
+              <a:rPr lang="zh-TW" altLang="en-US" dirty="0" smtClean="0"/>
+              <a:t>作業</a:t>
+            </a:r>
+            <a:r>
+              <a:rPr lang="en-US" altLang="zh-TW" dirty="0" smtClean="0"/>
+              <a:t>2:</a:t>
+            </a:r>
+            <a:r>
+              <a:rPr lang="zh-TW" altLang="en-US" dirty="0" smtClean="0"/>
+              <a:t>生成下圖</a:t>
+            </a:r>
+            <a:endParaRPr lang="zh-TW" altLang="en-US" dirty="0"/>
+          </a:p>
+        </p:txBody>
+      </p:sp>
+      <p:pic>
+        <p:nvPicPr>
+          <p:cNvPr id="5" name="圖片 4"/>
+          <p:cNvPicPr>
+            <a:picLocks noChangeAspect="1"/>
+          </p:cNvPicPr>
+          <p:nvPr/>
+        </p:nvPicPr>
+        <p:blipFill>
+          <a:blip r:embed="rId2">
+            <a:extLst>
+              <a:ext uri="{28A0092B-C50C-407E-A947-70E740481C1C}">
+                <a14:useLocalDpi xmlns:a14="http://schemas.microsoft.com/office/drawing/2010/main" val="0"/>
+              </a:ext>
+            </a:extLst>
+          </a:blip>
+          <a:stretch>
+            <a:fillRect/>
+          </a:stretch>
+        </p:blipFill>
+        <p:spPr>
+          <a:xfrm>
+            <a:off x="2472654" y="1187809"/>
+            <a:ext cx="7246691" cy="5036451"/>
+          </a:xfrm>
+          <a:prstGeom prst="rect">
+            <a:avLst/>
+          </a:prstGeom>
+        </p:spPr>
+      </p:pic>
+    </p:spTree>
+    <p:extLst>
+      <p:ext uri="{BB962C8B-B14F-4D97-AF65-F5344CB8AC3E}">
+        <p14:creationId xmlns:p14="http://schemas.microsoft.com/office/powerpoint/2010/main" val="1813703837"/>
+      </p:ext>
+    </p:extLst>
+  </p:cSld>
+  <p:clrMapOvr>
+    <a:masterClrMapping/>
+  </p:clrMapOvr>
+</p:sld>
+</file>
+
+<file path=ppt/slides/slide12.xml><?xml version="1.0" encoding="utf-8"?>
+<p:sld xmlns:a="http://schemas.openxmlformats.org/drawingml/2006/main" xmlns:r="http://schemas.openxmlformats.org/officeDocument/2006/relationships" xmlns:p="http://schemas.openxmlformats.org/presentationml/2006/main">
+  <p:cSld>
+    <p:spTree>
+      <p:nvGrpSpPr>
+        <p:cNvPr id="1" name=""/>
+        <p:cNvGrpSpPr/>
+        <p:nvPr/>
+      </p:nvGrpSpPr>
+      <p:grpSpPr>
+        <a:xfrm>
+          <a:off x="0" y="0"/>
+          <a:ext cx="0" cy="0"/>
+          <a:chOff x="0" y="0"/>
+          <a:chExt cx="0" cy="0"/>
+        </a:xfrm>
+      </p:grpSpPr>
+      <p:sp>
+        <p:nvSpPr>
+          <p:cNvPr id="3" name="矩形 2"/>
+          <p:cNvSpPr/>
+          <p:nvPr/>
+        </p:nvSpPr>
+        <p:spPr>
+          <a:xfrm>
+            <a:off x="1920825" y="1410060"/>
+            <a:ext cx="6632448" cy="4893647"/>
+          </a:xfrm>
+          <a:prstGeom prst="rect">
+            <a:avLst/>
+          </a:prstGeom>
+        </p:spPr>
+        <p:txBody>
+          <a:bodyPr wrap="square">
+            <a:spAutoFit/>
+          </a:bodyPr>
+          <a:lstStyle/>
+          <a:p>
+            <a:r>
+              <a:rPr lang="en-US" altLang="zh-TW" sz="2400" dirty="0">
+                <a:solidFill>
+                  <a:srgbClr val="AF00DB"/>
+                </a:solidFill>
+                <a:latin typeface="Courier New" panose="02070309020205020404" pitchFamily="49" charset="0"/>
+              </a:rPr>
+              <a:t>import</a:t>
+            </a:r>
+            <a:r>
+              <a:rPr lang="en-US" altLang="zh-TW" sz="2400" dirty="0">
+                <a:solidFill>
+                  <a:srgbClr val="000000"/>
+                </a:solidFill>
+                <a:latin typeface="Courier New" panose="02070309020205020404" pitchFamily="49" charset="0"/>
+              </a:rPr>
+              <a:t> </a:t>
+            </a:r>
+            <a:r>
+              <a:rPr lang="en-US" altLang="zh-TW" sz="2400" dirty="0" err="1">
+                <a:solidFill>
+                  <a:srgbClr val="000000"/>
+                </a:solidFill>
+                <a:latin typeface="Courier New" panose="02070309020205020404" pitchFamily="49" charset="0"/>
+              </a:rPr>
+              <a:t>numpy</a:t>
+            </a:r>
+            <a:r>
+              <a:rPr lang="en-US" altLang="zh-TW" sz="2400" dirty="0">
+                <a:solidFill>
+                  <a:srgbClr val="000000"/>
+                </a:solidFill>
+                <a:latin typeface="Courier New" panose="02070309020205020404" pitchFamily="49" charset="0"/>
+              </a:rPr>
+              <a:t> </a:t>
+            </a:r>
+            <a:r>
+              <a:rPr lang="en-US" altLang="zh-TW" sz="2400" dirty="0">
+                <a:solidFill>
+                  <a:srgbClr val="AF00DB"/>
+                </a:solidFill>
+                <a:latin typeface="Courier New" panose="02070309020205020404" pitchFamily="49" charset="0"/>
+              </a:rPr>
+              <a:t>as</a:t>
+            </a:r>
+            <a:r>
+              <a:rPr lang="en-US" altLang="zh-TW" sz="2400" dirty="0">
+                <a:solidFill>
+                  <a:srgbClr val="000000"/>
+                </a:solidFill>
+                <a:latin typeface="Courier New" panose="02070309020205020404" pitchFamily="49" charset="0"/>
+              </a:rPr>
+              <a:t> np</a:t>
+            </a:r>
+          </a:p>
+          <a:p>
+            <a:r>
+              <a:rPr lang="en-US" altLang="zh-TW" sz="2400" dirty="0">
+                <a:solidFill>
+                  <a:srgbClr val="AF00DB"/>
+                </a:solidFill>
+                <a:latin typeface="Courier New" panose="02070309020205020404" pitchFamily="49" charset="0"/>
+              </a:rPr>
+              <a:t>import</a:t>
+            </a:r>
+            <a:r>
+              <a:rPr lang="en-US" altLang="zh-TW" sz="2400" dirty="0">
+                <a:solidFill>
+                  <a:srgbClr val="000000"/>
+                </a:solidFill>
+                <a:latin typeface="Courier New" panose="02070309020205020404" pitchFamily="49" charset="0"/>
+              </a:rPr>
+              <a:t> </a:t>
+            </a:r>
+            <a:r>
+              <a:rPr lang="en-US" altLang="zh-TW" sz="2400" dirty="0" err="1">
+                <a:solidFill>
+                  <a:srgbClr val="000000"/>
+                </a:solidFill>
+                <a:latin typeface="Courier New" panose="02070309020205020404" pitchFamily="49" charset="0"/>
+              </a:rPr>
+              <a:t>pylab</a:t>
+            </a:r>
+            <a:r>
+              <a:rPr lang="en-US" altLang="zh-TW" sz="2400" dirty="0">
+                <a:solidFill>
+                  <a:srgbClr val="000000"/>
+                </a:solidFill>
+                <a:latin typeface="Courier New" panose="02070309020205020404" pitchFamily="49" charset="0"/>
+              </a:rPr>
+              <a:t> </a:t>
+            </a:r>
+            <a:r>
+              <a:rPr lang="en-US" altLang="zh-TW" sz="2400" dirty="0">
+                <a:solidFill>
+                  <a:srgbClr val="AF00DB"/>
+                </a:solidFill>
+                <a:latin typeface="Courier New" panose="02070309020205020404" pitchFamily="49" charset="0"/>
+              </a:rPr>
+              <a:t>as</a:t>
+            </a:r>
+            <a:r>
+              <a:rPr lang="en-US" altLang="zh-TW" sz="2400" dirty="0">
+                <a:solidFill>
+                  <a:srgbClr val="000000"/>
+                </a:solidFill>
+                <a:latin typeface="Courier New" panose="02070309020205020404" pitchFamily="49" charset="0"/>
+              </a:rPr>
+              <a:t> </a:t>
+            </a:r>
+            <a:r>
+              <a:rPr lang="en-US" altLang="zh-TW" sz="2400" dirty="0" err="1">
+                <a:solidFill>
+                  <a:srgbClr val="000000"/>
+                </a:solidFill>
+                <a:latin typeface="Courier New" panose="02070309020205020404" pitchFamily="49" charset="0"/>
+              </a:rPr>
+              <a:t>pl</a:t>
+            </a:r>
+            <a:endParaRPr lang="en-US" altLang="zh-TW" sz="2400" dirty="0">
+              <a:solidFill>
+                <a:srgbClr val="000000"/>
+              </a:solidFill>
+              <a:latin typeface="Courier New" panose="02070309020205020404" pitchFamily="49" charset="0"/>
+            </a:endParaRPr>
+          </a:p>
+          <a:p>
+            <a:r>
+              <a:rPr lang="en-US" altLang="zh-TW" sz="2400" dirty="0">
+                <a:solidFill>
+                  <a:srgbClr val="000000"/>
+                </a:solidFill>
+                <a:latin typeface="Courier New" panose="02070309020205020404" pitchFamily="49" charset="0"/>
+              </a:rPr>
+              <a:t/>
+            </a:r>
+            <a:br>
+              <a:rPr lang="en-US" altLang="zh-TW" sz="2400" dirty="0">
+                <a:solidFill>
+                  <a:srgbClr val="000000"/>
+                </a:solidFill>
+                <a:latin typeface="Courier New" panose="02070309020205020404" pitchFamily="49" charset="0"/>
+              </a:rPr>
+            </a:br>
+            <a:r>
+              <a:rPr lang="en-US" altLang="zh-TW" sz="2400" dirty="0">
+                <a:solidFill>
+                  <a:srgbClr val="000000"/>
+                </a:solidFill>
+                <a:latin typeface="Courier New" panose="02070309020205020404" pitchFamily="49" charset="0"/>
+              </a:rPr>
+              <a:t/>
+            </a:r>
+            <a:br>
+              <a:rPr lang="en-US" altLang="zh-TW" sz="2400" dirty="0">
+                <a:solidFill>
+                  <a:srgbClr val="000000"/>
+                </a:solidFill>
+                <a:latin typeface="Courier New" panose="02070309020205020404" pitchFamily="49" charset="0"/>
+              </a:rPr>
+            </a:br>
+            <a:r>
+              <a:rPr lang="en-US" altLang="zh-TW" sz="2400" dirty="0">
+                <a:solidFill>
+                  <a:srgbClr val="000000"/>
+                </a:solidFill>
+                <a:latin typeface="Courier New" panose="02070309020205020404" pitchFamily="49" charset="0"/>
+              </a:rPr>
+              <a:t>x = </a:t>
+            </a:r>
+            <a:r>
+              <a:rPr lang="en-US" altLang="zh-TW" sz="2400" dirty="0" err="1">
+                <a:solidFill>
+                  <a:srgbClr val="000000"/>
+                </a:solidFill>
+                <a:latin typeface="Courier New" panose="02070309020205020404" pitchFamily="49" charset="0"/>
+              </a:rPr>
+              <a:t>np.arange</a:t>
+            </a:r>
+            <a:r>
+              <a:rPr lang="en-US" altLang="zh-TW" sz="2400" dirty="0">
+                <a:solidFill>
+                  <a:srgbClr val="000000"/>
+                </a:solidFill>
+                <a:latin typeface="Courier New" panose="02070309020205020404" pitchFamily="49" charset="0"/>
+              </a:rPr>
+              <a:t>(</a:t>
+            </a:r>
+            <a:r>
+              <a:rPr lang="en-US" altLang="zh-TW" sz="2400" dirty="0">
+                <a:solidFill>
+                  <a:srgbClr val="09885A"/>
+                </a:solidFill>
+                <a:latin typeface="Courier New" panose="02070309020205020404" pitchFamily="49" charset="0"/>
+              </a:rPr>
+              <a:t>0.0</a:t>
+            </a:r>
+            <a:r>
+              <a:rPr lang="en-US" altLang="zh-TW" sz="2400" dirty="0">
+                <a:solidFill>
+                  <a:srgbClr val="000000"/>
+                </a:solidFill>
+                <a:latin typeface="Courier New" panose="02070309020205020404" pitchFamily="49" charset="0"/>
+              </a:rPr>
+              <a:t>, </a:t>
+            </a:r>
+            <a:r>
+              <a:rPr lang="en-US" altLang="zh-TW" sz="2400" dirty="0">
+                <a:solidFill>
+                  <a:srgbClr val="09885A"/>
+                </a:solidFill>
+                <a:latin typeface="Courier New" panose="02070309020205020404" pitchFamily="49" charset="0"/>
+              </a:rPr>
+              <a:t>2.0</a:t>
+            </a:r>
+            <a:r>
+              <a:rPr lang="en-US" altLang="zh-TW" sz="2400" dirty="0">
+                <a:solidFill>
+                  <a:srgbClr val="000000"/>
+                </a:solidFill>
+                <a:latin typeface="Courier New" panose="02070309020205020404" pitchFamily="49" charset="0"/>
+              </a:rPr>
+              <a:t>*</a:t>
+            </a:r>
+            <a:r>
+              <a:rPr lang="en-US" altLang="zh-TW" sz="2400" dirty="0" err="1">
+                <a:solidFill>
+                  <a:srgbClr val="000000"/>
+                </a:solidFill>
+                <a:latin typeface="Courier New" panose="02070309020205020404" pitchFamily="49" charset="0"/>
+              </a:rPr>
+              <a:t>np.pi</a:t>
+            </a:r>
+            <a:r>
+              <a:rPr lang="en-US" altLang="zh-TW" sz="2400" dirty="0">
+                <a:solidFill>
+                  <a:srgbClr val="000000"/>
+                </a:solidFill>
+                <a:latin typeface="Courier New" panose="02070309020205020404" pitchFamily="49" charset="0"/>
+              </a:rPr>
+              <a:t>, </a:t>
+            </a:r>
+            <a:r>
+              <a:rPr lang="en-US" altLang="zh-TW" sz="2400" dirty="0">
+                <a:solidFill>
+                  <a:srgbClr val="09885A"/>
+                </a:solidFill>
+                <a:latin typeface="Courier New" panose="02070309020205020404" pitchFamily="49" charset="0"/>
+              </a:rPr>
+              <a:t>0.01</a:t>
+            </a:r>
+            <a:r>
+              <a:rPr lang="en-US" altLang="zh-TW" sz="2400" dirty="0">
+                <a:solidFill>
+                  <a:srgbClr val="000000"/>
+                </a:solidFill>
+                <a:latin typeface="Courier New" panose="02070309020205020404" pitchFamily="49" charset="0"/>
+              </a:rPr>
+              <a:t>) </a:t>
+            </a:r>
+          </a:p>
+          <a:p>
+            <a:r>
+              <a:rPr lang="en-US" altLang="zh-TW" sz="2400" dirty="0">
+                <a:solidFill>
+                  <a:srgbClr val="000000"/>
+                </a:solidFill>
+                <a:latin typeface="Courier New" panose="02070309020205020404" pitchFamily="49" charset="0"/>
+              </a:rPr>
+              <a:t>y = </a:t>
+            </a:r>
+            <a:r>
+              <a:rPr lang="en-US" altLang="zh-TW" sz="2400" dirty="0" err="1">
+                <a:solidFill>
+                  <a:srgbClr val="000000"/>
+                </a:solidFill>
+                <a:latin typeface="Courier New" panose="02070309020205020404" pitchFamily="49" charset="0"/>
+              </a:rPr>
+              <a:t>np.sin</a:t>
+            </a:r>
+            <a:r>
+              <a:rPr lang="en-US" altLang="zh-TW" sz="2400" dirty="0">
+                <a:solidFill>
+                  <a:srgbClr val="000000"/>
+                </a:solidFill>
+                <a:latin typeface="Courier New" panose="02070309020205020404" pitchFamily="49" charset="0"/>
+              </a:rPr>
+              <a:t>(x)     </a:t>
+            </a:r>
+          </a:p>
+          <a:p>
+            <a:r>
+              <a:rPr lang="en-US" altLang="zh-TW" sz="2400" dirty="0">
+                <a:solidFill>
+                  <a:srgbClr val="000000"/>
+                </a:solidFill>
+                <a:latin typeface="Courier New" panose="02070309020205020404" pitchFamily="49" charset="0"/>
+              </a:rPr>
+              <a:t/>
+            </a:r>
+            <a:br>
+              <a:rPr lang="en-US" altLang="zh-TW" sz="2400" dirty="0">
+                <a:solidFill>
+                  <a:srgbClr val="000000"/>
+                </a:solidFill>
+                <a:latin typeface="Courier New" panose="02070309020205020404" pitchFamily="49" charset="0"/>
+              </a:rPr>
+            </a:br>
+            <a:r>
+              <a:rPr lang="en-US" altLang="zh-TW" sz="2400" dirty="0" err="1">
+                <a:solidFill>
+                  <a:srgbClr val="000000"/>
+                </a:solidFill>
+                <a:latin typeface="Courier New" panose="02070309020205020404" pitchFamily="49" charset="0"/>
+              </a:rPr>
+              <a:t>pl.plot</a:t>
+            </a:r>
+            <a:r>
+              <a:rPr lang="en-US" altLang="zh-TW" sz="2400" dirty="0">
+                <a:solidFill>
+                  <a:srgbClr val="000000"/>
+                </a:solidFill>
+                <a:latin typeface="Courier New" panose="02070309020205020404" pitchFamily="49" charset="0"/>
+              </a:rPr>
+              <a:t>(</a:t>
+            </a:r>
+            <a:r>
+              <a:rPr lang="en-US" altLang="zh-TW" sz="2400" dirty="0" err="1">
+                <a:solidFill>
+                  <a:srgbClr val="000000"/>
+                </a:solidFill>
+                <a:latin typeface="Courier New" panose="02070309020205020404" pitchFamily="49" charset="0"/>
+              </a:rPr>
+              <a:t>x,y</a:t>
+            </a:r>
+            <a:r>
+              <a:rPr lang="en-US" altLang="zh-TW" sz="2400" dirty="0">
+                <a:solidFill>
+                  <a:srgbClr val="000000"/>
+                </a:solidFill>
+                <a:latin typeface="Courier New" panose="02070309020205020404" pitchFamily="49" charset="0"/>
+              </a:rPr>
+              <a:t>)    </a:t>
+            </a:r>
+          </a:p>
+          <a:p>
+            <a:r>
+              <a:rPr lang="en-US" altLang="zh-TW" sz="2400" dirty="0" err="1">
+                <a:solidFill>
+                  <a:srgbClr val="000000"/>
+                </a:solidFill>
+                <a:latin typeface="Courier New" panose="02070309020205020404" pitchFamily="49" charset="0"/>
+              </a:rPr>
+              <a:t>pl.xlabel</a:t>
+            </a:r>
+            <a:r>
+              <a:rPr lang="en-US" altLang="zh-TW" sz="2400" dirty="0">
+                <a:solidFill>
+                  <a:srgbClr val="000000"/>
+                </a:solidFill>
+                <a:latin typeface="Courier New" panose="02070309020205020404" pitchFamily="49" charset="0"/>
+              </a:rPr>
+              <a:t>(</a:t>
+            </a:r>
+            <a:r>
+              <a:rPr lang="en-US" altLang="zh-TW" sz="2400" dirty="0">
+                <a:solidFill>
+                  <a:srgbClr val="A31515"/>
+                </a:solidFill>
+                <a:latin typeface="Courier New" panose="02070309020205020404" pitchFamily="49" charset="0"/>
+              </a:rPr>
+              <a:t>'x'</a:t>
+            </a:r>
+            <a:r>
+              <a:rPr lang="en-US" altLang="zh-TW" sz="2400" dirty="0">
+                <a:solidFill>
+                  <a:srgbClr val="000000"/>
+                </a:solidFill>
+                <a:latin typeface="Courier New" panose="02070309020205020404" pitchFamily="49" charset="0"/>
+              </a:rPr>
+              <a:t>)      </a:t>
+            </a:r>
+          </a:p>
+          <a:p>
+            <a:r>
+              <a:rPr lang="en-US" altLang="zh-TW" sz="2400" dirty="0" err="1">
+                <a:solidFill>
+                  <a:srgbClr val="000000"/>
+                </a:solidFill>
+                <a:latin typeface="Courier New" panose="02070309020205020404" pitchFamily="49" charset="0"/>
+              </a:rPr>
+              <a:t>pl.ylabel</a:t>
+            </a:r>
+            <a:r>
+              <a:rPr lang="en-US" altLang="zh-TW" sz="2400" dirty="0">
+                <a:solidFill>
+                  <a:srgbClr val="000000"/>
+                </a:solidFill>
+                <a:latin typeface="Courier New" panose="02070309020205020404" pitchFamily="49" charset="0"/>
+              </a:rPr>
+              <a:t>(</a:t>
+            </a:r>
+            <a:r>
+              <a:rPr lang="en-US" altLang="zh-TW" sz="2400" dirty="0">
+                <a:solidFill>
+                  <a:srgbClr val="A31515"/>
+                </a:solidFill>
+                <a:latin typeface="Courier New" panose="02070309020205020404" pitchFamily="49" charset="0"/>
+              </a:rPr>
+              <a:t>'y'</a:t>
+            </a:r>
+            <a:r>
+              <a:rPr lang="en-US" altLang="zh-TW" sz="2400" dirty="0">
+                <a:solidFill>
+                  <a:srgbClr val="000000"/>
+                </a:solidFill>
+                <a:latin typeface="Courier New" panose="02070309020205020404" pitchFamily="49" charset="0"/>
+              </a:rPr>
+              <a:t>)</a:t>
+            </a:r>
+          </a:p>
+          <a:p>
+            <a:r>
+              <a:rPr lang="en-US" altLang="zh-TW" sz="2400" dirty="0" err="1">
+                <a:solidFill>
+                  <a:srgbClr val="000000"/>
+                </a:solidFill>
+                <a:latin typeface="Courier New" panose="02070309020205020404" pitchFamily="49" charset="0"/>
+              </a:rPr>
+              <a:t>pl.title</a:t>
+            </a:r>
+            <a:r>
+              <a:rPr lang="en-US" altLang="zh-TW" sz="2400" dirty="0">
+                <a:solidFill>
+                  <a:srgbClr val="000000"/>
+                </a:solidFill>
+                <a:latin typeface="Courier New" panose="02070309020205020404" pitchFamily="49" charset="0"/>
+              </a:rPr>
+              <a:t>(</a:t>
+            </a:r>
+            <a:r>
+              <a:rPr lang="en-US" altLang="zh-TW" sz="2400" dirty="0">
+                <a:solidFill>
+                  <a:srgbClr val="A31515"/>
+                </a:solidFill>
+                <a:latin typeface="Courier New" panose="02070309020205020404" pitchFamily="49" charset="0"/>
+              </a:rPr>
+              <a:t>'sin'</a:t>
+            </a:r>
+            <a:r>
+              <a:rPr lang="en-US" altLang="zh-TW" sz="2400" dirty="0">
+                <a:solidFill>
+                  <a:srgbClr val="000000"/>
+                </a:solidFill>
+                <a:latin typeface="Courier New" panose="02070309020205020404" pitchFamily="49" charset="0"/>
+              </a:rPr>
+              <a:t>)   </a:t>
+            </a:r>
+          </a:p>
+          <a:p>
+            <a:r>
+              <a:rPr lang="en-US" altLang="zh-TW" sz="2400" dirty="0" err="1">
+                <a:solidFill>
+                  <a:srgbClr val="000000"/>
+                </a:solidFill>
+                <a:latin typeface="Courier New" panose="02070309020205020404" pitchFamily="49" charset="0"/>
+              </a:rPr>
+              <a:t>pl.show</a:t>
+            </a:r>
+            <a:r>
+              <a:rPr lang="en-US" altLang="zh-TW" sz="2400" dirty="0">
+                <a:solidFill>
+                  <a:srgbClr val="000000"/>
+                </a:solidFill>
+                <a:latin typeface="Courier New" panose="02070309020205020404" pitchFamily="49" charset="0"/>
+              </a:rPr>
+              <a:t>()</a:t>
+            </a:r>
+            <a:endParaRPr lang="en-US" altLang="zh-TW" sz="2400" b="0" dirty="0">
+              <a:solidFill>
+                <a:srgbClr val="000000"/>
+              </a:solidFill>
+              <a:effectLst/>
+              <a:latin typeface="Courier New" panose="02070309020205020404" pitchFamily="49" charset="0"/>
+            </a:endParaRPr>
+          </a:p>
+        </p:txBody>
+      </p:sp>
+      <p:sp>
+        <p:nvSpPr>
+          <p:cNvPr id="4" name="矩形 3"/>
+          <p:cNvSpPr/>
+          <p:nvPr/>
+        </p:nvSpPr>
+        <p:spPr>
+          <a:xfrm>
+            <a:off x="2603577" y="2901379"/>
+            <a:ext cx="5949696" cy="426720"/>
+          </a:xfrm>
+          <a:prstGeom prst="rect">
+            <a:avLst/>
+          </a:prstGeom>
+          <a:noFill/>
+          <a:ln w="57150">
+            <a:solidFill>
+              <a:srgbClr val="FF0000"/>
+            </a:solidFill>
+          </a:ln>
+        </p:spPr>
+        <p:style>
+          <a:lnRef idx="2">
+            <a:schemeClr val="accent1">
+              <a:shade val="50000"/>
+            </a:schemeClr>
+          </a:lnRef>
+          <a:fillRef idx="1">
+            <a:schemeClr val="accent1"/>
+          </a:fillRef>
+          <a:effectRef idx="0">
+            <a:schemeClr val="accent1"/>
+          </a:effectRef>
+          <a:fontRef idx="minor">
+            <a:schemeClr val="lt1"/>
+          </a:fontRef>
+        </p:style>
+        <p:txBody>
+          <a:bodyPr rtlCol="0" anchor="ctr"/>
+          <a:lstStyle/>
+          <a:p>
+            <a:pPr algn="ctr"/>
+            <a:endParaRPr lang="zh-TW" altLang="en-US"/>
+          </a:p>
+        </p:txBody>
+      </p:sp>
+      <p:cxnSp>
+        <p:nvCxnSpPr>
+          <p:cNvPr id="8" name="直線單箭頭接點 7"/>
+          <p:cNvCxnSpPr/>
+          <p:nvPr/>
+        </p:nvCxnSpPr>
+        <p:spPr>
+          <a:xfrm rot="16200000" flipV="1">
+            <a:off x="7645804" y="3573082"/>
+            <a:ext cx="1095279" cy="963168"/>
+          </a:xfrm>
+          <a:prstGeom prst="curvedConnector3">
+            <a:avLst>
+              <a:gd name="adj1" fmla="val 50000"/>
+            </a:avLst>
+          </a:prstGeom>
+          <a:ln w="38100">
+            <a:solidFill>
+              <a:srgbClr val="FF0000"/>
+            </a:solidFill>
+            <a:tailEnd type="triangle"/>
+          </a:ln>
+        </p:spPr>
+        <p:style>
+          <a:lnRef idx="1">
+            <a:schemeClr val="accent1"/>
+          </a:lnRef>
+          <a:fillRef idx="0">
+            <a:schemeClr val="accent1"/>
+          </a:fillRef>
+          <a:effectRef idx="0">
+            <a:schemeClr val="accent1"/>
+          </a:effectRef>
+          <a:fontRef idx="minor">
+            <a:schemeClr val="tx1"/>
+          </a:fontRef>
+        </p:style>
+      </p:cxnSp>
+      <p:sp>
+        <p:nvSpPr>
+          <p:cNvPr id="13" name="文字方塊 12"/>
+          <p:cNvSpPr txBox="1"/>
+          <p:nvPr/>
+        </p:nvSpPr>
+        <p:spPr>
+          <a:xfrm>
+            <a:off x="7429145" y="4653662"/>
+            <a:ext cx="3511296" cy="646331"/>
+          </a:xfrm>
+          <a:prstGeom prst="rect">
+            <a:avLst/>
+          </a:prstGeom>
+          <a:noFill/>
+        </p:spPr>
+        <p:txBody>
+          <a:bodyPr wrap="square" rtlCol="0">
+            <a:spAutoFit/>
+          </a:bodyPr>
+          <a:lstStyle/>
+          <a:p>
+            <a:r>
+              <a:rPr lang="en-US" altLang="zh-TW" sz="3600" dirty="0" smtClean="0"/>
+              <a:t>Star, end , step</a:t>
+            </a:r>
+            <a:endParaRPr lang="zh-TW" altLang="en-US" sz="3600" dirty="0"/>
+          </a:p>
+        </p:txBody>
+      </p:sp>
+      <p:sp>
+        <p:nvSpPr>
+          <p:cNvPr id="14" name="標題 13"/>
+          <p:cNvSpPr>
+            <a:spLocks noGrp="1"/>
+          </p:cNvSpPr>
+          <p:nvPr>
+            <p:ph type="title"/>
+          </p:nvPr>
+        </p:nvSpPr>
+        <p:spPr>
+          <a:xfrm>
+            <a:off x="424841" y="84497"/>
+            <a:ext cx="10515600" cy="1325563"/>
+          </a:xfrm>
+        </p:spPr>
+        <p:txBody>
+          <a:bodyPr/>
+          <a:lstStyle/>
+          <a:p>
+            <a:r>
+              <a:rPr lang="zh-TW" altLang="en-US" dirty="0" smtClean="0"/>
+              <a:t>程式碼</a:t>
+            </a:r>
+            <a:endParaRPr lang="zh-TW" altLang="en-US" dirty="0"/>
+          </a:p>
+        </p:txBody>
+      </p:sp>
+    </p:spTree>
+    <p:extLst>
+      <p:ext uri="{BB962C8B-B14F-4D97-AF65-F5344CB8AC3E}">
+        <p14:creationId xmlns:p14="http://schemas.microsoft.com/office/powerpoint/2010/main" val="367813859"/>
+      </p:ext>
+    </p:extLst>
+  </p:cSld>
+  <p:clrMapOvr>
+    <a:masterClrMapping/>
+  </p:clrMapOvr>
+  <p:timing>
+    <p:tnLst>
+      <p:par>
+        <p:cTn id="1" dur="indefinite" restart="never" nodeType="tmRoot"/>
+      </p:par>
+    </p:tnLst>
+  </p:timing>
+</p:sld>
+</file>
+
+<file path=ppt/slides/slide13.xml><?xml version="1.0" encoding="utf-8"?>
+<p:sld xmlns:a="http://schemas.openxmlformats.org/drawingml/2006/main" xmlns:r="http://schemas.openxmlformats.org/officeDocument/2006/relationships" xmlns:p="http://schemas.openxmlformats.org/presentationml/2006/main">
+  <p:cSld>
+    <p:spTree>
+      <p:nvGrpSpPr>
+        <p:cNvPr id="1" name=""/>
+        <p:cNvGrpSpPr/>
+        <p:nvPr/>
+      </p:nvGrpSpPr>
+      <p:grpSpPr>
+        <a:xfrm>
+          <a:off x="0" y="0"/>
+          <a:ext cx="0" cy="0"/>
+          <a:chOff x="0" y="0"/>
+          <a:chExt cx="0" cy="0"/>
+        </a:xfrm>
+      </p:grpSpPr>
+      <p:pic>
+        <p:nvPicPr>
+          <p:cNvPr id="2" name="圖片 1"/>
+          <p:cNvPicPr>
+            <a:picLocks noChangeAspect="1"/>
+          </p:cNvPicPr>
+          <p:nvPr/>
+        </p:nvPicPr>
+        <p:blipFill>
+          <a:blip r:embed="rId2">
+            <a:extLst>
+              <a:ext uri="{28A0092B-C50C-407E-A947-70E740481C1C}">
+                <a14:useLocalDpi xmlns:a14="http://schemas.microsoft.com/office/drawing/2010/main" val="0"/>
+              </a:ext>
+            </a:extLst>
+          </a:blip>
+          <a:stretch>
+            <a:fillRect/>
+          </a:stretch>
+        </p:blipFill>
+        <p:spPr>
+          <a:xfrm>
+            <a:off x="769090" y="1233940"/>
+            <a:ext cx="7246691" cy="5036451"/>
+          </a:xfrm>
+          <a:prstGeom prst="rect">
+            <a:avLst/>
+          </a:prstGeom>
+        </p:spPr>
+      </p:pic>
+      <p:sp>
+        <p:nvSpPr>
+          <p:cNvPr id="3" name="矩形 2"/>
+          <p:cNvSpPr/>
+          <p:nvPr/>
+        </p:nvSpPr>
+        <p:spPr>
+          <a:xfrm>
+            <a:off x="1810094" y="6220914"/>
+            <a:ext cx="598241" cy="369332"/>
+          </a:xfrm>
+          <a:prstGeom prst="rect">
+            <a:avLst/>
+          </a:prstGeom>
+        </p:spPr>
+        <p:txBody>
+          <a:bodyPr wrap="none">
+            <a:spAutoFit/>
+          </a:bodyPr>
+          <a:lstStyle/>
+          <a:p>
+            <a:r>
+              <a:rPr lang="en-US" altLang="zh-TW" dirty="0">
+                <a:solidFill>
+                  <a:srgbClr val="FF0000"/>
+                </a:solidFill>
+                <a:latin typeface="Courier New" panose="02070309020205020404" pitchFamily="49" charset="0"/>
+              </a:rPr>
+              <a:t>0.0</a:t>
+            </a:r>
+            <a:endParaRPr lang="zh-TW" altLang="en-US" dirty="0">
+              <a:solidFill>
+                <a:srgbClr val="FF0000"/>
+              </a:solidFill>
+            </a:endParaRPr>
+          </a:p>
+        </p:txBody>
+      </p:sp>
+      <p:sp>
+        <p:nvSpPr>
+          <p:cNvPr id="4" name="矩形 3"/>
+          <p:cNvSpPr/>
+          <p:nvPr/>
+        </p:nvSpPr>
+        <p:spPr>
+          <a:xfrm>
+            <a:off x="6635764" y="5840572"/>
+            <a:ext cx="2017239" cy="461665"/>
+          </a:xfrm>
+          <a:prstGeom prst="rect">
+            <a:avLst/>
+          </a:prstGeom>
+        </p:spPr>
+        <p:txBody>
+          <a:bodyPr wrap="square">
+            <a:spAutoFit/>
+          </a:bodyPr>
+          <a:lstStyle/>
+          <a:p>
+            <a:r>
+              <a:rPr lang="en-US" altLang="zh-TW" sz="2400" dirty="0">
+                <a:solidFill>
+                  <a:srgbClr val="FF0000"/>
+                </a:solidFill>
+                <a:latin typeface="Courier New" panose="02070309020205020404" pitchFamily="49" charset="0"/>
+              </a:rPr>
+              <a:t>2.0*</a:t>
+            </a:r>
+            <a:r>
+              <a:rPr lang="en-US" altLang="zh-TW" sz="2400" dirty="0" err="1">
+                <a:solidFill>
+                  <a:srgbClr val="FF0000"/>
+                </a:solidFill>
+                <a:latin typeface="Courier New" panose="02070309020205020404" pitchFamily="49" charset="0"/>
+              </a:rPr>
+              <a:t>np.pi</a:t>
+            </a:r>
+            <a:endParaRPr lang="zh-TW" altLang="en-US" sz="2400" dirty="0">
+              <a:solidFill>
+                <a:srgbClr val="FF0000"/>
+              </a:solidFill>
+            </a:endParaRPr>
+          </a:p>
+        </p:txBody>
+      </p:sp>
+      <p:cxnSp>
+        <p:nvCxnSpPr>
+          <p:cNvPr id="6" name="直線接點 5"/>
+          <p:cNvCxnSpPr/>
+          <p:nvPr/>
+        </p:nvCxnSpPr>
+        <p:spPr>
+          <a:xfrm>
+            <a:off x="7632192" y="3604705"/>
+            <a:ext cx="12192" cy="2267712"/>
+          </a:xfrm>
+          <a:prstGeom prst="line">
+            <a:avLst/>
+          </a:prstGeom>
+          <a:ln>
+            <a:solidFill>
+              <a:srgbClr val="FF0000"/>
+            </a:solidFill>
+            <a:prstDash val="dash"/>
+          </a:ln>
+        </p:spPr>
+        <p:style>
+          <a:lnRef idx="1">
+            <a:schemeClr val="accent1"/>
+          </a:lnRef>
+          <a:fillRef idx="0">
+            <a:schemeClr val="accent1"/>
+          </a:fillRef>
+          <a:effectRef idx="0">
+            <a:schemeClr val="accent1"/>
+          </a:effectRef>
+          <a:fontRef idx="minor">
+            <a:schemeClr val="tx1"/>
+          </a:fontRef>
+        </p:style>
+      </p:cxnSp>
+      <p:cxnSp>
+        <p:nvCxnSpPr>
+          <p:cNvPr id="8" name="直線接點 7"/>
+          <p:cNvCxnSpPr/>
+          <p:nvPr/>
+        </p:nvCxnSpPr>
+        <p:spPr>
+          <a:xfrm>
+            <a:off x="2109215" y="3696802"/>
+            <a:ext cx="0" cy="2349745"/>
+          </a:xfrm>
+          <a:prstGeom prst="line">
+            <a:avLst/>
+          </a:prstGeom>
+          <a:ln w="28575">
+            <a:solidFill>
+              <a:srgbClr val="FF0000"/>
+            </a:solidFill>
+            <a:prstDash val="sysDash"/>
+          </a:ln>
+        </p:spPr>
+        <p:style>
+          <a:lnRef idx="1">
+            <a:schemeClr val="accent1"/>
+          </a:lnRef>
+          <a:fillRef idx="0">
+            <a:schemeClr val="accent1"/>
+          </a:fillRef>
+          <a:effectRef idx="0">
+            <a:schemeClr val="accent1"/>
+          </a:effectRef>
+          <a:fontRef idx="minor">
+            <a:schemeClr val="tx1"/>
+          </a:fontRef>
+        </p:style>
+      </p:cxnSp>
+      <p:sp>
+        <p:nvSpPr>
+          <p:cNvPr id="9" name="標題 8"/>
+          <p:cNvSpPr>
+            <a:spLocks noGrp="1"/>
+          </p:cNvSpPr>
+          <p:nvPr>
+            <p:ph type="title"/>
+          </p:nvPr>
+        </p:nvSpPr>
+        <p:spPr>
+          <a:xfrm>
+            <a:off x="545592" y="148670"/>
+            <a:ext cx="10515600" cy="1325563"/>
+          </a:xfrm>
+        </p:spPr>
+        <p:txBody>
+          <a:bodyPr/>
+          <a:lstStyle/>
+          <a:p>
+            <a:r>
+              <a:rPr lang="zh-TW" altLang="en-US" dirty="0" smtClean="0"/>
+              <a:t>執行成果</a:t>
+            </a:r>
+            <a:endParaRPr lang="zh-TW" altLang="en-US" dirty="0"/>
+          </a:p>
+        </p:txBody>
+      </p:sp>
+      <p:sp>
+        <p:nvSpPr>
+          <p:cNvPr id="10" name="矩形 9"/>
+          <p:cNvSpPr/>
+          <p:nvPr/>
+        </p:nvSpPr>
+        <p:spPr>
+          <a:xfrm>
+            <a:off x="7090808" y="2878077"/>
+            <a:ext cx="6096000" cy="646331"/>
+          </a:xfrm>
+          <a:prstGeom prst="rect">
+            <a:avLst/>
+          </a:prstGeom>
+        </p:spPr>
+        <p:txBody>
+          <a:bodyPr>
+            <a:spAutoFit/>
+          </a:bodyPr>
+          <a:lstStyle/>
+          <a:p>
+            <a:r>
+              <a:rPr lang="en-US" altLang="zh-TW" dirty="0">
+                <a:solidFill>
+                  <a:srgbClr val="000000"/>
+                </a:solidFill>
+                <a:latin typeface="Courier New" panose="02070309020205020404" pitchFamily="49" charset="0"/>
+              </a:rPr>
+              <a:t>x = </a:t>
+            </a:r>
+            <a:r>
+              <a:rPr lang="en-US" altLang="zh-TW" dirty="0" err="1">
+                <a:solidFill>
+                  <a:srgbClr val="000000"/>
+                </a:solidFill>
+                <a:latin typeface="Courier New" panose="02070309020205020404" pitchFamily="49" charset="0"/>
+              </a:rPr>
+              <a:t>np.arange</a:t>
+            </a:r>
+            <a:r>
+              <a:rPr lang="en-US" altLang="zh-TW" dirty="0">
+                <a:solidFill>
+                  <a:srgbClr val="000000"/>
+                </a:solidFill>
+                <a:latin typeface="Courier New" panose="02070309020205020404" pitchFamily="49" charset="0"/>
+              </a:rPr>
+              <a:t>(</a:t>
+            </a:r>
+            <a:r>
+              <a:rPr lang="en-US" altLang="zh-TW" dirty="0">
+                <a:solidFill>
+                  <a:srgbClr val="09885A"/>
+                </a:solidFill>
+                <a:latin typeface="Courier New" panose="02070309020205020404" pitchFamily="49" charset="0"/>
+              </a:rPr>
+              <a:t>0.0</a:t>
+            </a:r>
+            <a:r>
+              <a:rPr lang="en-US" altLang="zh-TW" dirty="0">
+                <a:solidFill>
+                  <a:srgbClr val="000000"/>
+                </a:solidFill>
+                <a:latin typeface="Courier New" panose="02070309020205020404" pitchFamily="49" charset="0"/>
+              </a:rPr>
+              <a:t>, </a:t>
+            </a:r>
+            <a:r>
+              <a:rPr lang="en-US" altLang="zh-TW" dirty="0">
+                <a:solidFill>
+                  <a:srgbClr val="09885A"/>
+                </a:solidFill>
+                <a:latin typeface="Courier New" panose="02070309020205020404" pitchFamily="49" charset="0"/>
+              </a:rPr>
+              <a:t>2.0</a:t>
+            </a:r>
+            <a:r>
+              <a:rPr lang="en-US" altLang="zh-TW" dirty="0">
+                <a:solidFill>
+                  <a:srgbClr val="000000"/>
+                </a:solidFill>
+                <a:latin typeface="Courier New" panose="02070309020205020404" pitchFamily="49" charset="0"/>
+              </a:rPr>
+              <a:t>*</a:t>
+            </a:r>
+            <a:r>
+              <a:rPr lang="en-US" altLang="zh-TW" dirty="0" err="1">
+                <a:solidFill>
+                  <a:srgbClr val="000000"/>
+                </a:solidFill>
+                <a:latin typeface="Courier New" panose="02070309020205020404" pitchFamily="49" charset="0"/>
+              </a:rPr>
+              <a:t>np.pi</a:t>
+            </a:r>
+            <a:r>
+              <a:rPr lang="en-US" altLang="zh-TW" dirty="0">
+                <a:solidFill>
+                  <a:srgbClr val="000000"/>
+                </a:solidFill>
+                <a:latin typeface="Courier New" panose="02070309020205020404" pitchFamily="49" charset="0"/>
+              </a:rPr>
+              <a:t>, </a:t>
+            </a:r>
+            <a:r>
+              <a:rPr lang="en-US" altLang="zh-TW" dirty="0">
+                <a:solidFill>
+                  <a:srgbClr val="09885A"/>
+                </a:solidFill>
+                <a:latin typeface="Courier New" panose="02070309020205020404" pitchFamily="49" charset="0"/>
+              </a:rPr>
+              <a:t>0.01</a:t>
+            </a:r>
+            <a:r>
+              <a:rPr lang="en-US" altLang="zh-TW" dirty="0">
+                <a:solidFill>
+                  <a:srgbClr val="000000"/>
+                </a:solidFill>
+                <a:latin typeface="Courier New" panose="02070309020205020404" pitchFamily="49" charset="0"/>
+              </a:rPr>
+              <a:t>) </a:t>
+            </a:r>
+          </a:p>
+          <a:p>
+            <a:r>
+              <a:rPr lang="en-US" altLang="zh-TW" dirty="0">
+                <a:solidFill>
+                  <a:srgbClr val="000000"/>
+                </a:solidFill>
+                <a:latin typeface="Courier New" panose="02070309020205020404" pitchFamily="49" charset="0"/>
+              </a:rPr>
+              <a:t>y = </a:t>
+            </a:r>
+            <a:r>
+              <a:rPr lang="en-US" altLang="zh-TW" dirty="0" err="1">
+                <a:solidFill>
+                  <a:srgbClr val="000000"/>
+                </a:solidFill>
+                <a:latin typeface="Courier New" panose="02070309020205020404" pitchFamily="49" charset="0"/>
+              </a:rPr>
+              <a:t>np.sin</a:t>
+            </a:r>
+            <a:r>
+              <a:rPr lang="en-US" altLang="zh-TW" dirty="0">
+                <a:solidFill>
+                  <a:srgbClr val="000000"/>
+                </a:solidFill>
+                <a:latin typeface="Courier New" panose="02070309020205020404" pitchFamily="49" charset="0"/>
+              </a:rPr>
+              <a:t>(x) </a:t>
+            </a:r>
+            <a:endParaRPr lang="en-US" altLang="zh-TW" b="0" dirty="0">
+              <a:solidFill>
+                <a:srgbClr val="000000"/>
+              </a:solidFill>
+              <a:effectLst/>
+              <a:latin typeface="Courier New" panose="02070309020205020404" pitchFamily="49" charset="0"/>
+            </a:endParaRPr>
+          </a:p>
+        </p:txBody>
+      </p:sp>
+      <p:sp>
+        <p:nvSpPr>
+          <p:cNvPr id="11" name="矩形 10"/>
+          <p:cNvSpPr/>
+          <p:nvPr/>
+        </p:nvSpPr>
+        <p:spPr>
+          <a:xfrm>
+            <a:off x="3969650" y="811451"/>
+            <a:ext cx="2666114" cy="369332"/>
+          </a:xfrm>
+          <a:prstGeom prst="rect">
+            <a:avLst/>
+          </a:prstGeom>
+        </p:spPr>
+        <p:txBody>
+          <a:bodyPr wrap="none">
+            <a:spAutoFit/>
+          </a:bodyPr>
+          <a:lstStyle/>
+          <a:p>
+            <a:r>
+              <a:rPr lang="en-US" altLang="zh-TW" dirty="0" err="1">
+                <a:solidFill>
+                  <a:srgbClr val="000000"/>
+                </a:solidFill>
+                <a:latin typeface="Courier New" panose="02070309020205020404" pitchFamily="49" charset="0"/>
+              </a:rPr>
+              <a:t>pl.title</a:t>
+            </a:r>
+            <a:r>
+              <a:rPr lang="en-US" altLang="zh-TW" dirty="0">
+                <a:solidFill>
+                  <a:srgbClr val="000000"/>
+                </a:solidFill>
+                <a:latin typeface="Courier New" panose="02070309020205020404" pitchFamily="49" charset="0"/>
+              </a:rPr>
+              <a:t>(</a:t>
+            </a:r>
+            <a:r>
+              <a:rPr lang="en-US" altLang="zh-TW" dirty="0">
+                <a:solidFill>
+                  <a:srgbClr val="A31515"/>
+                </a:solidFill>
+                <a:latin typeface="Courier New" panose="02070309020205020404" pitchFamily="49" charset="0"/>
+              </a:rPr>
+              <a:t>'sin'</a:t>
+            </a:r>
+            <a:r>
+              <a:rPr lang="en-US" altLang="zh-TW" dirty="0">
+                <a:solidFill>
+                  <a:srgbClr val="000000"/>
+                </a:solidFill>
+                <a:latin typeface="Courier New" panose="02070309020205020404" pitchFamily="49" charset="0"/>
+              </a:rPr>
+              <a:t>)   </a:t>
+            </a:r>
+          </a:p>
+        </p:txBody>
+      </p:sp>
+    </p:spTree>
+    <p:extLst>
+      <p:ext uri="{BB962C8B-B14F-4D97-AF65-F5344CB8AC3E}">
+        <p14:creationId xmlns:p14="http://schemas.microsoft.com/office/powerpoint/2010/main" val="978792049"/>
+      </p:ext>
+    </p:extLst>
+  </p:cSld>
+  <p:clrMapOvr>
+    <a:masterClrMapping/>
+  </p:clrMapOvr>
+  <p:timing>
+    <p:tnLst>
+      <p:par>
+        <p:cTn id="1" dur="indefinite" restart="never" nodeType="tmRoot"/>
+      </p:par>
+    </p:tnLst>
+  </p:timing>
+</p:sld>
+</file>
+
+<file path=ppt/slides/slide14.xml><?xml version="1.0" encoding="utf-8"?>
+<p:sld xmlns:a="http://schemas.openxmlformats.org/drawingml/2006/main" xmlns:r="http://schemas.openxmlformats.org/officeDocument/2006/relationships" xmlns:p="http://schemas.openxmlformats.org/presentationml/2006/main">
+  <p:cSld>
+    <p:spTree>
+      <p:nvGrpSpPr>
+        <p:cNvPr id="1" name=""/>
+        <p:cNvGrpSpPr/>
+        <p:nvPr/>
+      </p:nvGrpSpPr>
+      <p:grpSpPr>
+        <a:xfrm>
+          <a:off x="0" y="0"/>
+          <a:ext cx="0" cy="0"/>
+          <a:chOff x="0" y="0"/>
+          <a:chExt cx="0" cy="0"/>
+        </a:xfrm>
+      </p:grpSpPr>
+      <p:sp>
+        <p:nvSpPr>
+          <p:cNvPr id="2" name="標題 1"/>
+          <p:cNvSpPr>
+            <a:spLocks noGrp="1"/>
+          </p:cNvSpPr>
+          <p:nvPr>
+            <p:ph type="title"/>
+          </p:nvPr>
+        </p:nvSpPr>
+        <p:spPr/>
+        <p:txBody>
+          <a:bodyPr/>
+          <a:lstStyle/>
+          <a:p>
+            <a:r>
+              <a:rPr lang="zh-TW" altLang="en-US" dirty="0" smtClean="0"/>
+              <a:t>測試</a:t>
+            </a:r>
+            <a:r>
+              <a:rPr lang="en-US" altLang="zh-TW" dirty="0" smtClean="0"/>
+              <a:t>1:</a:t>
+            </a:r>
+            <a:r>
+              <a:rPr lang="zh-TW" altLang="en-US" dirty="0" smtClean="0"/>
+              <a:t>新增一條</a:t>
+            </a:r>
+            <a:r>
+              <a:rPr lang="en-US" altLang="zh-TW" dirty="0" smtClean="0"/>
+              <a:t>cos</a:t>
+            </a:r>
+            <a:endParaRPr lang="zh-TW" altLang="en-US" dirty="0"/>
+          </a:p>
+        </p:txBody>
+      </p:sp>
+      <p:pic>
+        <p:nvPicPr>
+          <p:cNvPr id="3" name="圖片 2"/>
+          <p:cNvPicPr>
+            <a:picLocks noChangeAspect="1"/>
+          </p:cNvPicPr>
+          <p:nvPr/>
+        </p:nvPicPr>
+        <p:blipFill>
+          <a:blip r:embed="rId2">
+            <a:extLst>
+              <a:ext uri="{28A0092B-C50C-407E-A947-70E740481C1C}">
+                <a14:useLocalDpi xmlns:a14="http://schemas.microsoft.com/office/drawing/2010/main" val="0"/>
+              </a:ext>
+            </a:extLst>
+          </a:blip>
+          <a:stretch>
+            <a:fillRect/>
+          </a:stretch>
+        </p:blipFill>
+        <p:spPr>
+          <a:xfrm>
+            <a:off x="2740878" y="1690688"/>
+            <a:ext cx="6710243" cy="4663619"/>
+          </a:xfrm>
+          <a:prstGeom prst="rect">
+            <a:avLst/>
+          </a:prstGeom>
+        </p:spPr>
+      </p:pic>
+      <p:sp>
+        <p:nvSpPr>
+          <p:cNvPr id="4" name="矩形 3"/>
+          <p:cNvSpPr/>
+          <p:nvPr/>
+        </p:nvSpPr>
+        <p:spPr>
+          <a:xfrm>
+            <a:off x="9330243" y="1908255"/>
+            <a:ext cx="2765501" cy="1107996"/>
+          </a:xfrm>
+          <a:prstGeom prst="rect">
+            <a:avLst/>
+          </a:prstGeom>
+        </p:spPr>
+        <p:txBody>
+          <a:bodyPr wrap="none">
+            <a:spAutoFit/>
+          </a:bodyPr>
+          <a:lstStyle/>
+          <a:p>
+            <a:r>
+              <a:rPr lang="en-US" altLang="zh-TW" sz="2400" dirty="0">
+                <a:solidFill>
+                  <a:srgbClr val="000000"/>
+                </a:solidFill>
+                <a:latin typeface="Courier New" panose="02070309020205020404" pitchFamily="49" charset="0"/>
+              </a:rPr>
+              <a:t>y1 = </a:t>
+            </a:r>
+            <a:r>
+              <a:rPr lang="en-US" altLang="zh-TW" sz="2400" dirty="0" err="1">
+                <a:solidFill>
+                  <a:srgbClr val="000000"/>
+                </a:solidFill>
+                <a:latin typeface="Courier New" panose="02070309020205020404" pitchFamily="49" charset="0"/>
+              </a:rPr>
+              <a:t>np.cos</a:t>
+            </a:r>
+            <a:r>
+              <a:rPr lang="en-US" altLang="zh-TW" sz="2400" dirty="0">
+                <a:solidFill>
+                  <a:srgbClr val="000000"/>
+                </a:solidFill>
+                <a:latin typeface="Courier New" panose="02070309020205020404" pitchFamily="49" charset="0"/>
+              </a:rPr>
+              <a:t>(x</a:t>
+            </a:r>
+            <a:r>
+              <a:rPr lang="en-US" altLang="zh-TW" sz="2400" dirty="0" smtClean="0">
+                <a:solidFill>
+                  <a:srgbClr val="000000"/>
+                </a:solidFill>
+                <a:latin typeface="Courier New" panose="02070309020205020404" pitchFamily="49" charset="0"/>
+              </a:rPr>
+              <a:t>)</a:t>
+            </a:r>
+          </a:p>
+          <a:p>
+            <a:r>
+              <a:rPr lang="en-US" altLang="zh-TW" sz="2400" dirty="0" err="1">
+                <a:solidFill>
+                  <a:srgbClr val="000000"/>
+                </a:solidFill>
+                <a:latin typeface="Courier New" panose="02070309020205020404" pitchFamily="49" charset="0"/>
+              </a:rPr>
+              <a:t>pl.plot</a:t>
+            </a:r>
+            <a:r>
+              <a:rPr lang="en-US" altLang="zh-TW" sz="2400" dirty="0">
+                <a:solidFill>
+                  <a:srgbClr val="000000"/>
+                </a:solidFill>
+                <a:latin typeface="Courier New" panose="02070309020205020404" pitchFamily="49" charset="0"/>
+              </a:rPr>
+              <a:t>(x,y1) </a:t>
+            </a:r>
+          </a:p>
+          <a:p>
+            <a:endParaRPr lang="en-US" altLang="zh-TW" b="0" dirty="0">
+              <a:solidFill>
+                <a:srgbClr val="000000"/>
+              </a:solidFill>
+              <a:effectLst/>
+              <a:latin typeface="Courier New" panose="02070309020205020404" pitchFamily="49" charset="0"/>
+            </a:endParaRPr>
+          </a:p>
+        </p:txBody>
+      </p:sp>
+    </p:spTree>
+    <p:extLst>
+      <p:ext uri="{BB962C8B-B14F-4D97-AF65-F5344CB8AC3E}">
+        <p14:creationId xmlns:p14="http://schemas.microsoft.com/office/powerpoint/2010/main" val="2664343223"/>
+      </p:ext>
+    </p:extLst>
+  </p:cSld>
+  <p:clrMapOvr>
+    <a:masterClrMapping/>
+  </p:clrMapOvr>
+  <p:timing>
+    <p:tnLst>
+      <p:par>
+        <p:cTn id="1" dur="indefinite" restart="never" nodeType="tmRoot"/>
+      </p:par>
+    </p:tnLst>
+  </p:timing>
+</p:sld>
+</file>
+
+<file path=ppt/slides/slide15.xml><?xml version="1.0" encoding="utf-8"?>
+<p:sld xmlns:a="http://schemas.openxmlformats.org/drawingml/2006/main" xmlns:r="http://schemas.openxmlformats.org/officeDocument/2006/relationships" xmlns:p="http://schemas.openxmlformats.org/presentationml/2006/main">
+  <p:cSld>
+    <p:spTree>
+      <p:nvGrpSpPr>
+        <p:cNvPr id="1" name=""/>
+        <p:cNvGrpSpPr/>
+        <p:nvPr/>
+      </p:nvGrpSpPr>
+      <p:grpSpPr>
+        <a:xfrm>
+          <a:off x="0" y="0"/>
+          <a:ext cx="0" cy="0"/>
+          <a:chOff x="0" y="0"/>
+          <a:chExt cx="0" cy="0"/>
+        </a:xfrm>
+      </p:grpSpPr>
+      <p:sp>
+        <p:nvSpPr>
+          <p:cNvPr id="2" name="標題 1"/>
+          <p:cNvSpPr>
+            <a:spLocks noGrp="1"/>
+          </p:cNvSpPr>
+          <p:nvPr>
+            <p:ph type="title"/>
+          </p:nvPr>
+        </p:nvSpPr>
+        <p:spPr/>
+        <p:txBody>
+          <a:bodyPr/>
+          <a:lstStyle/>
+          <a:p>
+            <a:r>
+              <a:rPr lang="zh-TW" altLang="en-US" dirty="0" smtClean="0"/>
+              <a:t>測試</a:t>
+            </a:r>
+            <a:r>
+              <a:rPr lang="en-US" altLang="zh-TW" dirty="0" smtClean="0"/>
+              <a:t>2:</a:t>
+            </a:r>
+            <a:r>
+              <a:rPr lang="zh-TW" altLang="en-US" dirty="0" smtClean="0"/>
+              <a:t>改成點點</a:t>
+            </a:r>
+            <a:r>
+              <a:rPr lang="zh-TW" altLang="en-US" dirty="0"/>
+              <a:t>線</a:t>
+            </a:r>
+          </a:p>
+        </p:txBody>
+      </p:sp>
+      <p:pic>
+        <p:nvPicPr>
+          <p:cNvPr id="3" name="圖片 2"/>
+          <p:cNvPicPr>
+            <a:picLocks noChangeAspect="1"/>
+          </p:cNvPicPr>
+          <p:nvPr/>
+        </p:nvPicPr>
+        <p:blipFill>
+          <a:blip r:embed="rId2">
+            <a:extLst>
+              <a:ext uri="{28A0092B-C50C-407E-A947-70E740481C1C}">
+                <a14:useLocalDpi xmlns:a14="http://schemas.microsoft.com/office/drawing/2010/main" val="0"/>
+              </a:ext>
+            </a:extLst>
+          </a:blip>
+          <a:stretch>
+            <a:fillRect/>
+          </a:stretch>
+        </p:blipFill>
+        <p:spPr>
+          <a:xfrm>
+            <a:off x="1836348" y="1525934"/>
+            <a:ext cx="7015043" cy="4875455"/>
+          </a:xfrm>
+          <a:prstGeom prst="rect">
+            <a:avLst/>
+          </a:prstGeom>
+        </p:spPr>
+      </p:pic>
+      <p:sp>
+        <p:nvSpPr>
+          <p:cNvPr id="4" name="矩形 3"/>
+          <p:cNvSpPr/>
+          <p:nvPr/>
+        </p:nvSpPr>
+        <p:spPr>
+          <a:xfrm>
+            <a:off x="3115942" y="3963662"/>
+            <a:ext cx="2666114" cy="369332"/>
+          </a:xfrm>
+          <a:prstGeom prst="rect">
+            <a:avLst/>
+          </a:prstGeom>
+        </p:spPr>
+        <p:txBody>
+          <a:bodyPr wrap="none">
+            <a:spAutoFit/>
+          </a:bodyPr>
+          <a:lstStyle/>
+          <a:p>
+            <a:r>
+              <a:rPr lang="en-US" altLang="zh-TW" dirty="0" err="1">
+                <a:solidFill>
+                  <a:srgbClr val="000000"/>
+                </a:solidFill>
+                <a:latin typeface="Courier New" panose="02070309020205020404" pitchFamily="49" charset="0"/>
+              </a:rPr>
+              <a:t>pl.plot</a:t>
+            </a:r>
+            <a:r>
+              <a:rPr lang="en-US" altLang="zh-TW" dirty="0">
+                <a:solidFill>
+                  <a:srgbClr val="000000"/>
+                </a:solidFill>
+                <a:latin typeface="Courier New" panose="02070309020205020404" pitchFamily="49" charset="0"/>
+              </a:rPr>
+              <a:t>(</a:t>
+            </a:r>
+            <a:r>
+              <a:rPr lang="en-US" altLang="zh-TW" dirty="0" err="1">
+                <a:solidFill>
+                  <a:srgbClr val="000000"/>
+                </a:solidFill>
+                <a:latin typeface="Courier New" panose="02070309020205020404" pitchFamily="49" charset="0"/>
+              </a:rPr>
+              <a:t>x,y</a:t>
+            </a:r>
+            <a:r>
+              <a:rPr lang="en-US" altLang="zh-TW" dirty="0">
+                <a:solidFill>
+                  <a:srgbClr val="000000"/>
+                </a:solidFill>
+                <a:latin typeface="Courier New" panose="02070309020205020404" pitchFamily="49" charset="0"/>
+              </a:rPr>
+              <a:t>,</a:t>
+            </a:r>
+            <a:r>
+              <a:rPr lang="en-US" altLang="zh-TW" b="1" dirty="0">
+                <a:solidFill>
+                  <a:srgbClr val="FF0000"/>
+                </a:solidFill>
+                <a:latin typeface="Courier New" panose="02070309020205020404" pitchFamily="49" charset="0"/>
+              </a:rPr>
+              <a:t>":"</a:t>
+            </a:r>
+            <a:r>
+              <a:rPr lang="en-US" altLang="zh-TW" dirty="0">
+                <a:solidFill>
+                  <a:srgbClr val="000000"/>
+                </a:solidFill>
+                <a:latin typeface="Courier New" panose="02070309020205020404" pitchFamily="49" charset="0"/>
+              </a:rPr>
+              <a:t>)  </a:t>
+            </a:r>
+            <a:endParaRPr lang="en-US" altLang="zh-TW" b="0" dirty="0">
+              <a:solidFill>
+                <a:srgbClr val="000000"/>
+              </a:solidFill>
+              <a:effectLst/>
+              <a:latin typeface="Courier New" panose="02070309020205020404" pitchFamily="49" charset="0"/>
+            </a:endParaRPr>
+          </a:p>
+        </p:txBody>
+      </p:sp>
+    </p:spTree>
+    <p:extLst>
+      <p:ext uri="{BB962C8B-B14F-4D97-AF65-F5344CB8AC3E}">
+        <p14:creationId xmlns:p14="http://schemas.microsoft.com/office/powerpoint/2010/main" val="88060450"/>
+      </p:ext>
+    </p:extLst>
+  </p:cSld>
+  <p:clrMapOvr>
+    <a:masterClrMapping/>
+  </p:clrMapOvr>
+</p:sld>
+</file>
+
+<file path=ppt/slides/slide16.xml><?xml version="1.0" encoding="utf-8"?>
+<p:sld xmlns:a="http://schemas.openxmlformats.org/drawingml/2006/main" xmlns:r="http://schemas.openxmlformats.org/officeDocument/2006/relationships" xmlns:p="http://schemas.openxmlformats.org/presentationml/2006/main">
+  <p:cSld>
+    <p:spTree>
+      <p:nvGrpSpPr>
+        <p:cNvPr id="1" name=""/>
+        <p:cNvGrpSpPr/>
+        <p:nvPr/>
+      </p:nvGrpSpPr>
+      <p:grpSpPr>
+        <a:xfrm>
+          <a:off x="0" y="0"/>
+          <a:ext cx="0" cy="0"/>
+          <a:chOff x="0" y="0"/>
+          <a:chExt cx="0" cy="0"/>
+        </a:xfrm>
+      </p:grpSpPr>
+      <p:sp>
+        <p:nvSpPr>
+          <p:cNvPr id="2" name="標題 1"/>
+          <p:cNvSpPr>
+            <a:spLocks noGrp="1"/>
+          </p:cNvSpPr>
+          <p:nvPr>
+            <p:ph type="title"/>
+          </p:nvPr>
+        </p:nvSpPr>
+        <p:spPr/>
+        <p:txBody>
+          <a:bodyPr/>
+          <a:lstStyle/>
+          <a:p>
+            <a:r>
+              <a:rPr lang="zh-TW" altLang="en-US" dirty="0" smtClean="0"/>
+              <a:t>作業</a:t>
+            </a:r>
+            <a:r>
+              <a:rPr lang="en-US" altLang="zh-TW" dirty="0" smtClean="0"/>
+              <a:t>3:</a:t>
+            </a:r>
+            <a:r>
+              <a:rPr lang="zh-TW" altLang="en-US" dirty="0" smtClean="0"/>
+              <a:t>生成下圖</a:t>
+            </a:r>
+            <a:endParaRPr lang="zh-TW" altLang="en-US" dirty="0"/>
+          </a:p>
+        </p:txBody>
+      </p:sp>
+      <p:pic>
+        <p:nvPicPr>
+          <p:cNvPr id="3" name="圖片 2"/>
+          <p:cNvPicPr>
+            <a:picLocks noChangeAspect="1"/>
+          </p:cNvPicPr>
+          <p:nvPr/>
+        </p:nvPicPr>
+        <p:blipFill>
+          <a:blip r:embed="rId2">
+            <a:extLst>
+              <a:ext uri="{28A0092B-C50C-407E-A947-70E740481C1C}">
+                <a14:useLocalDpi xmlns:a14="http://schemas.microsoft.com/office/drawing/2010/main" val="0"/>
+              </a:ext>
+            </a:extLst>
+          </a:blip>
+          <a:stretch>
+            <a:fillRect/>
+          </a:stretch>
+        </p:blipFill>
+        <p:spPr>
+          <a:xfrm>
+            <a:off x="1961845" y="1507807"/>
+            <a:ext cx="7499147" cy="4818105"/>
+          </a:xfrm>
+          <a:prstGeom prst="rect">
+            <a:avLst/>
+          </a:prstGeom>
+        </p:spPr>
+      </p:pic>
+    </p:spTree>
+    <p:extLst>
+      <p:ext uri="{BB962C8B-B14F-4D97-AF65-F5344CB8AC3E}">
+        <p14:creationId xmlns:p14="http://schemas.microsoft.com/office/powerpoint/2010/main" val="2694111830"/>
+      </p:ext>
+    </p:extLst>
+  </p:cSld>
+  <p:clrMapOvr>
+    <a:masterClrMapping/>
+  </p:clrMapOvr>
+</p:sld>
+</file>
+
+<file path=ppt/slides/slide17.xml><?xml version="1.0" encoding="utf-8"?>
+<p:sld xmlns:a="http://schemas.openxmlformats.org/drawingml/2006/main" xmlns:r="http://schemas.openxmlformats.org/officeDocument/2006/relationships" xmlns:p="http://schemas.openxmlformats.org/presentationml/2006/main">
+  <p:cSld>
+    <p:spTree>
+      <p:nvGrpSpPr>
+        <p:cNvPr id="1" name=""/>
+        <p:cNvGrpSpPr/>
+        <p:nvPr/>
+      </p:nvGrpSpPr>
+      <p:grpSpPr>
+        <a:xfrm>
+          <a:off x="0" y="0"/>
+          <a:ext cx="0" cy="0"/>
+          <a:chOff x="0" y="0"/>
+          <a:chExt cx="0" cy="0"/>
+        </a:xfrm>
+      </p:grpSpPr>
+      <p:sp>
+        <p:nvSpPr>
+          <p:cNvPr id="3" name="矩形 2"/>
+          <p:cNvSpPr/>
+          <p:nvPr/>
+        </p:nvSpPr>
+        <p:spPr>
+          <a:xfrm>
+            <a:off x="2657856" y="1695700"/>
+            <a:ext cx="6096000" cy="3046988"/>
+          </a:xfrm>
+          <a:prstGeom prst="rect">
+            <a:avLst/>
+          </a:prstGeom>
+        </p:spPr>
+        <p:txBody>
+          <a:bodyPr>
+            <a:spAutoFit/>
+          </a:bodyPr>
+          <a:lstStyle/>
+          <a:p>
+            <a:r>
+              <a:rPr lang="en-US" altLang="zh-TW" sz="2400" dirty="0">
+                <a:solidFill>
+                  <a:srgbClr val="AF00DB"/>
+                </a:solidFill>
+                <a:latin typeface="Courier New" panose="02070309020205020404" pitchFamily="49" charset="0"/>
+              </a:rPr>
+              <a:t>import</a:t>
+            </a:r>
+            <a:r>
+              <a:rPr lang="en-US" altLang="zh-TW" sz="2400" dirty="0">
+                <a:solidFill>
+                  <a:srgbClr val="000000"/>
+                </a:solidFill>
+                <a:latin typeface="Courier New" panose="02070309020205020404" pitchFamily="49" charset="0"/>
+              </a:rPr>
+              <a:t> </a:t>
+            </a:r>
+            <a:r>
+              <a:rPr lang="en-US" altLang="zh-TW" sz="2400" dirty="0" err="1">
+                <a:solidFill>
+                  <a:srgbClr val="000000"/>
+                </a:solidFill>
+                <a:latin typeface="Courier New" panose="02070309020205020404" pitchFamily="49" charset="0"/>
+              </a:rPr>
+              <a:t>numpy</a:t>
+            </a:r>
+            <a:r>
+              <a:rPr lang="en-US" altLang="zh-TW" sz="2400" dirty="0">
+                <a:solidFill>
+                  <a:srgbClr val="000000"/>
+                </a:solidFill>
+                <a:latin typeface="Courier New" panose="02070309020205020404" pitchFamily="49" charset="0"/>
+              </a:rPr>
+              <a:t> </a:t>
+            </a:r>
+            <a:r>
+              <a:rPr lang="en-US" altLang="zh-TW" sz="2400" dirty="0">
+                <a:solidFill>
+                  <a:srgbClr val="AF00DB"/>
+                </a:solidFill>
+                <a:latin typeface="Courier New" panose="02070309020205020404" pitchFamily="49" charset="0"/>
+              </a:rPr>
+              <a:t>as</a:t>
+            </a:r>
+            <a:r>
+              <a:rPr lang="en-US" altLang="zh-TW" sz="2400" dirty="0">
+                <a:solidFill>
+                  <a:srgbClr val="000000"/>
+                </a:solidFill>
+                <a:latin typeface="Courier New" panose="02070309020205020404" pitchFamily="49" charset="0"/>
+              </a:rPr>
+              <a:t> np</a:t>
+            </a:r>
+          </a:p>
+          <a:p>
+            <a:r>
+              <a:rPr lang="en-US" altLang="zh-TW" sz="2400" dirty="0">
+                <a:solidFill>
+                  <a:srgbClr val="AF00DB"/>
+                </a:solidFill>
+                <a:latin typeface="Courier New" panose="02070309020205020404" pitchFamily="49" charset="0"/>
+              </a:rPr>
+              <a:t>import</a:t>
+            </a:r>
+            <a:r>
+              <a:rPr lang="en-US" altLang="zh-TW" sz="2400" dirty="0">
+                <a:solidFill>
+                  <a:srgbClr val="000000"/>
+                </a:solidFill>
+                <a:latin typeface="Courier New" panose="02070309020205020404" pitchFamily="49" charset="0"/>
+              </a:rPr>
+              <a:t> </a:t>
+            </a:r>
+            <a:r>
+              <a:rPr lang="en-US" altLang="zh-TW" sz="2400" dirty="0" err="1">
+                <a:solidFill>
+                  <a:srgbClr val="000000"/>
+                </a:solidFill>
+                <a:latin typeface="Courier New" panose="02070309020205020404" pitchFamily="49" charset="0"/>
+              </a:rPr>
+              <a:t>pylab</a:t>
+            </a:r>
+            <a:r>
+              <a:rPr lang="en-US" altLang="zh-TW" sz="2400" dirty="0">
+                <a:solidFill>
+                  <a:srgbClr val="000000"/>
+                </a:solidFill>
+                <a:latin typeface="Courier New" panose="02070309020205020404" pitchFamily="49" charset="0"/>
+              </a:rPr>
+              <a:t> </a:t>
+            </a:r>
+            <a:r>
+              <a:rPr lang="en-US" altLang="zh-TW" sz="2400" dirty="0">
+                <a:solidFill>
+                  <a:srgbClr val="AF00DB"/>
+                </a:solidFill>
+                <a:latin typeface="Courier New" panose="02070309020205020404" pitchFamily="49" charset="0"/>
+              </a:rPr>
+              <a:t>as</a:t>
+            </a:r>
+            <a:r>
+              <a:rPr lang="en-US" altLang="zh-TW" sz="2400" dirty="0">
+                <a:solidFill>
+                  <a:srgbClr val="000000"/>
+                </a:solidFill>
+                <a:latin typeface="Courier New" panose="02070309020205020404" pitchFamily="49" charset="0"/>
+              </a:rPr>
+              <a:t> </a:t>
+            </a:r>
+            <a:r>
+              <a:rPr lang="en-US" altLang="zh-TW" sz="2400" dirty="0" err="1">
+                <a:solidFill>
+                  <a:srgbClr val="000000"/>
+                </a:solidFill>
+                <a:latin typeface="Courier New" panose="02070309020205020404" pitchFamily="49" charset="0"/>
+              </a:rPr>
+              <a:t>pl</a:t>
+            </a:r>
+            <a:endParaRPr lang="en-US" altLang="zh-TW" sz="2400" dirty="0">
+              <a:solidFill>
+                <a:srgbClr val="000000"/>
+              </a:solidFill>
+              <a:latin typeface="Courier New" panose="02070309020205020404" pitchFamily="49" charset="0"/>
+            </a:endParaRPr>
+          </a:p>
+          <a:p>
+            <a:r>
+              <a:rPr lang="en-US" altLang="zh-TW" sz="2400" dirty="0">
+                <a:solidFill>
+                  <a:srgbClr val="000000"/>
+                </a:solidFill>
+                <a:latin typeface="Courier New" panose="02070309020205020404" pitchFamily="49" charset="0"/>
+              </a:rPr>
+              <a:t/>
+            </a:r>
+            <a:br>
+              <a:rPr lang="en-US" altLang="zh-TW" sz="2400" dirty="0">
+                <a:solidFill>
+                  <a:srgbClr val="000000"/>
+                </a:solidFill>
+                <a:latin typeface="Courier New" panose="02070309020205020404" pitchFamily="49" charset="0"/>
+              </a:rPr>
+            </a:br>
+            <a:r>
+              <a:rPr lang="en-US" altLang="zh-TW" sz="2400" dirty="0">
+                <a:solidFill>
+                  <a:srgbClr val="000000"/>
+                </a:solidFill>
+                <a:latin typeface="Courier New" panose="02070309020205020404" pitchFamily="49" charset="0"/>
+              </a:rPr>
+              <a:t>x = </a:t>
+            </a:r>
+            <a:r>
+              <a:rPr lang="en-US" altLang="zh-TW" sz="2400" dirty="0" err="1">
+                <a:solidFill>
+                  <a:srgbClr val="000000"/>
+                </a:solidFill>
+                <a:latin typeface="Courier New" panose="02070309020205020404" pitchFamily="49" charset="0"/>
+              </a:rPr>
+              <a:t>np.arange</a:t>
+            </a:r>
+            <a:r>
+              <a:rPr lang="en-US" altLang="zh-TW" sz="2400" dirty="0">
+                <a:solidFill>
+                  <a:srgbClr val="000000"/>
+                </a:solidFill>
+                <a:latin typeface="Courier New" panose="02070309020205020404" pitchFamily="49" charset="0"/>
+              </a:rPr>
+              <a:t>(</a:t>
+            </a:r>
+            <a:r>
+              <a:rPr lang="en-US" altLang="zh-TW" sz="2400" dirty="0">
+                <a:solidFill>
+                  <a:srgbClr val="09885A"/>
+                </a:solidFill>
+                <a:latin typeface="Courier New" panose="02070309020205020404" pitchFamily="49" charset="0"/>
+              </a:rPr>
+              <a:t>0</a:t>
+            </a:r>
+            <a:r>
+              <a:rPr lang="en-US" altLang="zh-TW" sz="2400" dirty="0">
+                <a:solidFill>
+                  <a:srgbClr val="000000"/>
+                </a:solidFill>
+                <a:latin typeface="Courier New" panose="02070309020205020404" pitchFamily="49" charset="0"/>
+              </a:rPr>
+              <a:t>, </a:t>
+            </a:r>
+            <a:r>
+              <a:rPr lang="en-US" altLang="zh-TW" sz="2400" dirty="0">
+                <a:solidFill>
+                  <a:srgbClr val="09885A"/>
+                </a:solidFill>
+                <a:latin typeface="Courier New" panose="02070309020205020404" pitchFamily="49" charset="0"/>
+              </a:rPr>
+              <a:t>2.0</a:t>
+            </a:r>
+            <a:r>
+              <a:rPr lang="en-US" altLang="zh-TW" sz="2400" dirty="0">
+                <a:solidFill>
+                  <a:srgbClr val="000000"/>
+                </a:solidFill>
+                <a:latin typeface="Courier New" panose="02070309020205020404" pitchFamily="49" charset="0"/>
+              </a:rPr>
+              <a:t>*</a:t>
+            </a:r>
+            <a:r>
+              <a:rPr lang="en-US" altLang="zh-TW" sz="2400" dirty="0" err="1">
+                <a:solidFill>
+                  <a:srgbClr val="000000"/>
+                </a:solidFill>
+                <a:latin typeface="Courier New" panose="02070309020205020404" pitchFamily="49" charset="0"/>
+              </a:rPr>
+              <a:t>np.pi</a:t>
+            </a:r>
+            <a:r>
+              <a:rPr lang="en-US" altLang="zh-TW" sz="2400" dirty="0">
+                <a:solidFill>
+                  <a:srgbClr val="000000"/>
+                </a:solidFill>
+                <a:latin typeface="Courier New" panose="02070309020205020404" pitchFamily="49" charset="0"/>
+              </a:rPr>
+              <a:t>, </a:t>
+            </a:r>
+            <a:r>
+              <a:rPr lang="en-US" altLang="zh-TW" sz="2400" dirty="0">
+                <a:solidFill>
+                  <a:srgbClr val="09885A"/>
+                </a:solidFill>
+                <a:latin typeface="Courier New" panose="02070309020205020404" pitchFamily="49" charset="0"/>
+              </a:rPr>
+              <a:t>0.2</a:t>
+            </a:r>
+            <a:r>
+              <a:rPr lang="en-US" altLang="zh-TW" sz="2400" dirty="0">
+                <a:solidFill>
+                  <a:srgbClr val="000000"/>
+                </a:solidFill>
+                <a:latin typeface="Courier New" panose="02070309020205020404" pitchFamily="49" charset="0"/>
+              </a:rPr>
+              <a:t>)</a:t>
+            </a:r>
+          </a:p>
+          <a:p>
+            <a:r>
+              <a:rPr lang="en-US" altLang="zh-TW" sz="2400" dirty="0">
+                <a:solidFill>
+                  <a:srgbClr val="000000"/>
+                </a:solidFill>
+                <a:latin typeface="Courier New" panose="02070309020205020404" pitchFamily="49" charset="0"/>
+              </a:rPr>
+              <a:t>y = </a:t>
+            </a:r>
+            <a:r>
+              <a:rPr lang="en-US" altLang="zh-TW" sz="2400" dirty="0" err="1">
+                <a:solidFill>
+                  <a:srgbClr val="000000"/>
+                </a:solidFill>
+                <a:latin typeface="Courier New" panose="02070309020205020404" pitchFamily="49" charset="0"/>
+              </a:rPr>
+              <a:t>np.cos</a:t>
+            </a:r>
+            <a:r>
+              <a:rPr lang="en-US" altLang="zh-TW" sz="2400" dirty="0">
+                <a:solidFill>
+                  <a:srgbClr val="000000"/>
+                </a:solidFill>
+                <a:latin typeface="Courier New" panose="02070309020205020404" pitchFamily="49" charset="0"/>
+              </a:rPr>
+              <a:t>(x)</a:t>
+            </a:r>
+          </a:p>
+          <a:p>
+            <a:r>
+              <a:rPr lang="en-US" altLang="zh-TW" sz="2400" dirty="0">
+                <a:solidFill>
+                  <a:srgbClr val="000000"/>
+                </a:solidFill>
+                <a:latin typeface="Courier New" panose="02070309020205020404" pitchFamily="49" charset="0"/>
+              </a:rPr>
+              <a:t/>
+            </a:r>
+            <a:br>
+              <a:rPr lang="en-US" altLang="zh-TW" sz="2400" dirty="0">
+                <a:solidFill>
+                  <a:srgbClr val="000000"/>
+                </a:solidFill>
+                <a:latin typeface="Courier New" panose="02070309020205020404" pitchFamily="49" charset="0"/>
+              </a:rPr>
+            </a:br>
+            <a:r>
+              <a:rPr lang="en-US" altLang="zh-TW" sz="2400" dirty="0" err="1">
+                <a:solidFill>
+                  <a:srgbClr val="000000"/>
+                </a:solidFill>
+                <a:latin typeface="Courier New" panose="02070309020205020404" pitchFamily="49" charset="0"/>
+              </a:rPr>
+              <a:t>pl.scatter</a:t>
+            </a:r>
+            <a:r>
+              <a:rPr lang="en-US" altLang="zh-TW" sz="2400" dirty="0">
+                <a:solidFill>
+                  <a:srgbClr val="000000"/>
+                </a:solidFill>
+                <a:latin typeface="Courier New" panose="02070309020205020404" pitchFamily="49" charset="0"/>
+              </a:rPr>
+              <a:t>(</a:t>
+            </a:r>
+            <a:r>
+              <a:rPr lang="en-US" altLang="zh-TW" sz="2400" dirty="0" err="1">
+                <a:solidFill>
+                  <a:srgbClr val="000000"/>
+                </a:solidFill>
+                <a:latin typeface="Courier New" panose="02070309020205020404" pitchFamily="49" charset="0"/>
+              </a:rPr>
+              <a:t>x,y</a:t>
+            </a:r>
+            <a:r>
+              <a:rPr lang="en-US" altLang="zh-TW" sz="2400" dirty="0">
+                <a:solidFill>
+                  <a:srgbClr val="000000"/>
+                </a:solidFill>
+                <a:latin typeface="Courier New" panose="02070309020205020404" pitchFamily="49" charset="0"/>
+              </a:rPr>
+              <a:t>)     </a:t>
+            </a:r>
+          </a:p>
+          <a:p>
+            <a:r>
+              <a:rPr lang="en-US" altLang="zh-TW" sz="2400" dirty="0" err="1">
+                <a:solidFill>
+                  <a:srgbClr val="000000"/>
+                </a:solidFill>
+                <a:latin typeface="Courier New" panose="02070309020205020404" pitchFamily="49" charset="0"/>
+              </a:rPr>
+              <a:t>pl.show</a:t>
+            </a:r>
+            <a:r>
+              <a:rPr lang="en-US" altLang="zh-TW" sz="2400" dirty="0">
+                <a:solidFill>
+                  <a:srgbClr val="000000"/>
+                </a:solidFill>
+                <a:latin typeface="Courier New" panose="02070309020205020404" pitchFamily="49" charset="0"/>
+              </a:rPr>
+              <a:t>()</a:t>
+            </a:r>
+            <a:endParaRPr lang="en-US" altLang="zh-TW" sz="2400" b="0" dirty="0">
+              <a:solidFill>
+                <a:srgbClr val="000000"/>
+              </a:solidFill>
+              <a:effectLst/>
+              <a:latin typeface="Courier New" panose="02070309020205020404" pitchFamily="49" charset="0"/>
+            </a:endParaRPr>
+          </a:p>
+        </p:txBody>
+      </p:sp>
+      <p:sp>
+        <p:nvSpPr>
+          <p:cNvPr id="5" name="矩形 4"/>
+          <p:cNvSpPr/>
+          <p:nvPr/>
+        </p:nvSpPr>
+        <p:spPr>
+          <a:xfrm>
+            <a:off x="3230880" y="3803904"/>
+            <a:ext cx="1377696" cy="487680"/>
+          </a:xfrm>
+          <a:prstGeom prst="rect">
+            <a:avLst/>
+          </a:prstGeom>
+          <a:noFill/>
+          <a:ln w="38100">
+            <a:solidFill>
+              <a:srgbClr val="FF0000"/>
+            </a:solidFill>
+          </a:ln>
+        </p:spPr>
+        <p:style>
+          <a:lnRef idx="2">
+            <a:schemeClr val="accent1">
+              <a:shade val="50000"/>
+            </a:schemeClr>
+          </a:lnRef>
+          <a:fillRef idx="1">
+            <a:schemeClr val="accent1"/>
+          </a:fillRef>
+          <a:effectRef idx="0">
+            <a:schemeClr val="accent1"/>
+          </a:effectRef>
+          <a:fontRef idx="minor">
+            <a:schemeClr val="lt1"/>
+          </a:fontRef>
+        </p:style>
+        <p:txBody>
+          <a:bodyPr rtlCol="0" anchor="ctr"/>
+          <a:lstStyle/>
+          <a:p>
+            <a:pPr algn="ctr"/>
+            <a:endParaRPr lang="zh-TW" altLang="en-US"/>
+          </a:p>
+        </p:txBody>
+      </p:sp>
+      <p:cxnSp>
+        <p:nvCxnSpPr>
+          <p:cNvPr id="9" name="直線單箭頭接點 8"/>
+          <p:cNvCxnSpPr/>
+          <p:nvPr/>
+        </p:nvCxnSpPr>
+        <p:spPr>
+          <a:xfrm rot="10800000">
+            <a:off x="4608576" y="4389120"/>
+            <a:ext cx="1072896" cy="707136"/>
+          </a:xfrm>
+          <a:prstGeom prst="curvedConnector3">
+            <a:avLst>
+              <a:gd name="adj1" fmla="val 61364"/>
+            </a:avLst>
+          </a:prstGeom>
+          <a:ln w="28575">
+            <a:solidFill>
+              <a:srgbClr val="FF0000"/>
+            </a:solidFill>
+            <a:tailEnd type="triangle"/>
+          </a:ln>
+        </p:spPr>
+        <p:style>
+          <a:lnRef idx="1">
+            <a:schemeClr val="accent1"/>
+          </a:lnRef>
+          <a:fillRef idx="0">
+            <a:schemeClr val="accent1"/>
+          </a:fillRef>
+          <a:effectRef idx="0">
+            <a:schemeClr val="accent1"/>
+          </a:effectRef>
+          <a:fontRef idx="minor">
+            <a:schemeClr val="tx1"/>
+          </a:fontRef>
+        </p:style>
+      </p:cxnSp>
+      <p:sp>
+        <p:nvSpPr>
+          <p:cNvPr id="11" name="文字方塊 10"/>
+          <p:cNvSpPr txBox="1"/>
+          <p:nvPr/>
+        </p:nvSpPr>
+        <p:spPr>
+          <a:xfrm>
+            <a:off x="5705856" y="4911590"/>
+            <a:ext cx="2450592" cy="461665"/>
+          </a:xfrm>
+          <a:prstGeom prst="rect">
+            <a:avLst/>
+          </a:prstGeom>
+          <a:noFill/>
+        </p:spPr>
+        <p:txBody>
+          <a:bodyPr wrap="square" rtlCol="0">
+            <a:spAutoFit/>
+          </a:bodyPr>
+          <a:lstStyle/>
+          <a:p>
+            <a:r>
+              <a:rPr lang="zh-TW" altLang="en-US" sz="2400" dirty="0" smtClean="0">
+                <a:solidFill>
+                  <a:srgbClr val="FF0000"/>
+                </a:solidFill>
+              </a:rPr>
+              <a:t>散點</a:t>
+            </a:r>
+            <a:r>
+              <a:rPr lang="zh-TW" altLang="en-US" sz="2400" dirty="0">
+                <a:solidFill>
+                  <a:srgbClr val="FF0000"/>
+                </a:solidFill>
+              </a:rPr>
+              <a:t>圖</a:t>
+            </a:r>
+          </a:p>
+        </p:txBody>
+      </p:sp>
+      <p:sp>
+        <p:nvSpPr>
+          <p:cNvPr id="12" name="標題 11"/>
+          <p:cNvSpPr>
+            <a:spLocks noGrp="1"/>
+          </p:cNvSpPr>
+          <p:nvPr>
+            <p:ph type="title"/>
+          </p:nvPr>
+        </p:nvSpPr>
+        <p:spPr>
+          <a:xfrm>
+            <a:off x="697992" y="151858"/>
+            <a:ext cx="10515600" cy="1325563"/>
+          </a:xfrm>
+        </p:spPr>
+        <p:txBody>
+          <a:bodyPr/>
+          <a:lstStyle/>
+          <a:p>
+            <a:r>
+              <a:rPr lang="zh-TW" altLang="en-US" dirty="0" smtClean="0"/>
+              <a:t>程式碼</a:t>
+            </a:r>
+            <a:endParaRPr lang="zh-TW" altLang="en-US" dirty="0"/>
+          </a:p>
+        </p:txBody>
+      </p:sp>
+    </p:spTree>
+    <p:extLst>
+      <p:ext uri="{BB962C8B-B14F-4D97-AF65-F5344CB8AC3E}">
+        <p14:creationId xmlns:p14="http://schemas.microsoft.com/office/powerpoint/2010/main" val="3959279415"/>
+      </p:ext>
+    </p:extLst>
+  </p:cSld>
+  <p:clrMapOvr>
+    <a:masterClrMapping/>
+  </p:clrMapOvr>
+</p:sld>
+</file>
+
+<file path=ppt/slides/slide18.xml><?xml version="1.0" encoding="utf-8"?>
+<p:sld xmlns:a="http://schemas.openxmlformats.org/drawingml/2006/main" xmlns:r="http://schemas.openxmlformats.org/officeDocument/2006/relationships" xmlns:p="http://schemas.openxmlformats.org/presentationml/2006/main">
+  <p:cSld>
+    <p:spTree>
+      <p:nvGrpSpPr>
+        <p:cNvPr id="1" name=""/>
+        <p:cNvGrpSpPr/>
+        <p:nvPr/>
+      </p:nvGrpSpPr>
+      <p:grpSpPr>
+        <a:xfrm>
+          <a:off x="0" y="0"/>
+          <a:ext cx="0" cy="0"/>
+          <a:chOff x="0" y="0"/>
+          <a:chExt cx="0" cy="0"/>
+        </a:xfrm>
+      </p:grpSpPr>
+      <p:sp>
+        <p:nvSpPr>
+          <p:cNvPr id="2" name="標題 1"/>
+          <p:cNvSpPr>
+            <a:spLocks noGrp="1"/>
+          </p:cNvSpPr>
+          <p:nvPr>
+            <p:ph type="title"/>
+          </p:nvPr>
+        </p:nvSpPr>
+        <p:spPr>
+          <a:xfrm>
+            <a:off x="725466" y="182244"/>
+            <a:ext cx="10515600" cy="1325563"/>
+          </a:xfrm>
+        </p:spPr>
+        <p:txBody>
+          <a:bodyPr/>
+          <a:lstStyle/>
+          <a:p>
+            <a:r>
+              <a:rPr lang="zh-TW" altLang="en-US" dirty="0"/>
+              <a:t>程式</a:t>
+            </a:r>
+            <a:r>
+              <a:rPr lang="zh-TW" altLang="en-US" dirty="0" smtClean="0"/>
+              <a:t>結果</a:t>
+            </a:r>
+            <a:endParaRPr lang="zh-TW" altLang="en-US" dirty="0"/>
+          </a:p>
+        </p:txBody>
+      </p:sp>
+      <p:pic>
+        <p:nvPicPr>
+          <p:cNvPr id="3" name="圖片 2"/>
+          <p:cNvPicPr>
+            <a:picLocks noChangeAspect="1"/>
+          </p:cNvPicPr>
+          <p:nvPr/>
+        </p:nvPicPr>
+        <p:blipFill>
+          <a:blip r:embed="rId2">
+            <a:extLst>
+              <a:ext uri="{28A0092B-C50C-407E-A947-70E740481C1C}">
+                <a14:useLocalDpi xmlns:a14="http://schemas.microsoft.com/office/drawing/2010/main" val="0"/>
+              </a:ext>
+            </a:extLst>
+          </a:blip>
+          <a:stretch>
+            <a:fillRect/>
+          </a:stretch>
+        </p:blipFill>
+        <p:spPr>
+          <a:xfrm>
+            <a:off x="1961845" y="1507807"/>
+            <a:ext cx="7499147" cy="4818105"/>
+          </a:xfrm>
+          <a:prstGeom prst="rect">
+            <a:avLst/>
+          </a:prstGeom>
+        </p:spPr>
+      </p:pic>
+      <p:sp>
+        <p:nvSpPr>
+          <p:cNvPr id="4" name="矩形 3"/>
+          <p:cNvSpPr/>
+          <p:nvPr/>
+        </p:nvSpPr>
+        <p:spPr>
+          <a:xfrm>
+            <a:off x="9401183" y="1507807"/>
+            <a:ext cx="2592376" cy="523220"/>
+          </a:xfrm>
+          <a:prstGeom prst="rect">
+            <a:avLst/>
+          </a:prstGeom>
+        </p:spPr>
+        <p:txBody>
+          <a:bodyPr wrap="none">
+            <a:spAutoFit/>
+          </a:bodyPr>
+          <a:lstStyle/>
+          <a:p>
+            <a:r>
+              <a:rPr lang="en-US" altLang="zh-TW" dirty="0">
+                <a:solidFill>
+                  <a:srgbClr val="FF0000"/>
+                </a:solidFill>
+                <a:latin typeface="Courier New" panose="02070309020205020404" pitchFamily="49" charset="0"/>
+              </a:rPr>
+              <a:t>y = </a:t>
+            </a:r>
+            <a:r>
+              <a:rPr lang="en-US" altLang="zh-TW" sz="2800" dirty="0" err="1">
+                <a:solidFill>
+                  <a:srgbClr val="FF0000"/>
+                </a:solidFill>
+                <a:latin typeface="Courier New" panose="02070309020205020404" pitchFamily="49" charset="0"/>
+              </a:rPr>
+              <a:t>np.cos</a:t>
+            </a:r>
+            <a:r>
+              <a:rPr lang="en-US" altLang="zh-TW" sz="2800" dirty="0">
+                <a:solidFill>
+                  <a:srgbClr val="FF0000"/>
+                </a:solidFill>
+                <a:latin typeface="Courier New" panose="02070309020205020404" pitchFamily="49" charset="0"/>
+              </a:rPr>
+              <a:t>(x</a:t>
+            </a:r>
+            <a:r>
+              <a:rPr lang="en-US" altLang="zh-TW" dirty="0">
+                <a:solidFill>
+                  <a:srgbClr val="000000"/>
+                </a:solidFill>
+                <a:latin typeface="Courier New" panose="02070309020205020404" pitchFamily="49" charset="0"/>
+              </a:rPr>
+              <a:t>)</a:t>
+            </a:r>
+            <a:endParaRPr lang="en-US" altLang="zh-TW" b="0" dirty="0">
+              <a:solidFill>
+                <a:srgbClr val="000000"/>
+              </a:solidFill>
+              <a:effectLst/>
+              <a:latin typeface="Courier New" panose="02070309020205020404" pitchFamily="49" charset="0"/>
+            </a:endParaRPr>
+          </a:p>
+        </p:txBody>
+      </p:sp>
+      <p:sp>
+        <p:nvSpPr>
+          <p:cNvPr id="5" name="矩形 4"/>
+          <p:cNvSpPr/>
+          <p:nvPr/>
+        </p:nvSpPr>
+        <p:spPr>
+          <a:xfrm>
+            <a:off x="4781839" y="2371705"/>
+            <a:ext cx="2949846" cy="461665"/>
+          </a:xfrm>
+          <a:prstGeom prst="rect">
+            <a:avLst/>
+          </a:prstGeom>
+        </p:spPr>
+        <p:txBody>
+          <a:bodyPr wrap="none">
+            <a:spAutoFit/>
+          </a:bodyPr>
+          <a:lstStyle/>
+          <a:p>
+            <a:r>
+              <a:rPr lang="en-US" altLang="zh-TW" sz="2400" dirty="0" err="1">
+                <a:solidFill>
+                  <a:srgbClr val="000000"/>
+                </a:solidFill>
+                <a:latin typeface="Courier New" panose="02070309020205020404" pitchFamily="49" charset="0"/>
+              </a:rPr>
+              <a:t>pl.scatter</a:t>
+            </a:r>
+            <a:r>
+              <a:rPr lang="en-US" altLang="zh-TW" sz="2400" dirty="0">
+                <a:solidFill>
+                  <a:srgbClr val="000000"/>
+                </a:solidFill>
+                <a:latin typeface="Courier New" panose="02070309020205020404" pitchFamily="49" charset="0"/>
+              </a:rPr>
+              <a:t>(</a:t>
+            </a:r>
+            <a:r>
+              <a:rPr lang="en-US" altLang="zh-TW" sz="2400" dirty="0" err="1">
+                <a:solidFill>
+                  <a:srgbClr val="000000"/>
+                </a:solidFill>
+                <a:latin typeface="Courier New" panose="02070309020205020404" pitchFamily="49" charset="0"/>
+              </a:rPr>
+              <a:t>x,y</a:t>
+            </a:r>
+            <a:r>
+              <a:rPr lang="en-US" altLang="zh-TW" sz="2400" dirty="0">
+                <a:solidFill>
+                  <a:srgbClr val="000000"/>
+                </a:solidFill>
+                <a:latin typeface="Courier New" panose="02070309020205020404" pitchFamily="49" charset="0"/>
+              </a:rPr>
+              <a:t>)</a:t>
+            </a:r>
+            <a:endParaRPr lang="zh-TW" altLang="en-US" sz="2400" dirty="0"/>
+          </a:p>
+        </p:txBody>
+      </p:sp>
+    </p:spTree>
+    <p:extLst>
+      <p:ext uri="{BB962C8B-B14F-4D97-AF65-F5344CB8AC3E}">
+        <p14:creationId xmlns:p14="http://schemas.microsoft.com/office/powerpoint/2010/main" val="2388827424"/>
+      </p:ext>
+    </p:extLst>
+  </p:cSld>
+  <p:clrMapOvr>
+    <a:masterClrMapping/>
+  </p:clrMapOvr>
+</p:sld>
+</file>
+
+<file path=ppt/slides/slide19.xml><?xml version="1.0" encoding="utf-8"?>
+<p:sld xmlns:a="http://schemas.openxmlformats.org/drawingml/2006/main" xmlns:r="http://schemas.openxmlformats.org/officeDocument/2006/relationships" xmlns:p="http://schemas.openxmlformats.org/presentationml/2006/main">
+  <p:cSld>
+    <p:spTree>
+      <p:nvGrpSpPr>
+        <p:cNvPr id="1" name=""/>
+        <p:cNvGrpSpPr/>
+        <p:nvPr/>
+      </p:nvGrpSpPr>
+      <p:grpSpPr>
+        <a:xfrm>
+          <a:off x="0" y="0"/>
+          <a:ext cx="0" cy="0"/>
+          <a:chOff x="0" y="0"/>
+          <a:chExt cx="0" cy="0"/>
+        </a:xfrm>
+      </p:grpSpPr>
+      <p:sp>
+        <p:nvSpPr>
+          <p:cNvPr id="2" name="標題 1"/>
+          <p:cNvSpPr>
+            <a:spLocks noGrp="1"/>
+          </p:cNvSpPr>
+          <p:nvPr>
+            <p:ph type="title"/>
+          </p:nvPr>
+        </p:nvSpPr>
+        <p:spPr/>
+        <p:txBody>
+          <a:bodyPr/>
+          <a:lstStyle/>
+          <a:p>
+            <a:r>
+              <a:rPr lang="zh-TW" altLang="en-US" dirty="0" smtClean="0"/>
+              <a:t>測試</a:t>
+            </a:r>
+            <a:r>
+              <a:rPr lang="en-US" altLang="zh-TW" dirty="0" smtClean="0"/>
+              <a:t>1:</a:t>
+            </a:r>
+            <a:r>
+              <a:rPr lang="zh-TW" altLang="en-US" dirty="0" smtClean="0"/>
+              <a:t>換成實線</a:t>
+            </a:r>
+            <a:endParaRPr lang="zh-TW" altLang="en-US" dirty="0"/>
+          </a:p>
+        </p:txBody>
+      </p:sp>
+      <p:pic>
+        <p:nvPicPr>
+          <p:cNvPr id="3" name="圖片 2"/>
+          <p:cNvPicPr>
+            <a:picLocks noChangeAspect="1"/>
+          </p:cNvPicPr>
+          <p:nvPr/>
+        </p:nvPicPr>
+        <p:blipFill>
+          <a:blip r:embed="rId2">
+            <a:extLst>
+              <a:ext uri="{28A0092B-C50C-407E-A947-70E740481C1C}">
+                <a14:useLocalDpi xmlns:a14="http://schemas.microsoft.com/office/drawing/2010/main" val="0"/>
+              </a:ext>
+            </a:extLst>
+          </a:blip>
+          <a:stretch>
+            <a:fillRect/>
+          </a:stretch>
+        </p:blipFill>
+        <p:spPr>
+          <a:xfrm>
+            <a:off x="2669514" y="1690688"/>
+            <a:ext cx="6852971" cy="4402946"/>
+          </a:xfrm>
+          <a:prstGeom prst="rect">
+            <a:avLst/>
+          </a:prstGeom>
+        </p:spPr>
+      </p:pic>
+    </p:spTree>
+    <p:extLst>
+      <p:ext uri="{BB962C8B-B14F-4D97-AF65-F5344CB8AC3E}">
+        <p14:creationId xmlns:p14="http://schemas.microsoft.com/office/powerpoint/2010/main" val="2868096431"/>
+      </p:ext>
+    </p:extLst>
+  </p:cSld>
+  <p:clrMapOvr>
+    <a:masterClrMapping/>
+  </p:clrMapOvr>
+</p:sld>
+</file>
+
 <file path=ppt/slides/slide2.xml><?xml version="1.0" encoding="utf-8"?>
 <p:sld xmlns:a="http://schemas.openxmlformats.org/drawingml/2006/main" xmlns:r="http://schemas.openxmlformats.org/officeDocument/2006/relationships" xmlns:p="http://schemas.openxmlformats.org/presentationml/2006/main">
   <p:cSld>
@@ -3284,7 +7043,7 @@
 </p:sld>
 </file>
 
-<file path=ppt/slides/slide3.xml><?xml version="1.0" encoding="utf-8"?>
+<file path=ppt/slides/slide20.xml><?xml version="1.0" encoding="utf-8"?>
 <p:sld xmlns:a="http://schemas.openxmlformats.org/drawingml/2006/main" xmlns:r="http://schemas.openxmlformats.org/officeDocument/2006/relationships" xmlns:p="http://schemas.openxmlformats.org/presentationml/2006/main">
   <p:cSld>
     <p:spTree>
@@ -3303,96 +7062,159 @@
       </p:grpSpPr>
       <p:sp>
         <p:nvSpPr>
-          <p:cNvPr id="4" name="矩形 3"/>
-          <p:cNvSpPr/>
+          <p:cNvPr id="2" name="標題 1"/>
+          <p:cNvSpPr>
+            <a:spLocks noGrp="1"/>
+          </p:cNvSpPr>
+          <p:nvPr>
+            <p:ph type="title"/>
+          </p:nvPr>
+        </p:nvSpPr>
+        <p:spPr/>
+        <p:txBody>
+          <a:bodyPr/>
+          <a:lstStyle/>
+          <a:p>
+            <a:r>
+              <a:rPr lang="zh-TW" altLang="en-US" dirty="0" smtClean="0"/>
+              <a:t>測試</a:t>
+            </a:r>
+            <a:r>
+              <a:rPr lang="en-US" altLang="zh-TW" dirty="0" smtClean="0"/>
+              <a:t>2:</a:t>
+            </a:r>
+            <a:r>
+              <a:rPr lang="zh-TW" altLang="en-US" dirty="0" smtClean="0"/>
+              <a:t>換成紅色</a:t>
+            </a:r>
+            <a:endParaRPr lang="zh-TW" altLang="en-US" dirty="0"/>
+          </a:p>
+        </p:txBody>
+      </p:sp>
+      <p:pic>
+        <p:nvPicPr>
+          <p:cNvPr id="3" name="圖片 2"/>
+          <p:cNvPicPr>
+            <a:picLocks noChangeAspect="1"/>
+          </p:cNvPicPr>
           <p:nvPr/>
-        </p:nvSpPr>
+        </p:nvPicPr>
+        <p:blipFill>
+          <a:blip r:embed="rId2">
+            <a:extLst>
+              <a:ext uri="{28A0092B-C50C-407E-A947-70E740481C1C}">
+                <a14:useLocalDpi xmlns:a14="http://schemas.microsoft.com/office/drawing/2010/main" val="0"/>
+              </a:ext>
+            </a:extLst>
+          </a:blip>
+          <a:stretch>
+            <a:fillRect/>
+          </a:stretch>
+        </p:blipFill>
         <p:spPr>
           <a:xfrm>
-            <a:off x="2651088" y="870080"/>
-            <a:ext cx="7720820" cy="5262979"/>
+            <a:off x="962101" y="1800416"/>
+            <a:ext cx="6685868" cy="4295584"/>
           </a:xfrm>
           <a:prstGeom prst="rect">
             <a:avLst/>
           </a:prstGeom>
         </p:spPr>
-        <p:txBody>
-          <a:bodyPr wrap="square">
+      </p:pic>
+      <p:sp>
+        <p:nvSpPr>
+          <p:cNvPr id="4" name="矩形 3"/>
+          <p:cNvSpPr/>
+          <p:nvPr/>
+        </p:nvSpPr>
+        <p:spPr>
+          <a:xfrm>
+            <a:off x="7647969" y="1800416"/>
+            <a:ext cx="4147289" cy="461665"/>
+          </a:xfrm>
+          <a:prstGeom prst="rect">
+            <a:avLst/>
+          </a:prstGeom>
+        </p:spPr>
+        <p:txBody>
+          <a:bodyPr wrap="none">
             <a:spAutoFit/>
           </a:bodyPr>
           <a:lstStyle/>
           <a:p>
             <a:r>
-              <a:rPr lang="en-US" altLang="zh-TW" sz="2400" b="0" dirty="0" smtClean="0">
-                <a:solidFill>
-                  <a:srgbClr val="AF00DB"/>
-                </a:solidFill>
-                <a:effectLst/>
-                <a:latin typeface="Courier New" panose="02070309020205020404" pitchFamily="49" charset="0"/>
-              </a:rPr>
-              <a:t>import</a:t>
-            </a:r>
-            <a:r>
-              <a:rPr lang="en-US" altLang="zh-TW" sz="2400" b="0" dirty="0" smtClean="0">
-                <a:solidFill>
-                  <a:srgbClr val="000000"/>
-                </a:solidFill>
-                <a:effectLst/>
-                <a:latin typeface="Courier New" panose="02070309020205020404" pitchFamily="49" charset="0"/>
-              </a:rPr>
-              <a:t> </a:t>
-            </a:r>
-            <a:r>
-              <a:rPr lang="en-US" altLang="zh-TW" sz="2400" b="0" dirty="0" err="1" smtClean="0">
-                <a:solidFill>
-                  <a:srgbClr val="000000"/>
-                </a:solidFill>
-                <a:effectLst/>
-                <a:latin typeface="Courier New" panose="02070309020205020404" pitchFamily="49" charset="0"/>
-              </a:rPr>
-              <a:t>matplotlib.pyplot</a:t>
-            </a:r>
-            <a:r>
-              <a:rPr lang="en-US" altLang="zh-TW" sz="2400" b="0" dirty="0" smtClean="0">
-                <a:solidFill>
-                  <a:srgbClr val="000000"/>
-                </a:solidFill>
-                <a:effectLst/>
-                <a:latin typeface="Courier New" panose="02070309020205020404" pitchFamily="49" charset="0"/>
-              </a:rPr>
-              <a:t> </a:t>
-            </a:r>
-            <a:r>
-              <a:rPr lang="en-US" altLang="zh-TW" sz="2400" b="0" dirty="0" smtClean="0">
-                <a:solidFill>
-                  <a:srgbClr val="AF00DB"/>
-                </a:solidFill>
-                <a:effectLst/>
-                <a:latin typeface="Courier New" panose="02070309020205020404" pitchFamily="49" charset="0"/>
-              </a:rPr>
-              <a:t>as</a:t>
-            </a:r>
-            <a:r>
-              <a:rPr lang="en-US" altLang="zh-TW" sz="2400" b="0" dirty="0" smtClean="0">
-                <a:solidFill>
-                  <a:srgbClr val="000000"/>
-                </a:solidFill>
-                <a:effectLst/>
-                <a:latin typeface="Courier New" panose="02070309020205020404" pitchFamily="49" charset="0"/>
-              </a:rPr>
-              <a:t> </a:t>
-            </a:r>
-            <a:r>
-              <a:rPr lang="en-US" altLang="zh-TW" sz="2400" b="0" dirty="0" err="1" smtClean="0">
-                <a:solidFill>
-                  <a:srgbClr val="000000"/>
-                </a:solidFill>
-                <a:effectLst/>
-                <a:latin typeface="Courier New" panose="02070309020205020404" pitchFamily="49" charset="0"/>
-              </a:rPr>
-              <a:t>plt</a:t>
-            </a:r>
-            <a:endParaRPr lang="en-US" altLang="zh-TW" sz="2400" b="0" dirty="0" smtClean="0">
+              <a:rPr lang="en-US" altLang="zh-TW" sz="2400" dirty="0" err="1">
+                <a:solidFill>
+                  <a:srgbClr val="000000"/>
+                </a:solidFill>
+                <a:latin typeface="Courier New" panose="02070309020205020404" pitchFamily="49" charset="0"/>
+              </a:rPr>
+              <a:t>pl.scatter</a:t>
+            </a:r>
+            <a:r>
+              <a:rPr lang="en-US" altLang="zh-TW" sz="2400" dirty="0">
+                <a:solidFill>
+                  <a:srgbClr val="000000"/>
+                </a:solidFill>
+                <a:latin typeface="Courier New" panose="02070309020205020404" pitchFamily="49" charset="0"/>
+              </a:rPr>
+              <a:t>(</a:t>
+            </a:r>
+            <a:r>
+              <a:rPr lang="en-US" altLang="zh-TW" sz="2400" dirty="0" err="1">
+                <a:solidFill>
+                  <a:srgbClr val="000000"/>
+                </a:solidFill>
+                <a:latin typeface="Courier New" panose="02070309020205020404" pitchFamily="49" charset="0"/>
+              </a:rPr>
+              <a:t>x,y,c</a:t>
+            </a:r>
+            <a:r>
+              <a:rPr lang="en-US" altLang="zh-TW" sz="2400" dirty="0">
+                <a:solidFill>
+                  <a:srgbClr val="000000"/>
+                </a:solidFill>
+                <a:latin typeface="Courier New" panose="02070309020205020404" pitchFamily="49" charset="0"/>
+              </a:rPr>
+              <a:t>=</a:t>
+            </a:r>
+            <a:r>
+              <a:rPr lang="en-US" altLang="zh-TW" sz="2400" dirty="0" err="1">
+                <a:solidFill>
+                  <a:srgbClr val="000000"/>
+                </a:solidFill>
+                <a:latin typeface="Courier New" panose="02070309020205020404" pitchFamily="49" charset="0"/>
+              </a:rPr>
+              <a:t>u</a:t>
+            </a:r>
+            <a:r>
+              <a:rPr lang="en-US" altLang="zh-TW" sz="2400" dirty="0" err="1">
+                <a:solidFill>
+                  <a:srgbClr val="A31515"/>
+                </a:solidFill>
+                <a:latin typeface="Courier New" panose="02070309020205020404" pitchFamily="49" charset="0"/>
+              </a:rPr>
+              <a:t>"r</a:t>
+            </a:r>
+            <a:r>
+              <a:rPr lang="en-US" altLang="zh-TW" dirty="0">
+                <a:solidFill>
+                  <a:srgbClr val="A31515"/>
+                </a:solidFill>
+                <a:latin typeface="Courier New" panose="02070309020205020404" pitchFamily="49" charset="0"/>
+              </a:rPr>
+              <a:t>"</a:t>
+            </a:r>
+            <a:r>
+              <a:rPr lang="en-US" altLang="zh-TW" dirty="0">
+                <a:solidFill>
+                  <a:srgbClr val="000000"/>
+                </a:solidFill>
+                <a:latin typeface="Courier New" panose="02070309020205020404" pitchFamily="49" charset="0"/>
+              </a:rPr>
+              <a:t>)</a:t>
+            </a:r>
+            <a:endParaRPr lang="en-US" altLang="zh-TW" b="0" dirty="0">
               <a:solidFill>
                 <a:srgbClr val="000000"/>
               </a:solidFill>
@@ -3400,914 +7222,62 @@
               <a:latin typeface="Courier New" panose="02070309020205020404" pitchFamily="49" charset="0"/>
             </a:endParaRPr>
           </a:p>
-          <a:p>
-            <a:r>
-              <a:rPr lang="en-US" altLang="zh-TW" sz="2400" b="0" dirty="0" smtClean="0">
-                <a:solidFill>
-                  <a:srgbClr val="000000"/>
-                </a:solidFill>
-                <a:effectLst/>
-                <a:latin typeface="Courier New" panose="02070309020205020404" pitchFamily="49" charset="0"/>
-              </a:rPr>
-              <a:t> </a:t>
-            </a:r>
-          </a:p>
-          <a:p>
-            <a:r>
-              <a:rPr lang="en-US" altLang="zh-TW" sz="2400" b="0" dirty="0" smtClean="0">
-                <a:solidFill>
-                  <a:srgbClr val="000000"/>
-                </a:solidFill>
-                <a:effectLst/>
-                <a:latin typeface="Courier New" panose="02070309020205020404" pitchFamily="49" charset="0"/>
-              </a:rPr>
-              <a:t>x  = [</a:t>
-            </a:r>
-            <a:r>
-              <a:rPr lang="en-US" altLang="zh-TW" sz="2400" b="0" dirty="0" smtClean="0">
-                <a:solidFill>
-                  <a:srgbClr val="09885A"/>
-                </a:solidFill>
-                <a:effectLst/>
-                <a:latin typeface="Courier New" panose="02070309020205020404" pitchFamily="49" charset="0"/>
-              </a:rPr>
-              <a:t>1</a:t>
-            </a:r>
-            <a:r>
-              <a:rPr lang="en-US" altLang="zh-TW" sz="2400" b="0" dirty="0" smtClean="0">
-                <a:solidFill>
-                  <a:srgbClr val="000000"/>
-                </a:solidFill>
-                <a:effectLst/>
-                <a:latin typeface="Courier New" panose="02070309020205020404" pitchFamily="49" charset="0"/>
-              </a:rPr>
-              <a:t>, </a:t>
-            </a:r>
-            <a:r>
-              <a:rPr lang="en-US" altLang="zh-TW" sz="2400" b="0" dirty="0" smtClean="0">
-                <a:solidFill>
-                  <a:srgbClr val="09885A"/>
-                </a:solidFill>
-                <a:effectLst/>
-                <a:latin typeface="Courier New" panose="02070309020205020404" pitchFamily="49" charset="0"/>
-              </a:rPr>
-              <a:t>2</a:t>
-            </a:r>
-            <a:r>
-              <a:rPr lang="en-US" altLang="zh-TW" sz="2400" b="0" dirty="0" smtClean="0">
-                <a:solidFill>
-                  <a:srgbClr val="000000"/>
-                </a:solidFill>
-                <a:effectLst/>
-                <a:latin typeface="Courier New" panose="02070309020205020404" pitchFamily="49" charset="0"/>
-              </a:rPr>
-              <a:t>, </a:t>
-            </a:r>
-            <a:r>
-              <a:rPr lang="en-US" altLang="zh-TW" sz="2400" b="0" dirty="0" smtClean="0">
-                <a:solidFill>
-                  <a:srgbClr val="09885A"/>
-                </a:solidFill>
-                <a:effectLst/>
-                <a:latin typeface="Courier New" panose="02070309020205020404" pitchFamily="49" charset="0"/>
-              </a:rPr>
-              <a:t>3</a:t>
-            </a:r>
-            <a:r>
-              <a:rPr lang="en-US" altLang="zh-TW" sz="2400" b="0" dirty="0" smtClean="0">
-                <a:solidFill>
-                  <a:srgbClr val="000000"/>
-                </a:solidFill>
-                <a:effectLst/>
-                <a:latin typeface="Courier New" panose="02070309020205020404" pitchFamily="49" charset="0"/>
-              </a:rPr>
-              <a:t>, </a:t>
-            </a:r>
-            <a:r>
-              <a:rPr lang="en-US" altLang="zh-TW" sz="2400" b="0" dirty="0" smtClean="0">
-                <a:solidFill>
-                  <a:srgbClr val="09885A"/>
-                </a:solidFill>
-                <a:effectLst/>
-                <a:latin typeface="Courier New" panose="02070309020205020404" pitchFamily="49" charset="0"/>
-              </a:rPr>
-              <a:t>4</a:t>
-            </a:r>
-            <a:r>
-              <a:rPr lang="en-US" altLang="zh-TW" sz="2400" b="0" dirty="0" smtClean="0">
-                <a:solidFill>
-                  <a:srgbClr val="000000"/>
-                </a:solidFill>
-                <a:effectLst/>
-                <a:latin typeface="Courier New" panose="02070309020205020404" pitchFamily="49" charset="0"/>
-              </a:rPr>
-              <a:t>, </a:t>
-            </a:r>
-            <a:r>
-              <a:rPr lang="en-US" altLang="zh-TW" sz="2400" b="0" dirty="0" smtClean="0">
-                <a:solidFill>
-                  <a:srgbClr val="09885A"/>
-                </a:solidFill>
-                <a:effectLst/>
-                <a:latin typeface="Courier New" panose="02070309020205020404" pitchFamily="49" charset="0"/>
-              </a:rPr>
-              <a:t>5</a:t>
-            </a:r>
-            <a:r>
-              <a:rPr lang="en-US" altLang="zh-TW" sz="2400" b="0" dirty="0" smtClean="0">
-                <a:solidFill>
-                  <a:srgbClr val="000000"/>
-                </a:solidFill>
-                <a:effectLst/>
-                <a:latin typeface="Courier New" panose="02070309020205020404" pitchFamily="49" charset="0"/>
-              </a:rPr>
-              <a:t>, </a:t>
-            </a:r>
-            <a:r>
-              <a:rPr lang="en-US" altLang="zh-TW" sz="2400" b="0" dirty="0" smtClean="0">
-                <a:solidFill>
-                  <a:srgbClr val="09885A"/>
-                </a:solidFill>
-                <a:effectLst/>
-                <a:latin typeface="Courier New" panose="02070309020205020404" pitchFamily="49" charset="0"/>
-              </a:rPr>
-              <a:t>6</a:t>
-            </a:r>
-            <a:r>
-              <a:rPr lang="en-US" altLang="zh-TW" sz="2400" b="0" dirty="0" smtClean="0">
-                <a:solidFill>
-                  <a:srgbClr val="000000"/>
-                </a:solidFill>
-                <a:effectLst/>
-                <a:latin typeface="Courier New" panose="02070309020205020404" pitchFamily="49" charset="0"/>
-              </a:rPr>
-              <a:t>, </a:t>
-            </a:r>
-            <a:r>
-              <a:rPr lang="en-US" altLang="zh-TW" sz="2400" b="0" dirty="0" smtClean="0">
-                <a:solidFill>
-                  <a:srgbClr val="09885A"/>
-                </a:solidFill>
-                <a:effectLst/>
-                <a:latin typeface="Courier New" panose="02070309020205020404" pitchFamily="49" charset="0"/>
-              </a:rPr>
-              <a:t>7</a:t>
-            </a:r>
-            <a:r>
-              <a:rPr lang="en-US" altLang="zh-TW" sz="2400" b="0" dirty="0" smtClean="0">
-                <a:solidFill>
-                  <a:srgbClr val="000000"/>
-                </a:solidFill>
-                <a:effectLst/>
-                <a:latin typeface="Courier New" panose="02070309020205020404" pitchFamily="49" charset="0"/>
-              </a:rPr>
-              <a:t>, </a:t>
-            </a:r>
-            <a:r>
-              <a:rPr lang="en-US" altLang="zh-TW" sz="2400" b="0" dirty="0" smtClean="0">
-                <a:solidFill>
-                  <a:srgbClr val="09885A"/>
-                </a:solidFill>
-                <a:effectLst/>
-                <a:latin typeface="Courier New" panose="02070309020205020404" pitchFamily="49" charset="0"/>
-              </a:rPr>
-              <a:t>8</a:t>
-            </a:r>
-            <a:r>
-              <a:rPr lang="en-US" altLang="zh-TW" sz="2400" b="0" dirty="0" smtClean="0">
-                <a:solidFill>
-                  <a:srgbClr val="000000"/>
-                </a:solidFill>
-                <a:effectLst/>
-                <a:latin typeface="Courier New" panose="02070309020205020404" pitchFamily="49" charset="0"/>
-              </a:rPr>
-              <a:t>, </a:t>
-            </a:r>
-            <a:r>
-              <a:rPr lang="en-US" altLang="zh-TW" sz="2400" b="0" dirty="0" smtClean="0">
-                <a:solidFill>
-                  <a:srgbClr val="09885A"/>
-                </a:solidFill>
-                <a:effectLst/>
-                <a:latin typeface="Courier New" panose="02070309020205020404" pitchFamily="49" charset="0"/>
-              </a:rPr>
-              <a:t>9</a:t>
-            </a:r>
-            <a:r>
-              <a:rPr lang="en-US" altLang="zh-TW" sz="2400" b="0" dirty="0" smtClean="0">
-                <a:solidFill>
-                  <a:srgbClr val="000000"/>
-                </a:solidFill>
-                <a:effectLst/>
-                <a:latin typeface="Courier New" panose="02070309020205020404" pitchFamily="49" charset="0"/>
-              </a:rPr>
-              <a:t>]</a:t>
-            </a:r>
-          </a:p>
-          <a:p>
-            <a:r>
-              <a:rPr lang="en-US" altLang="zh-TW" sz="2400" b="0" dirty="0" smtClean="0">
-                <a:solidFill>
-                  <a:srgbClr val="000000"/>
-                </a:solidFill>
-                <a:effectLst/>
-                <a:latin typeface="Courier New" panose="02070309020205020404" pitchFamily="49" charset="0"/>
-              </a:rPr>
-              <a:t>y1 = [</a:t>
-            </a:r>
-            <a:r>
-              <a:rPr lang="en-US" altLang="zh-TW" sz="2400" b="0" dirty="0" smtClean="0">
-                <a:solidFill>
-                  <a:srgbClr val="09885A"/>
-                </a:solidFill>
-                <a:effectLst/>
-                <a:latin typeface="Courier New" panose="02070309020205020404" pitchFamily="49" charset="0"/>
-              </a:rPr>
-              <a:t>1</a:t>
-            </a:r>
-            <a:r>
-              <a:rPr lang="en-US" altLang="zh-TW" sz="2400" b="0" dirty="0" smtClean="0">
-                <a:solidFill>
-                  <a:srgbClr val="000000"/>
-                </a:solidFill>
-                <a:effectLst/>
-                <a:latin typeface="Courier New" panose="02070309020205020404" pitchFamily="49" charset="0"/>
-              </a:rPr>
-              <a:t>, </a:t>
-            </a:r>
-            <a:r>
-              <a:rPr lang="en-US" altLang="zh-TW" sz="2400" b="0" dirty="0" smtClean="0">
-                <a:solidFill>
-                  <a:srgbClr val="09885A"/>
-                </a:solidFill>
-                <a:effectLst/>
-                <a:latin typeface="Courier New" panose="02070309020205020404" pitchFamily="49" charset="0"/>
-              </a:rPr>
-              <a:t>3</a:t>
-            </a:r>
-            <a:r>
-              <a:rPr lang="en-US" altLang="zh-TW" sz="2400" b="0" dirty="0" smtClean="0">
-                <a:solidFill>
-                  <a:srgbClr val="000000"/>
-                </a:solidFill>
-                <a:effectLst/>
-                <a:latin typeface="Courier New" panose="02070309020205020404" pitchFamily="49" charset="0"/>
-              </a:rPr>
-              <a:t>, </a:t>
-            </a:r>
-            <a:r>
-              <a:rPr lang="en-US" altLang="zh-TW" sz="2400" b="0" dirty="0" smtClean="0">
-                <a:solidFill>
-                  <a:srgbClr val="09885A"/>
-                </a:solidFill>
-                <a:effectLst/>
-                <a:latin typeface="Courier New" panose="02070309020205020404" pitchFamily="49" charset="0"/>
-              </a:rPr>
-              <a:t>5</a:t>
-            </a:r>
-            <a:r>
-              <a:rPr lang="en-US" altLang="zh-TW" sz="2400" b="0" dirty="0" smtClean="0">
-                <a:solidFill>
-                  <a:srgbClr val="000000"/>
-                </a:solidFill>
-                <a:effectLst/>
-                <a:latin typeface="Courier New" panose="02070309020205020404" pitchFamily="49" charset="0"/>
-              </a:rPr>
-              <a:t>, </a:t>
-            </a:r>
-            <a:r>
-              <a:rPr lang="en-US" altLang="zh-TW" sz="2400" b="0" dirty="0" smtClean="0">
-                <a:solidFill>
-                  <a:srgbClr val="09885A"/>
-                </a:solidFill>
-                <a:effectLst/>
-                <a:latin typeface="Courier New" panose="02070309020205020404" pitchFamily="49" charset="0"/>
-              </a:rPr>
-              <a:t>3</a:t>
-            </a:r>
-            <a:r>
-              <a:rPr lang="en-US" altLang="zh-TW" sz="2400" b="0" dirty="0" smtClean="0">
-                <a:solidFill>
-                  <a:srgbClr val="000000"/>
-                </a:solidFill>
-                <a:effectLst/>
-                <a:latin typeface="Courier New" panose="02070309020205020404" pitchFamily="49" charset="0"/>
-              </a:rPr>
-              <a:t>, </a:t>
-            </a:r>
-            <a:r>
-              <a:rPr lang="en-US" altLang="zh-TW" sz="2400" b="0" dirty="0" smtClean="0">
-                <a:solidFill>
-                  <a:srgbClr val="09885A"/>
-                </a:solidFill>
-                <a:effectLst/>
-                <a:latin typeface="Courier New" panose="02070309020205020404" pitchFamily="49" charset="0"/>
-              </a:rPr>
-              <a:t>1</a:t>
-            </a:r>
-            <a:r>
-              <a:rPr lang="en-US" altLang="zh-TW" sz="2400" b="0" dirty="0" smtClean="0">
-                <a:solidFill>
-                  <a:srgbClr val="000000"/>
-                </a:solidFill>
-                <a:effectLst/>
-                <a:latin typeface="Courier New" panose="02070309020205020404" pitchFamily="49" charset="0"/>
-              </a:rPr>
-              <a:t>, </a:t>
-            </a:r>
-            <a:r>
-              <a:rPr lang="en-US" altLang="zh-TW" sz="2400" b="0" dirty="0" smtClean="0">
-                <a:solidFill>
-                  <a:srgbClr val="09885A"/>
-                </a:solidFill>
-                <a:effectLst/>
-                <a:latin typeface="Courier New" panose="02070309020205020404" pitchFamily="49" charset="0"/>
-              </a:rPr>
-              <a:t>3</a:t>
-            </a:r>
-            <a:r>
-              <a:rPr lang="en-US" altLang="zh-TW" sz="2400" b="0" dirty="0" smtClean="0">
-                <a:solidFill>
-                  <a:srgbClr val="000000"/>
-                </a:solidFill>
-                <a:effectLst/>
-                <a:latin typeface="Courier New" panose="02070309020205020404" pitchFamily="49" charset="0"/>
-              </a:rPr>
-              <a:t>, </a:t>
-            </a:r>
-            <a:r>
-              <a:rPr lang="en-US" altLang="zh-TW" sz="2400" b="0" dirty="0" smtClean="0">
-                <a:solidFill>
-                  <a:srgbClr val="09885A"/>
-                </a:solidFill>
-                <a:effectLst/>
-                <a:latin typeface="Courier New" panose="02070309020205020404" pitchFamily="49" charset="0"/>
-              </a:rPr>
-              <a:t>5</a:t>
-            </a:r>
-            <a:r>
-              <a:rPr lang="en-US" altLang="zh-TW" sz="2400" b="0" dirty="0" smtClean="0">
-                <a:solidFill>
-                  <a:srgbClr val="000000"/>
-                </a:solidFill>
-                <a:effectLst/>
-                <a:latin typeface="Courier New" panose="02070309020205020404" pitchFamily="49" charset="0"/>
-              </a:rPr>
-              <a:t>, </a:t>
-            </a:r>
-            <a:r>
-              <a:rPr lang="en-US" altLang="zh-TW" sz="2400" b="0" dirty="0" smtClean="0">
-                <a:solidFill>
-                  <a:srgbClr val="09885A"/>
-                </a:solidFill>
-                <a:effectLst/>
-                <a:latin typeface="Courier New" panose="02070309020205020404" pitchFamily="49" charset="0"/>
-              </a:rPr>
-              <a:t>3</a:t>
-            </a:r>
-            <a:r>
-              <a:rPr lang="en-US" altLang="zh-TW" sz="2400" b="0" dirty="0" smtClean="0">
-                <a:solidFill>
-                  <a:srgbClr val="000000"/>
-                </a:solidFill>
-                <a:effectLst/>
-                <a:latin typeface="Courier New" panose="02070309020205020404" pitchFamily="49" charset="0"/>
-              </a:rPr>
-              <a:t>, </a:t>
-            </a:r>
-            <a:r>
-              <a:rPr lang="en-US" altLang="zh-TW" sz="2400" b="0" dirty="0" smtClean="0">
-                <a:solidFill>
-                  <a:srgbClr val="09885A"/>
-                </a:solidFill>
-                <a:effectLst/>
-                <a:latin typeface="Courier New" panose="02070309020205020404" pitchFamily="49" charset="0"/>
-              </a:rPr>
-              <a:t>1</a:t>
-            </a:r>
-            <a:r>
-              <a:rPr lang="en-US" altLang="zh-TW" sz="2400" b="0" dirty="0" smtClean="0">
-                <a:solidFill>
-                  <a:srgbClr val="000000"/>
-                </a:solidFill>
-                <a:effectLst/>
-                <a:latin typeface="Courier New" panose="02070309020205020404" pitchFamily="49" charset="0"/>
-              </a:rPr>
-              <a:t>]</a:t>
-            </a:r>
-          </a:p>
-          <a:p>
-            <a:r>
-              <a:rPr lang="en-US" altLang="zh-TW" sz="2400" b="0" dirty="0" smtClean="0">
-                <a:solidFill>
-                  <a:srgbClr val="000000"/>
-                </a:solidFill>
-                <a:effectLst/>
-                <a:latin typeface="Courier New" panose="02070309020205020404" pitchFamily="49" charset="0"/>
-              </a:rPr>
-              <a:t>y2 = [</a:t>
-            </a:r>
-            <a:r>
-              <a:rPr lang="en-US" altLang="zh-TW" sz="2400" b="0" dirty="0" smtClean="0">
-                <a:solidFill>
-                  <a:srgbClr val="09885A"/>
-                </a:solidFill>
-                <a:effectLst/>
-                <a:latin typeface="Courier New" panose="02070309020205020404" pitchFamily="49" charset="0"/>
-              </a:rPr>
-              <a:t>2</a:t>
-            </a:r>
-            <a:r>
-              <a:rPr lang="en-US" altLang="zh-TW" sz="2400" b="0" dirty="0" smtClean="0">
-                <a:solidFill>
-                  <a:srgbClr val="000000"/>
-                </a:solidFill>
-                <a:effectLst/>
-                <a:latin typeface="Courier New" panose="02070309020205020404" pitchFamily="49" charset="0"/>
-              </a:rPr>
-              <a:t>, </a:t>
-            </a:r>
-            <a:r>
-              <a:rPr lang="en-US" altLang="zh-TW" sz="2400" b="0" dirty="0" smtClean="0">
-                <a:solidFill>
-                  <a:srgbClr val="09885A"/>
-                </a:solidFill>
-                <a:effectLst/>
-                <a:latin typeface="Courier New" panose="02070309020205020404" pitchFamily="49" charset="0"/>
-              </a:rPr>
-              <a:t>4</a:t>
-            </a:r>
-            <a:r>
-              <a:rPr lang="en-US" altLang="zh-TW" sz="2400" b="0" dirty="0" smtClean="0">
-                <a:solidFill>
-                  <a:srgbClr val="000000"/>
-                </a:solidFill>
-                <a:effectLst/>
-                <a:latin typeface="Courier New" panose="02070309020205020404" pitchFamily="49" charset="0"/>
-              </a:rPr>
-              <a:t>, </a:t>
-            </a:r>
-            <a:r>
-              <a:rPr lang="en-US" altLang="zh-TW" sz="2400" b="0" dirty="0" smtClean="0">
-                <a:solidFill>
-                  <a:srgbClr val="09885A"/>
-                </a:solidFill>
-                <a:effectLst/>
-                <a:latin typeface="Courier New" panose="02070309020205020404" pitchFamily="49" charset="0"/>
-              </a:rPr>
-              <a:t>6</a:t>
-            </a:r>
-            <a:r>
-              <a:rPr lang="en-US" altLang="zh-TW" sz="2400" b="0" dirty="0" smtClean="0">
-                <a:solidFill>
-                  <a:srgbClr val="000000"/>
-                </a:solidFill>
-                <a:effectLst/>
-                <a:latin typeface="Courier New" panose="02070309020205020404" pitchFamily="49" charset="0"/>
-              </a:rPr>
-              <a:t>, </a:t>
-            </a:r>
-            <a:r>
-              <a:rPr lang="en-US" altLang="zh-TW" sz="2400" b="0" dirty="0" smtClean="0">
-                <a:solidFill>
-                  <a:srgbClr val="09885A"/>
-                </a:solidFill>
-                <a:effectLst/>
-                <a:latin typeface="Courier New" panose="02070309020205020404" pitchFamily="49" charset="0"/>
-              </a:rPr>
-              <a:t>4</a:t>
-            </a:r>
-            <a:r>
-              <a:rPr lang="en-US" altLang="zh-TW" sz="2400" b="0" dirty="0" smtClean="0">
-                <a:solidFill>
-                  <a:srgbClr val="000000"/>
-                </a:solidFill>
-                <a:effectLst/>
-                <a:latin typeface="Courier New" panose="02070309020205020404" pitchFamily="49" charset="0"/>
-              </a:rPr>
-              <a:t>, </a:t>
-            </a:r>
-            <a:r>
-              <a:rPr lang="en-US" altLang="zh-TW" sz="2400" b="0" dirty="0" smtClean="0">
-                <a:solidFill>
-                  <a:srgbClr val="09885A"/>
-                </a:solidFill>
-                <a:effectLst/>
-                <a:latin typeface="Courier New" panose="02070309020205020404" pitchFamily="49" charset="0"/>
-              </a:rPr>
-              <a:t>2</a:t>
-            </a:r>
-            <a:r>
-              <a:rPr lang="en-US" altLang="zh-TW" sz="2400" b="0" dirty="0" smtClean="0">
-                <a:solidFill>
-                  <a:srgbClr val="000000"/>
-                </a:solidFill>
-                <a:effectLst/>
-                <a:latin typeface="Courier New" panose="02070309020205020404" pitchFamily="49" charset="0"/>
-              </a:rPr>
-              <a:t>, </a:t>
-            </a:r>
-            <a:r>
-              <a:rPr lang="en-US" altLang="zh-TW" sz="2400" b="0" dirty="0" smtClean="0">
-                <a:solidFill>
-                  <a:srgbClr val="09885A"/>
-                </a:solidFill>
-                <a:effectLst/>
-                <a:latin typeface="Courier New" panose="02070309020205020404" pitchFamily="49" charset="0"/>
-              </a:rPr>
-              <a:t>4</a:t>
-            </a:r>
-            <a:r>
-              <a:rPr lang="en-US" altLang="zh-TW" sz="2400" b="0" dirty="0" smtClean="0">
-                <a:solidFill>
-                  <a:srgbClr val="000000"/>
-                </a:solidFill>
-                <a:effectLst/>
-                <a:latin typeface="Courier New" panose="02070309020205020404" pitchFamily="49" charset="0"/>
-              </a:rPr>
-              <a:t>, </a:t>
-            </a:r>
-            <a:r>
-              <a:rPr lang="en-US" altLang="zh-TW" sz="2400" b="0" dirty="0" smtClean="0">
-                <a:solidFill>
-                  <a:srgbClr val="09885A"/>
-                </a:solidFill>
-                <a:effectLst/>
-                <a:latin typeface="Courier New" panose="02070309020205020404" pitchFamily="49" charset="0"/>
-              </a:rPr>
-              <a:t>6</a:t>
-            </a:r>
-            <a:r>
-              <a:rPr lang="en-US" altLang="zh-TW" sz="2400" b="0" dirty="0" smtClean="0">
-                <a:solidFill>
-                  <a:srgbClr val="000000"/>
-                </a:solidFill>
-                <a:effectLst/>
-                <a:latin typeface="Courier New" panose="02070309020205020404" pitchFamily="49" charset="0"/>
-              </a:rPr>
-              <a:t>, </a:t>
-            </a:r>
-            <a:r>
-              <a:rPr lang="en-US" altLang="zh-TW" sz="2400" b="0" dirty="0" smtClean="0">
-                <a:solidFill>
-                  <a:srgbClr val="09885A"/>
-                </a:solidFill>
-                <a:effectLst/>
-                <a:latin typeface="Courier New" panose="02070309020205020404" pitchFamily="49" charset="0"/>
-              </a:rPr>
-              <a:t>4</a:t>
-            </a:r>
-            <a:r>
-              <a:rPr lang="en-US" altLang="zh-TW" sz="2400" b="0" dirty="0" smtClean="0">
-                <a:solidFill>
-                  <a:srgbClr val="000000"/>
-                </a:solidFill>
-                <a:effectLst/>
-                <a:latin typeface="Courier New" panose="02070309020205020404" pitchFamily="49" charset="0"/>
-              </a:rPr>
-              <a:t>, </a:t>
-            </a:r>
-            <a:r>
-              <a:rPr lang="en-US" altLang="zh-TW" sz="2400" b="0" dirty="0" smtClean="0">
-                <a:solidFill>
-                  <a:srgbClr val="09885A"/>
-                </a:solidFill>
-                <a:effectLst/>
-                <a:latin typeface="Courier New" panose="02070309020205020404" pitchFamily="49" charset="0"/>
-              </a:rPr>
-              <a:t>2</a:t>
-            </a:r>
-            <a:r>
-              <a:rPr lang="en-US" altLang="zh-TW" sz="2400" b="0" dirty="0" smtClean="0">
-                <a:solidFill>
-                  <a:srgbClr val="000000"/>
-                </a:solidFill>
-                <a:effectLst/>
-                <a:latin typeface="Courier New" panose="02070309020205020404" pitchFamily="49" charset="0"/>
-              </a:rPr>
-              <a:t>]</a:t>
-            </a:r>
-          </a:p>
-          <a:p>
-            <a:r>
-              <a:rPr lang="en-US" altLang="zh-TW" sz="2400" b="0" dirty="0" err="1" smtClean="0">
-                <a:solidFill>
-                  <a:srgbClr val="000000"/>
-                </a:solidFill>
-                <a:effectLst/>
-                <a:latin typeface="Courier New" panose="02070309020205020404" pitchFamily="49" charset="0"/>
-              </a:rPr>
-              <a:t>plt.plot</a:t>
-            </a:r>
-            <a:r>
-              <a:rPr lang="en-US" altLang="zh-TW" sz="2400" b="0" dirty="0" smtClean="0">
-                <a:solidFill>
-                  <a:srgbClr val="000000"/>
-                </a:solidFill>
-                <a:effectLst/>
-                <a:latin typeface="Courier New" panose="02070309020205020404" pitchFamily="49" charset="0"/>
-              </a:rPr>
-              <a:t>(x, y1, label=</a:t>
-            </a:r>
-            <a:r>
-              <a:rPr lang="en-US" altLang="zh-TW" sz="2400" b="0" dirty="0" smtClean="0">
-                <a:solidFill>
-                  <a:srgbClr val="A31515"/>
-                </a:solidFill>
-                <a:effectLst/>
-                <a:latin typeface="Courier New" panose="02070309020205020404" pitchFamily="49" charset="0"/>
-              </a:rPr>
-              <a:t>"line L"</a:t>
-            </a:r>
-            <a:r>
-              <a:rPr lang="en-US" altLang="zh-TW" sz="2400" b="0" dirty="0" smtClean="0">
-                <a:solidFill>
-                  <a:srgbClr val="000000"/>
-                </a:solidFill>
-                <a:effectLst/>
-                <a:latin typeface="Courier New" panose="02070309020205020404" pitchFamily="49" charset="0"/>
-              </a:rPr>
-              <a:t>)</a:t>
-            </a:r>
-          </a:p>
-          <a:p>
-            <a:r>
-              <a:rPr lang="en-US" altLang="zh-TW" sz="2400" b="0" dirty="0" err="1" smtClean="0">
-                <a:solidFill>
-                  <a:srgbClr val="000000"/>
-                </a:solidFill>
-                <a:effectLst/>
-                <a:latin typeface="Courier New" panose="02070309020205020404" pitchFamily="49" charset="0"/>
-              </a:rPr>
-              <a:t>plt.plot</a:t>
-            </a:r>
-            <a:r>
-              <a:rPr lang="en-US" altLang="zh-TW" sz="2400" b="0" dirty="0" smtClean="0">
-                <a:solidFill>
-                  <a:srgbClr val="000000"/>
-                </a:solidFill>
-                <a:effectLst/>
-                <a:latin typeface="Courier New" panose="02070309020205020404" pitchFamily="49" charset="0"/>
-              </a:rPr>
-              <a:t>(x, y2, label=</a:t>
-            </a:r>
-            <a:r>
-              <a:rPr lang="en-US" altLang="zh-TW" sz="2400" b="0" dirty="0" smtClean="0">
-                <a:solidFill>
-                  <a:srgbClr val="A31515"/>
-                </a:solidFill>
-                <a:effectLst/>
-                <a:latin typeface="Courier New" panose="02070309020205020404" pitchFamily="49" charset="0"/>
-              </a:rPr>
-              <a:t>"line H"</a:t>
-            </a:r>
-            <a:r>
-              <a:rPr lang="en-US" altLang="zh-TW" sz="2400" b="0" dirty="0" smtClean="0">
-                <a:solidFill>
-                  <a:srgbClr val="000000"/>
-                </a:solidFill>
-                <a:effectLst/>
-                <a:latin typeface="Courier New" panose="02070309020205020404" pitchFamily="49" charset="0"/>
-              </a:rPr>
-              <a:t>)</a:t>
-            </a:r>
-          </a:p>
-          <a:p>
-            <a:r>
-              <a:rPr lang="en-US" altLang="zh-TW" sz="2400" b="0" dirty="0" err="1" smtClean="0">
-                <a:solidFill>
-                  <a:srgbClr val="000000"/>
-                </a:solidFill>
-                <a:effectLst/>
-                <a:latin typeface="Courier New" panose="02070309020205020404" pitchFamily="49" charset="0"/>
-              </a:rPr>
-              <a:t>plt.plot</a:t>
-            </a:r>
-            <a:r>
-              <a:rPr lang="en-US" altLang="zh-TW" sz="2400" b="0" dirty="0" smtClean="0">
-                <a:solidFill>
-                  <a:srgbClr val="000000"/>
-                </a:solidFill>
-                <a:effectLst/>
-                <a:latin typeface="Courier New" panose="02070309020205020404" pitchFamily="49" charset="0"/>
-              </a:rPr>
-              <a:t>()</a:t>
-            </a:r>
-          </a:p>
-          <a:p>
-            <a:r>
-              <a:rPr lang="en-US" altLang="zh-TW" sz="2400" b="0" dirty="0" smtClean="0">
-                <a:solidFill>
-                  <a:srgbClr val="000000"/>
-                </a:solidFill>
-                <a:effectLst/>
-                <a:latin typeface="Courier New" panose="02070309020205020404" pitchFamily="49" charset="0"/>
-              </a:rPr>
-              <a:t/>
-            </a:r>
-            <a:br>
-              <a:rPr lang="en-US" altLang="zh-TW" sz="2400" b="0" dirty="0" smtClean="0">
-                <a:solidFill>
-                  <a:srgbClr val="000000"/>
-                </a:solidFill>
-                <a:effectLst/>
-                <a:latin typeface="Courier New" panose="02070309020205020404" pitchFamily="49" charset="0"/>
-              </a:rPr>
-            </a:br>
-            <a:r>
-              <a:rPr lang="en-US" altLang="zh-TW" sz="2400" b="0" dirty="0" err="1" smtClean="0">
-                <a:solidFill>
-                  <a:srgbClr val="000000"/>
-                </a:solidFill>
-                <a:effectLst/>
-                <a:latin typeface="Courier New" panose="02070309020205020404" pitchFamily="49" charset="0"/>
-              </a:rPr>
-              <a:t>plt.xlabel</a:t>
-            </a:r>
-            <a:r>
-              <a:rPr lang="en-US" altLang="zh-TW" sz="2400" b="0" dirty="0" smtClean="0">
-                <a:solidFill>
-                  <a:srgbClr val="000000"/>
-                </a:solidFill>
-                <a:effectLst/>
-                <a:latin typeface="Courier New" panose="02070309020205020404" pitchFamily="49" charset="0"/>
-              </a:rPr>
-              <a:t>(</a:t>
-            </a:r>
-            <a:r>
-              <a:rPr lang="en-US" altLang="zh-TW" sz="2400" b="0" dirty="0" smtClean="0">
-                <a:solidFill>
-                  <a:srgbClr val="A31515"/>
-                </a:solidFill>
-                <a:effectLst/>
-                <a:latin typeface="Courier New" panose="02070309020205020404" pitchFamily="49" charset="0"/>
-              </a:rPr>
-              <a:t>"x axis"</a:t>
-            </a:r>
-            <a:r>
-              <a:rPr lang="en-US" altLang="zh-TW" sz="2400" b="0" dirty="0" smtClean="0">
-                <a:solidFill>
-                  <a:srgbClr val="000000"/>
-                </a:solidFill>
-                <a:effectLst/>
-                <a:latin typeface="Courier New" panose="02070309020205020404" pitchFamily="49" charset="0"/>
-              </a:rPr>
-              <a:t>)</a:t>
-            </a:r>
-          </a:p>
-          <a:p>
-            <a:r>
-              <a:rPr lang="en-US" altLang="zh-TW" sz="2400" b="0" dirty="0" err="1" smtClean="0">
-                <a:solidFill>
-                  <a:srgbClr val="000000"/>
-                </a:solidFill>
-                <a:effectLst/>
-                <a:latin typeface="Courier New" panose="02070309020205020404" pitchFamily="49" charset="0"/>
-              </a:rPr>
-              <a:t>plt.ylabel</a:t>
-            </a:r>
-            <a:r>
-              <a:rPr lang="en-US" altLang="zh-TW" sz="2400" b="0" dirty="0" smtClean="0">
-                <a:solidFill>
-                  <a:srgbClr val="000000"/>
-                </a:solidFill>
-                <a:effectLst/>
-                <a:latin typeface="Courier New" panose="02070309020205020404" pitchFamily="49" charset="0"/>
-              </a:rPr>
-              <a:t>(</a:t>
-            </a:r>
-            <a:r>
-              <a:rPr lang="en-US" altLang="zh-TW" sz="2400" b="0" dirty="0" smtClean="0">
-                <a:solidFill>
-                  <a:srgbClr val="A31515"/>
-                </a:solidFill>
-                <a:effectLst/>
-                <a:latin typeface="Courier New" panose="02070309020205020404" pitchFamily="49" charset="0"/>
-              </a:rPr>
-              <a:t>"y axis"</a:t>
-            </a:r>
-            <a:r>
-              <a:rPr lang="en-US" altLang="zh-TW" sz="2400" b="0" dirty="0" smtClean="0">
-                <a:solidFill>
-                  <a:srgbClr val="000000"/>
-                </a:solidFill>
-                <a:effectLst/>
-                <a:latin typeface="Courier New" panose="02070309020205020404" pitchFamily="49" charset="0"/>
-              </a:rPr>
-              <a:t>)</a:t>
-            </a:r>
-          </a:p>
-          <a:p>
-            <a:r>
-              <a:rPr lang="en-US" altLang="zh-TW" sz="2400" b="0" dirty="0" err="1" smtClean="0">
-                <a:solidFill>
-                  <a:srgbClr val="000000"/>
-                </a:solidFill>
-                <a:effectLst/>
-                <a:latin typeface="Courier New" panose="02070309020205020404" pitchFamily="49" charset="0"/>
-              </a:rPr>
-              <a:t>plt.title</a:t>
-            </a:r>
-            <a:r>
-              <a:rPr lang="en-US" altLang="zh-TW" sz="2400" b="0" dirty="0" smtClean="0">
-                <a:solidFill>
-                  <a:srgbClr val="000000"/>
-                </a:solidFill>
-                <a:effectLst/>
-                <a:latin typeface="Courier New" panose="02070309020205020404" pitchFamily="49" charset="0"/>
-              </a:rPr>
-              <a:t>(</a:t>
-            </a:r>
-            <a:r>
-              <a:rPr lang="en-US" altLang="zh-TW" sz="2400" b="0" dirty="0" smtClean="0">
-                <a:solidFill>
-                  <a:srgbClr val="A31515"/>
-                </a:solidFill>
-                <a:effectLst/>
-                <a:latin typeface="Courier New" panose="02070309020205020404" pitchFamily="49" charset="0"/>
-              </a:rPr>
-              <a:t>"Line Graph Example"</a:t>
-            </a:r>
-            <a:r>
-              <a:rPr lang="en-US" altLang="zh-TW" sz="2400" b="0" dirty="0" smtClean="0">
-                <a:solidFill>
-                  <a:srgbClr val="000000"/>
-                </a:solidFill>
-                <a:effectLst/>
-                <a:latin typeface="Courier New" panose="02070309020205020404" pitchFamily="49" charset="0"/>
-              </a:rPr>
-              <a:t>)</a:t>
-            </a:r>
-          </a:p>
-          <a:p>
-            <a:r>
-              <a:rPr lang="en-US" altLang="zh-TW" sz="2400" b="0" dirty="0" err="1" smtClean="0">
-                <a:solidFill>
-                  <a:srgbClr val="000000"/>
-                </a:solidFill>
-                <a:effectLst/>
-                <a:latin typeface="Courier New" panose="02070309020205020404" pitchFamily="49" charset="0"/>
-              </a:rPr>
-              <a:t>plt.legend</a:t>
-            </a:r>
-            <a:r>
-              <a:rPr lang="en-US" altLang="zh-TW" sz="2400" b="0" dirty="0" smtClean="0">
-                <a:solidFill>
-                  <a:srgbClr val="000000"/>
-                </a:solidFill>
-                <a:effectLst/>
-                <a:latin typeface="Courier New" panose="02070309020205020404" pitchFamily="49" charset="0"/>
-              </a:rPr>
-              <a:t>()</a:t>
-            </a:r>
-          </a:p>
-          <a:p>
-            <a:r>
-              <a:rPr lang="en-US" altLang="zh-TW" sz="2400" b="0" dirty="0" err="1" smtClean="0">
-                <a:solidFill>
-                  <a:srgbClr val="000000"/>
-                </a:solidFill>
-                <a:effectLst/>
-                <a:latin typeface="Courier New" panose="02070309020205020404" pitchFamily="49" charset="0"/>
-              </a:rPr>
-              <a:t>plt.show</a:t>
-            </a:r>
-            <a:r>
-              <a:rPr lang="en-US" altLang="zh-TW" sz="2400" b="0" dirty="0" smtClean="0">
-                <a:solidFill>
-                  <a:srgbClr val="000000"/>
-                </a:solidFill>
-                <a:effectLst/>
-                <a:latin typeface="Courier New" panose="02070309020205020404" pitchFamily="49" charset="0"/>
-              </a:rPr>
-              <a:t>()</a:t>
-            </a:r>
-            <a:endParaRPr lang="en-US" altLang="zh-TW" sz="2400" b="0" dirty="0">
-              <a:solidFill>
-                <a:srgbClr val="000000"/>
-              </a:solidFill>
-              <a:effectLst/>
-              <a:latin typeface="Courier New" panose="02070309020205020404" pitchFamily="49" charset="0"/>
-            </a:endParaRPr>
-          </a:p>
-        </p:txBody>
-      </p:sp>
-      <p:sp>
-        <p:nvSpPr>
-          <p:cNvPr id="5" name="矩形 4"/>
+        </p:txBody>
+      </p:sp>
+      <p:cxnSp>
+        <p:nvCxnSpPr>
+          <p:cNvPr id="12" name="直線單箭頭接點 11"/>
+          <p:cNvCxnSpPr/>
+          <p:nvPr/>
+        </p:nvCxnSpPr>
+        <p:spPr>
+          <a:xfrm rot="5400000" flipH="1" flipV="1">
+            <a:off x="9787361" y="2435586"/>
+            <a:ext cx="993183" cy="646176"/>
+          </a:xfrm>
+          <a:prstGeom prst="curvedConnector3">
+            <a:avLst>
+              <a:gd name="adj1" fmla="val 50000"/>
+            </a:avLst>
+          </a:prstGeom>
+          <a:ln w="38100">
+            <a:solidFill>
+              <a:srgbClr val="FF0000"/>
+            </a:solidFill>
+            <a:tailEnd type="triangle"/>
+          </a:ln>
+        </p:spPr>
+        <p:style>
+          <a:lnRef idx="1">
+            <a:schemeClr val="accent1"/>
+          </a:lnRef>
+          <a:fillRef idx="0">
+            <a:schemeClr val="accent1"/>
+          </a:fillRef>
+          <a:effectRef idx="0">
+            <a:schemeClr val="accent1"/>
+          </a:effectRef>
+          <a:fontRef idx="minor">
+            <a:schemeClr val="tx1"/>
+          </a:fontRef>
+        </p:style>
+      </p:cxnSp>
+      <p:sp>
+        <p:nvSpPr>
+          <p:cNvPr id="13" name="矩形 12"/>
           <p:cNvSpPr/>
           <p:nvPr/>
         </p:nvSpPr>
         <p:spPr>
           <a:xfrm>
-            <a:off x="2481943" y="1685109"/>
-            <a:ext cx="6387737" cy="1071154"/>
+            <a:off x="9229344" y="3462528"/>
+            <a:ext cx="2124456" cy="485680"/>
           </a:xfrm>
           <a:prstGeom prst="rect">
             <a:avLst/>
           </a:prstGeom>
           <a:noFill/>
-          <a:ln w="76200">
+          <a:ln w="38100">
             <a:solidFill>
               <a:srgbClr val="FF0000"/>
             </a:solidFill>
@@ -4340,14 +7310,14 @@
       </p:sp>
       <p:sp>
         <p:nvSpPr>
-          <p:cNvPr id="6" name="文字方塊 5"/>
+          <p:cNvPr id="14" name="文字方塊 13"/>
           <p:cNvSpPr txBox="1"/>
           <p:nvPr/>
         </p:nvSpPr>
         <p:spPr>
           <a:xfrm>
-            <a:off x="979715" y="1897520"/>
-            <a:ext cx="2338252" cy="646331"/>
+            <a:off x="9289695" y="3520702"/>
+            <a:ext cx="1001877" cy="369332"/>
           </a:xfrm>
           <a:prstGeom prst="rect">
             <a:avLst/>
@@ -4355,23 +7325,1098 @@
           <a:noFill/>
         </p:spPr>
         <p:txBody>
+          <a:bodyPr wrap="none" rtlCol="0">
+            <a:spAutoFit/>
+          </a:bodyPr>
+          <a:lstStyle/>
+          <a:p>
+            <a:r>
+              <a:rPr lang="en-US" altLang="zh-TW" dirty="0" smtClean="0"/>
+              <a:t>C</a:t>
+            </a:r>
+            <a:r>
+              <a:rPr lang="zh-TW" altLang="en-US" dirty="0" smtClean="0"/>
+              <a:t> </a:t>
+            </a:r>
+            <a:r>
+              <a:rPr lang="en-US" altLang="zh-TW" dirty="0" smtClean="0"/>
+              <a:t>=</a:t>
+            </a:r>
+            <a:r>
+              <a:rPr lang="zh-TW" altLang="en-US" dirty="0" smtClean="0"/>
+              <a:t> </a:t>
+            </a:r>
+            <a:r>
+              <a:rPr lang="en-US" altLang="zh-TW" dirty="0" smtClean="0"/>
+              <a:t>color</a:t>
+            </a:r>
+            <a:endParaRPr lang="zh-TW" altLang="en-US" dirty="0"/>
+          </a:p>
+        </p:txBody>
+      </p:sp>
+    </p:spTree>
+    <p:extLst>
+      <p:ext uri="{BB962C8B-B14F-4D97-AF65-F5344CB8AC3E}">
+        <p14:creationId xmlns:p14="http://schemas.microsoft.com/office/powerpoint/2010/main" val="909056615"/>
+      </p:ext>
+    </p:extLst>
+  </p:cSld>
+  <p:clrMapOvr>
+    <a:masterClrMapping/>
+  </p:clrMapOvr>
+</p:sld>
+</file>
+
+<file path=ppt/slides/slide21.xml><?xml version="1.0" encoding="utf-8"?>
+<p:sld xmlns:a="http://schemas.openxmlformats.org/drawingml/2006/main" xmlns:r="http://schemas.openxmlformats.org/officeDocument/2006/relationships" xmlns:p="http://schemas.openxmlformats.org/presentationml/2006/main">
+  <p:cSld>
+    <p:spTree>
+      <p:nvGrpSpPr>
+        <p:cNvPr id="1" name=""/>
+        <p:cNvGrpSpPr/>
+        <p:nvPr/>
+      </p:nvGrpSpPr>
+      <p:grpSpPr>
+        <a:xfrm>
+          <a:off x="0" y="0"/>
+          <a:ext cx="0" cy="0"/>
+          <a:chOff x="0" y="0"/>
+          <a:chExt cx="0" cy="0"/>
+        </a:xfrm>
+      </p:grpSpPr>
+      <p:sp>
+        <p:nvSpPr>
+          <p:cNvPr id="2" name="標題 1"/>
+          <p:cNvSpPr>
+            <a:spLocks noGrp="1"/>
+          </p:cNvSpPr>
+          <p:nvPr>
+            <p:ph type="title"/>
+          </p:nvPr>
+        </p:nvSpPr>
+        <p:spPr/>
+        <p:txBody>
+          <a:bodyPr/>
+          <a:lstStyle/>
+          <a:p>
+            <a:r>
+              <a:rPr lang="zh-TW" altLang="en-US" dirty="0" smtClean="0"/>
+              <a:t>作業</a:t>
+            </a:r>
+            <a:r>
+              <a:rPr lang="en-US" altLang="zh-TW" dirty="0" smtClean="0"/>
+              <a:t>4:</a:t>
+            </a:r>
+            <a:r>
+              <a:rPr lang="zh-TW" altLang="en-US" dirty="0" smtClean="0"/>
+              <a:t>生成下</a:t>
+            </a:r>
+            <a:r>
+              <a:rPr lang="zh-TW" altLang="en-US" dirty="0"/>
+              <a:t>圖</a:t>
+            </a:r>
+          </a:p>
+        </p:txBody>
+      </p:sp>
+      <p:pic>
+        <p:nvPicPr>
+          <p:cNvPr id="3" name="圖片 2"/>
+          <p:cNvPicPr>
+            <a:picLocks noChangeAspect="1"/>
+          </p:cNvPicPr>
+          <p:nvPr/>
+        </p:nvPicPr>
+        <p:blipFill>
+          <a:blip r:embed="rId2">
+            <a:extLst>
+              <a:ext uri="{28A0092B-C50C-407E-A947-70E740481C1C}">
+                <a14:useLocalDpi xmlns:a14="http://schemas.microsoft.com/office/drawing/2010/main" val="0"/>
+              </a:ext>
+            </a:extLst>
+          </a:blip>
+          <a:stretch>
+            <a:fillRect/>
+          </a:stretch>
+        </p:blipFill>
+        <p:spPr>
+          <a:xfrm>
+            <a:off x="2686159" y="1520000"/>
+            <a:ext cx="6819681" cy="4582825"/>
+          </a:xfrm>
+          <a:prstGeom prst="rect">
+            <a:avLst/>
+          </a:prstGeom>
+        </p:spPr>
+      </p:pic>
+    </p:spTree>
+    <p:extLst>
+      <p:ext uri="{BB962C8B-B14F-4D97-AF65-F5344CB8AC3E}">
+        <p14:creationId xmlns:p14="http://schemas.microsoft.com/office/powerpoint/2010/main" val="2034871664"/>
+      </p:ext>
+    </p:extLst>
+  </p:cSld>
+  <p:clrMapOvr>
+    <a:masterClrMapping/>
+  </p:clrMapOvr>
+</p:sld>
+</file>
+
+<file path=ppt/slides/slide22.xml><?xml version="1.0" encoding="utf-8"?>
+<p:sld xmlns:a="http://schemas.openxmlformats.org/drawingml/2006/main" xmlns:r="http://schemas.openxmlformats.org/officeDocument/2006/relationships" xmlns:p="http://schemas.openxmlformats.org/presentationml/2006/main">
+  <p:cSld>
+    <p:spTree>
+      <p:nvGrpSpPr>
+        <p:cNvPr id="1" name=""/>
+        <p:cNvGrpSpPr/>
+        <p:nvPr/>
+      </p:nvGrpSpPr>
+      <p:grpSpPr>
+        <a:xfrm>
+          <a:off x="0" y="0"/>
+          <a:ext cx="0" cy="0"/>
+          <a:chOff x="0" y="0"/>
+          <a:chExt cx="0" cy="0"/>
+        </a:xfrm>
+      </p:grpSpPr>
+      <p:sp>
+        <p:nvSpPr>
+          <p:cNvPr id="2" name="標題 1"/>
+          <p:cNvSpPr>
+            <a:spLocks noGrp="1"/>
+          </p:cNvSpPr>
+          <p:nvPr>
+            <p:ph type="title"/>
+          </p:nvPr>
+        </p:nvSpPr>
+        <p:spPr/>
+        <p:txBody>
+          <a:bodyPr/>
+          <a:lstStyle/>
+          <a:p>
+            <a:r>
+              <a:rPr lang="zh-TW" altLang="en-US" dirty="0" smtClean="0"/>
+              <a:t>程式碼</a:t>
+            </a:r>
+            <a:endParaRPr lang="zh-TW" altLang="en-US" dirty="0"/>
+          </a:p>
+        </p:txBody>
+      </p:sp>
+      <p:sp>
+        <p:nvSpPr>
+          <p:cNvPr id="3" name="矩形 2"/>
+          <p:cNvSpPr/>
+          <p:nvPr/>
+        </p:nvSpPr>
+        <p:spPr>
+          <a:xfrm>
+            <a:off x="1085088" y="1989064"/>
+            <a:ext cx="6096000" cy="3139321"/>
+          </a:xfrm>
+          <a:prstGeom prst="rect">
+            <a:avLst/>
+          </a:prstGeom>
+        </p:spPr>
+        <p:txBody>
+          <a:bodyPr>
+            <a:spAutoFit/>
+          </a:bodyPr>
+          <a:lstStyle/>
+          <a:p>
+            <a:r>
+              <a:rPr lang="en-US" altLang="zh-TW" dirty="0">
+                <a:solidFill>
+                  <a:srgbClr val="AF00DB"/>
+                </a:solidFill>
+                <a:latin typeface="Courier New" panose="02070309020205020404" pitchFamily="49" charset="0"/>
+              </a:rPr>
+              <a:t>import</a:t>
+            </a:r>
+            <a:r>
+              <a:rPr lang="en-US" altLang="zh-TW" dirty="0">
+                <a:solidFill>
+                  <a:srgbClr val="000000"/>
+                </a:solidFill>
+                <a:latin typeface="Courier New" panose="02070309020205020404" pitchFamily="49" charset="0"/>
+              </a:rPr>
+              <a:t> </a:t>
+            </a:r>
+            <a:r>
+              <a:rPr lang="en-US" altLang="zh-TW" dirty="0" err="1">
+                <a:solidFill>
+                  <a:srgbClr val="000000"/>
+                </a:solidFill>
+                <a:latin typeface="Courier New" panose="02070309020205020404" pitchFamily="49" charset="0"/>
+              </a:rPr>
+              <a:t>matplotlib.pylab</a:t>
+            </a:r>
+            <a:r>
+              <a:rPr lang="en-US" altLang="zh-TW" dirty="0">
+                <a:solidFill>
+                  <a:srgbClr val="000000"/>
+                </a:solidFill>
+                <a:latin typeface="Courier New" panose="02070309020205020404" pitchFamily="49" charset="0"/>
+              </a:rPr>
+              <a:t> </a:t>
+            </a:r>
+            <a:r>
+              <a:rPr lang="en-US" altLang="zh-TW" dirty="0">
+                <a:solidFill>
+                  <a:srgbClr val="AF00DB"/>
+                </a:solidFill>
+                <a:latin typeface="Courier New" panose="02070309020205020404" pitchFamily="49" charset="0"/>
+              </a:rPr>
+              <a:t>as</a:t>
+            </a:r>
+            <a:r>
+              <a:rPr lang="en-US" altLang="zh-TW" dirty="0">
+                <a:solidFill>
+                  <a:srgbClr val="000000"/>
+                </a:solidFill>
+                <a:latin typeface="Courier New" panose="02070309020205020404" pitchFamily="49" charset="0"/>
+              </a:rPr>
+              <a:t> </a:t>
+            </a:r>
+            <a:r>
+              <a:rPr lang="en-US" altLang="zh-TW" dirty="0" err="1">
+                <a:solidFill>
+                  <a:srgbClr val="000000"/>
+                </a:solidFill>
+                <a:latin typeface="Courier New" panose="02070309020205020404" pitchFamily="49" charset="0"/>
+              </a:rPr>
+              <a:t>pl</a:t>
+            </a:r>
+            <a:endParaRPr lang="en-US" altLang="zh-TW" dirty="0">
+              <a:solidFill>
+                <a:srgbClr val="000000"/>
+              </a:solidFill>
+              <a:latin typeface="Courier New" panose="02070309020205020404" pitchFamily="49" charset="0"/>
+            </a:endParaRPr>
+          </a:p>
+          <a:p>
+            <a:r>
+              <a:rPr lang="en-US" altLang="zh-TW" dirty="0">
+                <a:solidFill>
+                  <a:srgbClr val="AF00DB"/>
+                </a:solidFill>
+                <a:latin typeface="Courier New" panose="02070309020205020404" pitchFamily="49" charset="0"/>
+              </a:rPr>
+              <a:t>import</a:t>
+            </a:r>
+            <a:r>
+              <a:rPr lang="en-US" altLang="zh-TW" dirty="0">
+                <a:solidFill>
+                  <a:srgbClr val="000000"/>
+                </a:solidFill>
+                <a:latin typeface="Courier New" panose="02070309020205020404" pitchFamily="49" charset="0"/>
+              </a:rPr>
+              <a:t> </a:t>
+            </a:r>
+            <a:r>
+              <a:rPr lang="en-US" altLang="zh-TW" dirty="0" err="1">
+                <a:solidFill>
+                  <a:srgbClr val="000000"/>
+                </a:solidFill>
+                <a:latin typeface="Courier New" panose="02070309020205020404" pitchFamily="49" charset="0"/>
+              </a:rPr>
+              <a:t>numpy</a:t>
+            </a:r>
+            <a:r>
+              <a:rPr lang="en-US" altLang="zh-TW" dirty="0">
+                <a:solidFill>
+                  <a:srgbClr val="000000"/>
+                </a:solidFill>
+                <a:latin typeface="Courier New" panose="02070309020205020404" pitchFamily="49" charset="0"/>
+              </a:rPr>
+              <a:t> </a:t>
+            </a:r>
+            <a:r>
+              <a:rPr lang="en-US" altLang="zh-TW" dirty="0">
+                <a:solidFill>
+                  <a:srgbClr val="AF00DB"/>
+                </a:solidFill>
+                <a:latin typeface="Courier New" panose="02070309020205020404" pitchFamily="49" charset="0"/>
+              </a:rPr>
+              <a:t>as</a:t>
+            </a:r>
+            <a:r>
+              <a:rPr lang="en-US" altLang="zh-TW" dirty="0">
+                <a:solidFill>
+                  <a:srgbClr val="000000"/>
+                </a:solidFill>
+                <a:latin typeface="Courier New" panose="02070309020205020404" pitchFamily="49" charset="0"/>
+              </a:rPr>
+              <a:t> np</a:t>
+            </a:r>
+          </a:p>
+          <a:p>
+            <a:r>
+              <a:rPr lang="en-US" altLang="zh-TW" dirty="0">
+                <a:solidFill>
+                  <a:srgbClr val="000000"/>
+                </a:solidFill>
+                <a:latin typeface="Courier New" panose="02070309020205020404" pitchFamily="49" charset="0"/>
+              </a:rPr>
+              <a:t/>
+            </a:r>
+            <a:br>
+              <a:rPr lang="en-US" altLang="zh-TW" dirty="0">
+                <a:solidFill>
+                  <a:srgbClr val="000000"/>
+                </a:solidFill>
+                <a:latin typeface="Courier New" panose="02070309020205020404" pitchFamily="49" charset="0"/>
+              </a:rPr>
+            </a:br>
+            <a:r>
+              <a:rPr lang="en-US" altLang="zh-TW" dirty="0">
+                <a:solidFill>
+                  <a:srgbClr val="000000"/>
+                </a:solidFill>
+                <a:latin typeface="Courier New" panose="02070309020205020404" pitchFamily="49" charset="0"/>
+              </a:rPr>
+              <a:t/>
+            </a:r>
+            <a:br>
+              <a:rPr lang="en-US" altLang="zh-TW" dirty="0">
+                <a:solidFill>
+                  <a:srgbClr val="000000"/>
+                </a:solidFill>
+                <a:latin typeface="Courier New" panose="02070309020205020404" pitchFamily="49" charset="0"/>
+              </a:rPr>
+            </a:br>
+            <a:r>
+              <a:rPr lang="en-US" altLang="zh-TW" dirty="0">
+                <a:solidFill>
+                  <a:srgbClr val="000000"/>
+                </a:solidFill>
+                <a:latin typeface="Courier New" panose="02070309020205020404" pitchFamily="49" charset="0"/>
+              </a:rPr>
+              <a:t>x = </a:t>
+            </a:r>
+            <a:r>
+              <a:rPr lang="en-US" altLang="zh-TW" dirty="0" err="1">
+                <a:solidFill>
+                  <a:srgbClr val="000000"/>
+                </a:solidFill>
+                <a:latin typeface="Courier New" panose="02070309020205020404" pitchFamily="49" charset="0"/>
+              </a:rPr>
+              <a:t>np.random.random</a:t>
+            </a:r>
+            <a:r>
+              <a:rPr lang="en-US" altLang="zh-TW" dirty="0">
+                <a:solidFill>
+                  <a:srgbClr val="000000"/>
+                </a:solidFill>
+                <a:latin typeface="Courier New" panose="02070309020205020404" pitchFamily="49" charset="0"/>
+              </a:rPr>
+              <a:t>(</a:t>
+            </a:r>
+            <a:r>
+              <a:rPr lang="en-US" altLang="zh-TW" dirty="0">
+                <a:solidFill>
+                  <a:srgbClr val="09885A"/>
+                </a:solidFill>
+                <a:latin typeface="Courier New" panose="02070309020205020404" pitchFamily="49" charset="0"/>
+              </a:rPr>
+              <a:t>100</a:t>
+            </a:r>
+            <a:r>
+              <a:rPr lang="en-US" altLang="zh-TW" dirty="0">
+                <a:solidFill>
+                  <a:srgbClr val="000000"/>
+                </a:solidFill>
+                <a:latin typeface="Courier New" panose="02070309020205020404" pitchFamily="49" charset="0"/>
+              </a:rPr>
+              <a:t>)</a:t>
+            </a:r>
+          </a:p>
+          <a:p>
+            <a:r>
+              <a:rPr lang="en-US" altLang="zh-TW" dirty="0" smtClean="0">
+                <a:solidFill>
+                  <a:srgbClr val="000000"/>
+                </a:solidFill>
+                <a:latin typeface="Courier New" panose="02070309020205020404" pitchFamily="49" charset="0"/>
+              </a:rPr>
+              <a:t>y</a:t>
+            </a:r>
+            <a:r>
+              <a:rPr lang="en-US" altLang="zh-TW" dirty="0">
+                <a:solidFill>
+                  <a:srgbClr val="000000"/>
+                </a:solidFill>
+                <a:latin typeface="Courier New" panose="02070309020205020404" pitchFamily="49" charset="0"/>
+              </a:rPr>
+              <a:t> = </a:t>
+            </a:r>
+            <a:r>
+              <a:rPr lang="en-US" altLang="zh-TW" dirty="0" err="1">
+                <a:solidFill>
+                  <a:srgbClr val="000000"/>
+                </a:solidFill>
+                <a:latin typeface="Courier New" panose="02070309020205020404" pitchFamily="49" charset="0"/>
+              </a:rPr>
+              <a:t>np.random.random</a:t>
+            </a:r>
+            <a:r>
+              <a:rPr lang="en-US" altLang="zh-TW" dirty="0">
+                <a:solidFill>
+                  <a:srgbClr val="000000"/>
+                </a:solidFill>
+                <a:latin typeface="Courier New" panose="02070309020205020404" pitchFamily="49" charset="0"/>
+              </a:rPr>
+              <a:t>(</a:t>
+            </a:r>
+            <a:r>
+              <a:rPr lang="en-US" altLang="zh-TW" dirty="0">
+                <a:solidFill>
+                  <a:srgbClr val="09885A"/>
+                </a:solidFill>
+                <a:latin typeface="Courier New" panose="02070309020205020404" pitchFamily="49" charset="0"/>
+              </a:rPr>
+              <a:t>100</a:t>
+            </a:r>
+            <a:r>
+              <a:rPr lang="en-US" altLang="zh-TW" dirty="0">
+                <a:solidFill>
+                  <a:srgbClr val="000000"/>
+                </a:solidFill>
+                <a:latin typeface="Courier New" panose="02070309020205020404" pitchFamily="49" charset="0"/>
+              </a:rPr>
+              <a:t>)</a:t>
+            </a:r>
+          </a:p>
+          <a:p>
+            <a:r>
+              <a:rPr lang="en-US" altLang="zh-TW" dirty="0">
+                <a:solidFill>
+                  <a:srgbClr val="000000"/>
+                </a:solidFill>
+                <a:latin typeface="Courier New" panose="02070309020205020404" pitchFamily="49" charset="0"/>
+              </a:rPr>
+              <a:t/>
+            </a:r>
+            <a:br>
+              <a:rPr lang="en-US" altLang="zh-TW" dirty="0">
+                <a:solidFill>
+                  <a:srgbClr val="000000"/>
+                </a:solidFill>
+                <a:latin typeface="Courier New" panose="02070309020205020404" pitchFamily="49" charset="0"/>
+              </a:rPr>
+            </a:br>
+            <a:r>
+              <a:rPr lang="en-US" altLang="zh-TW" dirty="0">
+                <a:solidFill>
+                  <a:srgbClr val="008000"/>
+                </a:solidFill>
+                <a:latin typeface="Courier New" panose="02070309020205020404" pitchFamily="49" charset="0"/>
+              </a:rPr>
+              <a:t> </a:t>
+            </a:r>
+            <a:endParaRPr lang="en-US" altLang="zh-TW" dirty="0">
+              <a:solidFill>
+                <a:srgbClr val="000000"/>
+              </a:solidFill>
+              <a:latin typeface="Courier New" panose="02070309020205020404" pitchFamily="49" charset="0"/>
+            </a:endParaRPr>
+          </a:p>
+          <a:p>
+            <a:r>
+              <a:rPr lang="en-US" altLang="zh-TW" dirty="0" err="1">
+                <a:solidFill>
+                  <a:srgbClr val="000000"/>
+                </a:solidFill>
+                <a:latin typeface="Courier New" panose="02070309020205020404" pitchFamily="49" charset="0"/>
+              </a:rPr>
+              <a:t>pl.scatter</a:t>
+            </a:r>
+            <a:r>
+              <a:rPr lang="en-US" altLang="zh-TW" dirty="0">
+                <a:solidFill>
+                  <a:srgbClr val="000000"/>
+                </a:solidFill>
+                <a:latin typeface="Courier New" panose="02070309020205020404" pitchFamily="49" charset="0"/>
+              </a:rPr>
+              <a:t>(</a:t>
+            </a:r>
+            <a:r>
+              <a:rPr lang="en-US" altLang="zh-TW" dirty="0" err="1">
+                <a:solidFill>
+                  <a:srgbClr val="000000"/>
+                </a:solidFill>
+                <a:latin typeface="Courier New" panose="02070309020205020404" pitchFamily="49" charset="0"/>
+              </a:rPr>
+              <a:t>x,y,s</a:t>
+            </a:r>
+            <a:r>
+              <a:rPr lang="en-US" altLang="zh-TW" dirty="0">
+                <a:solidFill>
+                  <a:srgbClr val="000000"/>
+                </a:solidFill>
+                <a:latin typeface="Courier New" panose="02070309020205020404" pitchFamily="49" charset="0"/>
+              </a:rPr>
+              <a:t>=x*</a:t>
+            </a:r>
+            <a:r>
+              <a:rPr lang="en-US" altLang="zh-TW" dirty="0">
+                <a:solidFill>
+                  <a:srgbClr val="09885A"/>
+                </a:solidFill>
+                <a:latin typeface="Courier New" panose="02070309020205020404" pitchFamily="49" charset="0"/>
+              </a:rPr>
+              <a:t>500</a:t>
+            </a:r>
+            <a:r>
+              <a:rPr lang="en-US" altLang="zh-TW" dirty="0">
+                <a:solidFill>
+                  <a:srgbClr val="000000"/>
+                </a:solidFill>
+                <a:latin typeface="Courier New" panose="02070309020205020404" pitchFamily="49" charset="0"/>
+              </a:rPr>
+              <a:t>,c=</a:t>
+            </a:r>
+            <a:r>
+              <a:rPr lang="en-US" altLang="zh-TW" dirty="0" err="1">
+                <a:solidFill>
+                  <a:srgbClr val="000000"/>
+                </a:solidFill>
+                <a:latin typeface="Courier New" panose="02070309020205020404" pitchFamily="49" charset="0"/>
+              </a:rPr>
+              <a:t>u</a:t>
+            </a:r>
+            <a:r>
+              <a:rPr lang="en-US" altLang="zh-TW" dirty="0" err="1">
+                <a:solidFill>
+                  <a:srgbClr val="A31515"/>
+                </a:solidFill>
+                <a:latin typeface="Courier New" panose="02070309020205020404" pitchFamily="49" charset="0"/>
+              </a:rPr>
+              <a:t>'b'</a:t>
+            </a:r>
+            <a:r>
+              <a:rPr lang="en-US" altLang="zh-TW" dirty="0" err="1">
+                <a:solidFill>
+                  <a:srgbClr val="000000"/>
+                </a:solidFill>
+                <a:latin typeface="Courier New" panose="02070309020205020404" pitchFamily="49" charset="0"/>
+              </a:rPr>
+              <a:t>,marker</a:t>
+            </a:r>
+            <a:r>
+              <a:rPr lang="en-US" altLang="zh-TW" dirty="0">
+                <a:solidFill>
+                  <a:srgbClr val="000000"/>
+                </a:solidFill>
+                <a:latin typeface="Courier New" panose="02070309020205020404" pitchFamily="49" charset="0"/>
+              </a:rPr>
+              <a:t>=</a:t>
+            </a:r>
+            <a:r>
+              <a:rPr lang="en-US" altLang="zh-TW" dirty="0" err="1">
+                <a:solidFill>
+                  <a:srgbClr val="000000"/>
+                </a:solidFill>
+                <a:latin typeface="Courier New" panose="02070309020205020404" pitchFamily="49" charset="0"/>
+              </a:rPr>
+              <a:t>u</a:t>
+            </a:r>
+            <a:r>
+              <a:rPr lang="en-US" altLang="zh-TW" dirty="0" err="1">
+                <a:solidFill>
+                  <a:srgbClr val="A31515"/>
+                </a:solidFill>
+                <a:latin typeface="Courier New" panose="02070309020205020404" pitchFamily="49" charset="0"/>
+              </a:rPr>
+              <a:t>'p</a:t>
+            </a:r>
+            <a:r>
+              <a:rPr lang="en-US" altLang="zh-TW" dirty="0">
+                <a:solidFill>
+                  <a:srgbClr val="A31515"/>
+                </a:solidFill>
+                <a:latin typeface="Courier New" panose="02070309020205020404" pitchFamily="49" charset="0"/>
+              </a:rPr>
+              <a:t>'</a:t>
+            </a:r>
+            <a:r>
+              <a:rPr lang="en-US" altLang="zh-TW" dirty="0">
+                <a:solidFill>
+                  <a:srgbClr val="000000"/>
+                </a:solidFill>
+                <a:latin typeface="Courier New" panose="02070309020205020404" pitchFamily="49" charset="0"/>
+              </a:rPr>
+              <a:t>)  </a:t>
+            </a:r>
+          </a:p>
+          <a:p>
+            <a:r>
+              <a:rPr lang="en-US" altLang="zh-TW" dirty="0" err="1">
+                <a:solidFill>
+                  <a:srgbClr val="000000"/>
+                </a:solidFill>
+                <a:latin typeface="Courier New" panose="02070309020205020404" pitchFamily="49" charset="0"/>
+              </a:rPr>
+              <a:t>pl.show</a:t>
+            </a:r>
+            <a:r>
+              <a:rPr lang="en-US" altLang="zh-TW" dirty="0">
+                <a:solidFill>
+                  <a:srgbClr val="000000"/>
+                </a:solidFill>
+                <a:latin typeface="Courier New" panose="02070309020205020404" pitchFamily="49" charset="0"/>
+              </a:rPr>
+              <a:t>()</a:t>
+            </a:r>
+            <a:endParaRPr lang="en-US" altLang="zh-TW" b="0" dirty="0">
+              <a:solidFill>
+                <a:srgbClr val="000000"/>
+              </a:solidFill>
+              <a:effectLst/>
+              <a:latin typeface="Courier New" panose="02070309020205020404" pitchFamily="49" charset="0"/>
+            </a:endParaRPr>
+          </a:p>
+        </p:txBody>
+      </p:sp>
+      <p:sp>
+        <p:nvSpPr>
+          <p:cNvPr id="4" name="矩形 3"/>
+          <p:cNvSpPr/>
+          <p:nvPr/>
+        </p:nvSpPr>
+        <p:spPr>
+          <a:xfrm>
+            <a:off x="972312" y="3096768"/>
+            <a:ext cx="3965448" cy="719328"/>
+          </a:xfrm>
+          <a:prstGeom prst="rect">
+            <a:avLst/>
+          </a:prstGeom>
+          <a:noFill/>
+          <a:ln w="38100">
+            <a:solidFill>
+              <a:srgbClr val="FF0000"/>
+            </a:solidFill>
+          </a:ln>
+        </p:spPr>
+        <p:style>
+          <a:lnRef idx="2">
+            <a:schemeClr val="accent1">
+              <a:shade val="50000"/>
+            </a:schemeClr>
+          </a:lnRef>
+          <a:fillRef idx="1">
+            <a:schemeClr val="accent1"/>
+          </a:fillRef>
+          <a:effectRef idx="0">
+            <a:schemeClr val="accent1"/>
+          </a:effectRef>
+          <a:fontRef idx="minor">
+            <a:schemeClr val="lt1"/>
+          </a:fontRef>
+        </p:style>
+        <p:txBody>
+          <a:bodyPr rtlCol="0" anchor="ctr"/>
+          <a:lstStyle/>
+          <a:p>
+            <a:pPr algn="ctr"/>
+            <a:endParaRPr lang="zh-TW" altLang="en-US"/>
+          </a:p>
+        </p:txBody>
+      </p:sp>
+      <p:sp>
+        <p:nvSpPr>
+          <p:cNvPr id="6" name="文字方塊 5"/>
+          <p:cNvSpPr txBox="1"/>
+          <p:nvPr/>
+        </p:nvSpPr>
+        <p:spPr>
+          <a:xfrm>
+            <a:off x="1450848" y="2727436"/>
+            <a:ext cx="3336036" cy="369332"/>
+          </a:xfrm>
+          <a:prstGeom prst="rect">
+            <a:avLst/>
+          </a:prstGeom>
+          <a:noFill/>
+        </p:spPr>
+        <p:txBody>
           <a:bodyPr wrap="square" rtlCol="0">
             <a:spAutoFit/>
           </a:bodyPr>
           <a:lstStyle/>
           <a:p>
             <a:r>
-              <a:rPr lang="zh-TW" altLang="en-US" sz="3600" dirty="0" smtClean="0"/>
-              <a:t>資料</a:t>
-            </a:r>
-            <a:endParaRPr lang="zh-TW" altLang="en-US" sz="3600" dirty="0"/>
+              <a:rPr lang="zh-TW" altLang="en-US" dirty="0" smtClean="0"/>
+              <a:t>隨機生成</a:t>
+            </a:r>
+            <a:r>
+              <a:rPr lang="en-US" altLang="zh-TW" dirty="0" smtClean="0"/>
+              <a:t>0~1</a:t>
+            </a:r>
+            <a:r>
+              <a:rPr lang="zh-TW" altLang="en-US" dirty="0" smtClean="0"/>
+              <a:t>的</a:t>
+            </a:r>
+            <a:r>
+              <a:rPr lang="en-US" altLang="zh-TW" dirty="0" smtClean="0"/>
+              <a:t>100</a:t>
+            </a:r>
+            <a:r>
+              <a:rPr lang="zh-TW" altLang="en-US" dirty="0" smtClean="0"/>
+              <a:t>個資料</a:t>
+            </a:r>
+            <a:endParaRPr lang="zh-TW" altLang="en-US" dirty="0"/>
+          </a:p>
+        </p:txBody>
+      </p:sp>
+      <p:sp>
+        <p:nvSpPr>
+          <p:cNvPr id="7" name="矩形 6"/>
+          <p:cNvSpPr/>
+          <p:nvPr/>
+        </p:nvSpPr>
+        <p:spPr>
+          <a:xfrm>
+            <a:off x="7293864" y="1619732"/>
+            <a:ext cx="3631122" cy="369332"/>
+          </a:xfrm>
+          <a:prstGeom prst="rect">
+            <a:avLst/>
+          </a:prstGeom>
+        </p:spPr>
+        <p:txBody>
+          <a:bodyPr wrap="none">
+            <a:spAutoFit/>
+          </a:bodyPr>
+          <a:lstStyle/>
+          <a:p>
+            <a:r>
+              <a:rPr lang="en-US" altLang="zh-TW" dirty="0">
+                <a:solidFill>
+                  <a:srgbClr val="000000"/>
+                </a:solidFill>
+                <a:latin typeface="Courier New" panose="02070309020205020404" pitchFamily="49" charset="0"/>
+              </a:rPr>
+              <a:t>x = </a:t>
+            </a:r>
+            <a:r>
+              <a:rPr lang="en-US" altLang="zh-TW" dirty="0" err="1" smtClean="0">
+                <a:solidFill>
+                  <a:srgbClr val="000000"/>
+                </a:solidFill>
+                <a:latin typeface="Courier New" panose="02070309020205020404" pitchFamily="49" charset="0"/>
+              </a:rPr>
+              <a:t>np.random.random</a:t>
+            </a:r>
+            <a:r>
+              <a:rPr lang="en-US" altLang="zh-TW" dirty="0" smtClean="0">
+                <a:solidFill>
+                  <a:srgbClr val="000000"/>
+                </a:solidFill>
+                <a:latin typeface="Courier New" panose="02070309020205020404" pitchFamily="49" charset="0"/>
+              </a:rPr>
+              <a:t>(</a:t>
+            </a:r>
+            <a:r>
+              <a:rPr lang="en-US" altLang="zh-TW" dirty="0" smtClean="0">
+                <a:solidFill>
+                  <a:srgbClr val="09885A"/>
+                </a:solidFill>
+                <a:latin typeface="Courier New" panose="02070309020205020404" pitchFamily="49" charset="0"/>
+              </a:rPr>
+              <a:t>10</a:t>
+            </a:r>
+            <a:r>
+              <a:rPr lang="en-US" altLang="zh-TW" dirty="0">
+                <a:solidFill>
+                  <a:srgbClr val="000000"/>
+                </a:solidFill>
+                <a:latin typeface="Courier New" panose="02070309020205020404" pitchFamily="49" charset="0"/>
+              </a:rPr>
+              <a:t>)</a:t>
+            </a:r>
+          </a:p>
+        </p:txBody>
+      </p:sp>
+      <p:sp>
+        <p:nvSpPr>
+          <p:cNvPr id="10" name="矩形 9"/>
+          <p:cNvSpPr/>
+          <p:nvPr/>
+        </p:nvSpPr>
+        <p:spPr>
+          <a:xfrm>
+            <a:off x="7293864" y="2366508"/>
+            <a:ext cx="3130296" cy="1754326"/>
+          </a:xfrm>
+          <a:prstGeom prst="rect">
+            <a:avLst/>
+          </a:prstGeom>
+        </p:spPr>
+        <p:txBody>
+          <a:bodyPr wrap="square">
+            <a:spAutoFit/>
+          </a:bodyPr>
+          <a:lstStyle/>
+          <a:p>
+            <a:r>
+              <a:rPr lang="en-US" altLang="zh-TW" dirty="0">
+                <a:solidFill>
+                  <a:srgbClr val="212121"/>
+                </a:solidFill>
+                <a:latin typeface="Courier New" panose="02070309020205020404" pitchFamily="49" charset="0"/>
+              </a:rPr>
+              <a:t>[0.11570619 0.78875665 0.39686784 0.48704091 0.97169284 0.46821603 0.23169899 0.49406479 0.7894499 0.220011 ]</a:t>
+            </a:r>
+            <a:endParaRPr lang="zh-TW" altLang="en-US" dirty="0"/>
+          </a:p>
+        </p:txBody>
+      </p:sp>
+      <p:sp>
+        <p:nvSpPr>
+          <p:cNvPr id="11" name="矩形 10"/>
+          <p:cNvSpPr/>
+          <p:nvPr/>
+        </p:nvSpPr>
+        <p:spPr>
+          <a:xfrm>
+            <a:off x="7181088" y="1619732"/>
+            <a:ext cx="3877056" cy="2632964"/>
+          </a:xfrm>
+          <a:prstGeom prst="rect">
+            <a:avLst/>
+          </a:prstGeom>
+          <a:noFill/>
+          <a:ln w="38100">
+            <a:solidFill>
+              <a:srgbClr val="FF0000"/>
+            </a:solidFill>
+          </a:ln>
+        </p:spPr>
+        <p:style>
+          <a:lnRef idx="2">
+            <a:schemeClr val="accent1">
+              <a:shade val="50000"/>
+            </a:schemeClr>
+          </a:lnRef>
+          <a:fillRef idx="1">
+            <a:schemeClr val="accent1"/>
+          </a:fillRef>
+          <a:effectRef idx="0">
+            <a:schemeClr val="accent1"/>
+          </a:effectRef>
+          <a:fontRef idx="minor">
+            <a:schemeClr val="lt1"/>
+          </a:fontRef>
+        </p:style>
+        <p:txBody>
+          <a:bodyPr rtlCol="0" anchor="ctr"/>
+          <a:lstStyle/>
+          <a:p>
+            <a:pPr algn="ctr"/>
+            <a:endParaRPr lang="zh-TW" altLang="en-US"/>
+          </a:p>
+        </p:txBody>
+      </p:sp>
+      <p:sp>
+        <p:nvSpPr>
+          <p:cNvPr id="12" name="矩形 11"/>
+          <p:cNvSpPr/>
+          <p:nvPr/>
+        </p:nvSpPr>
+        <p:spPr>
+          <a:xfrm>
+            <a:off x="3118866" y="4204472"/>
+            <a:ext cx="3657600" cy="307112"/>
+          </a:xfrm>
+          <a:prstGeom prst="rect">
+            <a:avLst/>
+          </a:prstGeom>
+          <a:noFill/>
+          <a:ln w="28575">
+            <a:solidFill>
+              <a:srgbClr val="FF0000"/>
+            </a:solidFill>
+          </a:ln>
+        </p:spPr>
+        <p:style>
+          <a:lnRef idx="2">
+            <a:schemeClr val="accent1">
+              <a:shade val="50000"/>
+            </a:schemeClr>
+          </a:lnRef>
+          <a:fillRef idx="1">
+            <a:schemeClr val="accent1"/>
+          </a:fillRef>
+          <a:effectRef idx="0">
+            <a:schemeClr val="accent1"/>
+          </a:effectRef>
+          <a:fontRef idx="minor">
+            <a:schemeClr val="lt1"/>
+          </a:fontRef>
+        </p:style>
+        <p:txBody>
+          <a:bodyPr rtlCol="0" anchor="ctr"/>
+          <a:lstStyle/>
+          <a:p>
+            <a:pPr algn="ctr"/>
+            <a:endParaRPr lang="zh-TW" altLang="en-US"/>
+          </a:p>
+        </p:txBody>
+      </p:sp>
+      <p:cxnSp>
+        <p:nvCxnSpPr>
+          <p:cNvPr id="14" name="直線單箭頭接點 13"/>
+          <p:cNvCxnSpPr/>
+          <p:nvPr/>
+        </p:nvCxnSpPr>
+        <p:spPr>
+          <a:xfrm rot="10800000">
+            <a:off x="6953631" y="4364346"/>
+            <a:ext cx="680466" cy="646176"/>
+          </a:xfrm>
+          <a:prstGeom prst="curvedConnector3">
+            <a:avLst>
+              <a:gd name="adj1" fmla="val 50000"/>
+            </a:avLst>
+          </a:prstGeom>
+          <a:ln w="28575">
+            <a:solidFill>
+              <a:srgbClr val="FF0000"/>
+            </a:solidFill>
+            <a:tailEnd type="triangle"/>
+          </a:ln>
+        </p:spPr>
+        <p:style>
+          <a:lnRef idx="1">
+            <a:schemeClr val="accent1"/>
+          </a:lnRef>
+          <a:fillRef idx="0">
+            <a:schemeClr val="accent1"/>
+          </a:fillRef>
+          <a:effectRef idx="0">
+            <a:schemeClr val="accent1"/>
+          </a:effectRef>
+          <a:fontRef idx="minor">
+            <a:schemeClr val="tx1"/>
+          </a:fontRef>
+        </p:style>
+      </p:cxnSp>
+      <p:sp>
+        <p:nvSpPr>
+          <p:cNvPr id="16" name="文字方塊 15"/>
+          <p:cNvSpPr txBox="1"/>
+          <p:nvPr/>
+        </p:nvSpPr>
+        <p:spPr>
+          <a:xfrm>
+            <a:off x="7634096" y="4933002"/>
+            <a:ext cx="3424047" cy="369332"/>
+          </a:xfrm>
+          <a:prstGeom prst="rect">
+            <a:avLst/>
+          </a:prstGeom>
+          <a:noFill/>
+        </p:spPr>
+        <p:txBody>
+          <a:bodyPr wrap="square" rtlCol="0">
+            <a:spAutoFit/>
+          </a:bodyPr>
+          <a:lstStyle/>
+          <a:p>
+            <a:r>
+              <a:rPr lang="en-US" altLang="zh-TW" dirty="0" smtClean="0"/>
+              <a:t>S = </a:t>
+            </a:r>
+            <a:r>
+              <a:rPr lang="zh-TW" altLang="en-US" dirty="0" smtClean="0"/>
+              <a:t>大小</a:t>
+            </a:r>
+            <a:r>
+              <a:rPr lang="en-US" altLang="zh-TW" dirty="0" smtClean="0"/>
+              <a:t>,C=</a:t>
+            </a:r>
+            <a:r>
+              <a:rPr lang="zh-TW" altLang="en-US" dirty="0" smtClean="0"/>
+              <a:t> 顏色</a:t>
+            </a:r>
+            <a:r>
+              <a:rPr lang="en-US" altLang="zh-TW" dirty="0" smtClean="0"/>
+              <a:t>,</a:t>
+            </a:r>
+            <a:r>
+              <a:rPr lang="zh-TW" altLang="en-US" dirty="0" smtClean="0"/>
+              <a:t> </a:t>
+            </a:r>
+            <a:r>
+              <a:rPr lang="en-US" altLang="zh-TW" dirty="0" smtClean="0"/>
+              <a:t>maker=</a:t>
+            </a:r>
+            <a:r>
+              <a:rPr lang="zh-TW" altLang="en-US" dirty="0" smtClean="0"/>
+              <a:t>形狀</a:t>
+            </a:r>
+            <a:endParaRPr lang="zh-TW" altLang="en-US" dirty="0"/>
+          </a:p>
+        </p:txBody>
+      </p:sp>
+      <p:sp>
+        <p:nvSpPr>
+          <p:cNvPr id="17" name="文字方塊 16"/>
+          <p:cNvSpPr txBox="1"/>
+          <p:nvPr/>
+        </p:nvSpPr>
+        <p:spPr>
+          <a:xfrm>
+            <a:off x="3194304" y="633248"/>
+            <a:ext cx="5925312" cy="646331"/>
+          </a:xfrm>
+          <a:prstGeom prst="rect">
+            <a:avLst/>
+          </a:prstGeom>
+          <a:noFill/>
+        </p:spPr>
+        <p:txBody>
+          <a:bodyPr wrap="square" rtlCol="0">
+            <a:spAutoFit/>
+          </a:bodyPr>
+          <a:lstStyle/>
+          <a:p>
+            <a:r>
+              <a:rPr lang="zh-TW" altLang="en-US" dirty="0" smtClean="0"/>
+              <a:t>生成隨機 </a:t>
+            </a:r>
+            <a:r>
+              <a:rPr lang="en-US" altLang="zh-TW" dirty="0" err="1" smtClean="0"/>
+              <a:t>x,y</a:t>
+            </a:r>
+            <a:r>
+              <a:rPr lang="zh-TW" altLang="en-US" dirty="0" smtClean="0"/>
+              <a:t>軸範圍為</a:t>
+            </a:r>
+            <a:r>
+              <a:rPr lang="en-US" altLang="zh-TW" dirty="0" smtClean="0"/>
+              <a:t>0~1</a:t>
+            </a:r>
+            <a:r>
+              <a:rPr lang="zh-TW" altLang="en-US" dirty="0" smtClean="0"/>
+              <a:t>的點，點的圖示為五角形</a:t>
+            </a:r>
+            <a:r>
+              <a:rPr lang="en-US" altLang="zh-TW" dirty="0" smtClean="0"/>
+              <a:t>(p),</a:t>
+            </a:r>
+            <a:r>
+              <a:rPr lang="zh-TW" altLang="en-US" dirty="0" smtClean="0"/>
+              <a:t>顏色為藍色 </a:t>
+            </a:r>
+            <a:endParaRPr lang="zh-TW" altLang="en-US" dirty="0"/>
           </a:p>
         </p:txBody>
       </p:sp>
     </p:spTree>
     <p:extLst>
       <p:ext uri="{BB962C8B-B14F-4D97-AF65-F5344CB8AC3E}">
-        <p14:creationId xmlns:p14="http://schemas.microsoft.com/office/powerpoint/2010/main" val="1112233138"/>
+        <p14:creationId xmlns:p14="http://schemas.microsoft.com/office/powerpoint/2010/main" val="2677199681"/>
       </p:ext>
     </p:extLst>
   </p:cSld>
@@ -4388,7 +8433,332 @@
 </p:sld>
 </file>
 
-<file path=ppt/slides/slide4.xml><?xml version="1.0" encoding="utf-8"?>
+<file path=ppt/slides/slide23.xml><?xml version="1.0" encoding="utf-8"?>
+<p:sld xmlns:a="http://schemas.openxmlformats.org/drawingml/2006/main" xmlns:r="http://schemas.openxmlformats.org/officeDocument/2006/relationships" xmlns:p="http://schemas.openxmlformats.org/presentationml/2006/main">
+  <p:cSld>
+    <p:spTree>
+      <p:nvGrpSpPr>
+        <p:cNvPr id="1" name=""/>
+        <p:cNvGrpSpPr/>
+        <p:nvPr/>
+      </p:nvGrpSpPr>
+      <p:grpSpPr>
+        <a:xfrm>
+          <a:off x="0" y="0"/>
+          <a:ext cx="0" cy="0"/>
+          <a:chOff x="0" y="0"/>
+          <a:chExt cx="0" cy="0"/>
+        </a:xfrm>
+      </p:grpSpPr>
+      <p:sp>
+        <p:nvSpPr>
+          <p:cNvPr id="2" name="標題 1"/>
+          <p:cNvSpPr>
+            <a:spLocks noGrp="1"/>
+          </p:cNvSpPr>
+          <p:nvPr>
+            <p:ph type="title"/>
+          </p:nvPr>
+        </p:nvSpPr>
+        <p:spPr>
+          <a:xfrm>
+            <a:off x="838200" y="365125"/>
+            <a:ext cx="10515600" cy="1325563"/>
+          </a:xfrm>
+        </p:spPr>
+        <p:txBody>
+          <a:bodyPr/>
+          <a:lstStyle/>
+          <a:p>
+            <a:r>
+              <a:rPr lang="zh-TW" altLang="en-US" dirty="0" smtClean="0"/>
+              <a:t>執行結果</a:t>
+            </a:r>
+            <a:endParaRPr lang="zh-TW" altLang="en-US" dirty="0"/>
+          </a:p>
+        </p:txBody>
+      </p:sp>
+      <p:pic>
+        <p:nvPicPr>
+          <p:cNvPr id="3" name="圖片 2"/>
+          <p:cNvPicPr>
+            <a:picLocks noChangeAspect="1"/>
+          </p:cNvPicPr>
+          <p:nvPr/>
+        </p:nvPicPr>
+        <p:blipFill>
+          <a:blip r:embed="rId2">
+            <a:extLst>
+              <a:ext uri="{28A0092B-C50C-407E-A947-70E740481C1C}">
+                <a14:useLocalDpi xmlns:a14="http://schemas.microsoft.com/office/drawing/2010/main" val="0"/>
+              </a:ext>
+            </a:extLst>
+          </a:blip>
+          <a:stretch>
+            <a:fillRect/>
+          </a:stretch>
+        </p:blipFill>
+        <p:spPr>
+          <a:xfrm>
+            <a:off x="3698095" y="1524821"/>
+            <a:ext cx="6819681" cy="4582825"/>
+          </a:xfrm>
+          <a:prstGeom prst="rect">
+            <a:avLst/>
+          </a:prstGeom>
+        </p:spPr>
+      </p:pic>
+      <p:sp>
+        <p:nvSpPr>
+          <p:cNvPr id="4" name="矩形 3"/>
+          <p:cNvSpPr/>
+          <p:nvPr/>
+        </p:nvSpPr>
+        <p:spPr>
+          <a:xfrm>
+            <a:off x="4960552" y="940046"/>
+            <a:ext cx="4294765" cy="584775"/>
+          </a:xfrm>
+          <a:prstGeom prst="rect">
+            <a:avLst/>
+          </a:prstGeom>
+        </p:spPr>
+        <p:txBody>
+          <a:bodyPr wrap="none">
+            <a:spAutoFit/>
+          </a:bodyPr>
+          <a:lstStyle/>
+          <a:p>
+            <a:r>
+              <a:rPr lang="en-US" altLang="zh-TW" sz="3200" dirty="0" smtClean="0">
+                <a:solidFill>
+                  <a:srgbClr val="000000"/>
+                </a:solidFill>
+                <a:latin typeface="Courier New" panose="02070309020205020404" pitchFamily="49" charset="0"/>
+              </a:rPr>
+              <a:t>s=x*</a:t>
+            </a:r>
+            <a:r>
+              <a:rPr lang="en-US" altLang="zh-TW" sz="3200" dirty="0" smtClean="0">
+                <a:solidFill>
+                  <a:srgbClr val="09885A"/>
+                </a:solidFill>
+                <a:latin typeface="Courier New" panose="02070309020205020404" pitchFamily="49" charset="0"/>
+              </a:rPr>
+              <a:t>500</a:t>
+            </a:r>
+            <a:r>
+              <a:rPr lang="zh-TW" altLang="en-US" sz="3200" dirty="0">
+                <a:solidFill>
+                  <a:srgbClr val="09885A"/>
+                </a:solidFill>
+                <a:latin typeface="Courier New" panose="02070309020205020404" pitchFamily="49" charset="0"/>
+              </a:rPr>
+              <a:t> </a:t>
+            </a:r>
+            <a:r>
+              <a:rPr lang="en-US" altLang="zh-TW" sz="3200" dirty="0" smtClean="0">
+                <a:solidFill>
+                  <a:srgbClr val="FF0000"/>
+                </a:solidFill>
+                <a:latin typeface="Courier New" panose="02070309020205020404" pitchFamily="49" charset="0"/>
+              </a:rPr>
+              <a:t>x</a:t>
+            </a:r>
+            <a:r>
+              <a:rPr lang="zh-TW" altLang="en-US" sz="3200" dirty="0" smtClean="0">
+                <a:solidFill>
+                  <a:srgbClr val="FF0000"/>
+                </a:solidFill>
+                <a:latin typeface="Courier New" panose="02070309020205020404" pitchFamily="49" charset="0"/>
+              </a:rPr>
+              <a:t>越大</a:t>
+            </a:r>
+            <a:r>
+              <a:rPr lang="en-US" altLang="zh-TW" sz="3200" dirty="0" smtClean="0">
+                <a:solidFill>
+                  <a:srgbClr val="FF0000"/>
+                </a:solidFill>
+                <a:latin typeface="Courier New" panose="02070309020205020404" pitchFamily="49" charset="0"/>
+              </a:rPr>
+              <a:t>S</a:t>
+            </a:r>
+            <a:r>
+              <a:rPr lang="zh-TW" altLang="en-US" sz="3200" dirty="0" smtClean="0">
+                <a:solidFill>
+                  <a:srgbClr val="FF0000"/>
+                </a:solidFill>
+                <a:latin typeface="Courier New" panose="02070309020205020404" pitchFamily="49" charset="0"/>
+              </a:rPr>
+              <a:t>越大</a:t>
+            </a:r>
+            <a:endParaRPr lang="zh-TW" altLang="en-US" sz="3200" dirty="0">
+              <a:solidFill>
+                <a:srgbClr val="FF0000"/>
+              </a:solidFill>
+            </a:endParaRPr>
+          </a:p>
+        </p:txBody>
+      </p:sp>
+      <p:sp>
+        <p:nvSpPr>
+          <p:cNvPr id="5" name="矩形 4"/>
+          <p:cNvSpPr/>
+          <p:nvPr/>
+        </p:nvSpPr>
+        <p:spPr>
+          <a:xfrm>
+            <a:off x="5489105" y="6107646"/>
+            <a:ext cx="3631122" cy="369332"/>
+          </a:xfrm>
+          <a:prstGeom prst="rect">
+            <a:avLst/>
+          </a:prstGeom>
+        </p:spPr>
+        <p:txBody>
+          <a:bodyPr wrap="none">
+            <a:spAutoFit/>
+          </a:bodyPr>
+          <a:lstStyle/>
+          <a:p>
+            <a:r>
+              <a:rPr lang="en-US" altLang="zh-TW" dirty="0">
+                <a:solidFill>
+                  <a:srgbClr val="000000"/>
+                </a:solidFill>
+                <a:latin typeface="Courier New" panose="02070309020205020404" pitchFamily="49" charset="0"/>
+              </a:rPr>
+              <a:t>x = </a:t>
+            </a:r>
+            <a:r>
+              <a:rPr lang="en-US" altLang="zh-TW" dirty="0" err="1">
+                <a:solidFill>
+                  <a:srgbClr val="000000"/>
+                </a:solidFill>
+                <a:latin typeface="Courier New" panose="02070309020205020404" pitchFamily="49" charset="0"/>
+              </a:rPr>
+              <a:t>np.random.random</a:t>
+            </a:r>
+            <a:r>
+              <a:rPr lang="en-US" altLang="zh-TW" dirty="0">
+                <a:solidFill>
+                  <a:srgbClr val="000000"/>
+                </a:solidFill>
+                <a:latin typeface="Courier New" panose="02070309020205020404" pitchFamily="49" charset="0"/>
+              </a:rPr>
+              <a:t>(</a:t>
+            </a:r>
+            <a:r>
+              <a:rPr lang="en-US" altLang="zh-TW" dirty="0">
+                <a:solidFill>
+                  <a:srgbClr val="09885A"/>
+                </a:solidFill>
+                <a:latin typeface="Courier New" panose="02070309020205020404" pitchFamily="49" charset="0"/>
+              </a:rPr>
+              <a:t>100</a:t>
+            </a:r>
+            <a:r>
+              <a:rPr lang="en-US" altLang="zh-TW" dirty="0">
+                <a:solidFill>
+                  <a:srgbClr val="000000"/>
+                </a:solidFill>
+                <a:latin typeface="Courier New" panose="02070309020205020404" pitchFamily="49" charset="0"/>
+              </a:rPr>
+              <a:t>)</a:t>
+            </a:r>
+          </a:p>
+        </p:txBody>
+      </p:sp>
+      <p:sp>
+        <p:nvSpPr>
+          <p:cNvPr id="6" name="矩形 5"/>
+          <p:cNvSpPr/>
+          <p:nvPr/>
+        </p:nvSpPr>
+        <p:spPr>
+          <a:xfrm>
+            <a:off x="354615" y="3466464"/>
+            <a:ext cx="3631122" cy="369332"/>
+          </a:xfrm>
+          <a:prstGeom prst="rect">
+            <a:avLst/>
+          </a:prstGeom>
+        </p:spPr>
+        <p:txBody>
+          <a:bodyPr wrap="none">
+            <a:spAutoFit/>
+          </a:bodyPr>
+          <a:lstStyle/>
+          <a:p>
+            <a:r>
+              <a:rPr lang="en-US" altLang="zh-TW" dirty="0">
+                <a:solidFill>
+                  <a:srgbClr val="000000"/>
+                </a:solidFill>
+                <a:latin typeface="Courier New" panose="02070309020205020404" pitchFamily="49" charset="0"/>
+              </a:rPr>
+              <a:t>y = </a:t>
+            </a:r>
+            <a:r>
+              <a:rPr lang="en-US" altLang="zh-TW" dirty="0" err="1">
+                <a:solidFill>
+                  <a:srgbClr val="000000"/>
+                </a:solidFill>
+                <a:latin typeface="Courier New" panose="02070309020205020404" pitchFamily="49" charset="0"/>
+              </a:rPr>
+              <a:t>np.random.random</a:t>
+            </a:r>
+            <a:r>
+              <a:rPr lang="en-US" altLang="zh-TW" dirty="0">
+                <a:solidFill>
+                  <a:srgbClr val="000000"/>
+                </a:solidFill>
+                <a:latin typeface="Courier New" panose="02070309020205020404" pitchFamily="49" charset="0"/>
+              </a:rPr>
+              <a:t>(</a:t>
+            </a:r>
+            <a:r>
+              <a:rPr lang="en-US" altLang="zh-TW" dirty="0">
+                <a:solidFill>
+                  <a:srgbClr val="09885A"/>
+                </a:solidFill>
+                <a:latin typeface="Courier New" panose="02070309020205020404" pitchFamily="49" charset="0"/>
+              </a:rPr>
+              <a:t>100</a:t>
+            </a:r>
+            <a:r>
+              <a:rPr lang="en-US" altLang="zh-TW" dirty="0">
+                <a:solidFill>
+                  <a:srgbClr val="000000"/>
+                </a:solidFill>
+                <a:latin typeface="Courier New" panose="02070309020205020404" pitchFamily="49" charset="0"/>
+              </a:rPr>
+              <a:t>)</a:t>
+            </a:r>
+          </a:p>
+        </p:txBody>
+      </p:sp>
+    </p:spTree>
+    <p:extLst>
+      <p:ext uri="{BB962C8B-B14F-4D97-AF65-F5344CB8AC3E}">
+        <p14:creationId xmlns:p14="http://schemas.microsoft.com/office/powerpoint/2010/main" val="3899301533"/>
+      </p:ext>
+    </p:extLst>
+  </p:cSld>
+  <p:clrMapOvr>
+    <a:masterClrMapping/>
+  </p:clrMapOvr>
+  <p:timing>
+    <p:tnLst>
+      <p:par>
+        <p:cTn id="1" dur="indefinite" restart="never" nodeType="tmRoot"/>
+      </p:par>
+    </p:tnLst>
+  </p:timing>
+</p:sld>
+</file>
+
+<file path=ppt/slides/slide3.xml><?xml version="1.0" encoding="utf-8"?>
 <p:sld xmlns:a="http://schemas.openxmlformats.org/drawingml/2006/main" xmlns:r="http://schemas.openxmlformats.org/officeDocument/2006/relationships" xmlns:p="http://schemas.openxmlformats.org/presentationml/2006/main">
   <p:cSld>
     <p:spTree>
@@ -4427,18 +8797,1158 @@
         </p:blipFill>
         <p:spPr>
           <a:xfrm>
-            <a:off x="2743200" y="975427"/>
-            <a:ext cx="6590030" cy="4872417"/>
+            <a:off x="2206752" y="938784"/>
+            <a:ext cx="7144512" cy="5282380"/>
           </a:xfrm>
           <a:prstGeom prst="rect">
             <a:avLst/>
           </a:prstGeom>
         </p:spPr>
       </p:pic>
+      <p:sp>
+        <p:nvSpPr>
+          <p:cNvPr id="5" name="標題 4"/>
+          <p:cNvSpPr>
+            <a:spLocks noGrp="1"/>
+          </p:cNvSpPr>
+          <p:nvPr>
+            <p:ph type="title"/>
+          </p:nvPr>
+        </p:nvSpPr>
+        <p:spPr>
+          <a:xfrm>
+            <a:off x="838200" y="365125"/>
+            <a:ext cx="9549384" cy="829691"/>
+          </a:xfrm>
+        </p:spPr>
+        <p:txBody>
+          <a:bodyPr/>
+          <a:lstStyle/>
+          <a:p>
+            <a:r>
+              <a:rPr lang="zh-TW" altLang="en-US" dirty="0" smtClean="0"/>
+              <a:t>作業</a:t>
+            </a:r>
+            <a:r>
+              <a:rPr lang="en-US" altLang="zh-TW" dirty="0" smtClean="0"/>
+              <a:t>1:</a:t>
+            </a:r>
+            <a:r>
+              <a:rPr lang="zh-TW" altLang="en-US" dirty="0" smtClean="0"/>
+              <a:t>生成下圖</a:t>
+            </a:r>
+            <a:endParaRPr lang="zh-TW" altLang="en-US" dirty="0"/>
+          </a:p>
+        </p:txBody>
+      </p:sp>
     </p:spTree>
     <p:extLst>
       <p:ext uri="{BB962C8B-B14F-4D97-AF65-F5344CB8AC3E}">
         <p14:creationId xmlns:p14="http://schemas.microsoft.com/office/powerpoint/2010/main" val="24305786"/>
+      </p:ext>
+    </p:extLst>
+  </p:cSld>
+  <p:clrMapOvr>
+    <a:masterClrMapping/>
+  </p:clrMapOvr>
+  <p:timing>
+    <p:tnLst>
+      <p:par>
+        <p:cTn id="1" dur="indefinite" restart="never" nodeType="tmRoot"/>
+      </p:par>
+    </p:tnLst>
+  </p:timing>
+</p:sld>
+</file>
+
+<file path=ppt/slides/slide4.xml><?xml version="1.0" encoding="utf-8"?>
+<p:sld xmlns:a="http://schemas.openxmlformats.org/drawingml/2006/main" xmlns:r="http://schemas.openxmlformats.org/officeDocument/2006/relationships" xmlns:p="http://schemas.openxmlformats.org/presentationml/2006/main">
+  <p:cSld>
+    <p:spTree>
+      <p:nvGrpSpPr>
+        <p:cNvPr id="1" name=""/>
+        <p:cNvGrpSpPr/>
+        <p:nvPr/>
+      </p:nvGrpSpPr>
+      <p:grpSpPr>
+        <a:xfrm>
+          <a:off x="0" y="0"/>
+          <a:ext cx="0" cy="0"/>
+          <a:chOff x="0" y="0"/>
+          <a:chExt cx="0" cy="0"/>
+        </a:xfrm>
+      </p:grpSpPr>
+      <p:sp>
+        <p:nvSpPr>
+          <p:cNvPr id="4" name="矩形 3"/>
+          <p:cNvSpPr/>
+          <p:nvPr/>
+        </p:nvSpPr>
+        <p:spPr>
+          <a:xfrm>
+            <a:off x="2651088" y="870080"/>
+            <a:ext cx="7720820" cy="5262979"/>
+          </a:xfrm>
+          <a:prstGeom prst="rect">
+            <a:avLst/>
+          </a:prstGeom>
+        </p:spPr>
+        <p:txBody>
+          <a:bodyPr wrap="square">
+            <a:spAutoFit/>
+          </a:bodyPr>
+          <a:lstStyle/>
+          <a:p>
+            <a:r>
+              <a:rPr lang="en-US" altLang="zh-TW" sz="2400" b="0" dirty="0" smtClean="0">
+                <a:solidFill>
+                  <a:srgbClr val="AF00DB"/>
+                </a:solidFill>
+                <a:effectLst/>
+                <a:latin typeface="Courier New" panose="02070309020205020404" pitchFamily="49" charset="0"/>
+              </a:rPr>
+              <a:t>import</a:t>
+            </a:r>
+            <a:r>
+              <a:rPr lang="en-US" altLang="zh-TW" sz="2400" b="0" dirty="0" smtClean="0">
+                <a:solidFill>
+                  <a:srgbClr val="000000"/>
+                </a:solidFill>
+                <a:effectLst/>
+                <a:latin typeface="Courier New" panose="02070309020205020404" pitchFamily="49" charset="0"/>
+              </a:rPr>
+              <a:t> </a:t>
+            </a:r>
+            <a:r>
+              <a:rPr lang="en-US" altLang="zh-TW" sz="2400" b="0" dirty="0" err="1" smtClean="0">
+                <a:solidFill>
+                  <a:srgbClr val="000000"/>
+                </a:solidFill>
+                <a:effectLst/>
+                <a:latin typeface="Courier New" panose="02070309020205020404" pitchFamily="49" charset="0"/>
+              </a:rPr>
+              <a:t>matplotlib.pyplot</a:t>
+            </a:r>
+            <a:r>
+              <a:rPr lang="en-US" altLang="zh-TW" sz="2400" b="0" dirty="0" smtClean="0">
+                <a:solidFill>
+                  <a:srgbClr val="000000"/>
+                </a:solidFill>
+                <a:effectLst/>
+                <a:latin typeface="Courier New" panose="02070309020205020404" pitchFamily="49" charset="0"/>
+              </a:rPr>
+              <a:t> </a:t>
+            </a:r>
+            <a:r>
+              <a:rPr lang="en-US" altLang="zh-TW" sz="2400" b="0" dirty="0" smtClean="0">
+                <a:solidFill>
+                  <a:srgbClr val="AF00DB"/>
+                </a:solidFill>
+                <a:effectLst/>
+                <a:latin typeface="Courier New" panose="02070309020205020404" pitchFamily="49" charset="0"/>
+              </a:rPr>
+              <a:t>as</a:t>
+            </a:r>
+            <a:r>
+              <a:rPr lang="en-US" altLang="zh-TW" sz="2400" b="0" dirty="0" smtClean="0">
+                <a:solidFill>
+                  <a:srgbClr val="000000"/>
+                </a:solidFill>
+                <a:effectLst/>
+                <a:latin typeface="Courier New" panose="02070309020205020404" pitchFamily="49" charset="0"/>
+              </a:rPr>
+              <a:t> </a:t>
+            </a:r>
+            <a:r>
+              <a:rPr lang="en-US" altLang="zh-TW" sz="2400" b="0" dirty="0" err="1" smtClean="0">
+                <a:solidFill>
+                  <a:srgbClr val="000000"/>
+                </a:solidFill>
+                <a:effectLst/>
+                <a:latin typeface="Courier New" panose="02070309020205020404" pitchFamily="49" charset="0"/>
+              </a:rPr>
+              <a:t>plt</a:t>
+            </a:r>
+            <a:endParaRPr lang="en-US" altLang="zh-TW" sz="2400" b="0" dirty="0" smtClean="0">
+              <a:solidFill>
+                <a:srgbClr val="000000"/>
+              </a:solidFill>
+              <a:effectLst/>
+              <a:latin typeface="Courier New" panose="02070309020205020404" pitchFamily="49" charset="0"/>
+            </a:endParaRPr>
+          </a:p>
+          <a:p>
+            <a:r>
+              <a:rPr lang="en-US" altLang="zh-TW" sz="2400" b="0" dirty="0" smtClean="0">
+                <a:solidFill>
+                  <a:srgbClr val="000000"/>
+                </a:solidFill>
+                <a:effectLst/>
+                <a:latin typeface="Courier New" panose="02070309020205020404" pitchFamily="49" charset="0"/>
+              </a:rPr>
+              <a:t> </a:t>
+            </a:r>
+          </a:p>
+          <a:p>
+            <a:r>
+              <a:rPr lang="en-US" altLang="zh-TW" sz="2400" b="0" dirty="0" smtClean="0">
+                <a:solidFill>
+                  <a:srgbClr val="000000"/>
+                </a:solidFill>
+                <a:effectLst/>
+                <a:latin typeface="Courier New" panose="02070309020205020404" pitchFamily="49" charset="0"/>
+              </a:rPr>
+              <a:t>x  = [</a:t>
+            </a:r>
+            <a:r>
+              <a:rPr lang="en-US" altLang="zh-TW" sz="2400" b="0" dirty="0" smtClean="0">
+                <a:solidFill>
+                  <a:srgbClr val="09885A"/>
+                </a:solidFill>
+                <a:effectLst/>
+                <a:latin typeface="Courier New" panose="02070309020205020404" pitchFamily="49" charset="0"/>
+              </a:rPr>
+              <a:t>1</a:t>
+            </a:r>
+            <a:r>
+              <a:rPr lang="en-US" altLang="zh-TW" sz="2400" b="0" dirty="0" smtClean="0">
+                <a:solidFill>
+                  <a:srgbClr val="000000"/>
+                </a:solidFill>
+                <a:effectLst/>
+                <a:latin typeface="Courier New" panose="02070309020205020404" pitchFamily="49" charset="0"/>
+              </a:rPr>
+              <a:t>, </a:t>
+            </a:r>
+            <a:r>
+              <a:rPr lang="en-US" altLang="zh-TW" sz="2400" b="0" dirty="0" smtClean="0">
+                <a:solidFill>
+                  <a:srgbClr val="09885A"/>
+                </a:solidFill>
+                <a:effectLst/>
+                <a:latin typeface="Courier New" panose="02070309020205020404" pitchFamily="49" charset="0"/>
+              </a:rPr>
+              <a:t>2</a:t>
+            </a:r>
+            <a:r>
+              <a:rPr lang="en-US" altLang="zh-TW" sz="2400" b="0" dirty="0" smtClean="0">
+                <a:solidFill>
+                  <a:srgbClr val="000000"/>
+                </a:solidFill>
+                <a:effectLst/>
+                <a:latin typeface="Courier New" panose="02070309020205020404" pitchFamily="49" charset="0"/>
+              </a:rPr>
+              <a:t>, </a:t>
+            </a:r>
+            <a:r>
+              <a:rPr lang="en-US" altLang="zh-TW" sz="2400" b="0" dirty="0" smtClean="0">
+                <a:solidFill>
+                  <a:srgbClr val="09885A"/>
+                </a:solidFill>
+                <a:effectLst/>
+                <a:latin typeface="Courier New" panose="02070309020205020404" pitchFamily="49" charset="0"/>
+              </a:rPr>
+              <a:t>3</a:t>
+            </a:r>
+            <a:r>
+              <a:rPr lang="en-US" altLang="zh-TW" sz="2400" b="0" dirty="0" smtClean="0">
+                <a:solidFill>
+                  <a:srgbClr val="000000"/>
+                </a:solidFill>
+                <a:effectLst/>
+                <a:latin typeface="Courier New" panose="02070309020205020404" pitchFamily="49" charset="0"/>
+              </a:rPr>
+              <a:t>, </a:t>
+            </a:r>
+            <a:r>
+              <a:rPr lang="en-US" altLang="zh-TW" sz="2400" b="0" dirty="0" smtClean="0">
+                <a:solidFill>
+                  <a:srgbClr val="09885A"/>
+                </a:solidFill>
+                <a:effectLst/>
+                <a:latin typeface="Courier New" panose="02070309020205020404" pitchFamily="49" charset="0"/>
+              </a:rPr>
+              <a:t>4</a:t>
+            </a:r>
+            <a:r>
+              <a:rPr lang="en-US" altLang="zh-TW" sz="2400" b="0" dirty="0" smtClean="0">
+                <a:solidFill>
+                  <a:srgbClr val="000000"/>
+                </a:solidFill>
+                <a:effectLst/>
+                <a:latin typeface="Courier New" panose="02070309020205020404" pitchFamily="49" charset="0"/>
+              </a:rPr>
+              <a:t>, </a:t>
+            </a:r>
+            <a:r>
+              <a:rPr lang="en-US" altLang="zh-TW" sz="2400" b="0" dirty="0" smtClean="0">
+                <a:solidFill>
+                  <a:srgbClr val="09885A"/>
+                </a:solidFill>
+                <a:effectLst/>
+                <a:latin typeface="Courier New" panose="02070309020205020404" pitchFamily="49" charset="0"/>
+              </a:rPr>
+              <a:t>5</a:t>
+            </a:r>
+            <a:r>
+              <a:rPr lang="en-US" altLang="zh-TW" sz="2400" b="0" dirty="0" smtClean="0">
+                <a:solidFill>
+                  <a:srgbClr val="000000"/>
+                </a:solidFill>
+                <a:effectLst/>
+                <a:latin typeface="Courier New" panose="02070309020205020404" pitchFamily="49" charset="0"/>
+              </a:rPr>
+              <a:t>, </a:t>
+            </a:r>
+            <a:r>
+              <a:rPr lang="en-US" altLang="zh-TW" sz="2400" b="0" dirty="0" smtClean="0">
+                <a:solidFill>
+                  <a:srgbClr val="09885A"/>
+                </a:solidFill>
+                <a:effectLst/>
+                <a:latin typeface="Courier New" panose="02070309020205020404" pitchFamily="49" charset="0"/>
+              </a:rPr>
+              <a:t>6</a:t>
+            </a:r>
+            <a:r>
+              <a:rPr lang="en-US" altLang="zh-TW" sz="2400" b="0" dirty="0" smtClean="0">
+                <a:solidFill>
+                  <a:srgbClr val="000000"/>
+                </a:solidFill>
+                <a:effectLst/>
+                <a:latin typeface="Courier New" panose="02070309020205020404" pitchFamily="49" charset="0"/>
+              </a:rPr>
+              <a:t>, </a:t>
+            </a:r>
+            <a:r>
+              <a:rPr lang="en-US" altLang="zh-TW" sz="2400" b="0" dirty="0" smtClean="0">
+                <a:solidFill>
+                  <a:srgbClr val="09885A"/>
+                </a:solidFill>
+                <a:effectLst/>
+                <a:latin typeface="Courier New" panose="02070309020205020404" pitchFamily="49" charset="0"/>
+              </a:rPr>
+              <a:t>7</a:t>
+            </a:r>
+            <a:r>
+              <a:rPr lang="en-US" altLang="zh-TW" sz="2400" b="0" dirty="0" smtClean="0">
+                <a:solidFill>
+                  <a:srgbClr val="000000"/>
+                </a:solidFill>
+                <a:effectLst/>
+                <a:latin typeface="Courier New" panose="02070309020205020404" pitchFamily="49" charset="0"/>
+              </a:rPr>
+              <a:t>, </a:t>
+            </a:r>
+            <a:r>
+              <a:rPr lang="en-US" altLang="zh-TW" sz="2400" b="0" dirty="0" smtClean="0">
+                <a:solidFill>
+                  <a:srgbClr val="09885A"/>
+                </a:solidFill>
+                <a:effectLst/>
+                <a:latin typeface="Courier New" panose="02070309020205020404" pitchFamily="49" charset="0"/>
+              </a:rPr>
+              <a:t>8</a:t>
+            </a:r>
+            <a:r>
+              <a:rPr lang="en-US" altLang="zh-TW" sz="2400" b="0" dirty="0" smtClean="0">
+                <a:solidFill>
+                  <a:srgbClr val="000000"/>
+                </a:solidFill>
+                <a:effectLst/>
+                <a:latin typeface="Courier New" panose="02070309020205020404" pitchFamily="49" charset="0"/>
+              </a:rPr>
+              <a:t>, </a:t>
+            </a:r>
+            <a:r>
+              <a:rPr lang="en-US" altLang="zh-TW" sz="2400" b="0" dirty="0" smtClean="0">
+                <a:solidFill>
+                  <a:srgbClr val="09885A"/>
+                </a:solidFill>
+                <a:effectLst/>
+                <a:latin typeface="Courier New" panose="02070309020205020404" pitchFamily="49" charset="0"/>
+              </a:rPr>
+              <a:t>9</a:t>
+            </a:r>
+            <a:r>
+              <a:rPr lang="en-US" altLang="zh-TW" sz="2400" b="0" dirty="0" smtClean="0">
+                <a:solidFill>
+                  <a:srgbClr val="000000"/>
+                </a:solidFill>
+                <a:effectLst/>
+                <a:latin typeface="Courier New" panose="02070309020205020404" pitchFamily="49" charset="0"/>
+              </a:rPr>
+              <a:t>]</a:t>
+            </a:r>
+          </a:p>
+          <a:p>
+            <a:r>
+              <a:rPr lang="en-US" altLang="zh-TW" sz="2400" b="0" dirty="0" smtClean="0">
+                <a:solidFill>
+                  <a:srgbClr val="000000"/>
+                </a:solidFill>
+                <a:effectLst/>
+                <a:latin typeface="Courier New" panose="02070309020205020404" pitchFamily="49" charset="0"/>
+              </a:rPr>
+              <a:t>y1 = [</a:t>
+            </a:r>
+            <a:r>
+              <a:rPr lang="en-US" altLang="zh-TW" sz="2400" b="0" dirty="0" smtClean="0">
+                <a:solidFill>
+                  <a:srgbClr val="09885A"/>
+                </a:solidFill>
+                <a:effectLst/>
+                <a:latin typeface="Courier New" panose="02070309020205020404" pitchFamily="49" charset="0"/>
+              </a:rPr>
+              <a:t>1</a:t>
+            </a:r>
+            <a:r>
+              <a:rPr lang="en-US" altLang="zh-TW" sz="2400" b="0" dirty="0" smtClean="0">
+                <a:solidFill>
+                  <a:srgbClr val="000000"/>
+                </a:solidFill>
+                <a:effectLst/>
+                <a:latin typeface="Courier New" panose="02070309020205020404" pitchFamily="49" charset="0"/>
+              </a:rPr>
+              <a:t>, </a:t>
+            </a:r>
+            <a:r>
+              <a:rPr lang="en-US" altLang="zh-TW" sz="2400" b="0" dirty="0" smtClean="0">
+                <a:solidFill>
+                  <a:srgbClr val="09885A"/>
+                </a:solidFill>
+                <a:effectLst/>
+                <a:latin typeface="Courier New" panose="02070309020205020404" pitchFamily="49" charset="0"/>
+              </a:rPr>
+              <a:t>3</a:t>
+            </a:r>
+            <a:r>
+              <a:rPr lang="en-US" altLang="zh-TW" sz="2400" b="0" dirty="0" smtClean="0">
+                <a:solidFill>
+                  <a:srgbClr val="000000"/>
+                </a:solidFill>
+                <a:effectLst/>
+                <a:latin typeface="Courier New" panose="02070309020205020404" pitchFamily="49" charset="0"/>
+              </a:rPr>
+              <a:t>, </a:t>
+            </a:r>
+            <a:r>
+              <a:rPr lang="en-US" altLang="zh-TW" sz="2400" b="0" dirty="0" smtClean="0">
+                <a:solidFill>
+                  <a:srgbClr val="09885A"/>
+                </a:solidFill>
+                <a:effectLst/>
+                <a:latin typeface="Courier New" panose="02070309020205020404" pitchFamily="49" charset="0"/>
+              </a:rPr>
+              <a:t>5</a:t>
+            </a:r>
+            <a:r>
+              <a:rPr lang="en-US" altLang="zh-TW" sz="2400" b="0" dirty="0" smtClean="0">
+                <a:solidFill>
+                  <a:srgbClr val="000000"/>
+                </a:solidFill>
+                <a:effectLst/>
+                <a:latin typeface="Courier New" panose="02070309020205020404" pitchFamily="49" charset="0"/>
+              </a:rPr>
+              <a:t>, </a:t>
+            </a:r>
+            <a:r>
+              <a:rPr lang="en-US" altLang="zh-TW" sz="2400" b="0" dirty="0" smtClean="0">
+                <a:solidFill>
+                  <a:srgbClr val="09885A"/>
+                </a:solidFill>
+                <a:effectLst/>
+                <a:latin typeface="Courier New" panose="02070309020205020404" pitchFamily="49" charset="0"/>
+              </a:rPr>
+              <a:t>3</a:t>
+            </a:r>
+            <a:r>
+              <a:rPr lang="en-US" altLang="zh-TW" sz="2400" b="0" dirty="0" smtClean="0">
+                <a:solidFill>
+                  <a:srgbClr val="000000"/>
+                </a:solidFill>
+                <a:effectLst/>
+                <a:latin typeface="Courier New" panose="02070309020205020404" pitchFamily="49" charset="0"/>
+              </a:rPr>
+              <a:t>, </a:t>
+            </a:r>
+            <a:r>
+              <a:rPr lang="en-US" altLang="zh-TW" sz="2400" b="0" dirty="0" smtClean="0">
+                <a:solidFill>
+                  <a:srgbClr val="09885A"/>
+                </a:solidFill>
+                <a:effectLst/>
+                <a:latin typeface="Courier New" panose="02070309020205020404" pitchFamily="49" charset="0"/>
+              </a:rPr>
+              <a:t>1</a:t>
+            </a:r>
+            <a:r>
+              <a:rPr lang="en-US" altLang="zh-TW" sz="2400" b="0" dirty="0" smtClean="0">
+                <a:solidFill>
+                  <a:srgbClr val="000000"/>
+                </a:solidFill>
+                <a:effectLst/>
+                <a:latin typeface="Courier New" panose="02070309020205020404" pitchFamily="49" charset="0"/>
+              </a:rPr>
+              <a:t>, </a:t>
+            </a:r>
+            <a:r>
+              <a:rPr lang="en-US" altLang="zh-TW" sz="2400" b="0" dirty="0" smtClean="0">
+                <a:solidFill>
+                  <a:srgbClr val="09885A"/>
+                </a:solidFill>
+                <a:effectLst/>
+                <a:latin typeface="Courier New" panose="02070309020205020404" pitchFamily="49" charset="0"/>
+              </a:rPr>
+              <a:t>3</a:t>
+            </a:r>
+            <a:r>
+              <a:rPr lang="en-US" altLang="zh-TW" sz="2400" b="0" dirty="0" smtClean="0">
+                <a:solidFill>
+                  <a:srgbClr val="000000"/>
+                </a:solidFill>
+                <a:effectLst/>
+                <a:latin typeface="Courier New" panose="02070309020205020404" pitchFamily="49" charset="0"/>
+              </a:rPr>
+              <a:t>, </a:t>
+            </a:r>
+            <a:r>
+              <a:rPr lang="en-US" altLang="zh-TW" sz="2400" b="0" dirty="0" smtClean="0">
+                <a:solidFill>
+                  <a:srgbClr val="09885A"/>
+                </a:solidFill>
+                <a:effectLst/>
+                <a:latin typeface="Courier New" panose="02070309020205020404" pitchFamily="49" charset="0"/>
+              </a:rPr>
+              <a:t>5</a:t>
+            </a:r>
+            <a:r>
+              <a:rPr lang="en-US" altLang="zh-TW" sz="2400" b="0" dirty="0" smtClean="0">
+                <a:solidFill>
+                  <a:srgbClr val="000000"/>
+                </a:solidFill>
+                <a:effectLst/>
+                <a:latin typeface="Courier New" panose="02070309020205020404" pitchFamily="49" charset="0"/>
+              </a:rPr>
+              <a:t>, </a:t>
+            </a:r>
+            <a:r>
+              <a:rPr lang="en-US" altLang="zh-TW" sz="2400" b="0" dirty="0" smtClean="0">
+                <a:solidFill>
+                  <a:srgbClr val="09885A"/>
+                </a:solidFill>
+                <a:effectLst/>
+                <a:latin typeface="Courier New" panose="02070309020205020404" pitchFamily="49" charset="0"/>
+              </a:rPr>
+              <a:t>3</a:t>
+            </a:r>
+            <a:r>
+              <a:rPr lang="en-US" altLang="zh-TW" sz="2400" b="0" dirty="0" smtClean="0">
+                <a:solidFill>
+                  <a:srgbClr val="000000"/>
+                </a:solidFill>
+                <a:effectLst/>
+                <a:latin typeface="Courier New" panose="02070309020205020404" pitchFamily="49" charset="0"/>
+              </a:rPr>
+              <a:t>, </a:t>
+            </a:r>
+            <a:r>
+              <a:rPr lang="en-US" altLang="zh-TW" sz="2400" b="0" dirty="0" smtClean="0">
+                <a:solidFill>
+                  <a:srgbClr val="09885A"/>
+                </a:solidFill>
+                <a:effectLst/>
+                <a:latin typeface="Courier New" panose="02070309020205020404" pitchFamily="49" charset="0"/>
+              </a:rPr>
+              <a:t>1</a:t>
+            </a:r>
+            <a:r>
+              <a:rPr lang="en-US" altLang="zh-TW" sz="2400" b="0" dirty="0" smtClean="0">
+                <a:solidFill>
+                  <a:srgbClr val="000000"/>
+                </a:solidFill>
+                <a:effectLst/>
+                <a:latin typeface="Courier New" panose="02070309020205020404" pitchFamily="49" charset="0"/>
+              </a:rPr>
+              <a:t>]</a:t>
+            </a:r>
+          </a:p>
+          <a:p>
+            <a:r>
+              <a:rPr lang="en-US" altLang="zh-TW" sz="2400" b="0" dirty="0" smtClean="0">
+                <a:solidFill>
+                  <a:srgbClr val="000000"/>
+                </a:solidFill>
+                <a:effectLst/>
+                <a:latin typeface="Courier New" panose="02070309020205020404" pitchFamily="49" charset="0"/>
+              </a:rPr>
+              <a:t>y2 = [</a:t>
+            </a:r>
+            <a:r>
+              <a:rPr lang="en-US" altLang="zh-TW" sz="2400" b="0" dirty="0" smtClean="0">
+                <a:solidFill>
+                  <a:srgbClr val="09885A"/>
+                </a:solidFill>
+                <a:effectLst/>
+                <a:latin typeface="Courier New" panose="02070309020205020404" pitchFamily="49" charset="0"/>
+              </a:rPr>
+              <a:t>2</a:t>
+            </a:r>
+            <a:r>
+              <a:rPr lang="en-US" altLang="zh-TW" sz="2400" b="0" dirty="0" smtClean="0">
+                <a:solidFill>
+                  <a:srgbClr val="000000"/>
+                </a:solidFill>
+                <a:effectLst/>
+                <a:latin typeface="Courier New" panose="02070309020205020404" pitchFamily="49" charset="0"/>
+              </a:rPr>
+              <a:t>, </a:t>
+            </a:r>
+            <a:r>
+              <a:rPr lang="en-US" altLang="zh-TW" sz="2400" b="0" dirty="0" smtClean="0">
+                <a:solidFill>
+                  <a:srgbClr val="09885A"/>
+                </a:solidFill>
+                <a:effectLst/>
+                <a:latin typeface="Courier New" panose="02070309020205020404" pitchFamily="49" charset="0"/>
+              </a:rPr>
+              <a:t>4</a:t>
+            </a:r>
+            <a:r>
+              <a:rPr lang="en-US" altLang="zh-TW" sz="2400" b="0" dirty="0" smtClean="0">
+                <a:solidFill>
+                  <a:srgbClr val="000000"/>
+                </a:solidFill>
+                <a:effectLst/>
+                <a:latin typeface="Courier New" panose="02070309020205020404" pitchFamily="49" charset="0"/>
+              </a:rPr>
+              <a:t>, </a:t>
+            </a:r>
+            <a:r>
+              <a:rPr lang="en-US" altLang="zh-TW" sz="2400" b="0" dirty="0" smtClean="0">
+                <a:solidFill>
+                  <a:srgbClr val="09885A"/>
+                </a:solidFill>
+                <a:effectLst/>
+                <a:latin typeface="Courier New" panose="02070309020205020404" pitchFamily="49" charset="0"/>
+              </a:rPr>
+              <a:t>6</a:t>
+            </a:r>
+            <a:r>
+              <a:rPr lang="en-US" altLang="zh-TW" sz="2400" b="0" dirty="0" smtClean="0">
+                <a:solidFill>
+                  <a:srgbClr val="000000"/>
+                </a:solidFill>
+                <a:effectLst/>
+                <a:latin typeface="Courier New" panose="02070309020205020404" pitchFamily="49" charset="0"/>
+              </a:rPr>
+              <a:t>, </a:t>
+            </a:r>
+            <a:r>
+              <a:rPr lang="en-US" altLang="zh-TW" sz="2400" b="0" dirty="0" smtClean="0">
+                <a:solidFill>
+                  <a:srgbClr val="09885A"/>
+                </a:solidFill>
+                <a:effectLst/>
+                <a:latin typeface="Courier New" panose="02070309020205020404" pitchFamily="49" charset="0"/>
+              </a:rPr>
+              <a:t>4</a:t>
+            </a:r>
+            <a:r>
+              <a:rPr lang="en-US" altLang="zh-TW" sz="2400" b="0" dirty="0" smtClean="0">
+                <a:solidFill>
+                  <a:srgbClr val="000000"/>
+                </a:solidFill>
+                <a:effectLst/>
+                <a:latin typeface="Courier New" panose="02070309020205020404" pitchFamily="49" charset="0"/>
+              </a:rPr>
+              <a:t>, </a:t>
+            </a:r>
+            <a:r>
+              <a:rPr lang="en-US" altLang="zh-TW" sz="2400" b="0" dirty="0" smtClean="0">
+                <a:solidFill>
+                  <a:srgbClr val="09885A"/>
+                </a:solidFill>
+                <a:effectLst/>
+                <a:latin typeface="Courier New" panose="02070309020205020404" pitchFamily="49" charset="0"/>
+              </a:rPr>
+              <a:t>2</a:t>
+            </a:r>
+            <a:r>
+              <a:rPr lang="en-US" altLang="zh-TW" sz="2400" b="0" dirty="0" smtClean="0">
+                <a:solidFill>
+                  <a:srgbClr val="000000"/>
+                </a:solidFill>
+                <a:effectLst/>
+                <a:latin typeface="Courier New" panose="02070309020205020404" pitchFamily="49" charset="0"/>
+              </a:rPr>
+              <a:t>, </a:t>
+            </a:r>
+            <a:r>
+              <a:rPr lang="en-US" altLang="zh-TW" sz="2400" b="0" dirty="0" smtClean="0">
+                <a:solidFill>
+                  <a:srgbClr val="09885A"/>
+                </a:solidFill>
+                <a:effectLst/>
+                <a:latin typeface="Courier New" panose="02070309020205020404" pitchFamily="49" charset="0"/>
+              </a:rPr>
+              <a:t>4</a:t>
+            </a:r>
+            <a:r>
+              <a:rPr lang="en-US" altLang="zh-TW" sz="2400" b="0" dirty="0" smtClean="0">
+                <a:solidFill>
+                  <a:srgbClr val="000000"/>
+                </a:solidFill>
+                <a:effectLst/>
+                <a:latin typeface="Courier New" panose="02070309020205020404" pitchFamily="49" charset="0"/>
+              </a:rPr>
+              <a:t>, </a:t>
+            </a:r>
+            <a:r>
+              <a:rPr lang="en-US" altLang="zh-TW" sz="2400" b="0" dirty="0" smtClean="0">
+                <a:solidFill>
+                  <a:srgbClr val="09885A"/>
+                </a:solidFill>
+                <a:effectLst/>
+                <a:latin typeface="Courier New" panose="02070309020205020404" pitchFamily="49" charset="0"/>
+              </a:rPr>
+              <a:t>6</a:t>
+            </a:r>
+            <a:r>
+              <a:rPr lang="en-US" altLang="zh-TW" sz="2400" b="0" dirty="0" smtClean="0">
+                <a:solidFill>
+                  <a:srgbClr val="000000"/>
+                </a:solidFill>
+                <a:effectLst/>
+                <a:latin typeface="Courier New" panose="02070309020205020404" pitchFamily="49" charset="0"/>
+              </a:rPr>
+              <a:t>, </a:t>
+            </a:r>
+            <a:r>
+              <a:rPr lang="en-US" altLang="zh-TW" sz="2400" b="0" dirty="0" smtClean="0">
+                <a:solidFill>
+                  <a:srgbClr val="09885A"/>
+                </a:solidFill>
+                <a:effectLst/>
+                <a:latin typeface="Courier New" panose="02070309020205020404" pitchFamily="49" charset="0"/>
+              </a:rPr>
+              <a:t>4</a:t>
+            </a:r>
+            <a:r>
+              <a:rPr lang="en-US" altLang="zh-TW" sz="2400" b="0" dirty="0" smtClean="0">
+                <a:solidFill>
+                  <a:srgbClr val="000000"/>
+                </a:solidFill>
+                <a:effectLst/>
+                <a:latin typeface="Courier New" panose="02070309020205020404" pitchFamily="49" charset="0"/>
+              </a:rPr>
+              <a:t>, </a:t>
+            </a:r>
+            <a:r>
+              <a:rPr lang="en-US" altLang="zh-TW" sz="2400" b="0" dirty="0" smtClean="0">
+                <a:solidFill>
+                  <a:srgbClr val="09885A"/>
+                </a:solidFill>
+                <a:effectLst/>
+                <a:latin typeface="Courier New" panose="02070309020205020404" pitchFamily="49" charset="0"/>
+              </a:rPr>
+              <a:t>2</a:t>
+            </a:r>
+            <a:r>
+              <a:rPr lang="en-US" altLang="zh-TW" sz="2400" b="0" dirty="0" smtClean="0">
+                <a:solidFill>
+                  <a:srgbClr val="000000"/>
+                </a:solidFill>
+                <a:effectLst/>
+                <a:latin typeface="Courier New" panose="02070309020205020404" pitchFamily="49" charset="0"/>
+              </a:rPr>
+              <a:t>]</a:t>
+            </a:r>
+          </a:p>
+          <a:p>
+            <a:r>
+              <a:rPr lang="en-US" altLang="zh-TW" sz="2400" b="0" dirty="0" err="1" smtClean="0">
+                <a:solidFill>
+                  <a:srgbClr val="000000"/>
+                </a:solidFill>
+                <a:effectLst/>
+                <a:latin typeface="Courier New" panose="02070309020205020404" pitchFamily="49" charset="0"/>
+              </a:rPr>
+              <a:t>plt.plot</a:t>
+            </a:r>
+            <a:r>
+              <a:rPr lang="en-US" altLang="zh-TW" sz="2400" b="0" dirty="0" smtClean="0">
+                <a:solidFill>
+                  <a:srgbClr val="000000"/>
+                </a:solidFill>
+                <a:effectLst/>
+                <a:latin typeface="Courier New" panose="02070309020205020404" pitchFamily="49" charset="0"/>
+              </a:rPr>
+              <a:t>(x, y1, label=</a:t>
+            </a:r>
+            <a:r>
+              <a:rPr lang="en-US" altLang="zh-TW" sz="2400" b="0" dirty="0" smtClean="0">
+                <a:solidFill>
+                  <a:srgbClr val="A31515"/>
+                </a:solidFill>
+                <a:effectLst/>
+                <a:latin typeface="Courier New" panose="02070309020205020404" pitchFamily="49" charset="0"/>
+              </a:rPr>
+              <a:t>"line L"</a:t>
+            </a:r>
+            <a:r>
+              <a:rPr lang="en-US" altLang="zh-TW" sz="2400" b="0" dirty="0" smtClean="0">
+                <a:solidFill>
+                  <a:srgbClr val="000000"/>
+                </a:solidFill>
+                <a:effectLst/>
+                <a:latin typeface="Courier New" panose="02070309020205020404" pitchFamily="49" charset="0"/>
+              </a:rPr>
+              <a:t>)</a:t>
+            </a:r>
+          </a:p>
+          <a:p>
+            <a:r>
+              <a:rPr lang="en-US" altLang="zh-TW" sz="2400" b="0" dirty="0" err="1" smtClean="0">
+                <a:solidFill>
+                  <a:srgbClr val="000000"/>
+                </a:solidFill>
+                <a:effectLst/>
+                <a:latin typeface="Courier New" panose="02070309020205020404" pitchFamily="49" charset="0"/>
+              </a:rPr>
+              <a:t>plt.plot</a:t>
+            </a:r>
+            <a:r>
+              <a:rPr lang="en-US" altLang="zh-TW" sz="2400" b="0" dirty="0" smtClean="0">
+                <a:solidFill>
+                  <a:srgbClr val="000000"/>
+                </a:solidFill>
+                <a:effectLst/>
+                <a:latin typeface="Courier New" panose="02070309020205020404" pitchFamily="49" charset="0"/>
+              </a:rPr>
+              <a:t>(x, y2, label=</a:t>
+            </a:r>
+            <a:r>
+              <a:rPr lang="en-US" altLang="zh-TW" sz="2400" b="0" dirty="0" smtClean="0">
+                <a:solidFill>
+                  <a:srgbClr val="A31515"/>
+                </a:solidFill>
+                <a:effectLst/>
+                <a:latin typeface="Courier New" panose="02070309020205020404" pitchFamily="49" charset="0"/>
+              </a:rPr>
+              <a:t>"line H"</a:t>
+            </a:r>
+            <a:r>
+              <a:rPr lang="en-US" altLang="zh-TW" sz="2400" b="0" dirty="0" smtClean="0">
+                <a:solidFill>
+                  <a:srgbClr val="000000"/>
+                </a:solidFill>
+                <a:effectLst/>
+                <a:latin typeface="Courier New" panose="02070309020205020404" pitchFamily="49" charset="0"/>
+              </a:rPr>
+              <a:t>)</a:t>
+            </a:r>
+          </a:p>
+          <a:p>
+            <a:r>
+              <a:rPr lang="en-US" altLang="zh-TW" sz="2400" b="0" dirty="0" err="1" smtClean="0">
+                <a:solidFill>
+                  <a:srgbClr val="000000"/>
+                </a:solidFill>
+                <a:effectLst/>
+                <a:latin typeface="Courier New" panose="02070309020205020404" pitchFamily="49" charset="0"/>
+              </a:rPr>
+              <a:t>plt.plot</a:t>
+            </a:r>
+            <a:r>
+              <a:rPr lang="en-US" altLang="zh-TW" sz="2400" b="0" dirty="0" smtClean="0">
+                <a:solidFill>
+                  <a:srgbClr val="000000"/>
+                </a:solidFill>
+                <a:effectLst/>
+                <a:latin typeface="Courier New" panose="02070309020205020404" pitchFamily="49" charset="0"/>
+              </a:rPr>
+              <a:t>()</a:t>
+            </a:r>
+          </a:p>
+          <a:p>
+            <a:r>
+              <a:rPr lang="en-US" altLang="zh-TW" sz="2400" b="0" dirty="0" smtClean="0">
+                <a:solidFill>
+                  <a:srgbClr val="000000"/>
+                </a:solidFill>
+                <a:effectLst/>
+                <a:latin typeface="Courier New" panose="02070309020205020404" pitchFamily="49" charset="0"/>
+              </a:rPr>
+              <a:t/>
+            </a:r>
+            <a:br>
+              <a:rPr lang="en-US" altLang="zh-TW" sz="2400" b="0" dirty="0" smtClean="0">
+                <a:solidFill>
+                  <a:srgbClr val="000000"/>
+                </a:solidFill>
+                <a:effectLst/>
+                <a:latin typeface="Courier New" panose="02070309020205020404" pitchFamily="49" charset="0"/>
+              </a:rPr>
+            </a:br>
+            <a:r>
+              <a:rPr lang="en-US" altLang="zh-TW" sz="2400" b="0" dirty="0" err="1" smtClean="0">
+                <a:solidFill>
+                  <a:srgbClr val="000000"/>
+                </a:solidFill>
+                <a:effectLst/>
+                <a:latin typeface="Courier New" panose="02070309020205020404" pitchFamily="49" charset="0"/>
+              </a:rPr>
+              <a:t>plt.xlabel</a:t>
+            </a:r>
+            <a:r>
+              <a:rPr lang="en-US" altLang="zh-TW" sz="2400" b="0" dirty="0" smtClean="0">
+                <a:solidFill>
+                  <a:srgbClr val="000000"/>
+                </a:solidFill>
+                <a:effectLst/>
+                <a:latin typeface="Courier New" panose="02070309020205020404" pitchFamily="49" charset="0"/>
+              </a:rPr>
+              <a:t>(</a:t>
+            </a:r>
+            <a:r>
+              <a:rPr lang="en-US" altLang="zh-TW" sz="2400" b="0" dirty="0" smtClean="0">
+                <a:solidFill>
+                  <a:srgbClr val="A31515"/>
+                </a:solidFill>
+                <a:effectLst/>
+                <a:latin typeface="Courier New" panose="02070309020205020404" pitchFamily="49" charset="0"/>
+              </a:rPr>
+              <a:t>"x axis"</a:t>
+            </a:r>
+            <a:r>
+              <a:rPr lang="en-US" altLang="zh-TW" sz="2400" b="0" dirty="0" smtClean="0">
+                <a:solidFill>
+                  <a:srgbClr val="000000"/>
+                </a:solidFill>
+                <a:effectLst/>
+                <a:latin typeface="Courier New" panose="02070309020205020404" pitchFamily="49" charset="0"/>
+              </a:rPr>
+              <a:t>)</a:t>
+            </a:r>
+          </a:p>
+          <a:p>
+            <a:r>
+              <a:rPr lang="en-US" altLang="zh-TW" sz="2400" b="0" dirty="0" err="1" smtClean="0">
+                <a:solidFill>
+                  <a:srgbClr val="000000"/>
+                </a:solidFill>
+                <a:effectLst/>
+                <a:latin typeface="Courier New" panose="02070309020205020404" pitchFamily="49" charset="0"/>
+              </a:rPr>
+              <a:t>plt.ylabel</a:t>
+            </a:r>
+            <a:r>
+              <a:rPr lang="en-US" altLang="zh-TW" sz="2400" b="0" dirty="0" smtClean="0">
+                <a:solidFill>
+                  <a:srgbClr val="000000"/>
+                </a:solidFill>
+                <a:effectLst/>
+                <a:latin typeface="Courier New" panose="02070309020205020404" pitchFamily="49" charset="0"/>
+              </a:rPr>
+              <a:t>(</a:t>
+            </a:r>
+            <a:r>
+              <a:rPr lang="en-US" altLang="zh-TW" sz="2400" b="0" dirty="0" smtClean="0">
+                <a:solidFill>
+                  <a:srgbClr val="A31515"/>
+                </a:solidFill>
+                <a:effectLst/>
+                <a:latin typeface="Courier New" panose="02070309020205020404" pitchFamily="49" charset="0"/>
+              </a:rPr>
+              <a:t>"y axis"</a:t>
+            </a:r>
+            <a:r>
+              <a:rPr lang="en-US" altLang="zh-TW" sz="2400" b="0" dirty="0" smtClean="0">
+                <a:solidFill>
+                  <a:srgbClr val="000000"/>
+                </a:solidFill>
+                <a:effectLst/>
+                <a:latin typeface="Courier New" panose="02070309020205020404" pitchFamily="49" charset="0"/>
+              </a:rPr>
+              <a:t>)</a:t>
+            </a:r>
+          </a:p>
+          <a:p>
+            <a:r>
+              <a:rPr lang="en-US" altLang="zh-TW" sz="2400" b="0" dirty="0" err="1" smtClean="0">
+                <a:solidFill>
+                  <a:srgbClr val="000000"/>
+                </a:solidFill>
+                <a:effectLst/>
+                <a:latin typeface="Courier New" panose="02070309020205020404" pitchFamily="49" charset="0"/>
+              </a:rPr>
+              <a:t>plt.title</a:t>
+            </a:r>
+            <a:r>
+              <a:rPr lang="en-US" altLang="zh-TW" sz="2400" b="0" dirty="0" smtClean="0">
+                <a:solidFill>
+                  <a:srgbClr val="000000"/>
+                </a:solidFill>
+                <a:effectLst/>
+                <a:latin typeface="Courier New" panose="02070309020205020404" pitchFamily="49" charset="0"/>
+              </a:rPr>
+              <a:t>(</a:t>
+            </a:r>
+            <a:r>
+              <a:rPr lang="en-US" altLang="zh-TW" sz="2400" b="0" dirty="0" smtClean="0">
+                <a:solidFill>
+                  <a:srgbClr val="A31515"/>
+                </a:solidFill>
+                <a:effectLst/>
+                <a:latin typeface="Courier New" panose="02070309020205020404" pitchFamily="49" charset="0"/>
+              </a:rPr>
+              <a:t>"Line Graph Example"</a:t>
+            </a:r>
+            <a:r>
+              <a:rPr lang="en-US" altLang="zh-TW" sz="2400" b="0" dirty="0" smtClean="0">
+                <a:solidFill>
+                  <a:srgbClr val="000000"/>
+                </a:solidFill>
+                <a:effectLst/>
+                <a:latin typeface="Courier New" panose="02070309020205020404" pitchFamily="49" charset="0"/>
+              </a:rPr>
+              <a:t>)</a:t>
+            </a:r>
+          </a:p>
+          <a:p>
+            <a:r>
+              <a:rPr lang="en-US" altLang="zh-TW" sz="2400" b="0" dirty="0" err="1" smtClean="0">
+                <a:solidFill>
+                  <a:srgbClr val="000000"/>
+                </a:solidFill>
+                <a:effectLst/>
+                <a:latin typeface="Courier New" panose="02070309020205020404" pitchFamily="49" charset="0"/>
+              </a:rPr>
+              <a:t>plt.legend</a:t>
+            </a:r>
+            <a:r>
+              <a:rPr lang="en-US" altLang="zh-TW" sz="2400" b="0" dirty="0" smtClean="0">
+                <a:solidFill>
+                  <a:srgbClr val="000000"/>
+                </a:solidFill>
+                <a:effectLst/>
+                <a:latin typeface="Courier New" panose="02070309020205020404" pitchFamily="49" charset="0"/>
+              </a:rPr>
+              <a:t>()</a:t>
+            </a:r>
+          </a:p>
+          <a:p>
+            <a:r>
+              <a:rPr lang="en-US" altLang="zh-TW" sz="2400" b="0" dirty="0" err="1" smtClean="0">
+                <a:solidFill>
+                  <a:srgbClr val="000000"/>
+                </a:solidFill>
+                <a:effectLst/>
+                <a:latin typeface="Courier New" panose="02070309020205020404" pitchFamily="49" charset="0"/>
+              </a:rPr>
+              <a:t>plt.show</a:t>
+            </a:r>
+            <a:r>
+              <a:rPr lang="en-US" altLang="zh-TW" sz="2400" b="0" dirty="0" smtClean="0">
+                <a:solidFill>
+                  <a:srgbClr val="000000"/>
+                </a:solidFill>
+                <a:effectLst/>
+                <a:latin typeface="Courier New" panose="02070309020205020404" pitchFamily="49" charset="0"/>
+              </a:rPr>
+              <a:t>()</a:t>
+            </a:r>
+            <a:endParaRPr lang="en-US" altLang="zh-TW" sz="2400" b="0" dirty="0">
+              <a:solidFill>
+                <a:srgbClr val="000000"/>
+              </a:solidFill>
+              <a:effectLst/>
+              <a:latin typeface="Courier New" panose="02070309020205020404" pitchFamily="49" charset="0"/>
+            </a:endParaRPr>
+          </a:p>
+        </p:txBody>
+      </p:sp>
+      <p:sp>
+        <p:nvSpPr>
+          <p:cNvPr id="5" name="矩形 4"/>
+          <p:cNvSpPr/>
+          <p:nvPr/>
+        </p:nvSpPr>
+        <p:spPr>
+          <a:xfrm>
+            <a:off x="2481943" y="1685109"/>
+            <a:ext cx="6387737" cy="1071154"/>
+          </a:xfrm>
+          <a:prstGeom prst="rect">
+            <a:avLst/>
+          </a:prstGeom>
+          <a:noFill/>
+          <a:ln w="76200">
+            <a:solidFill>
+              <a:srgbClr val="FF0000"/>
+            </a:solidFill>
+          </a:ln>
+        </p:spPr>
+        <p:style>
+          <a:lnRef idx="2">
+            <a:schemeClr val="accent1">
+              <a:shade val="50000"/>
+            </a:schemeClr>
+          </a:lnRef>
+          <a:fillRef idx="1">
+            <a:schemeClr val="accent1"/>
+          </a:fillRef>
+          <a:effectRef idx="0">
+            <a:schemeClr val="accent1"/>
+          </a:effectRef>
+          <a:fontRef idx="minor">
+            <a:schemeClr val="lt1"/>
+          </a:fontRef>
+        </p:style>
+        <p:txBody>
+          <a:bodyPr rtlCol="0" anchor="ctr"/>
+          <a:lstStyle/>
+          <a:p>
+            <a:pPr algn="ctr"/>
+            <a:endParaRPr lang="zh-TW" altLang="en-US"/>
+          </a:p>
+        </p:txBody>
+      </p:sp>
+      <p:sp>
+        <p:nvSpPr>
+          <p:cNvPr id="6" name="文字方塊 5"/>
+          <p:cNvSpPr txBox="1"/>
+          <p:nvPr/>
+        </p:nvSpPr>
+        <p:spPr>
+          <a:xfrm>
+            <a:off x="979715" y="1897520"/>
+            <a:ext cx="2338252" cy="646331"/>
+          </a:xfrm>
+          <a:prstGeom prst="rect">
+            <a:avLst/>
+          </a:prstGeom>
+          <a:noFill/>
+        </p:spPr>
+        <p:txBody>
+          <a:bodyPr wrap="square" rtlCol="0">
+            <a:spAutoFit/>
+          </a:bodyPr>
+          <a:lstStyle/>
+          <a:p>
+            <a:r>
+              <a:rPr lang="zh-TW" altLang="en-US" sz="3600" dirty="0" smtClean="0"/>
+              <a:t>資料</a:t>
+            </a:r>
+            <a:endParaRPr lang="zh-TW" altLang="en-US" sz="3600" dirty="0"/>
+          </a:p>
+        </p:txBody>
+      </p:sp>
+    </p:spTree>
+    <p:extLst>
+      <p:ext uri="{BB962C8B-B14F-4D97-AF65-F5344CB8AC3E}">
+        <p14:creationId xmlns:p14="http://schemas.microsoft.com/office/powerpoint/2010/main" val="1112233138"/>
       </p:ext>
     </p:extLst>
   </p:cSld>
@@ -4494,7 +10004,7 @@
         </p:blipFill>
         <p:spPr>
           <a:xfrm>
-            <a:off x="2735670" y="979727"/>
+            <a:off x="2735670" y="977577"/>
             <a:ext cx="6590030" cy="4872417"/>
           </a:xfrm>
           <a:prstGeom prst="rect">
@@ -4850,7 +10360,7 @@
       </p:sp>
       <p:pic>
         <p:nvPicPr>
-          <p:cNvPr id="4" name="內容版面配置區 3"/>
+          <p:cNvPr id="6" name="內容版面配置區 5"/>
           <p:cNvPicPr>
             <a:picLocks noGrp="1" noChangeAspect="1"/>
           </p:cNvPicPr>
@@ -4872,20 +10382,101 @@
         </p:blipFill>
         <p:spPr>
           <a:xfrm>
-            <a:off x="2899954" y="1490508"/>
-            <a:ext cx="6392092" cy="4726069"/>
+            <a:off x="2964144" y="1593152"/>
+            <a:ext cx="5923824" cy="4379849"/>
           </a:xfrm>
         </p:spPr>
       </p:pic>
       <p:sp>
         <p:nvSpPr>
+          <p:cNvPr id="7" name="矩形 6"/>
+          <p:cNvSpPr/>
+          <p:nvPr/>
+        </p:nvSpPr>
+        <p:spPr>
+          <a:xfrm>
+            <a:off x="4643718" y="4609800"/>
+            <a:ext cx="3493264" cy="369332"/>
+          </a:xfrm>
+          <a:prstGeom prst="rect">
+            <a:avLst/>
+          </a:prstGeom>
+        </p:spPr>
+        <p:txBody>
+          <a:bodyPr wrap="none">
+            <a:spAutoFit/>
+          </a:bodyPr>
+          <a:lstStyle/>
+          <a:p>
+            <a:r>
+              <a:rPr lang="en-US" altLang="zh-TW" b="0" dirty="0" smtClean="0">
+                <a:solidFill>
+                  <a:srgbClr val="000000"/>
+                </a:solidFill>
+                <a:effectLst/>
+                <a:latin typeface="Courier New" panose="02070309020205020404" pitchFamily="49" charset="0"/>
+              </a:rPr>
+              <a:t>plt.legend(</a:t>
+            </a:r>
+            <a:r>
+              <a:rPr lang="en-US" altLang="zh-TW" b="0" dirty="0" err="1" smtClean="0">
+                <a:solidFill>
+                  <a:srgbClr val="000000"/>
+                </a:solidFill>
+                <a:effectLst/>
+                <a:latin typeface="Courier New" panose="02070309020205020404" pitchFamily="49" charset="0"/>
+              </a:rPr>
+              <a:t>loc</a:t>
+            </a:r>
+            <a:r>
+              <a:rPr lang="en-US" altLang="zh-TW" b="0" dirty="0" smtClean="0">
+                <a:solidFill>
+                  <a:srgbClr val="000000"/>
+                </a:solidFill>
+                <a:effectLst/>
+                <a:latin typeface="Courier New" panose="02070309020205020404" pitchFamily="49" charset="0"/>
+              </a:rPr>
+              <a:t>=</a:t>
+            </a:r>
+            <a:r>
+              <a:rPr lang="en-US" altLang="zh-TW" b="0" dirty="0" smtClean="0">
+                <a:solidFill>
+                  <a:srgbClr val="A31515"/>
+                </a:solidFill>
+                <a:effectLst/>
+                <a:latin typeface="Courier New" panose="02070309020205020404" pitchFamily="49" charset="0"/>
+              </a:rPr>
+              <a:t>'center'</a:t>
+            </a:r>
+            <a:r>
+              <a:rPr lang="en-US" altLang="zh-TW" b="0" dirty="0" smtClean="0">
+                <a:solidFill>
+                  <a:srgbClr val="000000"/>
+                </a:solidFill>
+                <a:effectLst/>
+                <a:latin typeface="Courier New" panose="02070309020205020404" pitchFamily="49" charset="0"/>
+              </a:rPr>
+              <a:t>)</a:t>
+            </a:r>
+            <a:endParaRPr lang="en-US" altLang="zh-TW" b="0" dirty="0">
+              <a:solidFill>
+                <a:srgbClr val="000000"/>
+              </a:solidFill>
+              <a:effectLst/>
+              <a:latin typeface="Courier New" panose="02070309020205020404" pitchFamily="49" charset="0"/>
+            </a:endParaRPr>
+          </a:p>
+        </p:txBody>
+      </p:sp>
+      <p:sp>
+        <p:nvSpPr>
           <p:cNvPr id="5" name="橢圓 4"/>
           <p:cNvSpPr/>
           <p:nvPr/>
         </p:nvSpPr>
         <p:spPr>
           <a:xfrm>
-            <a:off x="5159829" y="3082835"/>
+            <a:off x="5009478" y="2918715"/>
             <a:ext cx="2364377" cy="1541417"/>
           </a:xfrm>
           <a:prstGeom prst="ellipse">
@@ -4926,87 +10517,6 @@
           </a:p>
         </p:txBody>
       </p:sp>
-      <p:sp>
-        <p:nvSpPr>
-          <p:cNvPr id="7" name="矩形 6"/>
-          <p:cNvSpPr/>
-          <p:nvPr/>
-        </p:nvSpPr>
-        <p:spPr>
-          <a:xfrm>
-            <a:off x="4906153" y="4624252"/>
-            <a:ext cx="3493264" cy="369332"/>
-          </a:xfrm>
-          <a:prstGeom prst="rect">
-            <a:avLst/>
-          </a:prstGeom>
-        </p:spPr>
-        <p:txBody>
-          <a:bodyPr wrap="none">
-            <a:spAutoFit/>
-          </a:bodyPr>
-          <a:lstStyle/>
-          <a:p>
-            <a:r>
-              <a:rPr lang="en-US" altLang="zh-TW" b="0" dirty="0" smtClean="0">
-                <a:solidFill>
-                  <a:srgbClr val="000000"/>
-                </a:solidFill>
-                <a:effectLst/>
-                <a:latin typeface="Courier New" panose="02070309020205020404" pitchFamily="49" charset="0"/>
-              </a:rPr>
-              <a:t>plt.legend(</a:t>
-            </a:r>
-            <a:r>
-              <a:rPr lang="en-US" altLang="zh-TW" b="0" dirty="0" err="1" smtClean="0">
-                <a:solidFill>
-                  <a:srgbClr val="000000"/>
-                </a:solidFill>
-                <a:effectLst/>
-                <a:latin typeface="Courier New" panose="02070309020205020404" pitchFamily="49" charset="0"/>
-              </a:rPr>
-              <a:t>loc</a:t>
-            </a:r>
-            <a:r>
-              <a:rPr lang="en-US" altLang="zh-TW" b="0" dirty="0" smtClean="0">
-                <a:solidFill>
-                  <a:srgbClr val="000000"/>
-                </a:solidFill>
-                <a:effectLst/>
-                <a:latin typeface="Courier New" panose="02070309020205020404" pitchFamily="49" charset="0"/>
-              </a:rPr>
-              <a:t>=</a:t>
-            </a:r>
-            <a:r>
-              <a:rPr lang="en-US" altLang="zh-TW" b="0" dirty="0" smtClean="0">
-                <a:solidFill>
-                  <a:srgbClr val="A31515"/>
-                </a:solidFill>
-                <a:effectLst/>
-                <a:latin typeface="Courier New" panose="02070309020205020404" pitchFamily="49" charset="0"/>
-              </a:rPr>
-              <a:t>'center'</a:t>
-            </a:r>
-            <a:r>
-              <a:rPr lang="en-US" altLang="zh-TW" b="0" dirty="0" smtClean="0">
-                <a:solidFill>
-                  <a:srgbClr val="000000"/>
-                </a:solidFill>
-                <a:effectLst/>
-                <a:latin typeface="Courier New" panose="02070309020205020404" pitchFamily="49" charset="0"/>
-              </a:rPr>
-              <a:t>)</a:t>
-            </a:r>
-            <a:endParaRPr lang="en-US" altLang="zh-TW" b="0" dirty="0">
-              <a:solidFill>
-                <a:srgbClr val="000000"/>
-              </a:solidFill>
-              <a:effectLst/>
-              <a:latin typeface="Courier New" panose="02070309020205020404" pitchFamily="49" charset="0"/>
-            </a:endParaRPr>
-          </a:p>
-        </p:txBody>
-      </p:sp>
     </p:spTree>
     <p:extLst>
       <p:ext uri="{BB962C8B-B14F-4D97-AF65-F5344CB8AC3E}">
@@ -5017,6 +10527,13 @@
   <p:clrMapOvr>
     <a:masterClrMapping/>
   </p:clrMapOvr>
+  <p:timing>
+    <p:tnLst>
+      <p:par>
+        <p:cTn id="1" dur="indefinite" restart="never" nodeType="tmRoot"/>
+      </p:par>
+    </p:tnLst>
+  </p:timing>
 </p:sld>
 </file>
 
@@ -5037,6 +10554,1168 @@
           <a:chExt cx="0" cy="0"/>
         </a:xfrm>
       </p:grpSpPr>
+      <p:graphicFrame>
+        <p:nvGraphicFramePr>
+          <p:cNvPr id="3" name="表格 2"/>
+          <p:cNvGraphicFramePr>
+            <a:graphicFrameLocks noGrp="1"/>
+          </p:cNvGraphicFramePr>
+          <p:nvPr>
+            <p:extLst>
+              <p:ext uri="{D42A27DB-BD31-4B8C-83A1-F6EECF244321}">
+                <p14:modId xmlns:p14="http://schemas.microsoft.com/office/powerpoint/2010/main" val="849522825"/>
+              </p:ext>
+            </p:extLst>
+          </p:nvPr>
+        </p:nvGraphicFramePr>
+        <p:xfrm>
+          <a:off x="7022591" y="1027906"/>
+          <a:ext cx="3048000" cy="5224206"/>
+        </p:xfrm>
+        <a:graphic>
+          <a:graphicData uri="http://schemas.openxmlformats.org/drawingml/2006/table">
+            <a:tbl>
+              <a:tblPr/>
+              <a:tblGrid>
+                <a:gridCol w="1524000"/>
+                <a:gridCol w="1524000"/>
+              </a:tblGrid>
+              <a:tr h="469688">
+                <a:tc>
+                  <a:txBody>
+                    <a:bodyPr/>
+                    <a:lstStyle/>
+                    <a:p>
+                      <a:r>
+                        <a:rPr lang="en-US" sz="1800" dirty="0">
+                          <a:effectLst/>
+                        </a:rPr>
+                        <a:t>Location String</a:t>
+                      </a:r>
+                    </a:p>
+                  </a:txBody>
+                  <a:tcPr marL="58018" marR="58018" marT="29009" marB="29009" anchor="ctr">
+                    <a:lnL>
+                      <a:noFill/>
+                    </a:lnL>
+                    <a:lnR>
+                      <a:noFill/>
+                    </a:lnR>
+                    <a:lnT>
+                      <a:noFill/>
+                    </a:lnT>
+                    <a:lnB>
+                      <a:noFill/>
+                    </a:lnB>
+                    <a:solidFill>
+                      <a:srgbClr val="F0F0F0"/>
+                    </a:solidFill>
+                  </a:tcPr>
+                </a:tc>
+                <a:tc>
+                  <a:txBody>
+                    <a:bodyPr/>
+                    <a:lstStyle/>
+                    <a:p>
+                      <a:r>
+                        <a:rPr lang="en-US" sz="1800">
+                          <a:effectLst/>
+                        </a:rPr>
+                        <a:t>Location Code</a:t>
+                      </a:r>
+                    </a:p>
+                  </a:txBody>
+                  <a:tcPr marL="58018" marR="58018" marT="29009" marB="29009" anchor="ctr">
+                    <a:lnL>
+                      <a:noFill/>
+                    </a:lnL>
+                    <a:lnR>
+                      <a:noFill/>
+                    </a:lnR>
+                    <a:lnT>
+                      <a:noFill/>
+                    </a:lnT>
+                    <a:lnB>
+                      <a:noFill/>
+                    </a:lnB>
+                    <a:solidFill>
+                      <a:srgbClr val="F0F0F0"/>
+                    </a:solidFill>
+                  </a:tcPr>
+                </a:tc>
+              </a:tr>
+              <a:tr h="323106">
+                <a:tc>
+                  <a:txBody>
+                    <a:bodyPr/>
+                    <a:lstStyle/>
+                    <a:p>
+                      <a:r>
+                        <a:rPr lang="en-US" sz="1800" dirty="0">
+                          <a:effectLst/>
+                        </a:rPr>
+                        <a:t>'best'</a:t>
+                      </a:r>
+                    </a:p>
+                  </a:txBody>
+                  <a:tcPr marL="58018" marR="58018" marT="29009" marB="29009" anchor="ctr">
+                    <a:lnL>
+                      <a:noFill/>
+                    </a:lnL>
+                    <a:lnR>
+                      <a:noFill/>
+                    </a:lnR>
+                    <a:lnT>
+                      <a:noFill/>
+                    </a:lnT>
+                    <a:lnB>
+                      <a:noFill/>
+                    </a:lnB>
+                  </a:tcPr>
+                </a:tc>
+                <a:tc>
+                  <a:txBody>
+                    <a:bodyPr/>
+                    <a:lstStyle/>
+                    <a:p>
+                      <a:r>
+                        <a:rPr lang="en-US" altLang="zh-TW" sz="1800" dirty="0">
+                          <a:effectLst/>
+                        </a:rPr>
+                        <a:t>0</a:t>
+                      </a:r>
+                    </a:p>
+                  </a:txBody>
+                  <a:tcPr marL="58018" marR="58018" marT="29009" marB="29009" anchor="ctr">
+                    <a:lnL>
+                      <a:noFill/>
+                    </a:lnL>
+                    <a:lnR>
+                      <a:noFill/>
+                    </a:lnR>
+                    <a:lnT>
+                      <a:noFill/>
+                    </a:lnT>
+                    <a:lnB>
+                      <a:noFill/>
+                    </a:lnB>
+                  </a:tcPr>
+                </a:tc>
+              </a:tr>
+              <a:tr h="469688">
+                <a:tc>
+                  <a:txBody>
+                    <a:bodyPr/>
+                    <a:lstStyle/>
+                    <a:p>
+                      <a:r>
+                        <a:rPr lang="en-US" sz="1800" dirty="0">
+                          <a:effectLst/>
+                        </a:rPr>
+                        <a:t>'upper right'</a:t>
+                      </a:r>
+                    </a:p>
+                  </a:txBody>
+                  <a:tcPr marL="58018" marR="58018" marT="29009" marB="29009" anchor="ctr">
+                    <a:lnL>
+                      <a:noFill/>
+                    </a:lnL>
+                    <a:lnR>
+                      <a:noFill/>
+                    </a:lnR>
+                    <a:lnT>
+                      <a:noFill/>
+                    </a:lnT>
+                    <a:lnB>
+                      <a:noFill/>
+                    </a:lnB>
+                  </a:tcPr>
+                </a:tc>
+                <a:tc>
+                  <a:txBody>
+                    <a:bodyPr/>
+                    <a:lstStyle/>
+                    <a:p>
+                      <a:r>
+                        <a:rPr lang="en-US" altLang="zh-TW" sz="1800" dirty="0">
+                          <a:effectLst/>
+                        </a:rPr>
+                        <a:t>1</a:t>
+                      </a:r>
+                    </a:p>
+                  </a:txBody>
+                  <a:tcPr marL="58018" marR="58018" marT="29009" marB="29009" anchor="ctr">
+                    <a:lnL>
+                      <a:noFill/>
+                    </a:lnL>
+                    <a:lnR>
+                      <a:noFill/>
+                    </a:lnR>
+                    <a:lnT>
+                      <a:noFill/>
+                    </a:lnT>
+                    <a:lnB>
+                      <a:noFill/>
+                    </a:lnB>
+                  </a:tcPr>
+                </a:tc>
+              </a:tr>
+              <a:tr h="469688">
+                <a:tc>
+                  <a:txBody>
+                    <a:bodyPr/>
+                    <a:lstStyle/>
+                    <a:p>
+                      <a:r>
+                        <a:rPr lang="en-US" sz="1800" dirty="0">
+                          <a:effectLst/>
+                        </a:rPr>
+                        <a:t>'upper left'</a:t>
+                      </a:r>
+                    </a:p>
+                  </a:txBody>
+                  <a:tcPr marL="58018" marR="58018" marT="29009" marB="29009" anchor="ctr">
+                    <a:lnL>
+                      <a:noFill/>
+                    </a:lnL>
+                    <a:lnR>
+                      <a:noFill/>
+                    </a:lnR>
+                    <a:lnT>
+                      <a:noFill/>
+                    </a:lnT>
+                    <a:lnB>
+                      <a:noFill/>
+                    </a:lnB>
+                  </a:tcPr>
+                </a:tc>
+                <a:tc>
+                  <a:txBody>
+                    <a:bodyPr/>
+                    <a:lstStyle/>
+                    <a:p>
+                      <a:r>
+                        <a:rPr lang="en-US" altLang="zh-TW" sz="1800" dirty="0">
+                          <a:effectLst/>
+                        </a:rPr>
+                        <a:t>2</a:t>
+                      </a:r>
+                    </a:p>
+                  </a:txBody>
+                  <a:tcPr marL="58018" marR="58018" marT="29009" marB="29009" anchor="ctr">
+                    <a:lnL>
+                      <a:noFill/>
+                    </a:lnL>
+                    <a:lnR>
+                      <a:noFill/>
+                    </a:lnR>
+                    <a:lnT>
+                      <a:noFill/>
+                    </a:lnT>
+                    <a:lnB>
+                      <a:noFill/>
+                    </a:lnB>
+                  </a:tcPr>
+                </a:tc>
+              </a:tr>
+              <a:tr h="469688">
+                <a:tc>
+                  <a:txBody>
+                    <a:bodyPr/>
+                    <a:lstStyle/>
+                    <a:p>
+                      <a:r>
+                        <a:rPr lang="en-US" sz="1800">
+                          <a:effectLst/>
+                        </a:rPr>
+                        <a:t>'lower left'</a:t>
+                      </a:r>
+                    </a:p>
+                  </a:txBody>
+                  <a:tcPr marL="58018" marR="58018" marT="29009" marB="29009" anchor="ctr">
+                    <a:lnL>
+                      <a:noFill/>
+                    </a:lnL>
+                    <a:lnR>
+                      <a:noFill/>
+                    </a:lnR>
+                    <a:lnT>
+                      <a:noFill/>
+                    </a:lnT>
+                    <a:lnB>
+                      <a:noFill/>
+                    </a:lnB>
+                  </a:tcPr>
+                </a:tc>
+                <a:tc>
+                  <a:txBody>
+                    <a:bodyPr/>
+                    <a:lstStyle/>
+                    <a:p>
+                      <a:r>
+                        <a:rPr lang="en-US" altLang="zh-TW" sz="1800" dirty="0">
+                          <a:effectLst/>
+                        </a:rPr>
+                        <a:t>3</a:t>
+                      </a:r>
+                    </a:p>
+                  </a:txBody>
+                  <a:tcPr marL="58018" marR="58018" marT="29009" marB="29009" anchor="ctr">
+                    <a:lnL>
+                      <a:noFill/>
+                    </a:lnL>
+                    <a:lnR>
+                      <a:noFill/>
+                    </a:lnR>
+                    <a:lnT>
+                      <a:noFill/>
+                    </a:lnT>
+                    <a:lnB>
+                      <a:noFill/>
+                    </a:lnB>
+                  </a:tcPr>
+                </a:tc>
+              </a:tr>
+              <a:tr h="469688">
+                <a:tc>
+                  <a:txBody>
+                    <a:bodyPr/>
+                    <a:lstStyle/>
+                    <a:p>
+                      <a:r>
+                        <a:rPr lang="en-US" sz="1800">
+                          <a:effectLst/>
+                        </a:rPr>
+                        <a:t>'lower right'</a:t>
+                      </a:r>
+                    </a:p>
+                  </a:txBody>
+                  <a:tcPr marL="58018" marR="58018" marT="29009" marB="29009" anchor="ctr">
+                    <a:lnL>
+                      <a:noFill/>
+                    </a:lnL>
+                    <a:lnR>
+                      <a:noFill/>
+                    </a:lnR>
+                    <a:lnT>
+                      <a:noFill/>
+                    </a:lnT>
+                    <a:lnB>
+                      <a:noFill/>
+                    </a:lnB>
+                  </a:tcPr>
+                </a:tc>
+                <a:tc>
+                  <a:txBody>
+                    <a:bodyPr/>
+                    <a:lstStyle/>
+                    <a:p>
+                      <a:r>
+                        <a:rPr lang="en-US" altLang="zh-TW" sz="1800">
+                          <a:effectLst/>
+                        </a:rPr>
+                        <a:t>4</a:t>
+                      </a:r>
+                    </a:p>
+                  </a:txBody>
+                  <a:tcPr marL="58018" marR="58018" marT="29009" marB="29009" anchor="ctr">
+                    <a:lnL>
+                      <a:noFill/>
+                    </a:lnL>
+                    <a:lnR>
+                      <a:noFill/>
+                    </a:lnR>
+                    <a:lnT>
+                      <a:noFill/>
+                    </a:lnT>
+                    <a:lnB>
+                      <a:noFill/>
+                    </a:lnB>
+                  </a:tcPr>
+                </a:tc>
+              </a:tr>
+              <a:tr h="268393">
+                <a:tc>
+                  <a:txBody>
+                    <a:bodyPr/>
+                    <a:lstStyle/>
+                    <a:p>
+                      <a:r>
+                        <a:rPr lang="en-US" sz="1800" dirty="0">
+                          <a:effectLst/>
+                        </a:rPr>
+                        <a:t>'right'</a:t>
+                      </a:r>
+                    </a:p>
+                  </a:txBody>
+                  <a:tcPr marL="58018" marR="58018" marT="29009" marB="29009" anchor="ctr">
+                    <a:lnL>
+                      <a:noFill/>
+                    </a:lnL>
+                    <a:lnR>
+                      <a:noFill/>
+                    </a:lnR>
+                    <a:lnT>
+                      <a:noFill/>
+                    </a:lnT>
+                    <a:lnB>
+                      <a:noFill/>
+                    </a:lnB>
+                  </a:tcPr>
+                </a:tc>
+                <a:tc>
+                  <a:txBody>
+                    <a:bodyPr/>
+                    <a:lstStyle/>
+                    <a:p>
+                      <a:r>
+                        <a:rPr lang="en-US" altLang="zh-TW" sz="1800">
+                          <a:effectLst/>
+                        </a:rPr>
+                        <a:t>5</a:t>
+                      </a:r>
+                    </a:p>
+                  </a:txBody>
+                  <a:tcPr marL="58018" marR="58018" marT="29009" marB="29009" anchor="ctr">
+                    <a:lnL>
+                      <a:noFill/>
+                    </a:lnL>
+                    <a:lnR>
+                      <a:noFill/>
+                    </a:lnR>
+                    <a:lnT>
+                      <a:noFill/>
+                    </a:lnT>
+                    <a:lnB>
+                      <a:noFill/>
+                    </a:lnB>
+                  </a:tcPr>
+                </a:tc>
+              </a:tr>
+              <a:tr h="469688">
+                <a:tc>
+                  <a:txBody>
+                    <a:bodyPr/>
+                    <a:lstStyle/>
+                    <a:p>
+                      <a:r>
+                        <a:rPr lang="en-US" sz="1800">
+                          <a:effectLst/>
+                        </a:rPr>
+                        <a:t>'center left'</a:t>
+                      </a:r>
+                    </a:p>
+                  </a:txBody>
+                  <a:tcPr marL="58018" marR="58018" marT="29009" marB="29009" anchor="ctr">
+                    <a:lnL>
+                      <a:noFill/>
+                    </a:lnL>
+                    <a:lnR>
+                      <a:noFill/>
+                    </a:lnR>
+                    <a:lnT>
+                      <a:noFill/>
+                    </a:lnT>
+                    <a:lnB>
+                      <a:noFill/>
+                    </a:lnB>
+                  </a:tcPr>
+                </a:tc>
+                <a:tc>
+                  <a:txBody>
+                    <a:bodyPr/>
+                    <a:lstStyle/>
+                    <a:p>
+                      <a:r>
+                        <a:rPr lang="en-US" altLang="zh-TW" sz="1800">
+                          <a:effectLst/>
+                        </a:rPr>
+                        <a:t>6</a:t>
+                      </a:r>
+                    </a:p>
+                  </a:txBody>
+                  <a:tcPr marL="58018" marR="58018" marT="29009" marB="29009" anchor="ctr">
+                    <a:lnL>
+                      <a:noFill/>
+                    </a:lnL>
+                    <a:lnR>
+                      <a:noFill/>
+                    </a:lnR>
+                    <a:lnT>
+                      <a:noFill/>
+                    </a:lnT>
+                    <a:lnB>
+                      <a:noFill/>
+                    </a:lnB>
+                  </a:tcPr>
+                </a:tc>
+              </a:tr>
+              <a:tr h="469688">
+                <a:tc>
+                  <a:txBody>
+                    <a:bodyPr/>
+                    <a:lstStyle/>
+                    <a:p>
+                      <a:r>
+                        <a:rPr lang="en-US" sz="1800">
+                          <a:effectLst/>
+                        </a:rPr>
+                        <a:t>'center right'</a:t>
+                      </a:r>
+                    </a:p>
+                  </a:txBody>
+                  <a:tcPr marL="58018" marR="58018" marT="29009" marB="29009" anchor="ctr">
+                    <a:lnL>
+                      <a:noFill/>
+                    </a:lnL>
+                    <a:lnR>
+                      <a:noFill/>
+                    </a:lnR>
+                    <a:lnT>
+                      <a:noFill/>
+                    </a:lnT>
+                    <a:lnB>
+                      <a:noFill/>
+                    </a:lnB>
+                  </a:tcPr>
+                </a:tc>
+                <a:tc>
+                  <a:txBody>
+                    <a:bodyPr/>
+                    <a:lstStyle/>
+                    <a:p>
+                      <a:r>
+                        <a:rPr lang="en-US" altLang="zh-TW" sz="1800">
+                          <a:effectLst/>
+                        </a:rPr>
+                        <a:t>7</a:t>
+                      </a:r>
+                    </a:p>
+                  </a:txBody>
+                  <a:tcPr marL="58018" marR="58018" marT="29009" marB="29009" anchor="ctr">
+                    <a:lnL>
+                      <a:noFill/>
+                    </a:lnL>
+                    <a:lnR>
+                      <a:noFill/>
+                    </a:lnR>
+                    <a:lnT>
+                      <a:noFill/>
+                    </a:lnT>
+                    <a:lnB>
+                      <a:noFill/>
+                    </a:lnB>
+                  </a:tcPr>
+                </a:tc>
+              </a:tr>
+              <a:tr h="469688">
+                <a:tc>
+                  <a:txBody>
+                    <a:bodyPr/>
+                    <a:lstStyle/>
+                    <a:p>
+                      <a:r>
+                        <a:rPr lang="en-US" sz="1800">
+                          <a:effectLst/>
+                        </a:rPr>
+                        <a:t>'lower center'</a:t>
+                      </a:r>
+                    </a:p>
+                  </a:txBody>
+                  <a:tcPr marL="58018" marR="58018" marT="29009" marB="29009" anchor="ctr">
+                    <a:lnL>
+                      <a:noFill/>
+                    </a:lnL>
+                    <a:lnR>
+                      <a:noFill/>
+                    </a:lnR>
+                    <a:lnT>
+                      <a:noFill/>
+                    </a:lnT>
+                    <a:lnB>
+                      <a:noFill/>
+                    </a:lnB>
+                  </a:tcPr>
+                </a:tc>
+                <a:tc>
+                  <a:txBody>
+                    <a:bodyPr/>
+                    <a:lstStyle/>
+                    <a:p>
+                      <a:r>
+                        <a:rPr lang="en-US" altLang="zh-TW" sz="1800">
+                          <a:effectLst/>
+                        </a:rPr>
+                        <a:t>8</a:t>
+                      </a:r>
+                    </a:p>
+                  </a:txBody>
+                  <a:tcPr marL="58018" marR="58018" marT="29009" marB="29009" anchor="ctr">
+                    <a:lnL>
+                      <a:noFill/>
+                    </a:lnL>
+                    <a:lnR>
+                      <a:noFill/>
+                    </a:lnR>
+                    <a:lnT>
+                      <a:noFill/>
+                    </a:lnT>
+                    <a:lnB>
+                      <a:noFill/>
+                    </a:lnB>
+                  </a:tcPr>
+                </a:tc>
+              </a:tr>
+              <a:tr h="469688">
+                <a:tc>
+                  <a:txBody>
+                    <a:bodyPr/>
+                    <a:lstStyle/>
+                    <a:p>
+                      <a:r>
+                        <a:rPr lang="en-US" sz="1800">
+                          <a:effectLst/>
+                        </a:rPr>
+                        <a:t>'upper center'</a:t>
+                      </a:r>
+                    </a:p>
+                  </a:txBody>
+                  <a:tcPr marL="58018" marR="58018" marT="29009" marB="29009" anchor="ctr">
+                    <a:lnL>
+                      <a:noFill/>
+                    </a:lnL>
+                    <a:lnR>
+                      <a:noFill/>
+                    </a:lnR>
+                    <a:lnT>
+                      <a:noFill/>
+                    </a:lnT>
+                    <a:lnB>
+                      <a:noFill/>
+                    </a:lnB>
+                  </a:tcPr>
+                </a:tc>
+                <a:tc>
+                  <a:txBody>
+                    <a:bodyPr/>
+                    <a:lstStyle/>
+                    <a:p>
+                      <a:r>
+                        <a:rPr lang="en-US" altLang="zh-TW" sz="1800" dirty="0">
+                          <a:effectLst/>
+                        </a:rPr>
+                        <a:t>9</a:t>
+                      </a:r>
+                    </a:p>
+                  </a:txBody>
+                  <a:tcPr marL="58018" marR="58018" marT="29009" marB="29009" anchor="ctr">
+                    <a:lnL>
+                      <a:noFill/>
+                    </a:lnL>
+                    <a:lnR>
+                      <a:noFill/>
+                    </a:lnR>
+                    <a:lnT>
+                      <a:noFill/>
+                    </a:lnT>
+                    <a:lnB>
+                      <a:noFill/>
+                    </a:lnB>
+                  </a:tcPr>
+                </a:tc>
+              </a:tr>
+              <a:tr h="268393">
+                <a:tc>
+                  <a:txBody>
+                    <a:bodyPr/>
+                    <a:lstStyle/>
+                    <a:p>
+                      <a:r>
+                        <a:rPr lang="en-US" sz="1800">
+                          <a:effectLst/>
+                        </a:rPr>
+                        <a:t>'center'</a:t>
+                      </a:r>
+                    </a:p>
+                  </a:txBody>
+                  <a:tcPr marL="58018" marR="58018" marT="29009" marB="29009" anchor="ctr">
+                    <a:lnL>
+                      <a:noFill/>
+                    </a:lnL>
+                    <a:lnR>
+                      <a:noFill/>
+                    </a:lnR>
+                    <a:lnT>
+                      <a:noFill/>
+                    </a:lnT>
+                    <a:lnB>
+                      <a:noFill/>
+                    </a:lnB>
+                  </a:tcPr>
+                </a:tc>
+                <a:tc>
+                  <a:txBody>
+                    <a:bodyPr/>
+                    <a:lstStyle/>
+                    <a:p>
+                      <a:r>
+                        <a:rPr lang="en-US" altLang="zh-TW" sz="1800" dirty="0">
+                          <a:effectLst/>
+                        </a:rPr>
+                        <a:t>10</a:t>
+                      </a:r>
+                    </a:p>
+                  </a:txBody>
+                  <a:tcPr marL="58018" marR="58018" marT="29009" marB="29009" anchor="ctr">
+                    <a:lnL>
+                      <a:noFill/>
+                    </a:lnL>
+                    <a:lnR>
+                      <a:noFill/>
+                    </a:lnR>
+                    <a:lnT>
+                      <a:noFill/>
+                    </a:lnT>
+                    <a:lnB>
+                      <a:noFill/>
+                    </a:lnB>
+                  </a:tcPr>
+                </a:tc>
+              </a:tr>
+            </a:tbl>
+          </a:graphicData>
+        </a:graphic>
+      </p:graphicFrame>
+      <p:sp>
+        <p:nvSpPr>
+          <p:cNvPr id="4" name="標題 3"/>
+          <p:cNvSpPr>
+            <a:spLocks noGrp="1"/>
+          </p:cNvSpPr>
+          <p:nvPr>
+            <p:ph type="title"/>
+          </p:nvPr>
+        </p:nvSpPr>
+        <p:spPr/>
+        <p:txBody>
+          <a:bodyPr/>
+          <a:lstStyle/>
+          <a:p>
+            <a:r>
+              <a:rPr lang="zh-TW" altLang="en-US" dirty="0" smtClean="0"/>
+              <a:t>補</a:t>
+            </a:r>
+            <a:r>
+              <a:rPr lang="zh-TW" altLang="en-US" dirty="0"/>
+              <a:t>充</a:t>
+            </a:r>
+          </a:p>
+        </p:txBody>
+      </p:sp>
+      <p:sp>
+        <p:nvSpPr>
+          <p:cNvPr id="6" name="文字方塊 5"/>
+          <p:cNvSpPr txBox="1"/>
+          <p:nvPr/>
+        </p:nvSpPr>
+        <p:spPr>
+          <a:xfrm>
+            <a:off x="838200" y="1889760"/>
+            <a:ext cx="3401568" cy="584775"/>
+          </a:xfrm>
+          <a:prstGeom prst="rect">
+            <a:avLst/>
+          </a:prstGeom>
+          <a:noFill/>
+        </p:spPr>
+        <p:txBody>
+          <a:bodyPr wrap="square" rtlCol="0">
+            <a:spAutoFit/>
+          </a:bodyPr>
+          <a:lstStyle/>
+          <a:p>
+            <a:r>
+              <a:rPr lang="en-US" altLang="zh-TW" sz="3200" dirty="0" err="1" smtClean="0"/>
+              <a:t>Loc</a:t>
+            </a:r>
+            <a:r>
+              <a:rPr lang="zh-TW" altLang="en-US" sz="3200" dirty="0"/>
+              <a:t>函</a:t>
+            </a:r>
+            <a:r>
+              <a:rPr lang="zh-TW" altLang="en-US" sz="3200" dirty="0" smtClean="0"/>
+              <a:t>式對應代碼</a:t>
+            </a:r>
+            <a:endParaRPr lang="zh-TW" altLang="en-US" sz="3200" dirty="0"/>
+          </a:p>
+        </p:txBody>
+      </p:sp>
+      <p:sp>
+        <p:nvSpPr>
+          <p:cNvPr id="7" name="矩形 6"/>
+          <p:cNvSpPr/>
+          <p:nvPr/>
+        </p:nvSpPr>
+        <p:spPr>
+          <a:xfrm>
+            <a:off x="838200" y="1605558"/>
+            <a:ext cx="3493264" cy="369332"/>
+          </a:xfrm>
+          <a:prstGeom prst="rect">
+            <a:avLst/>
+          </a:prstGeom>
+        </p:spPr>
+        <p:txBody>
+          <a:bodyPr wrap="none">
+            <a:spAutoFit/>
+          </a:bodyPr>
+          <a:lstStyle/>
+          <a:p>
+            <a:r>
+              <a:rPr lang="en-US" altLang="zh-TW" dirty="0" err="1">
+                <a:solidFill>
+                  <a:srgbClr val="000000"/>
+                </a:solidFill>
+                <a:latin typeface="Courier New" panose="02070309020205020404" pitchFamily="49" charset="0"/>
+              </a:rPr>
+              <a:t>plt.legend</a:t>
+            </a:r>
+            <a:r>
+              <a:rPr lang="en-US" altLang="zh-TW" dirty="0">
+                <a:solidFill>
+                  <a:srgbClr val="000000"/>
+                </a:solidFill>
+                <a:latin typeface="Courier New" panose="02070309020205020404" pitchFamily="49" charset="0"/>
+              </a:rPr>
+              <a:t>(</a:t>
+            </a:r>
+            <a:r>
+              <a:rPr lang="en-US" altLang="zh-TW" dirty="0" err="1">
+                <a:solidFill>
+                  <a:srgbClr val="000000"/>
+                </a:solidFill>
+                <a:latin typeface="Courier New" panose="02070309020205020404" pitchFamily="49" charset="0"/>
+              </a:rPr>
+              <a:t>loc</a:t>
+            </a:r>
+            <a:r>
+              <a:rPr lang="en-US" altLang="zh-TW" dirty="0">
+                <a:solidFill>
+                  <a:srgbClr val="000000"/>
+                </a:solidFill>
+                <a:latin typeface="Courier New" panose="02070309020205020404" pitchFamily="49" charset="0"/>
+              </a:rPr>
+              <a:t>=</a:t>
+            </a:r>
+            <a:r>
+              <a:rPr lang="en-US" altLang="zh-TW" dirty="0">
+                <a:solidFill>
+                  <a:srgbClr val="A31515"/>
+                </a:solidFill>
+                <a:latin typeface="Courier New" panose="02070309020205020404" pitchFamily="49" charset="0"/>
+              </a:rPr>
+              <a:t>'center'</a:t>
+            </a:r>
+            <a:r>
+              <a:rPr lang="en-US" altLang="zh-TW" dirty="0">
+                <a:solidFill>
+                  <a:srgbClr val="000000"/>
+                </a:solidFill>
+                <a:latin typeface="Courier New" panose="02070309020205020404" pitchFamily="49" charset="0"/>
+              </a:rPr>
+              <a:t>)</a:t>
+            </a:r>
+          </a:p>
+        </p:txBody>
+      </p:sp>
+      <p:sp>
+        <p:nvSpPr>
+          <p:cNvPr id="8" name="矩形 7"/>
+          <p:cNvSpPr/>
+          <p:nvPr/>
+        </p:nvSpPr>
+        <p:spPr>
+          <a:xfrm>
+            <a:off x="4331464" y="123368"/>
+            <a:ext cx="7860536" cy="369332"/>
+          </a:xfrm>
+          <a:prstGeom prst="rect">
+            <a:avLst/>
+          </a:prstGeom>
+        </p:spPr>
+        <p:txBody>
+          <a:bodyPr wrap="square">
+            <a:spAutoFit/>
+          </a:bodyPr>
+          <a:lstStyle/>
+          <a:p>
+            <a:r>
+              <a:rPr lang="zh-TW" altLang="en-US" dirty="0" smtClean="0"/>
+              <a:t>資料來源</a:t>
+            </a:r>
+            <a:r>
+              <a:rPr lang="en-US" altLang="zh-TW" dirty="0" smtClean="0"/>
+              <a:t>:https://matplotlib.org/3.1.1/api/_as_gen/matplotlib.pyplot.legend.html</a:t>
+            </a:r>
+            <a:endParaRPr lang="zh-TW" altLang="en-US" dirty="0"/>
+          </a:p>
+        </p:txBody>
+      </p:sp>
+    </p:spTree>
+    <p:extLst>
+      <p:ext uri="{BB962C8B-B14F-4D97-AF65-F5344CB8AC3E}">
+        <p14:creationId xmlns:p14="http://schemas.microsoft.com/office/powerpoint/2010/main" val="2759035532"/>
+      </p:ext>
+    </p:extLst>
+  </p:cSld>
+  <p:clrMapOvr>
+    <a:masterClrMapping/>
+  </p:clrMapOvr>
+  <p:timing>
+    <p:tnLst>
+      <p:par>
+        <p:cTn id="1" dur="indefinite" restart="never" nodeType="tmRoot"/>
+      </p:par>
+    </p:tnLst>
+  </p:timing>
+</p:sld>
+</file>
+
+<file path=ppt/slides/slide8.xml><?xml version="1.0" encoding="utf-8"?>
+<p:sld xmlns:a="http://schemas.openxmlformats.org/drawingml/2006/main" xmlns:r="http://schemas.openxmlformats.org/officeDocument/2006/relationships" xmlns:p="http://schemas.openxmlformats.org/presentationml/2006/main">
+  <p:cSld>
+    <p:spTree>
+      <p:nvGrpSpPr>
+        <p:cNvPr id="1" name=""/>
+        <p:cNvGrpSpPr/>
+        <p:nvPr/>
+      </p:nvGrpSpPr>
+      <p:grpSpPr>
+        <a:xfrm>
+          <a:off x="0" y="0"/>
+          <a:ext cx="0" cy="0"/>
+          <a:chOff x="0" y="0"/>
+          <a:chExt cx="0" cy="0"/>
+        </a:xfrm>
+      </p:grpSpPr>
+      <p:sp>
+        <p:nvSpPr>
+          <p:cNvPr id="2" name="標題 1"/>
+          <p:cNvSpPr>
+            <a:spLocks noGrp="1"/>
+          </p:cNvSpPr>
+          <p:nvPr>
+            <p:ph type="title"/>
+          </p:nvPr>
+        </p:nvSpPr>
+        <p:spPr/>
+        <p:txBody>
+          <a:bodyPr/>
+          <a:lstStyle/>
+          <a:p>
+            <a:r>
+              <a:rPr lang="zh-TW" altLang="en-US" dirty="0" smtClean="0"/>
+              <a:t>測試</a:t>
+            </a:r>
+            <a:r>
+              <a:rPr lang="en-US" altLang="zh-TW" dirty="0" smtClean="0"/>
+              <a:t>2:</a:t>
+            </a:r>
+            <a:r>
+              <a:rPr lang="zh-TW" altLang="en-US" dirty="0" smtClean="0"/>
+              <a:t>將橘線換成紅色虛線</a:t>
+            </a:r>
+            <a:endParaRPr lang="zh-TW" altLang="en-US" dirty="0"/>
+          </a:p>
+        </p:txBody>
+      </p:sp>
+      <p:pic>
+        <p:nvPicPr>
+          <p:cNvPr id="4" name="圖片 3"/>
+          <p:cNvPicPr>
+            <a:picLocks noChangeAspect="1"/>
+          </p:cNvPicPr>
+          <p:nvPr/>
+        </p:nvPicPr>
+        <p:blipFill>
+          <a:blip r:embed="rId2">
+            <a:extLst>
+              <a:ext uri="{28A0092B-C50C-407E-A947-70E740481C1C}">
+                <a14:useLocalDpi xmlns:a14="http://schemas.microsoft.com/office/drawing/2010/main" val="0"/>
+              </a:ext>
+            </a:extLst>
+          </a:blip>
+          <a:stretch>
+            <a:fillRect/>
+          </a:stretch>
+        </p:blipFill>
+        <p:spPr>
+          <a:xfrm>
+            <a:off x="619865" y="1690686"/>
+            <a:ext cx="5972592" cy="4415907"/>
+          </a:xfrm>
+          <a:prstGeom prst="rect">
+            <a:avLst/>
+          </a:prstGeom>
+        </p:spPr>
+      </p:pic>
+      <p:cxnSp>
+        <p:nvCxnSpPr>
+          <p:cNvPr id="9" name="直線單箭頭接點 8"/>
+          <p:cNvCxnSpPr/>
+          <p:nvPr/>
+        </p:nvCxnSpPr>
+        <p:spPr>
+          <a:xfrm rot="10800000" flipV="1">
+            <a:off x="5626377" y="2414016"/>
+            <a:ext cx="1524000" cy="1484624"/>
+          </a:xfrm>
+          <a:prstGeom prst="curvedConnector3">
+            <a:avLst>
+              <a:gd name="adj1" fmla="val 50000"/>
+            </a:avLst>
+          </a:prstGeom>
+          <a:ln>
+            <a:tailEnd type="triangle"/>
+          </a:ln>
+        </p:spPr>
+        <p:style>
+          <a:lnRef idx="3">
+            <a:schemeClr val="dk1"/>
+          </a:lnRef>
+          <a:fillRef idx="0">
+            <a:schemeClr val="dk1"/>
+          </a:fillRef>
+          <a:effectRef idx="2">
+            <a:schemeClr val="dk1"/>
+          </a:effectRef>
+          <a:fontRef idx="minor">
+            <a:schemeClr val="tx1"/>
+          </a:fontRef>
+        </p:style>
+      </p:cxnSp>
+      <p:sp>
+        <p:nvSpPr>
+          <p:cNvPr id="11" name="矩形 10"/>
+          <p:cNvSpPr/>
+          <p:nvPr/>
+        </p:nvSpPr>
+        <p:spPr>
+          <a:xfrm>
+            <a:off x="6871467" y="2044683"/>
+            <a:ext cx="5285421" cy="369332"/>
+          </a:xfrm>
+          <a:prstGeom prst="rect">
+            <a:avLst/>
+          </a:prstGeom>
+        </p:spPr>
+        <p:txBody>
+          <a:bodyPr wrap="none">
+            <a:spAutoFit/>
+          </a:bodyPr>
+          <a:lstStyle/>
+          <a:p>
+            <a:r>
+              <a:rPr lang="en-US" altLang="zh-TW" dirty="0" err="1">
+                <a:solidFill>
+                  <a:srgbClr val="000000"/>
+                </a:solidFill>
+                <a:latin typeface="Courier New" panose="02070309020205020404" pitchFamily="49" charset="0"/>
+              </a:rPr>
+              <a:t>plt.plot</a:t>
+            </a:r>
+            <a:r>
+              <a:rPr lang="en-US" altLang="zh-TW" dirty="0">
+                <a:solidFill>
+                  <a:srgbClr val="000000"/>
+                </a:solidFill>
+                <a:latin typeface="Courier New" panose="02070309020205020404" pitchFamily="49" charset="0"/>
+              </a:rPr>
+              <a:t>(x, y1,</a:t>
+            </a:r>
+            <a:r>
+              <a:rPr lang="en-US" altLang="zh-TW" dirty="0">
+                <a:solidFill>
+                  <a:srgbClr val="A31515"/>
+                </a:solidFill>
+                <a:latin typeface="Courier New" panose="02070309020205020404" pitchFamily="49" charset="0"/>
+              </a:rPr>
+              <a:t>"r--"</a:t>
+            </a:r>
+            <a:r>
+              <a:rPr lang="en-US" altLang="zh-TW" dirty="0">
+                <a:solidFill>
+                  <a:srgbClr val="000000"/>
+                </a:solidFill>
+                <a:latin typeface="Courier New" panose="02070309020205020404" pitchFamily="49" charset="0"/>
+              </a:rPr>
+              <a:t>,label=</a:t>
+            </a:r>
+            <a:r>
+              <a:rPr lang="en-US" altLang="zh-TW" dirty="0">
+                <a:solidFill>
+                  <a:srgbClr val="A31515"/>
+                </a:solidFill>
+                <a:latin typeface="Courier New" panose="02070309020205020404" pitchFamily="49" charset="0"/>
+              </a:rPr>
+              <a:t>"Line L"</a:t>
+            </a:r>
+            <a:r>
+              <a:rPr lang="en-US" altLang="zh-TW" dirty="0">
+                <a:solidFill>
+                  <a:srgbClr val="000000"/>
+                </a:solidFill>
+                <a:latin typeface="Courier New" panose="02070309020205020404" pitchFamily="49" charset="0"/>
+              </a:rPr>
+              <a:t>) </a:t>
+            </a:r>
+            <a:endParaRPr lang="en-US" altLang="zh-TW" b="0" dirty="0">
+              <a:solidFill>
+                <a:srgbClr val="000000"/>
+              </a:solidFill>
+              <a:effectLst/>
+              <a:latin typeface="Courier New" panose="02070309020205020404" pitchFamily="49" charset="0"/>
+            </a:endParaRPr>
+          </a:p>
+        </p:txBody>
+      </p:sp>
+    </p:spTree>
+    <p:extLst>
+      <p:ext uri="{BB962C8B-B14F-4D97-AF65-F5344CB8AC3E}">
+        <p14:creationId xmlns:p14="http://schemas.microsoft.com/office/powerpoint/2010/main" val="3841720690"/>
+      </p:ext>
+    </p:extLst>
+  </p:cSld>
+  <p:clrMapOvr>
+    <a:masterClrMapping/>
+  </p:clrMapOvr>
+  <p:timing>
+    <p:tnLst>
+      <p:par>
+        <p:cTn id="1" dur="indefinite" restart="never" nodeType="tmRoot"/>
+      </p:par>
+    </p:tnLst>
+  </p:timing>
+</p:sld>
+</file>
+
+<file path=ppt/slides/slide9.xml><?xml version="1.0" encoding="utf-8"?>
+<p:sld xmlns:a="http://schemas.openxmlformats.org/drawingml/2006/main" xmlns:r="http://schemas.openxmlformats.org/officeDocument/2006/relationships" xmlns:p="http://schemas.openxmlformats.org/presentationml/2006/main">
+  <p:cSld>
+    <p:spTree>
+      <p:nvGrpSpPr>
+        <p:cNvPr id="1" name=""/>
+        <p:cNvGrpSpPr/>
+        <p:nvPr/>
+      </p:nvGrpSpPr>
+      <p:grpSpPr>
+        <a:xfrm>
+          <a:off x="0" y="0"/>
+          <a:ext cx="0" cy="0"/>
+          <a:chOff x="0" y="0"/>
+          <a:chExt cx="0" cy="0"/>
+        </a:xfrm>
+      </p:grpSpPr>
       <p:sp>
         <p:nvSpPr>
           <p:cNvPr id="4" name="矩形 3"/>
@@ -5046,7 +11725,7 @@
         <p:spPr>
           <a:xfrm>
             <a:off x="498566" y="1076733"/>
-            <a:ext cx="6096000" cy="4801314"/>
+            <a:ext cx="6096000" cy="4524315"/>
           </a:xfrm>
           <a:prstGeom prst="rect">
             <a:avLst/>
@@ -5794,33 +12473,6 @@
               </a:rPr>
               <a:t>)  </a:t>
             </a:r>
-            <a:r>
-              <a:rPr lang="en-US" altLang="zh-TW" b="0" dirty="0" smtClean="0">
-                <a:solidFill>
-                  <a:srgbClr val="008000"/>
-                </a:solidFill>
-                <a:effectLst/>
-                <a:latin typeface="Courier New" panose="02070309020205020404" pitchFamily="49" charset="0"/>
-              </a:rPr>
-              <a:t>#--</a:t>
-            </a:r>
-            <a:r>
-              <a:rPr lang="zh-TW" altLang="en-US" b="0" dirty="0" smtClean="0">
-                <a:solidFill>
-                  <a:srgbClr val="008000"/>
-                </a:solidFill>
-                <a:effectLst/>
-                <a:latin typeface="Courier New" panose="02070309020205020404" pitchFamily="49" charset="0"/>
-              </a:rPr>
-              <a:t>虛線  紅色</a:t>
-            </a:r>
-            <a:endParaRPr lang="zh-TW" altLang="en-US" b="0" dirty="0" smtClean="0">
-              <a:solidFill>
-                <a:srgbClr val="000000"/>
-              </a:solidFill>
-              <a:effectLst/>
-              <a:latin typeface="Courier New" panose="02070309020205020404" pitchFamily="49" charset="0"/>
-            </a:endParaRPr>
           </a:p>
           <a:p>
             <a:r>
@@ -6145,8 +12797,8 @@
         </p:blipFill>
         <p:spPr>
           <a:xfrm>
-            <a:off x="6124484" y="1711687"/>
-            <a:ext cx="4776288" cy="3531405"/>
+            <a:off x="5758723" y="1244003"/>
+            <a:ext cx="6034735" cy="4461853"/>
           </a:xfrm>
           <a:prstGeom prst="rect">
             <a:avLst/>
@@ -6163,6 +12815,13 @@
   <p:clrMapOvr>
     <a:masterClrMapping/>
   </p:clrMapOvr>
+  <p:timing>
+    <p:tnLst>
+      <p:par>
+        <p:cTn id="1" dur="indefinite" restart="never" nodeType="tmRoot"/>
+      </p:par>
+    </p:tnLst>
+  </p:timing>
 </p:sld>
 </file>
 

--- a/簡報2.pptx
+++ b/簡報2.pptx
@@ -5,29 +5,30 @@
     <p:sldMasterId id="2147483648" r:id="rId1"/>
   </p:sldMasterIdLst>
   <p:sldIdLst>
-    <p:sldId id="256" r:id="rId2"/>
-    <p:sldId id="257" r:id="rId3"/>
-    <p:sldId id="259" r:id="rId4"/>
-    <p:sldId id="258" r:id="rId5"/>
-    <p:sldId id="260" r:id="rId6"/>
-    <p:sldId id="262" r:id="rId7"/>
-    <p:sldId id="268" r:id="rId8"/>
-    <p:sldId id="263" r:id="rId9"/>
-    <p:sldId id="261" r:id="rId10"/>
-    <p:sldId id="269" r:id="rId11"/>
-    <p:sldId id="264" r:id="rId12"/>
-    <p:sldId id="265" r:id="rId13"/>
-    <p:sldId id="266" r:id="rId14"/>
-    <p:sldId id="267" r:id="rId15"/>
-    <p:sldId id="270" r:id="rId16"/>
-    <p:sldId id="271" r:id="rId17"/>
-    <p:sldId id="272" r:id="rId18"/>
-    <p:sldId id="274" r:id="rId19"/>
-    <p:sldId id="273" r:id="rId20"/>
-    <p:sldId id="275" r:id="rId21"/>
-    <p:sldId id="276" r:id="rId22"/>
-    <p:sldId id="277" r:id="rId23"/>
-    <p:sldId id="278" r:id="rId24"/>
+    <p:sldId id="257" r:id="rId2"/>
+    <p:sldId id="259" r:id="rId3"/>
+    <p:sldId id="258" r:id="rId4"/>
+    <p:sldId id="260" r:id="rId5"/>
+    <p:sldId id="262" r:id="rId6"/>
+    <p:sldId id="268" r:id="rId7"/>
+    <p:sldId id="263" r:id="rId8"/>
+    <p:sldId id="261" r:id="rId9"/>
+    <p:sldId id="269" r:id="rId10"/>
+    <p:sldId id="264" r:id="rId11"/>
+    <p:sldId id="265" r:id="rId12"/>
+    <p:sldId id="266" r:id="rId13"/>
+    <p:sldId id="267" r:id="rId14"/>
+    <p:sldId id="270" r:id="rId15"/>
+    <p:sldId id="271" r:id="rId16"/>
+    <p:sldId id="272" r:id="rId17"/>
+    <p:sldId id="274" r:id="rId18"/>
+    <p:sldId id="273" r:id="rId19"/>
+    <p:sldId id="275" r:id="rId20"/>
+    <p:sldId id="276" r:id="rId21"/>
+    <p:sldId id="277" r:id="rId22"/>
+    <p:sldId id="278" r:id="rId23"/>
+    <p:sldId id="279" r:id="rId24"/>
+    <p:sldId id="280" r:id="rId25"/>
   </p:sldIdLst>
   <p:sldSz cx="12192000" cy="6858000"/>
   <p:notesSz cx="6858000" cy="9144000"/>
@@ -291,7 +292,7 @@
           <a:p>
             <a:fld id="{D95C14DF-673A-4C21-9880-B693E2F34FC8}" type="datetimeFigureOut">
               <a:rPr lang="zh-TW" altLang="en-US" smtClean="0"/>
-              <a:t>2020/10/19</a:t>
+              <a:t>2020/10/20</a:t>
             </a:fld>
             <a:endParaRPr lang="zh-TW" altLang="en-US"/>
           </a:p>
@@ -461,7 +462,7 @@
           <a:p>
             <a:fld id="{D95C14DF-673A-4C21-9880-B693E2F34FC8}" type="datetimeFigureOut">
               <a:rPr lang="zh-TW" altLang="en-US" smtClean="0"/>
-              <a:t>2020/10/19</a:t>
+              <a:t>2020/10/20</a:t>
             </a:fld>
             <a:endParaRPr lang="zh-TW" altLang="en-US"/>
           </a:p>
@@ -641,7 +642,7 @@
           <a:p>
             <a:fld id="{D95C14DF-673A-4C21-9880-B693E2F34FC8}" type="datetimeFigureOut">
               <a:rPr lang="zh-TW" altLang="en-US" smtClean="0"/>
-              <a:t>2020/10/19</a:t>
+              <a:t>2020/10/20</a:t>
             </a:fld>
             <a:endParaRPr lang="zh-TW" altLang="en-US"/>
           </a:p>
@@ -811,7 +812,7 @@
           <a:p>
             <a:fld id="{D95C14DF-673A-4C21-9880-B693E2F34FC8}" type="datetimeFigureOut">
               <a:rPr lang="zh-TW" altLang="en-US" smtClean="0"/>
-              <a:t>2020/10/19</a:t>
+              <a:t>2020/10/20</a:t>
             </a:fld>
             <a:endParaRPr lang="zh-TW" altLang="en-US"/>
           </a:p>
@@ -1057,7 +1058,7 @@
           <a:p>
             <a:fld id="{D95C14DF-673A-4C21-9880-B693E2F34FC8}" type="datetimeFigureOut">
               <a:rPr lang="zh-TW" altLang="en-US" smtClean="0"/>
-              <a:t>2020/10/19</a:t>
+              <a:t>2020/10/20</a:t>
             </a:fld>
             <a:endParaRPr lang="zh-TW" altLang="en-US"/>
           </a:p>
@@ -1289,7 +1290,7 @@
           <a:p>
             <a:fld id="{D95C14DF-673A-4C21-9880-B693E2F34FC8}" type="datetimeFigureOut">
               <a:rPr lang="zh-TW" altLang="en-US" smtClean="0"/>
-              <a:t>2020/10/19</a:t>
+              <a:t>2020/10/20</a:t>
             </a:fld>
             <a:endParaRPr lang="zh-TW" altLang="en-US"/>
           </a:p>
@@ -1656,7 +1657,7 @@
           <a:p>
             <a:fld id="{D95C14DF-673A-4C21-9880-B693E2F34FC8}" type="datetimeFigureOut">
               <a:rPr lang="zh-TW" altLang="en-US" smtClean="0"/>
-              <a:t>2020/10/19</a:t>
+              <a:t>2020/10/20</a:t>
             </a:fld>
             <a:endParaRPr lang="zh-TW" altLang="en-US"/>
           </a:p>
@@ -1774,7 +1775,7 @@
           <a:p>
             <a:fld id="{D95C14DF-673A-4C21-9880-B693E2F34FC8}" type="datetimeFigureOut">
               <a:rPr lang="zh-TW" altLang="en-US" smtClean="0"/>
-              <a:t>2020/10/19</a:t>
+              <a:t>2020/10/20</a:t>
             </a:fld>
             <a:endParaRPr lang="zh-TW" altLang="en-US"/>
           </a:p>
@@ -1869,7 +1870,7 @@
           <a:p>
             <a:fld id="{D95C14DF-673A-4C21-9880-B693E2F34FC8}" type="datetimeFigureOut">
               <a:rPr lang="zh-TW" altLang="en-US" smtClean="0"/>
-              <a:t>2020/10/19</a:t>
+              <a:t>2020/10/20</a:t>
             </a:fld>
             <a:endParaRPr lang="zh-TW" altLang="en-US"/>
           </a:p>
@@ -2146,7 +2147,7 @@
           <a:p>
             <a:fld id="{D95C14DF-673A-4C21-9880-B693E2F34FC8}" type="datetimeFigureOut">
               <a:rPr lang="zh-TW" altLang="en-US" smtClean="0"/>
-              <a:t>2020/10/19</a:t>
+              <a:t>2020/10/20</a:t>
             </a:fld>
             <a:endParaRPr lang="zh-TW" altLang="en-US"/>
           </a:p>
@@ -2399,7 +2400,7 @@
           <a:p>
             <a:fld id="{D95C14DF-673A-4C21-9880-B693E2F34FC8}" type="datetimeFigureOut">
               <a:rPr lang="zh-TW" altLang="en-US" smtClean="0"/>
-              <a:t>2020/10/19</a:t>
+              <a:t>2020/10/20</a:t>
             </a:fld>
             <a:endParaRPr lang="zh-TW" altLang="en-US"/>
           </a:p>
@@ -2612,7 +2613,7 @@
           <a:p>
             <a:fld id="{D95C14DF-673A-4C21-9880-B693E2F34FC8}" type="datetimeFigureOut">
               <a:rPr lang="zh-TW" altLang="en-US" smtClean="0"/>
-              <a:t>2020/10/19</a:t>
+              <a:t>2020/10/20</a:t>
             </a:fld>
             <a:endParaRPr lang="zh-TW" altLang="en-US"/>
           </a:p>
@@ -3003,6 +3004,14 @@
 <file path=ppt/slides/slide1.xml><?xml version="1.0" encoding="utf-8"?>
 <p:sld xmlns:a="http://schemas.openxmlformats.org/drawingml/2006/main" xmlns:r="http://schemas.openxmlformats.org/officeDocument/2006/relationships" xmlns:p="http://schemas.openxmlformats.org/presentationml/2006/main">
   <p:cSld>
+    <p:bg>
+      <p:bgPr>
+        <a:solidFill>
+          <a:schemeClr val="accent1"/>
+        </a:solidFill>
+        <a:effectLst/>
+      </p:bgPr>
+    </p:bg>
     <p:spTree>
       <p:nvGrpSpPr>
         <p:cNvPr id="1" name=""/>
@@ -3019,75 +3028,7 @@
       </p:grpSpPr>
       <p:sp>
         <p:nvSpPr>
-          <p:cNvPr id="2" name="標題 1"/>
-          <p:cNvSpPr>
-            <a:spLocks noGrp="1"/>
-          </p:cNvSpPr>
-          <p:nvPr>
-            <p:ph type="ctrTitle"/>
-          </p:nvPr>
-        </p:nvSpPr>
-        <p:spPr/>
-        <p:txBody>
-          <a:bodyPr/>
-          <a:lstStyle/>
-          <a:p>
-            <a:endParaRPr lang="zh-TW" altLang="en-US" dirty="0"/>
-          </a:p>
-        </p:txBody>
-      </p:sp>
-      <p:sp>
-        <p:nvSpPr>
-          <p:cNvPr id="3" name="副標題 2"/>
-          <p:cNvSpPr>
-            <a:spLocks noGrp="1"/>
-          </p:cNvSpPr>
-          <p:nvPr>
-            <p:ph type="subTitle" idx="1"/>
-          </p:nvPr>
-        </p:nvSpPr>
-        <p:spPr/>
-        <p:txBody>
-          <a:bodyPr/>
-          <a:lstStyle/>
-          <a:p>
-            <a:endParaRPr lang="zh-TW" altLang="en-US"/>
-          </a:p>
-        </p:txBody>
-      </p:sp>
-    </p:spTree>
-    <p:extLst>
-      <p:ext uri="{BB962C8B-B14F-4D97-AF65-F5344CB8AC3E}">
-        <p14:creationId xmlns:p14="http://schemas.microsoft.com/office/powerpoint/2010/main" val="1414934277"/>
-      </p:ext>
-    </p:extLst>
-  </p:cSld>
-  <p:clrMapOvr>
-    <a:masterClrMapping/>
-  </p:clrMapOvr>
-</p:sld>
-</file>
-
-<file path=ppt/slides/slide10.xml><?xml version="1.0" encoding="utf-8"?>
-<p:sld xmlns:a="http://schemas.openxmlformats.org/drawingml/2006/main" xmlns:r="http://schemas.openxmlformats.org/officeDocument/2006/relationships" xmlns:p="http://schemas.openxmlformats.org/presentationml/2006/main">
-  <p:cSld>
-    <p:spTree>
-      <p:nvGrpSpPr>
-        <p:cNvPr id="1" name=""/>
-        <p:cNvGrpSpPr/>
-        <p:nvPr/>
-      </p:nvGrpSpPr>
-      <p:grpSpPr>
-        <a:xfrm>
-          <a:off x="0" y="0"/>
-          <a:ext cx="0" cy="0"/>
-          <a:chOff x="0" y="0"/>
-          <a:chExt cx="0" cy="0"/>
-        </a:xfrm>
-      </p:grpSpPr>
-      <p:sp>
-        <p:nvSpPr>
-          <p:cNvPr id="2" name="標題 1"/>
+          <p:cNvPr id="6" name="標題 5"/>
           <p:cNvSpPr>
             <a:spLocks noGrp="1"/>
           </p:cNvSpPr>
@@ -3097,1115 +3038,182 @@
         </p:nvSpPr>
         <p:spPr>
           <a:xfrm>
-            <a:off x="606552" y="175317"/>
+            <a:off x="694508" y="2820943"/>
             <a:ext cx="10515600" cy="1325563"/>
           </a:xfrm>
         </p:spPr>
         <p:txBody>
-          <a:bodyPr/>
-          <a:lstStyle/>
-          <a:p>
-            <a:r>
-              <a:rPr lang="zh-TW" altLang="en-US" dirty="0" smtClean="0"/>
-              <a:t>補充</a:t>
-            </a:r>
-            <a:r>
-              <a:rPr lang="en-US" altLang="zh-TW" dirty="0" smtClean="0"/>
-              <a:t>:</a:t>
-            </a:r>
-            <a:endParaRPr lang="zh-TW" altLang="en-US" dirty="0"/>
-          </a:p>
-        </p:txBody>
-      </p:sp>
-      <p:graphicFrame>
-        <p:nvGraphicFramePr>
-          <p:cNvPr id="4" name="表格 3"/>
-          <p:cNvGraphicFramePr>
-            <a:graphicFrameLocks noGrp="1"/>
-          </p:cNvGraphicFramePr>
-          <p:nvPr>
-            <p:extLst>
-              <p:ext uri="{D42A27DB-BD31-4B8C-83A1-F6EECF244321}">
-                <p14:modId xmlns:p14="http://schemas.microsoft.com/office/powerpoint/2010/main" val="3769571097"/>
-              </p:ext>
-            </p:extLst>
-          </p:nvPr>
-        </p:nvGraphicFramePr>
-        <p:xfrm>
-          <a:off x="7266432" y="1966545"/>
-          <a:ext cx="2153328" cy="3291840"/>
-        </p:xfrm>
-        <a:graphic>
-          <a:graphicData uri="http://schemas.openxmlformats.org/drawingml/2006/table">
-            <a:tbl>
-              <a:tblPr/>
-              <a:tblGrid>
-                <a:gridCol w="1076664"/>
-                <a:gridCol w="1076664"/>
-              </a:tblGrid>
-              <a:tr h="0">
-                <a:tc>
-                  <a:txBody>
-                    <a:bodyPr/>
-                    <a:lstStyle/>
-                    <a:p>
-                      <a:r>
-                        <a:rPr lang="en-US" dirty="0">
-                          <a:effectLst/>
-                        </a:rPr>
-                        <a:t>character</a:t>
-                      </a:r>
-                    </a:p>
-                  </a:txBody>
-                  <a:tcPr anchor="ctr">
-                    <a:lnL>
-                      <a:noFill/>
-                    </a:lnL>
-                    <a:lnR>
-                      <a:noFill/>
-                    </a:lnR>
-                    <a:lnT>
-                      <a:noFill/>
-                    </a:lnT>
-                    <a:lnB>
-                      <a:noFill/>
-                    </a:lnB>
-                    <a:solidFill>
-                      <a:srgbClr val="F0F0F0"/>
-                    </a:solidFill>
-                  </a:tcPr>
-                </a:tc>
-                <a:tc>
-                  <a:txBody>
-                    <a:bodyPr/>
-                    <a:lstStyle/>
-                    <a:p>
-                      <a:r>
-                        <a:rPr lang="en-US">
-                          <a:effectLst/>
-                        </a:rPr>
-                        <a:t>color</a:t>
-                      </a:r>
-                    </a:p>
-                  </a:txBody>
-                  <a:tcPr anchor="ctr">
-                    <a:lnL>
-                      <a:noFill/>
-                    </a:lnL>
-                    <a:lnR>
-                      <a:noFill/>
-                    </a:lnR>
-                    <a:lnT>
-                      <a:noFill/>
-                    </a:lnT>
-                    <a:lnB>
-                      <a:noFill/>
-                    </a:lnB>
-                    <a:solidFill>
-                      <a:srgbClr val="F0F0F0"/>
-                    </a:solidFill>
-                  </a:tcPr>
-                </a:tc>
-              </a:tr>
-              <a:tr h="0">
-                <a:tc>
-                  <a:txBody>
-                    <a:bodyPr/>
-                    <a:lstStyle/>
-                    <a:p>
-                      <a:r>
-                        <a:rPr lang="en-US">
-                          <a:effectLst/>
-                        </a:rPr>
-                        <a:t>'b'</a:t>
-                      </a:r>
-                    </a:p>
-                  </a:txBody>
-                  <a:tcPr anchor="ctr">
-                    <a:lnL>
-                      <a:noFill/>
-                    </a:lnL>
-                    <a:lnR>
-                      <a:noFill/>
-                    </a:lnR>
-                    <a:lnT>
-                      <a:noFill/>
-                    </a:lnT>
-                    <a:lnB>
-                      <a:noFill/>
-                    </a:lnB>
-                    <a:solidFill>
-                      <a:srgbClr val="FFFFFF"/>
-                    </a:solidFill>
-                  </a:tcPr>
-                </a:tc>
-                <a:tc>
-                  <a:txBody>
-                    <a:bodyPr/>
-                    <a:lstStyle/>
-                    <a:p>
-                      <a:r>
-                        <a:rPr lang="en-US" dirty="0">
-                          <a:effectLst/>
-                        </a:rPr>
-                        <a:t>blue</a:t>
-                      </a:r>
-                    </a:p>
-                  </a:txBody>
-                  <a:tcPr anchor="ctr">
-                    <a:lnL>
-                      <a:noFill/>
-                    </a:lnL>
-                    <a:lnR>
-                      <a:noFill/>
-                    </a:lnR>
-                    <a:lnT>
-                      <a:noFill/>
-                    </a:lnT>
-                    <a:lnB>
-                      <a:noFill/>
-                    </a:lnB>
-                    <a:solidFill>
-                      <a:srgbClr val="FFFFFF"/>
-                    </a:solidFill>
-                  </a:tcPr>
-                </a:tc>
-              </a:tr>
-              <a:tr h="0">
-                <a:tc>
-                  <a:txBody>
-                    <a:bodyPr/>
-                    <a:lstStyle/>
-                    <a:p>
-                      <a:r>
-                        <a:rPr lang="en-US" dirty="0">
-                          <a:effectLst/>
-                        </a:rPr>
-                        <a:t>'g'</a:t>
-                      </a:r>
-                    </a:p>
-                  </a:txBody>
-                  <a:tcPr anchor="ctr">
-                    <a:lnL>
-                      <a:noFill/>
-                    </a:lnL>
-                    <a:lnR>
-                      <a:noFill/>
-                    </a:lnR>
-                    <a:lnT>
-                      <a:noFill/>
-                    </a:lnT>
-                    <a:lnB>
-                      <a:noFill/>
-                    </a:lnB>
-                    <a:solidFill>
-                      <a:srgbClr val="FFFFFF"/>
-                    </a:solidFill>
-                  </a:tcPr>
-                </a:tc>
-                <a:tc>
-                  <a:txBody>
-                    <a:bodyPr/>
-                    <a:lstStyle/>
-                    <a:p>
-                      <a:r>
-                        <a:rPr lang="en-US" dirty="0">
-                          <a:effectLst/>
-                        </a:rPr>
-                        <a:t>green</a:t>
-                      </a:r>
-                    </a:p>
-                  </a:txBody>
-                  <a:tcPr anchor="ctr">
-                    <a:lnL>
-                      <a:noFill/>
-                    </a:lnL>
-                    <a:lnR>
-                      <a:noFill/>
-                    </a:lnR>
-                    <a:lnT>
-                      <a:noFill/>
-                    </a:lnT>
-                    <a:lnB>
-                      <a:noFill/>
-                    </a:lnB>
-                    <a:solidFill>
-                      <a:srgbClr val="FFFFFF"/>
-                    </a:solidFill>
-                  </a:tcPr>
-                </a:tc>
-              </a:tr>
-              <a:tr h="0">
-                <a:tc>
-                  <a:txBody>
-                    <a:bodyPr/>
-                    <a:lstStyle/>
-                    <a:p>
-                      <a:r>
-                        <a:rPr lang="en-US" dirty="0">
-                          <a:effectLst/>
-                        </a:rPr>
-                        <a:t>'r'</a:t>
-                      </a:r>
-                    </a:p>
-                  </a:txBody>
-                  <a:tcPr anchor="ctr">
-                    <a:lnL>
-                      <a:noFill/>
-                    </a:lnL>
-                    <a:lnR>
-                      <a:noFill/>
-                    </a:lnR>
-                    <a:lnT>
-                      <a:noFill/>
-                    </a:lnT>
-                    <a:lnB>
-                      <a:noFill/>
-                    </a:lnB>
-                    <a:solidFill>
-                      <a:srgbClr val="FFFFFF"/>
-                    </a:solidFill>
-                  </a:tcPr>
-                </a:tc>
-                <a:tc>
-                  <a:txBody>
-                    <a:bodyPr/>
-                    <a:lstStyle/>
-                    <a:p>
-                      <a:r>
-                        <a:rPr lang="en-US" dirty="0">
-                          <a:effectLst/>
-                        </a:rPr>
-                        <a:t>red</a:t>
-                      </a:r>
-                    </a:p>
-                  </a:txBody>
-                  <a:tcPr anchor="ctr">
-                    <a:lnL>
-                      <a:noFill/>
-                    </a:lnL>
-                    <a:lnR>
-                      <a:noFill/>
-                    </a:lnR>
-                    <a:lnT>
-                      <a:noFill/>
-                    </a:lnT>
-                    <a:lnB>
-                      <a:noFill/>
-                    </a:lnB>
-                    <a:solidFill>
-                      <a:srgbClr val="FFFFFF"/>
-                    </a:solidFill>
-                  </a:tcPr>
-                </a:tc>
-              </a:tr>
-              <a:tr h="0">
-                <a:tc>
-                  <a:txBody>
-                    <a:bodyPr/>
-                    <a:lstStyle/>
-                    <a:p>
-                      <a:r>
-                        <a:rPr lang="en-US" dirty="0">
-                          <a:effectLst/>
-                        </a:rPr>
-                        <a:t>'c'</a:t>
-                      </a:r>
-                    </a:p>
-                  </a:txBody>
-                  <a:tcPr anchor="ctr">
-                    <a:lnL>
-                      <a:noFill/>
-                    </a:lnL>
-                    <a:lnR>
-                      <a:noFill/>
-                    </a:lnR>
-                    <a:lnT>
-                      <a:noFill/>
-                    </a:lnT>
-                    <a:lnB>
-                      <a:noFill/>
-                    </a:lnB>
-                    <a:solidFill>
-                      <a:srgbClr val="FFFFFF"/>
-                    </a:solidFill>
-                  </a:tcPr>
-                </a:tc>
-                <a:tc>
-                  <a:txBody>
-                    <a:bodyPr/>
-                    <a:lstStyle/>
-                    <a:p>
-                      <a:r>
-                        <a:rPr lang="en-US" dirty="0">
-                          <a:effectLst/>
-                        </a:rPr>
-                        <a:t>cyan</a:t>
-                      </a:r>
-                    </a:p>
-                  </a:txBody>
-                  <a:tcPr anchor="ctr">
-                    <a:lnL>
-                      <a:noFill/>
-                    </a:lnL>
-                    <a:lnR>
-                      <a:noFill/>
-                    </a:lnR>
-                    <a:lnT>
-                      <a:noFill/>
-                    </a:lnT>
-                    <a:lnB>
-                      <a:noFill/>
-                    </a:lnB>
-                    <a:solidFill>
-                      <a:srgbClr val="FFFFFF"/>
-                    </a:solidFill>
-                  </a:tcPr>
-                </a:tc>
-              </a:tr>
-              <a:tr h="0">
-                <a:tc>
-                  <a:txBody>
-                    <a:bodyPr/>
-                    <a:lstStyle/>
-                    <a:p>
-                      <a:r>
-                        <a:rPr lang="en-US">
-                          <a:effectLst/>
-                        </a:rPr>
-                        <a:t>'m'</a:t>
-                      </a:r>
-                    </a:p>
-                  </a:txBody>
-                  <a:tcPr anchor="ctr">
-                    <a:lnL>
-                      <a:noFill/>
-                    </a:lnL>
-                    <a:lnR>
-                      <a:noFill/>
-                    </a:lnR>
-                    <a:lnT>
-                      <a:noFill/>
-                    </a:lnT>
-                    <a:lnB>
-                      <a:noFill/>
-                    </a:lnB>
-                    <a:solidFill>
-                      <a:srgbClr val="FFFFFF"/>
-                    </a:solidFill>
-                  </a:tcPr>
-                </a:tc>
-                <a:tc>
-                  <a:txBody>
-                    <a:bodyPr/>
-                    <a:lstStyle/>
-                    <a:p>
-                      <a:r>
-                        <a:rPr lang="en-US" dirty="0">
-                          <a:effectLst/>
-                        </a:rPr>
-                        <a:t>magenta</a:t>
-                      </a:r>
-                    </a:p>
-                  </a:txBody>
-                  <a:tcPr anchor="ctr">
-                    <a:lnL>
-                      <a:noFill/>
-                    </a:lnL>
-                    <a:lnR>
-                      <a:noFill/>
-                    </a:lnR>
-                    <a:lnT>
-                      <a:noFill/>
-                    </a:lnT>
-                    <a:lnB>
-                      <a:noFill/>
-                    </a:lnB>
-                    <a:solidFill>
-                      <a:srgbClr val="FFFFFF"/>
-                    </a:solidFill>
-                  </a:tcPr>
-                </a:tc>
-              </a:tr>
-              <a:tr h="0">
-                <a:tc>
-                  <a:txBody>
-                    <a:bodyPr/>
-                    <a:lstStyle/>
-                    <a:p>
-                      <a:r>
-                        <a:rPr lang="en-US">
-                          <a:effectLst/>
-                        </a:rPr>
-                        <a:t>'y'</a:t>
-                      </a:r>
-                    </a:p>
-                  </a:txBody>
-                  <a:tcPr anchor="ctr">
-                    <a:lnL>
-                      <a:noFill/>
-                    </a:lnL>
-                    <a:lnR>
-                      <a:noFill/>
-                    </a:lnR>
-                    <a:lnT>
-                      <a:noFill/>
-                    </a:lnT>
-                    <a:lnB>
-                      <a:noFill/>
-                    </a:lnB>
-                    <a:solidFill>
-                      <a:srgbClr val="FFFFFF"/>
-                    </a:solidFill>
-                  </a:tcPr>
-                </a:tc>
-                <a:tc>
-                  <a:txBody>
-                    <a:bodyPr/>
-                    <a:lstStyle/>
-                    <a:p>
-                      <a:r>
-                        <a:rPr lang="en-US">
-                          <a:effectLst/>
-                        </a:rPr>
-                        <a:t>yellow</a:t>
-                      </a:r>
-                    </a:p>
-                  </a:txBody>
-                  <a:tcPr anchor="ctr">
-                    <a:lnL>
-                      <a:noFill/>
-                    </a:lnL>
-                    <a:lnR>
-                      <a:noFill/>
-                    </a:lnR>
-                    <a:lnT>
-                      <a:noFill/>
-                    </a:lnT>
-                    <a:lnB>
-                      <a:noFill/>
-                    </a:lnB>
-                    <a:solidFill>
-                      <a:srgbClr val="FFFFFF"/>
-                    </a:solidFill>
-                  </a:tcPr>
-                </a:tc>
-              </a:tr>
-              <a:tr h="0">
-                <a:tc>
-                  <a:txBody>
-                    <a:bodyPr/>
-                    <a:lstStyle/>
-                    <a:p>
-                      <a:r>
-                        <a:rPr lang="en-US">
-                          <a:effectLst/>
-                        </a:rPr>
-                        <a:t>'k'</a:t>
-                      </a:r>
-                    </a:p>
-                  </a:txBody>
-                  <a:tcPr anchor="ctr">
-                    <a:lnL>
-                      <a:noFill/>
-                    </a:lnL>
-                    <a:lnR>
-                      <a:noFill/>
-                    </a:lnR>
-                    <a:lnT>
-                      <a:noFill/>
-                    </a:lnT>
-                    <a:lnB>
-                      <a:noFill/>
-                    </a:lnB>
-                    <a:solidFill>
-                      <a:srgbClr val="FFFFFF"/>
-                    </a:solidFill>
-                  </a:tcPr>
-                </a:tc>
-                <a:tc>
-                  <a:txBody>
-                    <a:bodyPr/>
-                    <a:lstStyle/>
-                    <a:p>
-                      <a:r>
-                        <a:rPr lang="en-US">
-                          <a:effectLst/>
-                        </a:rPr>
-                        <a:t>black</a:t>
-                      </a:r>
-                    </a:p>
-                  </a:txBody>
-                  <a:tcPr anchor="ctr">
-                    <a:lnL>
-                      <a:noFill/>
-                    </a:lnL>
-                    <a:lnR>
-                      <a:noFill/>
-                    </a:lnR>
-                    <a:lnT>
-                      <a:noFill/>
-                    </a:lnT>
-                    <a:lnB>
-                      <a:noFill/>
-                    </a:lnB>
-                    <a:solidFill>
-                      <a:srgbClr val="FFFFFF"/>
-                    </a:solidFill>
-                  </a:tcPr>
-                </a:tc>
-              </a:tr>
-              <a:tr h="0">
-                <a:tc>
-                  <a:txBody>
-                    <a:bodyPr/>
-                    <a:lstStyle/>
-                    <a:p>
-                      <a:r>
-                        <a:rPr lang="en-US" dirty="0">
-                          <a:effectLst/>
-                        </a:rPr>
-                        <a:t>'w'</a:t>
-                      </a:r>
-                    </a:p>
-                  </a:txBody>
-                  <a:tcPr anchor="ctr">
-                    <a:lnL>
-                      <a:noFill/>
-                    </a:lnL>
-                    <a:lnR>
-                      <a:noFill/>
-                    </a:lnR>
-                    <a:lnT>
-                      <a:noFill/>
-                    </a:lnT>
-                    <a:lnB>
-                      <a:noFill/>
-                    </a:lnB>
-                    <a:solidFill>
-                      <a:srgbClr val="FFFFFF"/>
-                    </a:solidFill>
-                  </a:tcPr>
-                </a:tc>
-                <a:tc>
-                  <a:txBody>
-                    <a:bodyPr/>
-                    <a:lstStyle/>
-                    <a:p>
-                      <a:r>
-                        <a:rPr lang="en-US" dirty="0">
-                          <a:effectLst/>
-                        </a:rPr>
-                        <a:t>white</a:t>
-                      </a:r>
-                    </a:p>
-                  </a:txBody>
-                  <a:tcPr anchor="ctr">
-                    <a:lnL>
-                      <a:noFill/>
-                    </a:lnL>
-                    <a:lnR>
-                      <a:noFill/>
-                    </a:lnR>
-                    <a:lnT>
-                      <a:noFill/>
-                    </a:lnT>
-                    <a:lnB>
-                      <a:noFill/>
-                    </a:lnB>
-                    <a:solidFill>
-                      <a:srgbClr val="FFFFFF"/>
-                    </a:solidFill>
-                  </a:tcPr>
-                </a:tc>
-              </a:tr>
-            </a:tbl>
-          </a:graphicData>
-        </a:graphic>
-      </p:graphicFrame>
-      <p:graphicFrame>
-        <p:nvGraphicFramePr>
-          <p:cNvPr id="7" name="表格 6"/>
-          <p:cNvGraphicFramePr>
-            <a:graphicFrameLocks noGrp="1"/>
-          </p:cNvGraphicFramePr>
-          <p:nvPr>
-            <p:extLst>
-              <p:ext uri="{D42A27DB-BD31-4B8C-83A1-F6EECF244321}">
-                <p14:modId xmlns:p14="http://schemas.microsoft.com/office/powerpoint/2010/main" val="2817865593"/>
-              </p:ext>
-            </p:extLst>
-          </p:nvPr>
-        </p:nvGraphicFramePr>
-        <p:xfrm>
-          <a:off x="2255520" y="2878145"/>
-          <a:ext cx="3458226" cy="2103120"/>
-        </p:xfrm>
-        <a:graphic>
-          <a:graphicData uri="http://schemas.openxmlformats.org/drawingml/2006/table">
-            <a:tbl>
-              <a:tblPr/>
-              <a:tblGrid>
-                <a:gridCol w="1037467"/>
-                <a:gridCol w="2420759"/>
-              </a:tblGrid>
-              <a:tr h="0">
-                <a:tc>
-                  <a:txBody>
-                    <a:bodyPr/>
-                    <a:lstStyle/>
-                    <a:p>
-                      <a:r>
-                        <a:rPr lang="en-US" dirty="0">
-                          <a:effectLst/>
-                        </a:rPr>
-                        <a:t>character</a:t>
-                      </a:r>
-                    </a:p>
-                  </a:txBody>
-                  <a:tcPr anchor="ctr">
-                    <a:lnL>
-                      <a:noFill/>
-                    </a:lnL>
-                    <a:lnR>
-                      <a:noFill/>
-                    </a:lnR>
-                    <a:lnT>
-                      <a:noFill/>
-                    </a:lnT>
-                    <a:lnB>
-                      <a:noFill/>
-                    </a:lnB>
-                    <a:solidFill>
-                      <a:srgbClr val="F0F0F0"/>
-                    </a:solidFill>
-                  </a:tcPr>
-                </a:tc>
-                <a:tc>
-                  <a:txBody>
-                    <a:bodyPr/>
-                    <a:lstStyle/>
-                    <a:p>
-                      <a:r>
-                        <a:rPr lang="en-US" dirty="0">
-                          <a:effectLst/>
-                        </a:rPr>
-                        <a:t>description</a:t>
-                      </a:r>
-                    </a:p>
-                  </a:txBody>
-                  <a:tcPr anchor="ctr">
-                    <a:lnL>
-                      <a:noFill/>
-                    </a:lnL>
-                    <a:lnR>
-                      <a:noFill/>
-                    </a:lnR>
-                    <a:lnT>
-                      <a:noFill/>
-                    </a:lnT>
-                    <a:lnB>
-                      <a:noFill/>
-                    </a:lnB>
-                    <a:lnTlToBr w="12700" cmpd="sng">
-                      <a:noFill/>
-                      <a:prstDash val="solid"/>
-                    </a:lnTlToBr>
-                    <a:lnBlToTr w="12700" cmpd="sng">
-                      <a:noFill/>
-                      <a:prstDash val="solid"/>
-                    </a:lnBlToTr>
-                    <a:solidFill>
-                      <a:srgbClr val="F0F0F0"/>
-                    </a:solidFill>
-                  </a:tcPr>
-                </a:tc>
-              </a:tr>
-              <a:tr h="0">
-                <a:tc>
-                  <a:txBody>
-                    <a:bodyPr/>
-                    <a:lstStyle/>
-                    <a:p>
-                      <a:r>
-                        <a:rPr lang="en-US" altLang="zh-TW">
-                          <a:effectLst/>
-                        </a:rPr>
-                        <a:t>'-'</a:t>
-                      </a:r>
-                    </a:p>
-                  </a:txBody>
-                  <a:tcPr anchor="ctr">
-                    <a:lnL>
-                      <a:noFill/>
-                    </a:lnL>
-                    <a:lnR>
-                      <a:noFill/>
-                    </a:lnR>
-                    <a:lnT>
-                      <a:noFill/>
-                    </a:lnT>
-                    <a:lnB>
-                      <a:noFill/>
-                    </a:lnB>
-                    <a:solidFill>
-                      <a:srgbClr val="FFFFFF"/>
-                    </a:solidFill>
-                  </a:tcPr>
-                </a:tc>
-                <a:tc>
-                  <a:txBody>
-                    <a:bodyPr/>
-                    <a:lstStyle/>
-                    <a:p>
-                      <a:r>
-                        <a:rPr lang="en-US" dirty="0">
-                          <a:effectLst/>
-                        </a:rPr>
-                        <a:t>solid line style</a:t>
-                      </a:r>
-                    </a:p>
-                  </a:txBody>
-                  <a:tcPr anchor="ctr">
-                    <a:lnL>
-                      <a:noFill/>
-                    </a:lnL>
-                    <a:lnR>
-                      <a:noFill/>
-                    </a:lnR>
-                    <a:lnT>
-                      <a:noFill/>
-                    </a:lnT>
-                    <a:lnB>
-                      <a:noFill/>
-                    </a:lnB>
-                    <a:lnTlToBr w="12700" cmpd="sng">
-                      <a:noFill/>
-                      <a:prstDash val="solid"/>
-                    </a:lnTlToBr>
-                    <a:lnBlToTr w="12700" cmpd="sng">
-                      <a:noFill/>
-                      <a:prstDash val="solid"/>
-                    </a:lnBlToTr>
-                    <a:solidFill>
-                      <a:srgbClr val="FFFFFF"/>
-                    </a:solidFill>
-                  </a:tcPr>
-                </a:tc>
-              </a:tr>
-              <a:tr h="0">
-                <a:tc>
-                  <a:txBody>
-                    <a:bodyPr/>
-                    <a:lstStyle/>
-                    <a:p>
-                      <a:r>
-                        <a:rPr lang="en-US" altLang="zh-TW">
-                          <a:effectLst/>
-                        </a:rPr>
-                        <a:t>'--'</a:t>
-                      </a:r>
-                    </a:p>
-                  </a:txBody>
-                  <a:tcPr anchor="ctr">
-                    <a:lnL>
-                      <a:noFill/>
-                    </a:lnL>
-                    <a:lnR>
-                      <a:noFill/>
-                    </a:lnR>
-                    <a:lnT>
-                      <a:noFill/>
-                    </a:lnT>
-                    <a:lnB>
-                      <a:noFill/>
-                    </a:lnB>
-                    <a:solidFill>
-                      <a:srgbClr val="FFFFFF"/>
-                    </a:solidFill>
-                  </a:tcPr>
-                </a:tc>
-                <a:tc>
-                  <a:txBody>
-                    <a:bodyPr/>
-                    <a:lstStyle/>
-                    <a:p>
-                      <a:r>
-                        <a:rPr lang="en-US">
-                          <a:effectLst/>
-                        </a:rPr>
-                        <a:t>dashed line style</a:t>
-                      </a:r>
-                    </a:p>
-                  </a:txBody>
-                  <a:tcPr anchor="ctr">
-                    <a:lnL>
-                      <a:noFill/>
-                    </a:lnL>
-                    <a:lnR>
-                      <a:noFill/>
-                    </a:lnR>
-                    <a:lnT>
-                      <a:noFill/>
-                    </a:lnT>
-                    <a:lnB>
-                      <a:noFill/>
-                    </a:lnB>
-                    <a:lnTlToBr w="12700" cmpd="sng">
-                      <a:noFill/>
-                      <a:prstDash val="solid"/>
-                    </a:lnTlToBr>
-                    <a:lnBlToTr w="12700" cmpd="sng">
-                      <a:noFill/>
-                      <a:prstDash val="solid"/>
-                    </a:lnBlToTr>
-                    <a:solidFill>
-                      <a:srgbClr val="FFFFFF"/>
-                    </a:solidFill>
-                  </a:tcPr>
-                </a:tc>
-              </a:tr>
-              <a:tr h="0">
-                <a:tc>
-                  <a:txBody>
-                    <a:bodyPr/>
-                    <a:lstStyle/>
-                    <a:p>
-                      <a:r>
-                        <a:rPr lang="en-US" altLang="zh-TW">
-                          <a:effectLst/>
-                        </a:rPr>
-                        <a:t>'-.'</a:t>
-                      </a:r>
-                    </a:p>
-                  </a:txBody>
-                  <a:tcPr anchor="ctr">
-                    <a:lnL>
-                      <a:noFill/>
-                    </a:lnL>
-                    <a:lnR>
-                      <a:noFill/>
-                    </a:lnR>
-                    <a:lnT>
-                      <a:noFill/>
-                    </a:lnT>
-                    <a:lnB>
-                      <a:noFill/>
-                    </a:lnB>
-                    <a:solidFill>
-                      <a:srgbClr val="FFFFFF"/>
-                    </a:solidFill>
-                  </a:tcPr>
-                </a:tc>
-                <a:tc>
-                  <a:txBody>
-                    <a:bodyPr/>
-                    <a:lstStyle/>
-                    <a:p>
-                      <a:r>
-                        <a:rPr lang="en-US">
-                          <a:effectLst/>
-                        </a:rPr>
-                        <a:t>dash-dot line style</a:t>
-                      </a:r>
-                    </a:p>
-                  </a:txBody>
-                  <a:tcPr anchor="ctr">
-                    <a:lnL>
-                      <a:noFill/>
-                    </a:lnL>
-                    <a:lnR>
-                      <a:noFill/>
-                    </a:lnR>
-                    <a:lnT>
-                      <a:noFill/>
-                    </a:lnT>
-                    <a:lnB>
-                      <a:noFill/>
-                    </a:lnB>
-                    <a:lnTlToBr w="12700" cmpd="sng">
-                      <a:noFill/>
-                      <a:prstDash val="solid"/>
-                    </a:lnTlToBr>
-                    <a:lnBlToTr w="12700" cmpd="sng">
-                      <a:noFill/>
-                      <a:prstDash val="solid"/>
-                    </a:lnBlToTr>
-                    <a:solidFill>
-                      <a:srgbClr val="FFFFFF"/>
-                    </a:solidFill>
-                  </a:tcPr>
-                </a:tc>
-              </a:tr>
-              <a:tr h="0">
-                <a:tc>
-                  <a:txBody>
-                    <a:bodyPr/>
-                    <a:lstStyle/>
-                    <a:p>
-                      <a:r>
-                        <a:rPr lang="en-US" altLang="zh-TW">
-                          <a:effectLst/>
-                        </a:rPr>
-                        <a:t>':'</a:t>
-                      </a:r>
-                    </a:p>
-                  </a:txBody>
-                  <a:tcPr anchor="ctr">
-                    <a:lnL>
-                      <a:noFill/>
-                    </a:lnL>
-                    <a:lnR>
-                      <a:noFill/>
-                    </a:lnR>
-                    <a:lnT>
-                      <a:noFill/>
-                    </a:lnT>
-                    <a:lnB>
-                      <a:noFill/>
-                    </a:lnB>
-                    <a:solidFill>
-                      <a:srgbClr val="FFFFFF"/>
-                    </a:solidFill>
-                  </a:tcPr>
-                </a:tc>
-                <a:tc>
-                  <a:txBody>
-                    <a:bodyPr/>
-                    <a:lstStyle/>
-                    <a:p>
-                      <a:r>
-                        <a:rPr lang="en-US" dirty="0">
-                          <a:effectLst/>
-                        </a:rPr>
-                        <a:t>dotted line style</a:t>
-                      </a:r>
-                    </a:p>
-                  </a:txBody>
-                  <a:tcPr anchor="ctr">
-                    <a:lnL>
-                      <a:noFill/>
-                    </a:lnL>
-                    <a:lnR>
-                      <a:noFill/>
-                    </a:lnR>
-                    <a:lnT>
-                      <a:noFill/>
-                    </a:lnT>
-                    <a:lnB>
-                      <a:noFill/>
-                    </a:lnB>
-                    <a:lnTlToBr w="12700" cmpd="sng">
-                      <a:noFill/>
-                      <a:prstDash val="solid"/>
-                    </a:lnTlToBr>
-                    <a:lnBlToTr w="12700" cmpd="sng">
-                      <a:noFill/>
-                      <a:prstDash val="solid"/>
-                    </a:lnBlToTr>
-                    <a:solidFill>
-                      <a:srgbClr val="FFFFFF"/>
-                    </a:solidFill>
-                  </a:tcPr>
-                </a:tc>
-              </a:tr>
-            </a:tbl>
-          </a:graphicData>
-        </a:graphic>
-      </p:graphicFrame>
-      <p:sp>
-        <p:nvSpPr>
-          <p:cNvPr id="10" name="文字方塊 9"/>
-          <p:cNvSpPr txBox="1"/>
-          <p:nvPr/>
-        </p:nvSpPr>
-        <p:spPr>
-          <a:xfrm>
-            <a:off x="2255520" y="1966545"/>
-            <a:ext cx="3462528" cy="461665"/>
-          </a:xfrm>
-          <a:prstGeom prst="rect">
-            <a:avLst/>
-          </a:prstGeom>
-          <a:noFill/>
-        </p:spPr>
-        <p:txBody>
-          <a:bodyPr wrap="square" rtlCol="0">
-            <a:spAutoFit/>
+          <a:bodyPr>
+            <a:normAutofit fontScale="90000"/>
           </a:bodyPr>
           <a:lstStyle/>
           <a:p>
-            <a:r>
-              <a:rPr lang="en-US" altLang="zh-TW" sz="2400" dirty="0" smtClean="0"/>
-              <a:t>Line style</a:t>
-            </a:r>
-            <a:endParaRPr lang="zh-TW" altLang="en-US" sz="2400" dirty="0"/>
-          </a:p>
-        </p:txBody>
-      </p:sp>
-      <p:sp>
-        <p:nvSpPr>
-          <p:cNvPr id="11" name="文字方塊 10"/>
-          <p:cNvSpPr txBox="1"/>
-          <p:nvPr/>
-        </p:nvSpPr>
-        <p:spPr>
-          <a:xfrm>
-            <a:off x="7266432" y="1500880"/>
-            <a:ext cx="2657856" cy="461665"/>
-          </a:xfrm>
-          <a:prstGeom prst="rect">
-            <a:avLst/>
-          </a:prstGeom>
-          <a:noFill/>
-        </p:spPr>
-        <p:txBody>
-          <a:bodyPr wrap="square" rtlCol="0">
-            <a:spAutoFit/>
-          </a:bodyPr>
-          <a:lstStyle/>
-          <a:p>
-            <a:r>
-              <a:rPr lang="en-US" altLang="zh-TW" sz="2400" dirty="0" smtClean="0"/>
-              <a:t>Colors</a:t>
-            </a:r>
-            <a:endParaRPr lang="zh-TW" altLang="en-US" sz="2400" dirty="0"/>
-          </a:p>
-        </p:txBody>
-      </p:sp>
-      <p:sp>
-        <p:nvSpPr>
-          <p:cNvPr id="12" name="矩形 11"/>
-          <p:cNvSpPr/>
-          <p:nvPr/>
-        </p:nvSpPr>
-        <p:spPr>
-          <a:xfrm>
-            <a:off x="3344449" y="284101"/>
-            <a:ext cx="7650584" cy="369332"/>
-          </a:xfrm>
-          <a:prstGeom prst="rect">
-            <a:avLst/>
-          </a:prstGeom>
-        </p:spPr>
-        <p:txBody>
-          <a:bodyPr wrap="square">
-            <a:spAutoFit/>
-          </a:bodyPr>
-          <a:lstStyle/>
-          <a:p>
-            <a:r>
-              <a:rPr lang="zh-TW" altLang="en-US" dirty="0" smtClean="0"/>
-              <a:t>參考文件</a:t>
-            </a:r>
-            <a:r>
-              <a:rPr lang="en-US" altLang="zh-TW" dirty="0" smtClean="0"/>
-              <a:t>:https</a:t>
-            </a:r>
-            <a:r>
-              <a:rPr lang="en-US" altLang="zh-TW" dirty="0"/>
-              <a:t>://matplotlib.org/3.3.2/api/_as_gen/matplotlib.pyplot.plot.html</a:t>
-            </a:r>
+            <a:pPr fontAlgn="auto">
+              <a:spcBef>
+                <a:spcPts val="0"/>
+              </a:spcBef>
+              <a:spcAft>
+                <a:spcPts val="0"/>
+              </a:spcAft>
+              <a:defRPr/>
+            </a:pPr>
+            <a:r>
+              <a:rPr lang="en-US" altLang="zh-TW" b="1" dirty="0">
+                <a:solidFill>
+                  <a:srgbClr val="FFFF00"/>
+                </a:solidFill>
+                <a:effectLst>
+                  <a:outerShdw blurRad="38100" dist="38100" dir="2700000" algn="tl">
+                    <a:srgbClr val="000000">
+                      <a:alpha val="43137"/>
+                    </a:srgbClr>
+                  </a:outerShdw>
+                </a:effectLst>
+              </a:rPr>
+              <a:t>Data Visualization</a:t>
+            </a:r>
+            <a:br>
+              <a:rPr lang="en-US" altLang="zh-TW" b="1" dirty="0">
+                <a:solidFill>
+                  <a:srgbClr val="FFFF00"/>
+                </a:solidFill>
+                <a:effectLst>
+                  <a:outerShdw blurRad="38100" dist="38100" dir="2700000" algn="tl">
+                    <a:srgbClr val="000000">
+                      <a:alpha val="43137"/>
+                    </a:srgbClr>
+                  </a:outerShdw>
+                </a:effectLst>
+              </a:rPr>
+            </a:br>
+            <a:r>
+              <a:rPr lang="zh-TW" altLang="en-US" b="1" dirty="0">
+                <a:solidFill>
+                  <a:srgbClr val="FFFF00"/>
+                </a:solidFill>
+                <a:effectLst>
+                  <a:outerShdw blurRad="38100" dist="38100" dir="2700000" algn="tl">
+                    <a:srgbClr val="000000">
+                      <a:alpha val="43137"/>
+                    </a:srgbClr>
+                  </a:outerShdw>
+                </a:effectLst>
+              </a:rPr>
+              <a:t>資料視覺化</a:t>
+            </a:r>
+            <a:r>
+              <a:rPr lang="ja-JP" altLang="en-US" b="1" dirty="0">
+                <a:solidFill>
+                  <a:srgbClr val="FFFF00"/>
+                </a:solidFill>
+                <a:effectLst>
+                  <a:outerShdw blurRad="38100" dist="38100" dir="2700000" algn="tl">
+                    <a:srgbClr val="000000">
+                      <a:alpha val="43137"/>
+                    </a:srgbClr>
+                  </a:outerShdw>
+                </a:effectLst>
+                <a:latin typeface="標楷體" panose="03000509000000000000" pitchFamily="65" charset="-120"/>
+                <a:ea typeface="標楷體" panose="03000509000000000000" pitchFamily="65" charset="-120"/>
+              </a:rPr>
+              <a:t>の</a:t>
+            </a:r>
+            <a:r>
+              <a:rPr lang="zh-TW" altLang="en-US" b="1" dirty="0">
+                <a:solidFill>
+                  <a:srgbClr val="FFFF00"/>
+                </a:solidFill>
+                <a:effectLst>
+                  <a:outerShdw blurRad="38100" dist="38100" dir="2700000" algn="tl">
+                    <a:srgbClr val="000000">
+                      <a:alpha val="43137"/>
+                    </a:srgbClr>
+                  </a:outerShdw>
+                </a:effectLst>
+                <a:latin typeface="標楷體" panose="03000509000000000000" pitchFamily="65" charset="-120"/>
+                <a:ea typeface="標楷體" panose="03000509000000000000" pitchFamily="65" charset="-120"/>
+              </a:rPr>
+              <a:t>實戰練習</a:t>
+            </a:r>
+            <a:r>
+              <a:rPr lang="en-US" altLang="zh-TW" b="1" dirty="0">
+                <a:solidFill>
+                  <a:srgbClr val="FFFF00"/>
+                </a:solidFill>
+                <a:effectLst>
+                  <a:outerShdw blurRad="38100" dist="38100" dir="2700000" algn="tl">
+                    <a:srgbClr val="000000">
+                      <a:alpha val="43137"/>
+                    </a:srgbClr>
+                  </a:outerShdw>
+                </a:effectLst>
+                <a:latin typeface="標楷體" panose="03000509000000000000" pitchFamily="65" charset="-120"/>
+                <a:ea typeface="標楷體" panose="03000509000000000000" pitchFamily="65" charset="-120"/>
+              </a:rPr>
+              <a:t>1</a:t>
+            </a:r>
+            <a:br>
+              <a:rPr lang="en-US" altLang="zh-TW" b="1" dirty="0">
+                <a:solidFill>
+                  <a:srgbClr val="FFFF00"/>
+                </a:solidFill>
+                <a:effectLst>
+                  <a:outerShdw blurRad="38100" dist="38100" dir="2700000" algn="tl">
+                    <a:srgbClr val="000000">
+                      <a:alpha val="43137"/>
+                    </a:srgbClr>
+                  </a:outerShdw>
+                </a:effectLst>
+                <a:latin typeface="標楷體" panose="03000509000000000000" pitchFamily="65" charset="-120"/>
+                <a:ea typeface="標楷體" panose="03000509000000000000" pitchFamily="65" charset="-120"/>
+              </a:rPr>
+            </a:br>
+            <a:r>
+              <a:rPr lang="zh-TW" altLang="en-US" b="1" dirty="0">
+                <a:solidFill>
+                  <a:srgbClr val="FFFF00"/>
+                </a:solidFill>
+                <a:effectLst>
+                  <a:outerShdw blurRad="38100" dist="38100" dir="2700000" algn="tl">
+                    <a:srgbClr val="000000">
+                      <a:alpha val="43137"/>
+                    </a:srgbClr>
+                  </a:outerShdw>
+                </a:effectLst>
+                <a:latin typeface="標楷體" panose="03000509000000000000" pitchFamily="65" charset="-120"/>
+                <a:ea typeface="標楷體" panose="03000509000000000000" pitchFamily="65" charset="-120"/>
+              </a:rPr>
+              <a:t>折線圖</a:t>
+            </a:r>
+            <a:r>
+              <a:rPr lang="zh-TW" altLang="en-US" b="1" dirty="0">
+                <a:solidFill>
+                  <a:schemeClr val="bg1"/>
+                </a:solidFill>
+                <a:effectLst>
+                  <a:outerShdw blurRad="38100" dist="38100" dir="2700000" algn="tl">
+                    <a:srgbClr val="000000">
+                      <a:alpha val="43137"/>
+                    </a:srgbClr>
+                  </a:outerShdw>
+                </a:effectLst>
+              </a:rPr>
+              <a:t/>
+            </a:r>
+            <a:br>
+              <a:rPr lang="zh-TW" altLang="en-US" b="1" dirty="0">
+                <a:solidFill>
+                  <a:schemeClr val="bg1"/>
+                </a:solidFill>
+                <a:effectLst>
+                  <a:outerShdw blurRad="38100" dist="38100" dir="2700000" algn="tl">
+                    <a:srgbClr val="000000">
+                      <a:alpha val="43137"/>
+                    </a:srgbClr>
+                  </a:outerShdw>
+                </a:effectLst>
+              </a:rPr>
+            </a:br>
             <a:endParaRPr lang="zh-TW" altLang="en-US" dirty="0"/>
           </a:p>
         </p:txBody>
@@ -4213,17 +3221,24 @@
     </p:spTree>
     <p:extLst>
       <p:ext uri="{BB962C8B-B14F-4D97-AF65-F5344CB8AC3E}">
-        <p14:creationId xmlns:p14="http://schemas.microsoft.com/office/powerpoint/2010/main" val="2060509436"/>
+        <p14:creationId xmlns:p14="http://schemas.microsoft.com/office/powerpoint/2010/main" val="3235082881"/>
       </p:ext>
     </p:extLst>
   </p:cSld>
   <p:clrMapOvr>
     <a:masterClrMapping/>
   </p:clrMapOvr>
+  <p:timing>
+    <p:tnLst>
+      <p:par>
+        <p:cTn id="1" dur="indefinite" restart="never" nodeType="tmRoot"/>
+      </p:par>
+    </p:tnLst>
+  </p:timing>
 </p:sld>
 </file>
 
-<file path=ppt/slides/slide11.xml><?xml version="1.0" encoding="utf-8"?>
+<file path=ppt/slides/slide10.xml><?xml version="1.0" encoding="utf-8"?>
 <p:sld xmlns:a="http://schemas.openxmlformats.org/drawingml/2006/main" xmlns:r="http://schemas.openxmlformats.org/officeDocument/2006/relationships" xmlns:p="http://schemas.openxmlformats.org/presentationml/2006/main">
   <p:cSld>
     <p:spTree>
@@ -4314,7 +3329,7 @@
 </p:sld>
 </file>
 
-<file path=ppt/slides/slide12.xml><?xml version="1.0" encoding="utf-8"?>
+<file path=ppt/slides/slide11.xml><?xml version="1.0" encoding="utf-8"?>
 <p:sld xmlns:a="http://schemas.openxmlformats.org/drawingml/2006/main" xmlns:r="http://schemas.openxmlformats.org/officeDocument/2006/relationships" xmlns:p="http://schemas.openxmlformats.org/presentationml/2006/main">
   <p:cSld>
     <p:spTree>
@@ -4353,7 +3368,7 @@
           <a:lstStyle/>
           <a:p>
             <a:r>
-              <a:rPr lang="en-US" altLang="zh-TW" sz="2400" dirty="0">
+              <a:rPr lang="en-US" altLang="zh-TW" sz="2400" dirty="0" smtClean="0">
                 <a:solidFill>
                   <a:srgbClr val="AF00DB"/>
                 </a:solidFill>
@@ -4362,7 +3377,7 @@
               <a:t>import</a:t>
             </a:r>
             <a:r>
-              <a:rPr lang="en-US" altLang="zh-TW" sz="2400" dirty="0">
+              <a:rPr lang="en-US" altLang="zh-TW" sz="2400" dirty="0" smtClean="0">
                 <a:solidFill>
                   <a:srgbClr val="000000"/>
                 </a:solidFill>
@@ -4371,7 +3386,7 @@
               <a:t> </a:t>
             </a:r>
             <a:r>
-              <a:rPr lang="en-US" altLang="zh-TW" sz="2400" dirty="0" err="1">
+              <a:rPr lang="en-US" altLang="zh-TW" sz="2400" dirty="0" err="1" smtClean="0">
                 <a:solidFill>
                   <a:srgbClr val="000000"/>
                 </a:solidFill>
@@ -4380,7 +3395,7 @@
               <a:t>numpy</a:t>
             </a:r>
             <a:r>
-              <a:rPr lang="en-US" altLang="zh-TW" sz="2400" dirty="0">
+              <a:rPr lang="en-US" altLang="zh-TW" sz="2400" dirty="0" smtClean="0">
                 <a:solidFill>
                   <a:srgbClr val="000000"/>
                 </a:solidFill>
@@ -4389,7 +3404,7 @@
               <a:t> </a:t>
             </a:r>
             <a:r>
-              <a:rPr lang="en-US" altLang="zh-TW" sz="2400" dirty="0">
+              <a:rPr lang="en-US" altLang="zh-TW" sz="2400" dirty="0" smtClean="0">
                 <a:solidFill>
                   <a:srgbClr val="AF00DB"/>
                 </a:solidFill>
@@ -4398,7 +3413,7 @@
               <a:t>as</a:t>
             </a:r>
             <a:r>
-              <a:rPr lang="en-US" altLang="zh-TW" sz="2400" dirty="0">
+              <a:rPr lang="en-US" altLang="zh-TW" sz="2400" dirty="0" smtClean="0">
                 <a:solidFill>
                   <a:srgbClr val="000000"/>
                 </a:solidFill>
@@ -4409,7 +3424,7 @@
           </a:p>
           <a:p>
             <a:r>
-              <a:rPr lang="en-US" altLang="zh-TW" sz="2400" dirty="0">
+              <a:rPr lang="en-US" altLang="zh-TW" sz="2400" dirty="0" smtClean="0">
                 <a:solidFill>
                   <a:srgbClr val="AF00DB"/>
                 </a:solidFill>
@@ -4418,7 +3433,7 @@
               <a:t>import</a:t>
             </a:r>
             <a:r>
-              <a:rPr lang="en-US" altLang="zh-TW" sz="2400" dirty="0">
+              <a:rPr lang="en-US" altLang="zh-TW" sz="2400" dirty="0" smtClean="0">
                 <a:solidFill>
                   <a:srgbClr val="000000"/>
                 </a:solidFill>
@@ -4427,7 +3442,7 @@
               <a:t> </a:t>
             </a:r>
             <a:r>
-              <a:rPr lang="en-US" altLang="zh-TW" sz="2400" dirty="0" err="1">
+              <a:rPr lang="en-US" altLang="zh-TW" sz="2400" dirty="0" err="1" smtClean="0">
                 <a:solidFill>
                   <a:srgbClr val="000000"/>
                 </a:solidFill>
@@ -4436,7 +3451,7 @@
               <a:t>pylab</a:t>
             </a:r>
             <a:r>
-              <a:rPr lang="en-US" altLang="zh-TW" sz="2400" dirty="0">
+              <a:rPr lang="en-US" altLang="zh-TW" sz="2400" dirty="0" smtClean="0">
                 <a:solidFill>
                   <a:srgbClr val="000000"/>
                 </a:solidFill>
@@ -4445,7 +3460,7 @@
               <a:t> </a:t>
             </a:r>
             <a:r>
-              <a:rPr lang="en-US" altLang="zh-TW" sz="2400" dirty="0">
+              <a:rPr lang="en-US" altLang="zh-TW" sz="2400" dirty="0" smtClean="0">
                 <a:solidFill>
                   <a:srgbClr val="AF00DB"/>
                 </a:solidFill>
@@ -4454,7 +3469,7 @@
               <a:t>as</a:t>
             </a:r>
             <a:r>
-              <a:rPr lang="en-US" altLang="zh-TW" sz="2400" dirty="0">
+              <a:rPr lang="en-US" altLang="zh-TW" sz="2400" dirty="0" smtClean="0">
                 <a:solidFill>
                   <a:srgbClr val="000000"/>
                 </a:solidFill>
@@ -4463,7 +3478,7 @@
               <a:t> </a:t>
             </a:r>
             <a:r>
-              <a:rPr lang="en-US" altLang="zh-TW" sz="2400" dirty="0" err="1">
+              <a:rPr lang="en-US" altLang="zh-TW" sz="2400" dirty="0" err="1" smtClean="0">
                 <a:solidFill>
                   <a:srgbClr val="000000"/>
                 </a:solidFill>
@@ -4471,7 +3486,7 @@
               </a:rPr>
               <a:t>pl</a:t>
             </a:r>
-            <a:endParaRPr lang="en-US" altLang="zh-TW" sz="2400" dirty="0">
+            <a:endParaRPr lang="en-US" altLang="zh-TW" sz="2400" dirty="0" smtClean="0">
               <a:solidFill>
                 <a:srgbClr val="000000"/>
               </a:solidFill>
@@ -4480,7 +3495,7 @@
           </a:p>
           <a:p>
             <a:r>
-              <a:rPr lang="en-US" altLang="zh-TW" sz="2400" dirty="0">
+              <a:rPr lang="en-US" altLang="zh-TW" sz="2400" dirty="0" smtClean="0">
                 <a:solidFill>
                   <a:srgbClr val="000000"/>
                 </a:solidFill>
@@ -4489,7 +3504,7 @@
               <a:t/>
             </a:r>
             <a:br>
-              <a:rPr lang="en-US" altLang="zh-TW" sz="2400" dirty="0">
+              <a:rPr lang="en-US" altLang="zh-TW" sz="2400" dirty="0" smtClean="0">
                 <a:solidFill>
                   <a:srgbClr val="000000"/>
                 </a:solidFill>
@@ -4497,7 +3512,7 @@
               </a:rPr>
             </a:br>
             <a:r>
-              <a:rPr lang="en-US" altLang="zh-TW" sz="2400" dirty="0">
+              <a:rPr lang="en-US" altLang="zh-TW" sz="2400" dirty="0" smtClean="0">
                 <a:solidFill>
                   <a:srgbClr val="000000"/>
                 </a:solidFill>
@@ -4506,7 +3521,7 @@
               <a:t/>
             </a:r>
             <a:br>
-              <a:rPr lang="en-US" altLang="zh-TW" sz="2400" dirty="0">
+              <a:rPr lang="en-US" altLang="zh-TW" sz="2400" dirty="0" smtClean="0">
                 <a:solidFill>
                   <a:srgbClr val="000000"/>
                 </a:solidFill>
@@ -4514,7 +3529,7 @@
               </a:rPr>
             </a:br>
             <a:r>
-              <a:rPr lang="en-US" altLang="zh-TW" sz="2400" dirty="0">
+              <a:rPr lang="en-US" altLang="zh-TW" sz="2400" dirty="0" smtClean="0">
                 <a:solidFill>
                   <a:srgbClr val="000000"/>
                 </a:solidFill>
@@ -4523,7 +3538,7 @@
               <a:t>x = </a:t>
             </a:r>
             <a:r>
-              <a:rPr lang="en-US" altLang="zh-TW" sz="2400" dirty="0" err="1">
+              <a:rPr lang="en-US" altLang="zh-TW" sz="2400" dirty="0" err="1" smtClean="0">
                 <a:solidFill>
                   <a:srgbClr val="000000"/>
                 </a:solidFill>
@@ -4532,7 +3547,7 @@
               <a:t>np.arange</a:t>
             </a:r>
             <a:r>
-              <a:rPr lang="en-US" altLang="zh-TW" sz="2400" dirty="0">
+              <a:rPr lang="en-US" altLang="zh-TW" sz="2400" dirty="0" smtClean="0">
                 <a:solidFill>
                   <a:srgbClr val="000000"/>
                 </a:solidFill>
@@ -4541,7 +3556,7 @@
               <a:t>(</a:t>
             </a:r>
             <a:r>
-              <a:rPr lang="en-US" altLang="zh-TW" sz="2400" dirty="0">
+              <a:rPr lang="en-US" altLang="zh-TW" sz="2400" dirty="0" smtClean="0">
                 <a:solidFill>
                   <a:srgbClr val="09885A"/>
                 </a:solidFill>
@@ -4550,7 +3565,7 @@
               <a:t>0.0</a:t>
             </a:r>
             <a:r>
-              <a:rPr lang="en-US" altLang="zh-TW" sz="2400" dirty="0">
+              <a:rPr lang="en-US" altLang="zh-TW" sz="2400" dirty="0" smtClean="0">
                 <a:solidFill>
                   <a:srgbClr val="000000"/>
                 </a:solidFill>
@@ -4559,7 +3574,7 @@
               <a:t>, </a:t>
             </a:r>
             <a:r>
-              <a:rPr lang="en-US" altLang="zh-TW" sz="2400" dirty="0">
+              <a:rPr lang="en-US" altLang="zh-TW" sz="2400" dirty="0" smtClean="0">
                 <a:solidFill>
                   <a:srgbClr val="09885A"/>
                 </a:solidFill>
@@ -4568,7 +3583,7 @@
               <a:t>2.0</a:t>
             </a:r>
             <a:r>
-              <a:rPr lang="en-US" altLang="zh-TW" sz="2400" dirty="0">
+              <a:rPr lang="en-US" altLang="zh-TW" sz="2400" dirty="0" smtClean="0">
                 <a:solidFill>
                   <a:srgbClr val="000000"/>
                 </a:solidFill>
@@ -4577,7 +3592,7 @@
               <a:t>*</a:t>
             </a:r>
             <a:r>
-              <a:rPr lang="en-US" altLang="zh-TW" sz="2400" dirty="0" err="1">
+              <a:rPr lang="en-US" altLang="zh-TW" sz="2400" dirty="0" err="1" smtClean="0">
                 <a:solidFill>
                   <a:srgbClr val="000000"/>
                 </a:solidFill>
@@ -4586,7 +3601,7 @@
               <a:t>np.pi</a:t>
             </a:r>
             <a:r>
-              <a:rPr lang="en-US" altLang="zh-TW" sz="2400" dirty="0">
+              <a:rPr lang="en-US" altLang="zh-TW" sz="2400" dirty="0" smtClean="0">
                 <a:solidFill>
                   <a:srgbClr val="000000"/>
                 </a:solidFill>
@@ -4595,7 +3610,7 @@
               <a:t>, </a:t>
             </a:r>
             <a:r>
-              <a:rPr lang="en-US" altLang="zh-TW" sz="2400" dirty="0">
+              <a:rPr lang="en-US" altLang="zh-TW" sz="2400" dirty="0" smtClean="0">
                 <a:solidFill>
                   <a:srgbClr val="09885A"/>
                 </a:solidFill>
@@ -4604,7 +3619,7 @@
               <a:t>0.01</a:t>
             </a:r>
             <a:r>
-              <a:rPr lang="en-US" altLang="zh-TW" sz="2400" dirty="0">
+              <a:rPr lang="en-US" altLang="zh-TW" sz="2400" dirty="0" smtClean="0">
                 <a:solidFill>
                   <a:srgbClr val="000000"/>
                 </a:solidFill>
@@ -4615,7 +3630,7 @@
           </a:p>
           <a:p>
             <a:r>
-              <a:rPr lang="en-US" altLang="zh-TW" sz="2400" dirty="0">
+              <a:rPr lang="en-US" altLang="zh-TW" sz="2400" dirty="0" smtClean="0">
                 <a:solidFill>
                   <a:srgbClr val="000000"/>
                 </a:solidFill>
@@ -4624,7 +3639,7 @@
               <a:t>y = </a:t>
             </a:r>
             <a:r>
-              <a:rPr lang="en-US" altLang="zh-TW" sz="2400" dirty="0" err="1">
+              <a:rPr lang="en-US" altLang="zh-TW" sz="2400" dirty="0" err="1" smtClean="0">
                 <a:solidFill>
                   <a:srgbClr val="000000"/>
                 </a:solidFill>
@@ -4633,7 +3648,7 @@
               <a:t>np.sin</a:t>
             </a:r>
             <a:r>
-              <a:rPr lang="en-US" altLang="zh-TW" sz="2400" dirty="0">
+              <a:rPr lang="en-US" altLang="zh-TW" sz="2400" dirty="0" smtClean="0">
                 <a:solidFill>
                   <a:srgbClr val="000000"/>
                 </a:solidFill>
@@ -4644,7 +3659,7 @@
           </a:p>
           <a:p>
             <a:r>
-              <a:rPr lang="en-US" altLang="zh-TW" sz="2400" dirty="0">
+              <a:rPr lang="en-US" altLang="zh-TW" sz="2400" dirty="0" smtClean="0">
                 <a:solidFill>
                   <a:srgbClr val="000000"/>
                 </a:solidFill>
@@ -4653,7 +3668,7 @@
               <a:t/>
             </a:r>
             <a:br>
-              <a:rPr lang="en-US" altLang="zh-TW" sz="2400" dirty="0">
+              <a:rPr lang="en-US" altLang="zh-TW" sz="2400" dirty="0" smtClean="0">
                 <a:solidFill>
                   <a:srgbClr val="000000"/>
                 </a:solidFill>
@@ -4661,7 +3676,7 @@
               </a:rPr>
             </a:br>
             <a:r>
-              <a:rPr lang="en-US" altLang="zh-TW" sz="2400" dirty="0" err="1">
+              <a:rPr lang="en-US" altLang="zh-TW" sz="2400" dirty="0" err="1" smtClean="0">
                 <a:solidFill>
                   <a:srgbClr val="000000"/>
                 </a:solidFill>
@@ -4670,7 +3685,7 @@
               <a:t>pl.plot</a:t>
             </a:r>
             <a:r>
-              <a:rPr lang="en-US" altLang="zh-TW" sz="2400" dirty="0">
+              <a:rPr lang="en-US" altLang="zh-TW" sz="2400" dirty="0" smtClean="0">
                 <a:solidFill>
                   <a:srgbClr val="000000"/>
                 </a:solidFill>
@@ -4679,7 +3694,7 @@
               <a:t>(</a:t>
             </a:r>
             <a:r>
-              <a:rPr lang="en-US" altLang="zh-TW" sz="2400" dirty="0" err="1">
+              <a:rPr lang="en-US" altLang="zh-TW" sz="2400" dirty="0" err="1" smtClean="0">
                 <a:solidFill>
                   <a:srgbClr val="000000"/>
                 </a:solidFill>
@@ -4688,7 +3703,7 @@
               <a:t>x,y</a:t>
             </a:r>
             <a:r>
-              <a:rPr lang="en-US" altLang="zh-TW" sz="2400" dirty="0">
+              <a:rPr lang="en-US" altLang="zh-TW" sz="2400" dirty="0" smtClean="0">
                 <a:solidFill>
                   <a:srgbClr val="000000"/>
                 </a:solidFill>
@@ -4699,7 +3714,7 @@
           </a:p>
           <a:p>
             <a:r>
-              <a:rPr lang="en-US" altLang="zh-TW" sz="2400" dirty="0" err="1">
+              <a:rPr lang="en-US" altLang="zh-TW" sz="2400" dirty="0" err="1" smtClean="0">
                 <a:solidFill>
                   <a:srgbClr val="000000"/>
                 </a:solidFill>
@@ -4708,7 +3723,7 @@
               <a:t>pl.xlabel</a:t>
             </a:r>
             <a:r>
-              <a:rPr lang="en-US" altLang="zh-TW" sz="2400" dirty="0">
+              <a:rPr lang="en-US" altLang="zh-TW" sz="2400" dirty="0" smtClean="0">
                 <a:solidFill>
                   <a:srgbClr val="000000"/>
                 </a:solidFill>
@@ -4717,7 +3732,7 @@
               <a:t>(</a:t>
             </a:r>
             <a:r>
-              <a:rPr lang="en-US" altLang="zh-TW" sz="2400" dirty="0">
+              <a:rPr lang="en-US" altLang="zh-TW" sz="2400" dirty="0" smtClean="0">
                 <a:solidFill>
                   <a:srgbClr val="A31515"/>
                 </a:solidFill>
@@ -4726,7 +3741,7 @@
               <a:t>'x'</a:t>
             </a:r>
             <a:r>
-              <a:rPr lang="en-US" altLang="zh-TW" sz="2400" dirty="0">
+              <a:rPr lang="en-US" altLang="zh-TW" sz="2400" dirty="0" smtClean="0">
                 <a:solidFill>
                   <a:srgbClr val="000000"/>
                 </a:solidFill>
@@ -4737,7 +3752,7 @@
           </a:p>
           <a:p>
             <a:r>
-              <a:rPr lang="en-US" altLang="zh-TW" sz="2400" dirty="0" err="1">
+              <a:rPr lang="en-US" altLang="zh-TW" sz="2400" dirty="0" err="1" smtClean="0">
                 <a:solidFill>
                   <a:srgbClr val="000000"/>
                 </a:solidFill>
@@ -4746,7 +3761,7 @@
               <a:t>pl.ylabel</a:t>
             </a:r>
             <a:r>
-              <a:rPr lang="en-US" altLang="zh-TW" sz="2400" dirty="0">
+              <a:rPr lang="en-US" altLang="zh-TW" sz="2400" dirty="0" smtClean="0">
                 <a:solidFill>
                   <a:srgbClr val="000000"/>
                 </a:solidFill>
@@ -4755,7 +3770,7 @@
               <a:t>(</a:t>
             </a:r>
             <a:r>
-              <a:rPr lang="en-US" altLang="zh-TW" sz="2400" dirty="0">
+              <a:rPr lang="en-US" altLang="zh-TW" sz="2400" dirty="0" smtClean="0">
                 <a:solidFill>
                   <a:srgbClr val="A31515"/>
                 </a:solidFill>
@@ -4764,7 +3779,7 @@
               <a:t>'y'</a:t>
             </a:r>
             <a:r>
-              <a:rPr lang="en-US" altLang="zh-TW" sz="2400" dirty="0">
+              <a:rPr lang="en-US" altLang="zh-TW" sz="2400" dirty="0" smtClean="0">
                 <a:solidFill>
                   <a:srgbClr val="000000"/>
                 </a:solidFill>
@@ -4775,7 +3790,7 @@
           </a:p>
           <a:p>
             <a:r>
-              <a:rPr lang="en-US" altLang="zh-TW" sz="2400" dirty="0" err="1">
+              <a:rPr lang="en-US" altLang="zh-TW" sz="2400" dirty="0" err="1" smtClean="0">
                 <a:solidFill>
                   <a:srgbClr val="000000"/>
                 </a:solidFill>
@@ -4784,7 +3799,7 @@
               <a:t>pl.title</a:t>
             </a:r>
             <a:r>
-              <a:rPr lang="en-US" altLang="zh-TW" sz="2400" dirty="0">
+              <a:rPr lang="en-US" altLang="zh-TW" sz="2400" dirty="0" smtClean="0">
                 <a:solidFill>
                   <a:srgbClr val="000000"/>
                 </a:solidFill>
@@ -4793,7 +3808,7 @@
               <a:t>(</a:t>
             </a:r>
             <a:r>
-              <a:rPr lang="en-US" altLang="zh-TW" sz="2400" dirty="0">
+              <a:rPr lang="en-US" altLang="zh-TW" sz="2400" dirty="0" smtClean="0">
                 <a:solidFill>
                   <a:srgbClr val="A31515"/>
                 </a:solidFill>
@@ -4802,7 +3817,7 @@
               <a:t>'sin'</a:t>
             </a:r>
             <a:r>
-              <a:rPr lang="en-US" altLang="zh-TW" sz="2400" dirty="0">
+              <a:rPr lang="en-US" altLang="zh-TW" sz="2400" dirty="0" smtClean="0">
                 <a:solidFill>
                   <a:srgbClr val="000000"/>
                 </a:solidFill>
@@ -4813,7 +3828,7 @@
           </a:p>
           <a:p>
             <a:r>
-              <a:rPr lang="en-US" altLang="zh-TW" sz="2400" dirty="0" err="1">
+              <a:rPr lang="en-US" altLang="zh-TW" sz="2400" dirty="0" err="1" smtClean="0">
                 <a:solidFill>
                   <a:srgbClr val="000000"/>
                 </a:solidFill>
@@ -4822,7 +3837,7 @@
               <a:t>pl.show</a:t>
             </a:r>
             <a:r>
-              <a:rPr lang="en-US" altLang="zh-TW" sz="2400" dirty="0">
+              <a:rPr lang="en-US" altLang="zh-TW" sz="2400" dirty="0" smtClean="0">
                 <a:solidFill>
                   <a:srgbClr val="000000"/>
                 </a:solidFill>
@@ -5002,7 +4017,7 @@
 </p:sld>
 </file>
 
-<file path=ppt/slides/slide13.xml><?xml version="1.0" encoding="utf-8"?>
+<file path=ppt/slides/slide12.xml><?xml version="1.0" encoding="utf-8"?>
 <p:sld xmlns:a="http://schemas.openxmlformats.org/drawingml/2006/main" xmlns:r="http://schemas.openxmlformats.org/officeDocument/2006/relationships" xmlns:p="http://schemas.openxmlformats.org/presentationml/2006/main">
   <p:cSld>
     <p:spTree>
@@ -5473,7 +4488,7 @@
 </p:sld>
 </file>
 
-<file path=ppt/slides/slide14.xml><?xml version="1.0" encoding="utf-8"?>
+<file path=ppt/slides/slide13.xml><?xml version="1.0" encoding="utf-8"?>
 <p:sld xmlns:a="http://schemas.openxmlformats.org/drawingml/2006/main" xmlns:r="http://schemas.openxmlformats.org/officeDocument/2006/relationships" xmlns:p="http://schemas.openxmlformats.org/presentationml/2006/main">
   <p:cSld>
     <p:spTree>
@@ -5664,7 +4679,7 @@
 </p:sld>
 </file>
 
-<file path=ppt/slides/slide15.xml><?xml version="1.0" encoding="utf-8"?>
+<file path=ppt/slides/slide14.xml><?xml version="1.0" encoding="utf-8"?>
 <p:sld xmlns:a="http://schemas.openxmlformats.org/drawingml/2006/main" xmlns:r="http://schemas.openxmlformats.org/officeDocument/2006/relationships" xmlns:p="http://schemas.openxmlformats.org/presentationml/2006/main">
   <p:cSld>
     <p:spTree>
@@ -5843,7 +4858,7 @@
 </p:sld>
 </file>
 
-<file path=ppt/slides/slide16.xml><?xml version="1.0" encoding="utf-8"?>
+<file path=ppt/slides/slide15.xml><?xml version="1.0" encoding="utf-8"?>
 <p:sld xmlns:a="http://schemas.openxmlformats.org/drawingml/2006/main" xmlns:r="http://schemas.openxmlformats.org/officeDocument/2006/relationships" xmlns:p="http://schemas.openxmlformats.org/presentationml/2006/main">
   <p:cSld>
     <p:spTree>
@@ -5934,7 +4949,7 @@
 </p:sld>
 </file>
 
-<file path=ppt/slides/slide17.xml><?xml version="1.0" encoding="utf-8"?>
+<file path=ppt/slides/slide16.xml><?xml version="1.0" encoding="utf-8"?>
 <p:sld xmlns:a="http://schemas.openxmlformats.org/drawingml/2006/main" xmlns:r="http://schemas.openxmlformats.org/officeDocument/2006/relationships" xmlns:p="http://schemas.openxmlformats.org/presentationml/2006/main">
   <p:cSld>
     <p:spTree>
@@ -6495,7 +5510,7 @@
 </p:sld>
 </file>
 
-<file path=ppt/slides/slide18.xml><?xml version="1.0" encoding="utf-8"?>
+<file path=ppt/slides/slide17.xml><?xml version="1.0" encoding="utf-8"?>
 <p:sld xmlns:a="http://schemas.openxmlformats.org/drawingml/2006/main" xmlns:r="http://schemas.openxmlformats.org/officeDocument/2006/relationships" xmlns:p="http://schemas.openxmlformats.org/presentationml/2006/main">
   <p:cSld>
     <p:spTree>
@@ -6715,7 +5730,7 @@
 </p:sld>
 </file>
 
-<file path=ppt/slides/slide19.xml><?xml version="1.0" encoding="utf-8"?>
+<file path=ppt/slides/slide18.xml><?xml version="1.0" encoding="utf-8"?>
 <p:sld xmlns:a="http://schemas.openxmlformats.org/drawingml/2006/main" xmlns:r="http://schemas.openxmlformats.org/officeDocument/2006/relationships" xmlns:p="http://schemas.openxmlformats.org/presentationml/2006/main">
   <p:cSld>
     <p:spTree>
@@ -6793,6 +5808,73 @@
           </a:prstGeom>
         </p:spPr>
       </p:pic>
+      <p:sp>
+        <p:nvSpPr>
+          <p:cNvPr id="5" name="矩形 4"/>
+          <p:cNvSpPr/>
+          <p:nvPr/>
+        </p:nvSpPr>
+        <p:spPr>
+          <a:xfrm>
+            <a:off x="9522485" y="1915406"/>
+            <a:ext cx="2765501" cy="461665"/>
+          </a:xfrm>
+          <a:prstGeom prst="rect">
+            <a:avLst/>
+          </a:prstGeom>
+        </p:spPr>
+        <p:txBody>
+          <a:bodyPr wrap="none">
+            <a:spAutoFit/>
+          </a:bodyPr>
+          <a:lstStyle/>
+          <a:p>
+            <a:r>
+              <a:rPr lang="en-US" altLang="zh-TW" sz="2400" b="1" dirty="0" err="1">
+                <a:solidFill>
+                  <a:srgbClr val="FF0000"/>
+                </a:solidFill>
+                <a:latin typeface="Courier New" panose="02070309020205020404" pitchFamily="49" charset="0"/>
+              </a:rPr>
+              <a:t>pl.plot</a:t>
+            </a:r>
+            <a:r>
+              <a:rPr lang="en-US" altLang="zh-TW" sz="2400" b="1" dirty="0">
+                <a:solidFill>
+                  <a:srgbClr val="FF0000"/>
+                </a:solidFill>
+                <a:latin typeface="Courier New" panose="02070309020205020404" pitchFamily="49" charset="0"/>
+              </a:rPr>
+              <a:t>(</a:t>
+            </a:r>
+            <a:r>
+              <a:rPr lang="en-US" altLang="zh-TW" sz="2400" b="1" dirty="0" err="1">
+                <a:solidFill>
+                  <a:srgbClr val="FF0000"/>
+                </a:solidFill>
+                <a:latin typeface="Courier New" panose="02070309020205020404" pitchFamily="49" charset="0"/>
+              </a:rPr>
+              <a:t>x,y</a:t>
+            </a:r>
+            <a:r>
+              <a:rPr lang="en-US" altLang="zh-TW" sz="2400" dirty="0">
+                <a:solidFill>
+                  <a:srgbClr val="000000"/>
+                </a:solidFill>
+                <a:latin typeface="Courier New" panose="02070309020205020404" pitchFamily="49" charset="0"/>
+              </a:rPr>
+              <a:t>)  </a:t>
+            </a:r>
+            <a:endParaRPr lang="en-US" altLang="zh-TW" sz="2400" b="0" dirty="0">
+              <a:solidFill>
+                <a:srgbClr val="000000"/>
+              </a:solidFill>
+              <a:effectLst/>
+              <a:latin typeface="Courier New" panose="02070309020205020404" pitchFamily="49" charset="0"/>
+            </a:endParaRPr>
+          </a:p>
+        </p:txBody>
+      </p:sp>
     </p:spTree>
     <p:extLst>
       <p:ext uri="{BB962C8B-B14F-4D97-AF65-F5344CB8AC3E}">
@@ -6806,244 +5888,7 @@
 </p:sld>
 </file>
 
-<file path=ppt/slides/slide2.xml><?xml version="1.0" encoding="utf-8"?>
-<p:sld xmlns:a="http://schemas.openxmlformats.org/drawingml/2006/main" xmlns:r="http://schemas.openxmlformats.org/officeDocument/2006/relationships" xmlns:p="http://schemas.openxmlformats.org/presentationml/2006/main">
-  <p:cSld>
-    <p:bg>
-      <p:bgPr>
-        <a:solidFill>
-          <a:schemeClr val="accent1"/>
-        </a:solidFill>
-        <a:effectLst/>
-      </p:bgPr>
-    </p:bg>
-    <p:spTree>
-      <p:nvGrpSpPr>
-        <p:cNvPr id="1" name=""/>
-        <p:cNvGrpSpPr/>
-        <p:nvPr/>
-      </p:nvGrpSpPr>
-      <p:grpSpPr>
-        <a:xfrm>
-          <a:off x="0" y="0"/>
-          <a:ext cx="0" cy="0"/>
-          <a:chOff x="0" y="0"/>
-          <a:chExt cx="0" cy="0"/>
-        </a:xfrm>
-      </p:grpSpPr>
-      <p:sp>
-        <p:nvSpPr>
-          <p:cNvPr id="6" name="標題 5"/>
-          <p:cNvSpPr>
-            <a:spLocks noGrp="1"/>
-          </p:cNvSpPr>
-          <p:nvPr>
-            <p:ph type="title"/>
-          </p:nvPr>
-        </p:nvSpPr>
-        <p:spPr>
-          <a:xfrm>
-            <a:off x="694508" y="2820943"/>
-            <a:ext cx="10515600" cy="1325563"/>
-          </a:xfrm>
-        </p:spPr>
-        <p:txBody>
-          <a:bodyPr>
-            <a:normAutofit fontScale="90000"/>
-          </a:bodyPr>
-          <a:lstStyle/>
-          <a:p>
-            <a:pPr fontAlgn="auto">
-              <a:spcBef>
-                <a:spcPts val="0"/>
-              </a:spcBef>
-              <a:spcAft>
-                <a:spcPts val="0"/>
-              </a:spcAft>
-              <a:defRPr/>
-            </a:pPr>
-            <a:r>
-              <a:rPr lang="en-US" altLang="zh-TW" b="1" dirty="0">
-                <a:solidFill>
-                  <a:srgbClr val="FFFF00"/>
-                </a:solidFill>
-                <a:effectLst>
-                  <a:outerShdw blurRad="38100" dist="38100" dir="2700000" algn="tl">
-                    <a:srgbClr val="000000">
-                      <a:alpha val="43137"/>
-                    </a:srgbClr>
-                  </a:outerShdw>
-                </a:effectLst>
-              </a:rPr>
-              <a:t>Data Visualization</a:t>
-            </a:r>
-            <a:br>
-              <a:rPr lang="en-US" altLang="zh-TW" b="1" dirty="0">
-                <a:solidFill>
-                  <a:srgbClr val="FFFF00"/>
-                </a:solidFill>
-                <a:effectLst>
-                  <a:outerShdw blurRad="38100" dist="38100" dir="2700000" algn="tl">
-                    <a:srgbClr val="000000">
-                      <a:alpha val="43137"/>
-                    </a:srgbClr>
-                  </a:outerShdw>
-                </a:effectLst>
-              </a:rPr>
-            </a:br>
-            <a:r>
-              <a:rPr lang="zh-TW" altLang="en-US" b="1" dirty="0">
-                <a:solidFill>
-                  <a:srgbClr val="FFFF00"/>
-                </a:solidFill>
-                <a:effectLst>
-                  <a:outerShdw blurRad="38100" dist="38100" dir="2700000" algn="tl">
-                    <a:srgbClr val="000000">
-                      <a:alpha val="43137"/>
-                    </a:srgbClr>
-                  </a:outerShdw>
-                </a:effectLst>
-              </a:rPr>
-              <a:t>資料視覺化</a:t>
-            </a:r>
-            <a:r>
-              <a:rPr lang="ja-JP" altLang="en-US" b="1" dirty="0">
-                <a:solidFill>
-                  <a:srgbClr val="FFFF00"/>
-                </a:solidFill>
-                <a:effectLst>
-                  <a:outerShdw blurRad="38100" dist="38100" dir="2700000" algn="tl">
-                    <a:srgbClr val="000000">
-                      <a:alpha val="43137"/>
-                    </a:srgbClr>
-                  </a:outerShdw>
-                </a:effectLst>
-                <a:latin typeface="標楷體" panose="03000509000000000000" pitchFamily="65" charset="-120"/>
-                <a:ea typeface="標楷體" panose="03000509000000000000" pitchFamily="65" charset="-120"/>
-              </a:rPr>
-              <a:t>の</a:t>
-            </a:r>
-            <a:r>
-              <a:rPr lang="zh-TW" altLang="en-US" b="1" dirty="0">
-                <a:solidFill>
-                  <a:srgbClr val="FFFF00"/>
-                </a:solidFill>
-                <a:effectLst>
-                  <a:outerShdw blurRad="38100" dist="38100" dir="2700000" algn="tl">
-                    <a:srgbClr val="000000">
-                      <a:alpha val="43137"/>
-                    </a:srgbClr>
-                  </a:outerShdw>
-                </a:effectLst>
-                <a:latin typeface="標楷體" panose="03000509000000000000" pitchFamily="65" charset="-120"/>
-                <a:ea typeface="標楷體" panose="03000509000000000000" pitchFamily="65" charset="-120"/>
-              </a:rPr>
-              <a:t>實戰練習</a:t>
-            </a:r>
-            <a:r>
-              <a:rPr lang="en-US" altLang="zh-TW" b="1" dirty="0">
-                <a:solidFill>
-                  <a:srgbClr val="FFFF00"/>
-                </a:solidFill>
-                <a:effectLst>
-                  <a:outerShdw blurRad="38100" dist="38100" dir="2700000" algn="tl">
-                    <a:srgbClr val="000000">
-                      <a:alpha val="43137"/>
-                    </a:srgbClr>
-                  </a:outerShdw>
-                </a:effectLst>
-                <a:latin typeface="標楷體" panose="03000509000000000000" pitchFamily="65" charset="-120"/>
-                <a:ea typeface="標楷體" panose="03000509000000000000" pitchFamily="65" charset="-120"/>
-              </a:rPr>
-              <a:t>1</a:t>
-            </a:r>
-            <a:br>
-              <a:rPr lang="en-US" altLang="zh-TW" b="1" dirty="0">
-                <a:solidFill>
-                  <a:srgbClr val="FFFF00"/>
-                </a:solidFill>
-                <a:effectLst>
-                  <a:outerShdw blurRad="38100" dist="38100" dir="2700000" algn="tl">
-                    <a:srgbClr val="000000">
-                      <a:alpha val="43137"/>
-                    </a:srgbClr>
-                  </a:outerShdw>
-                </a:effectLst>
-                <a:latin typeface="標楷體" panose="03000509000000000000" pitchFamily="65" charset="-120"/>
-                <a:ea typeface="標楷體" panose="03000509000000000000" pitchFamily="65" charset="-120"/>
-              </a:rPr>
-            </a:br>
-            <a:r>
-              <a:rPr lang="zh-TW" altLang="en-US" b="1" dirty="0">
-                <a:solidFill>
-                  <a:srgbClr val="FFFF00"/>
-                </a:solidFill>
-                <a:effectLst>
-                  <a:outerShdw blurRad="38100" dist="38100" dir="2700000" algn="tl">
-                    <a:srgbClr val="000000">
-                      <a:alpha val="43137"/>
-                    </a:srgbClr>
-                  </a:outerShdw>
-                </a:effectLst>
-                <a:latin typeface="標楷體" panose="03000509000000000000" pitchFamily="65" charset="-120"/>
-                <a:ea typeface="標楷體" panose="03000509000000000000" pitchFamily="65" charset="-120"/>
-              </a:rPr>
-              <a:t>折線圖</a:t>
-            </a:r>
-            <a:r>
-              <a:rPr lang="zh-TW" altLang="en-US" b="1" dirty="0">
-                <a:solidFill>
-                  <a:schemeClr val="bg1"/>
-                </a:solidFill>
-                <a:effectLst>
-                  <a:outerShdw blurRad="38100" dist="38100" dir="2700000" algn="tl">
-                    <a:srgbClr val="000000">
-                      <a:alpha val="43137"/>
-                    </a:srgbClr>
-                  </a:outerShdw>
-                </a:effectLst>
-              </a:rPr>
-              <a:t/>
-            </a:r>
-            <a:br>
-              <a:rPr lang="zh-TW" altLang="en-US" b="1" dirty="0">
-                <a:solidFill>
-                  <a:schemeClr val="bg1"/>
-                </a:solidFill>
-                <a:effectLst>
-                  <a:outerShdw blurRad="38100" dist="38100" dir="2700000" algn="tl">
-                    <a:srgbClr val="000000">
-                      <a:alpha val="43137"/>
-                    </a:srgbClr>
-                  </a:outerShdw>
-                </a:effectLst>
-              </a:rPr>
-            </a:br>
-            <a:endParaRPr lang="zh-TW" altLang="en-US" dirty="0"/>
-          </a:p>
-        </p:txBody>
-      </p:sp>
-    </p:spTree>
-    <p:extLst>
-      <p:ext uri="{BB962C8B-B14F-4D97-AF65-F5344CB8AC3E}">
-        <p14:creationId xmlns:p14="http://schemas.microsoft.com/office/powerpoint/2010/main" val="3235082881"/>
-      </p:ext>
-    </p:extLst>
-  </p:cSld>
-  <p:clrMapOvr>
-    <a:masterClrMapping/>
-  </p:clrMapOvr>
-  <p:timing>
-    <p:tnLst>
-      <p:par>
-        <p:cTn id="1" dur="indefinite" restart="never" nodeType="tmRoot"/>
-      </p:par>
-    </p:tnLst>
-  </p:timing>
-</p:sld>
-</file>
-
-<file path=ppt/slides/slide20.xml><?xml version="1.0" encoding="utf-8"?>
+<file path=ppt/slides/slide19.xml><?xml version="1.0" encoding="utf-8"?>
 <p:sld xmlns:a="http://schemas.openxmlformats.org/drawingml/2006/main" xmlns:r="http://schemas.openxmlformats.org/officeDocument/2006/relationships" xmlns:p="http://schemas.openxmlformats.org/presentationml/2006/main">
   <p:cSld>
     <p:spTree>
@@ -7367,1398 +6212,7 @@
 </p:sld>
 </file>
 
-<file path=ppt/slides/slide21.xml><?xml version="1.0" encoding="utf-8"?>
-<p:sld xmlns:a="http://schemas.openxmlformats.org/drawingml/2006/main" xmlns:r="http://schemas.openxmlformats.org/officeDocument/2006/relationships" xmlns:p="http://schemas.openxmlformats.org/presentationml/2006/main">
-  <p:cSld>
-    <p:spTree>
-      <p:nvGrpSpPr>
-        <p:cNvPr id="1" name=""/>
-        <p:cNvGrpSpPr/>
-        <p:nvPr/>
-      </p:nvGrpSpPr>
-      <p:grpSpPr>
-        <a:xfrm>
-          <a:off x="0" y="0"/>
-          <a:ext cx="0" cy="0"/>
-          <a:chOff x="0" y="0"/>
-          <a:chExt cx="0" cy="0"/>
-        </a:xfrm>
-      </p:grpSpPr>
-      <p:sp>
-        <p:nvSpPr>
-          <p:cNvPr id="2" name="標題 1"/>
-          <p:cNvSpPr>
-            <a:spLocks noGrp="1"/>
-          </p:cNvSpPr>
-          <p:nvPr>
-            <p:ph type="title"/>
-          </p:nvPr>
-        </p:nvSpPr>
-        <p:spPr/>
-        <p:txBody>
-          <a:bodyPr/>
-          <a:lstStyle/>
-          <a:p>
-            <a:r>
-              <a:rPr lang="zh-TW" altLang="en-US" dirty="0" smtClean="0"/>
-              <a:t>作業</a:t>
-            </a:r>
-            <a:r>
-              <a:rPr lang="en-US" altLang="zh-TW" dirty="0" smtClean="0"/>
-              <a:t>4:</a:t>
-            </a:r>
-            <a:r>
-              <a:rPr lang="zh-TW" altLang="en-US" dirty="0" smtClean="0"/>
-              <a:t>生成下</a:t>
-            </a:r>
-            <a:r>
-              <a:rPr lang="zh-TW" altLang="en-US" dirty="0"/>
-              <a:t>圖</a:t>
-            </a:r>
-          </a:p>
-        </p:txBody>
-      </p:sp>
-      <p:pic>
-        <p:nvPicPr>
-          <p:cNvPr id="3" name="圖片 2"/>
-          <p:cNvPicPr>
-            <a:picLocks noChangeAspect="1"/>
-          </p:cNvPicPr>
-          <p:nvPr/>
-        </p:nvPicPr>
-        <p:blipFill>
-          <a:blip r:embed="rId2">
-            <a:extLst>
-              <a:ext uri="{28A0092B-C50C-407E-A947-70E740481C1C}">
-                <a14:useLocalDpi xmlns:a14="http://schemas.microsoft.com/office/drawing/2010/main" val="0"/>
-              </a:ext>
-            </a:extLst>
-          </a:blip>
-          <a:stretch>
-            <a:fillRect/>
-          </a:stretch>
-        </p:blipFill>
-        <p:spPr>
-          <a:xfrm>
-            <a:off x="2686159" y="1520000"/>
-            <a:ext cx="6819681" cy="4582825"/>
-          </a:xfrm>
-          <a:prstGeom prst="rect">
-            <a:avLst/>
-          </a:prstGeom>
-        </p:spPr>
-      </p:pic>
-    </p:spTree>
-    <p:extLst>
-      <p:ext uri="{BB962C8B-B14F-4D97-AF65-F5344CB8AC3E}">
-        <p14:creationId xmlns:p14="http://schemas.microsoft.com/office/powerpoint/2010/main" val="2034871664"/>
-      </p:ext>
-    </p:extLst>
-  </p:cSld>
-  <p:clrMapOvr>
-    <a:masterClrMapping/>
-  </p:clrMapOvr>
-</p:sld>
-</file>
-
-<file path=ppt/slides/slide22.xml><?xml version="1.0" encoding="utf-8"?>
-<p:sld xmlns:a="http://schemas.openxmlformats.org/drawingml/2006/main" xmlns:r="http://schemas.openxmlformats.org/officeDocument/2006/relationships" xmlns:p="http://schemas.openxmlformats.org/presentationml/2006/main">
-  <p:cSld>
-    <p:spTree>
-      <p:nvGrpSpPr>
-        <p:cNvPr id="1" name=""/>
-        <p:cNvGrpSpPr/>
-        <p:nvPr/>
-      </p:nvGrpSpPr>
-      <p:grpSpPr>
-        <a:xfrm>
-          <a:off x="0" y="0"/>
-          <a:ext cx="0" cy="0"/>
-          <a:chOff x="0" y="0"/>
-          <a:chExt cx="0" cy="0"/>
-        </a:xfrm>
-      </p:grpSpPr>
-      <p:sp>
-        <p:nvSpPr>
-          <p:cNvPr id="2" name="標題 1"/>
-          <p:cNvSpPr>
-            <a:spLocks noGrp="1"/>
-          </p:cNvSpPr>
-          <p:nvPr>
-            <p:ph type="title"/>
-          </p:nvPr>
-        </p:nvSpPr>
-        <p:spPr/>
-        <p:txBody>
-          <a:bodyPr/>
-          <a:lstStyle/>
-          <a:p>
-            <a:r>
-              <a:rPr lang="zh-TW" altLang="en-US" dirty="0" smtClean="0"/>
-              <a:t>程式碼</a:t>
-            </a:r>
-            <a:endParaRPr lang="zh-TW" altLang="en-US" dirty="0"/>
-          </a:p>
-        </p:txBody>
-      </p:sp>
-      <p:sp>
-        <p:nvSpPr>
-          <p:cNvPr id="3" name="矩形 2"/>
-          <p:cNvSpPr/>
-          <p:nvPr/>
-        </p:nvSpPr>
-        <p:spPr>
-          <a:xfrm>
-            <a:off x="1085088" y="1989064"/>
-            <a:ext cx="6096000" cy="3139321"/>
-          </a:xfrm>
-          <a:prstGeom prst="rect">
-            <a:avLst/>
-          </a:prstGeom>
-        </p:spPr>
-        <p:txBody>
-          <a:bodyPr>
-            <a:spAutoFit/>
-          </a:bodyPr>
-          <a:lstStyle/>
-          <a:p>
-            <a:r>
-              <a:rPr lang="en-US" altLang="zh-TW" dirty="0">
-                <a:solidFill>
-                  <a:srgbClr val="AF00DB"/>
-                </a:solidFill>
-                <a:latin typeface="Courier New" panose="02070309020205020404" pitchFamily="49" charset="0"/>
-              </a:rPr>
-              <a:t>import</a:t>
-            </a:r>
-            <a:r>
-              <a:rPr lang="en-US" altLang="zh-TW" dirty="0">
-                <a:solidFill>
-                  <a:srgbClr val="000000"/>
-                </a:solidFill>
-                <a:latin typeface="Courier New" panose="02070309020205020404" pitchFamily="49" charset="0"/>
-              </a:rPr>
-              <a:t> </a:t>
-            </a:r>
-            <a:r>
-              <a:rPr lang="en-US" altLang="zh-TW" dirty="0" err="1">
-                <a:solidFill>
-                  <a:srgbClr val="000000"/>
-                </a:solidFill>
-                <a:latin typeface="Courier New" panose="02070309020205020404" pitchFamily="49" charset="0"/>
-              </a:rPr>
-              <a:t>matplotlib.pylab</a:t>
-            </a:r>
-            <a:r>
-              <a:rPr lang="en-US" altLang="zh-TW" dirty="0">
-                <a:solidFill>
-                  <a:srgbClr val="000000"/>
-                </a:solidFill>
-                <a:latin typeface="Courier New" panose="02070309020205020404" pitchFamily="49" charset="0"/>
-              </a:rPr>
-              <a:t> </a:t>
-            </a:r>
-            <a:r>
-              <a:rPr lang="en-US" altLang="zh-TW" dirty="0">
-                <a:solidFill>
-                  <a:srgbClr val="AF00DB"/>
-                </a:solidFill>
-                <a:latin typeface="Courier New" panose="02070309020205020404" pitchFamily="49" charset="0"/>
-              </a:rPr>
-              <a:t>as</a:t>
-            </a:r>
-            <a:r>
-              <a:rPr lang="en-US" altLang="zh-TW" dirty="0">
-                <a:solidFill>
-                  <a:srgbClr val="000000"/>
-                </a:solidFill>
-                <a:latin typeface="Courier New" panose="02070309020205020404" pitchFamily="49" charset="0"/>
-              </a:rPr>
-              <a:t> </a:t>
-            </a:r>
-            <a:r>
-              <a:rPr lang="en-US" altLang="zh-TW" dirty="0" err="1">
-                <a:solidFill>
-                  <a:srgbClr val="000000"/>
-                </a:solidFill>
-                <a:latin typeface="Courier New" panose="02070309020205020404" pitchFamily="49" charset="0"/>
-              </a:rPr>
-              <a:t>pl</a:t>
-            </a:r>
-            <a:endParaRPr lang="en-US" altLang="zh-TW" dirty="0">
-              <a:solidFill>
-                <a:srgbClr val="000000"/>
-              </a:solidFill>
-              <a:latin typeface="Courier New" panose="02070309020205020404" pitchFamily="49" charset="0"/>
-            </a:endParaRPr>
-          </a:p>
-          <a:p>
-            <a:r>
-              <a:rPr lang="en-US" altLang="zh-TW" dirty="0">
-                <a:solidFill>
-                  <a:srgbClr val="AF00DB"/>
-                </a:solidFill>
-                <a:latin typeface="Courier New" panose="02070309020205020404" pitchFamily="49" charset="0"/>
-              </a:rPr>
-              <a:t>import</a:t>
-            </a:r>
-            <a:r>
-              <a:rPr lang="en-US" altLang="zh-TW" dirty="0">
-                <a:solidFill>
-                  <a:srgbClr val="000000"/>
-                </a:solidFill>
-                <a:latin typeface="Courier New" panose="02070309020205020404" pitchFamily="49" charset="0"/>
-              </a:rPr>
-              <a:t> </a:t>
-            </a:r>
-            <a:r>
-              <a:rPr lang="en-US" altLang="zh-TW" dirty="0" err="1">
-                <a:solidFill>
-                  <a:srgbClr val="000000"/>
-                </a:solidFill>
-                <a:latin typeface="Courier New" panose="02070309020205020404" pitchFamily="49" charset="0"/>
-              </a:rPr>
-              <a:t>numpy</a:t>
-            </a:r>
-            <a:r>
-              <a:rPr lang="en-US" altLang="zh-TW" dirty="0">
-                <a:solidFill>
-                  <a:srgbClr val="000000"/>
-                </a:solidFill>
-                <a:latin typeface="Courier New" panose="02070309020205020404" pitchFamily="49" charset="0"/>
-              </a:rPr>
-              <a:t> </a:t>
-            </a:r>
-            <a:r>
-              <a:rPr lang="en-US" altLang="zh-TW" dirty="0">
-                <a:solidFill>
-                  <a:srgbClr val="AF00DB"/>
-                </a:solidFill>
-                <a:latin typeface="Courier New" panose="02070309020205020404" pitchFamily="49" charset="0"/>
-              </a:rPr>
-              <a:t>as</a:t>
-            </a:r>
-            <a:r>
-              <a:rPr lang="en-US" altLang="zh-TW" dirty="0">
-                <a:solidFill>
-                  <a:srgbClr val="000000"/>
-                </a:solidFill>
-                <a:latin typeface="Courier New" panose="02070309020205020404" pitchFamily="49" charset="0"/>
-              </a:rPr>
-              <a:t> np</a:t>
-            </a:r>
-          </a:p>
-          <a:p>
-            <a:r>
-              <a:rPr lang="en-US" altLang="zh-TW" dirty="0">
-                <a:solidFill>
-                  <a:srgbClr val="000000"/>
-                </a:solidFill>
-                <a:latin typeface="Courier New" panose="02070309020205020404" pitchFamily="49" charset="0"/>
-              </a:rPr>
-              <a:t/>
-            </a:r>
-            <a:br>
-              <a:rPr lang="en-US" altLang="zh-TW" dirty="0">
-                <a:solidFill>
-                  <a:srgbClr val="000000"/>
-                </a:solidFill>
-                <a:latin typeface="Courier New" panose="02070309020205020404" pitchFamily="49" charset="0"/>
-              </a:rPr>
-            </a:br>
-            <a:r>
-              <a:rPr lang="en-US" altLang="zh-TW" dirty="0">
-                <a:solidFill>
-                  <a:srgbClr val="000000"/>
-                </a:solidFill>
-                <a:latin typeface="Courier New" panose="02070309020205020404" pitchFamily="49" charset="0"/>
-              </a:rPr>
-              <a:t/>
-            </a:r>
-            <a:br>
-              <a:rPr lang="en-US" altLang="zh-TW" dirty="0">
-                <a:solidFill>
-                  <a:srgbClr val="000000"/>
-                </a:solidFill>
-                <a:latin typeface="Courier New" panose="02070309020205020404" pitchFamily="49" charset="0"/>
-              </a:rPr>
-            </a:br>
-            <a:r>
-              <a:rPr lang="en-US" altLang="zh-TW" dirty="0">
-                <a:solidFill>
-                  <a:srgbClr val="000000"/>
-                </a:solidFill>
-                <a:latin typeface="Courier New" panose="02070309020205020404" pitchFamily="49" charset="0"/>
-              </a:rPr>
-              <a:t>x = </a:t>
-            </a:r>
-            <a:r>
-              <a:rPr lang="en-US" altLang="zh-TW" dirty="0" err="1">
-                <a:solidFill>
-                  <a:srgbClr val="000000"/>
-                </a:solidFill>
-                <a:latin typeface="Courier New" panose="02070309020205020404" pitchFamily="49" charset="0"/>
-              </a:rPr>
-              <a:t>np.random.random</a:t>
-            </a:r>
-            <a:r>
-              <a:rPr lang="en-US" altLang="zh-TW" dirty="0">
-                <a:solidFill>
-                  <a:srgbClr val="000000"/>
-                </a:solidFill>
-                <a:latin typeface="Courier New" panose="02070309020205020404" pitchFamily="49" charset="0"/>
-              </a:rPr>
-              <a:t>(</a:t>
-            </a:r>
-            <a:r>
-              <a:rPr lang="en-US" altLang="zh-TW" dirty="0">
-                <a:solidFill>
-                  <a:srgbClr val="09885A"/>
-                </a:solidFill>
-                <a:latin typeface="Courier New" panose="02070309020205020404" pitchFamily="49" charset="0"/>
-              </a:rPr>
-              <a:t>100</a:t>
-            </a:r>
-            <a:r>
-              <a:rPr lang="en-US" altLang="zh-TW" dirty="0">
-                <a:solidFill>
-                  <a:srgbClr val="000000"/>
-                </a:solidFill>
-                <a:latin typeface="Courier New" panose="02070309020205020404" pitchFamily="49" charset="0"/>
-              </a:rPr>
-              <a:t>)</a:t>
-            </a:r>
-          </a:p>
-          <a:p>
-            <a:r>
-              <a:rPr lang="en-US" altLang="zh-TW" dirty="0" smtClean="0">
-                <a:solidFill>
-                  <a:srgbClr val="000000"/>
-                </a:solidFill>
-                <a:latin typeface="Courier New" panose="02070309020205020404" pitchFamily="49" charset="0"/>
-              </a:rPr>
-              <a:t>y</a:t>
-            </a:r>
-            <a:r>
-              <a:rPr lang="en-US" altLang="zh-TW" dirty="0">
-                <a:solidFill>
-                  <a:srgbClr val="000000"/>
-                </a:solidFill>
-                <a:latin typeface="Courier New" panose="02070309020205020404" pitchFamily="49" charset="0"/>
-              </a:rPr>
-              <a:t> = </a:t>
-            </a:r>
-            <a:r>
-              <a:rPr lang="en-US" altLang="zh-TW" dirty="0" err="1">
-                <a:solidFill>
-                  <a:srgbClr val="000000"/>
-                </a:solidFill>
-                <a:latin typeface="Courier New" panose="02070309020205020404" pitchFamily="49" charset="0"/>
-              </a:rPr>
-              <a:t>np.random.random</a:t>
-            </a:r>
-            <a:r>
-              <a:rPr lang="en-US" altLang="zh-TW" dirty="0">
-                <a:solidFill>
-                  <a:srgbClr val="000000"/>
-                </a:solidFill>
-                <a:latin typeface="Courier New" panose="02070309020205020404" pitchFamily="49" charset="0"/>
-              </a:rPr>
-              <a:t>(</a:t>
-            </a:r>
-            <a:r>
-              <a:rPr lang="en-US" altLang="zh-TW" dirty="0">
-                <a:solidFill>
-                  <a:srgbClr val="09885A"/>
-                </a:solidFill>
-                <a:latin typeface="Courier New" panose="02070309020205020404" pitchFamily="49" charset="0"/>
-              </a:rPr>
-              <a:t>100</a:t>
-            </a:r>
-            <a:r>
-              <a:rPr lang="en-US" altLang="zh-TW" dirty="0">
-                <a:solidFill>
-                  <a:srgbClr val="000000"/>
-                </a:solidFill>
-                <a:latin typeface="Courier New" panose="02070309020205020404" pitchFamily="49" charset="0"/>
-              </a:rPr>
-              <a:t>)</a:t>
-            </a:r>
-          </a:p>
-          <a:p>
-            <a:r>
-              <a:rPr lang="en-US" altLang="zh-TW" dirty="0">
-                <a:solidFill>
-                  <a:srgbClr val="000000"/>
-                </a:solidFill>
-                <a:latin typeface="Courier New" panose="02070309020205020404" pitchFamily="49" charset="0"/>
-              </a:rPr>
-              <a:t/>
-            </a:r>
-            <a:br>
-              <a:rPr lang="en-US" altLang="zh-TW" dirty="0">
-                <a:solidFill>
-                  <a:srgbClr val="000000"/>
-                </a:solidFill>
-                <a:latin typeface="Courier New" panose="02070309020205020404" pitchFamily="49" charset="0"/>
-              </a:rPr>
-            </a:br>
-            <a:r>
-              <a:rPr lang="en-US" altLang="zh-TW" dirty="0">
-                <a:solidFill>
-                  <a:srgbClr val="008000"/>
-                </a:solidFill>
-                <a:latin typeface="Courier New" panose="02070309020205020404" pitchFamily="49" charset="0"/>
-              </a:rPr>
-              <a:t> </a:t>
-            </a:r>
-            <a:endParaRPr lang="en-US" altLang="zh-TW" dirty="0">
-              <a:solidFill>
-                <a:srgbClr val="000000"/>
-              </a:solidFill>
-              <a:latin typeface="Courier New" panose="02070309020205020404" pitchFamily="49" charset="0"/>
-            </a:endParaRPr>
-          </a:p>
-          <a:p>
-            <a:r>
-              <a:rPr lang="en-US" altLang="zh-TW" dirty="0" err="1">
-                <a:solidFill>
-                  <a:srgbClr val="000000"/>
-                </a:solidFill>
-                <a:latin typeface="Courier New" panose="02070309020205020404" pitchFamily="49" charset="0"/>
-              </a:rPr>
-              <a:t>pl.scatter</a:t>
-            </a:r>
-            <a:r>
-              <a:rPr lang="en-US" altLang="zh-TW" dirty="0">
-                <a:solidFill>
-                  <a:srgbClr val="000000"/>
-                </a:solidFill>
-                <a:latin typeface="Courier New" panose="02070309020205020404" pitchFamily="49" charset="0"/>
-              </a:rPr>
-              <a:t>(</a:t>
-            </a:r>
-            <a:r>
-              <a:rPr lang="en-US" altLang="zh-TW" dirty="0" err="1">
-                <a:solidFill>
-                  <a:srgbClr val="000000"/>
-                </a:solidFill>
-                <a:latin typeface="Courier New" panose="02070309020205020404" pitchFamily="49" charset="0"/>
-              </a:rPr>
-              <a:t>x,y,s</a:t>
-            </a:r>
-            <a:r>
-              <a:rPr lang="en-US" altLang="zh-TW" dirty="0">
-                <a:solidFill>
-                  <a:srgbClr val="000000"/>
-                </a:solidFill>
-                <a:latin typeface="Courier New" panose="02070309020205020404" pitchFamily="49" charset="0"/>
-              </a:rPr>
-              <a:t>=x*</a:t>
-            </a:r>
-            <a:r>
-              <a:rPr lang="en-US" altLang="zh-TW" dirty="0">
-                <a:solidFill>
-                  <a:srgbClr val="09885A"/>
-                </a:solidFill>
-                <a:latin typeface="Courier New" panose="02070309020205020404" pitchFamily="49" charset="0"/>
-              </a:rPr>
-              <a:t>500</a:t>
-            </a:r>
-            <a:r>
-              <a:rPr lang="en-US" altLang="zh-TW" dirty="0">
-                <a:solidFill>
-                  <a:srgbClr val="000000"/>
-                </a:solidFill>
-                <a:latin typeface="Courier New" panose="02070309020205020404" pitchFamily="49" charset="0"/>
-              </a:rPr>
-              <a:t>,c=</a:t>
-            </a:r>
-            <a:r>
-              <a:rPr lang="en-US" altLang="zh-TW" dirty="0" err="1">
-                <a:solidFill>
-                  <a:srgbClr val="000000"/>
-                </a:solidFill>
-                <a:latin typeface="Courier New" panose="02070309020205020404" pitchFamily="49" charset="0"/>
-              </a:rPr>
-              <a:t>u</a:t>
-            </a:r>
-            <a:r>
-              <a:rPr lang="en-US" altLang="zh-TW" dirty="0" err="1">
-                <a:solidFill>
-                  <a:srgbClr val="A31515"/>
-                </a:solidFill>
-                <a:latin typeface="Courier New" panose="02070309020205020404" pitchFamily="49" charset="0"/>
-              </a:rPr>
-              <a:t>'b'</a:t>
-            </a:r>
-            <a:r>
-              <a:rPr lang="en-US" altLang="zh-TW" dirty="0" err="1">
-                <a:solidFill>
-                  <a:srgbClr val="000000"/>
-                </a:solidFill>
-                <a:latin typeface="Courier New" panose="02070309020205020404" pitchFamily="49" charset="0"/>
-              </a:rPr>
-              <a:t>,marker</a:t>
-            </a:r>
-            <a:r>
-              <a:rPr lang="en-US" altLang="zh-TW" dirty="0">
-                <a:solidFill>
-                  <a:srgbClr val="000000"/>
-                </a:solidFill>
-                <a:latin typeface="Courier New" panose="02070309020205020404" pitchFamily="49" charset="0"/>
-              </a:rPr>
-              <a:t>=</a:t>
-            </a:r>
-            <a:r>
-              <a:rPr lang="en-US" altLang="zh-TW" dirty="0" err="1">
-                <a:solidFill>
-                  <a:srgbClr val="000000"/>
-                </a:solidFill>
-                <a:latin typeface="Courier New" panose="02070309020205020404" pitchFamily="49" charset="0"/>
-              </a:rPr>
-              <a:t>u</a:t>
-            </a:r>
-            <a:r>
-              <a:rPr lang="en-US" altLang="zh-TW" dirty="0" err="1">
-                <a:solidFill>
-                  <a:srgbClr val="A31515"/>
-                </a:solidFill>
-                <a:latin typeface="Courier New" panose="02070309020205020404" pitchFamily="49" charset="0"/>
-              </a:rPr>
-              <a:t>'p</a:t>
-            </a:r>
-            <a:r>
-              <a:rPr lang="en-US" altLang="zh-TW" dirty="0">
-                <a:solidFill>
-                  <a:srgbClr val="A31515"/>
-                </a:solidFill>
-                <a:latin typeface="Courier New" panose="02070309020205020404" pitchFamily="49" charset="0"/>
-              </a:rPr>
-              <a:t>'</a:t>
-            </a:r>
-            <a:r>
-              <a:rPr lang="en-US" altLang="zh-TW" dirty="0">
-                <a:solidFill>
-                  <a:srgbClr val="000000"/>
-                </a:solidFill>
-                <a:latin typeface="Courier New" panose="02070309020205020404" pitchFamily="49" charset="0"/>
-              </a:rPr>
-              <a:t>)  </a:t>
-            </a:r>
-          </a:p>
-          <a:p>
-            <a:r>
-              <a:rPr lang="en-US" altLang="zh-TW" dirty="0" err="1">
-                <a:solidFill>
-                  <a:srgbClr val="000000"/>
-                </a:solidFill>
-                <a:latin typeface="Courier New" panose="02070309020205020404" pitchFamily="49" charset="0"/>
-              </a:rPr>
-              <a:t>pl.show</a:t>
-            </a:r>
-            <a:r>
-              <a:rPr lang="en-US" altLang="zh-TW" dirty="0">
-                <a:solidFill>
-                  <a:srgbClr val="000000"/>
-                </a:solidFill>
-                <a:latin typeface="Courier New" panose="02070309020205020404" pitchFamily="49" charset="0"/>
-              </a:rPr>
-              <a:t>()</a:t>
-            </a:r>
-            <a:endParaRPr lang="en-US" altLang="zh-TW" b="0" dirty="0">
-              <a:solidFill>
-                <a:srgbClr val="000000"/>
-              </a:solidFill>
-              <a:effectLst/>
-              <a:latin typeface="Courier New" panose="02070309020205020404" pitchFamily="49" charset="0"/>
-            </a:endParaRPr>
-          </a:p>
-        </p:txBody>
-      </p:sp>
-      <p:sp>
-        <p:nvSpPr>
-          <p:cNvPr id="4" name="矩形 3"/>
-          <p:cNvSpPr/>
-          <p:nvPr/>
-        </p:nvSpPr>
-        <p:spPr>
-          <a:xfrm>
-            <a:off x="972312" y="3096768"/>
-            <a:ext cx="3965448" cy="719328"/>
-          </a:xfrm>
-          <a:prstGeom prst="rect">
-            <a:avLst/>
-          </a:prstGeom>
-          <a:noFill/>
-          <a:ln w="38100">
-            <a:solidFill>
-              <a:srgbClr val="FF0000"/>
-            </a:solidFill>
-          </a:ln>
-        </p:spPr>
-        <p:style>
-          <a:lnRef idx="2">
-            <a:schemeClr val="accent1">
-              <a:shade val="50000"/>
-            </a:schemeClr>
-          </a:lnRef>
-          <a:fillRef idx="1">
-            <a:schemeClr val="accent1"/>
-          </a:fillRef>
-          <a:effectRef idx="0">
-            <a:schemeClr val="accent1"/>
-          </a:effectRef>
-          <a:fontRef idx="minor">
-            <a:schemeClr val="lt1"/>
-          </a:fontRef>
-        </p:style>
-        <p:txBody>
-          <a:bodyPr rtlCol="0" anchor="ctr"/>
-          <a:lstStyle/>
-          <a:p>
-            <a:pPr algn="ctr"/>
-            <a:endParaRPr lang="zh-TW" altLang="en-US"/>
-          </a:p>
-        </p:txBody>
-      </p:sp>
-      <p:sp>
-        <p:nvSpPr>
-          <p:cNvPr id="6" name="文字方塊 5"/>
-          <p:cNvSpPr txBox="1"/>
-          <p:nvPr/>
-        </p:nvSpPr>
-        <p:spPr>
-          <a:xfrm>
-            <a:off x="1450848" y="2727436"/>
-            <a:ext cx="3336036" cy="369332"/>
-          </a:xfrm>
-          <a:prstGeom prst="rect">
-            <a:avLst/>
-          </a:prstGeom>
-          <a:noFill/>
-        </p:spPr>
-        <p:txBody>
-          <a:bodyPr wrap="square" rtlCol="0">
-            <a:spAutoFit/>
-          </a:bodyPr>
-          <a:lstStyle/>
-          <a:p>
-            <a:r>
-              <a:rPr lang="zh-TW" altLang="en-US" dirty="0" smtClean="0"/>
-              <a:t>隨機生成</a:t>
-            </a:r>
-            <a:r>
-              <a:rPr lang="en-US" altLang="zh-TW" dirty="0" smtClean="0"/>
-              <a:t>0~1</a:t>
-            </a:r>
-            <a:r>
-              <a:rPr lang="zh-TW" altLang="en-US" dirty="0" smtClean="0"/>
-              <a:t>的</a:t>
-            </a:r>
-            <a:r>
-              <a:rPr lang="en-US" altLang="zh-TW" dirty="0" smtClean="0"/>
-              <a:t>100</a:t>
-            </a:r>
-            <a:r>
-              <a:rPr lang="zh-TW" altLang="en-US" dirty="0" smtClean="0"/>
-              <a:t>個資料</a:t>
-            </a:r>
-            <a:endParaRPr lang="zh-TW" altLang="en-US" dirty="0"/>
-          </a:p>
-        </p:txBody>
-      </p:sp>
-      <p:sp>
-        <p:nvSpPr>
-          <p:cNvPr id="7" name="矩形 6"/>
-          <p:cNvSpPr/>
-          <p:nvPr/>
-        </p:nvSpPr>
-        <p:spPr>
-          <a:xfrm>
-            <a:off x="7293864" y="1619732"/>
-            <a:ext cx="3631122" cy="369332"/>
-          </a:xfrm>
-          <a:prstGeom prst="rect">
-            <a:avLst/>
-          </a:prstGeom>
-        </p:spPr>
-        <p:txBody>
-          <a:bodyPr wrap="none">
-            <a:spAutoFit/>
-          </a:bodyPr>
-          <a:lstStyle/>
-          <a:p>
-            <a:r>
-              <a:rPr lang="en-US" altLang="zh-TW" dirty="0">
-                <a:solidFill>
-                  <a:srgbClr val="000000"/>
-                </a:solidFill>
-                <a:latin typeface="Courier New" panose="02070309020205020404" pitchFamily="49" charset="0"/>
-              </a:rPr>
-              <a:t>x = </a:t>
-            </a:r>
-            <a:r>
-              <a:rPr lang="en-US" altLang="zh-TW" dirty="0" err="1" smtClean="0">
-                <a:solidFill>
-                  <a:srgbClr val="000000"/>
-                </a:solidFill>
-                <a:latin typeface="Courier New" panose="02070309020205020404" pitchFamily="49" charset="0"/>
-              </a:rPr>
-              <a:t>np.random.random</a:t>
-            </a:r>
-            <a:r>
-              <a:rPr lang="en-US" altLang="zh-TW" dirty="0" smtClean="0">
-                <a:solidFill>
-                  <a:srgbClr val="000000"/>
-                </a:solidFill>
-                <a:latin typeface="Courier New" panose="02070309020205020404" pitchFamily="49" charset="0"/>
-              </a:rPr>
-              <a:t>(</a:t>
-            </a:r>
-            <a:r>
-              <a:rPr lang="en-US" altLang="zh-TW" dirty="0" smtClean="0">
-                <a:solidFill>
-                  <a:srgbClr val="09885A"/>
-                </a:solidFill>
-                <a:latin typeface="Courier New" panose="02070309020205020404" pitchFamily="49" charset="0"/>
-              </a:rPr>
-              <a:t>10</a:t>
-            </a:r>
-            <a:r>
-              <a:rPr lang="en-US" altLang="zh-TW" dirty="0">
-                <a:solidFill>
-                  <a:srgbClr val="000000"/>
-                </a:solidFill>
-                <a:latin typeface="Courier New" panose="02070309020205020404" pitchFamily="49" charset="0"/>
-              </a:rPr>
-              <a:t>)</a:t>
-            </a:r>
-          </a:p>
-        </p:txBody>
-      </p:sp>
-      <p:sp>
-        <p:nvSpPr>
-          <p:cNvPr id="10" name="矩形 9"/>
-          <p:cNvSpPr/>
-          <p:nvPr/>
-        </p:nvSpPr>
-        <p:spPr>
-          <a:xfrm>
-            <a:off x="7293864" y="2366508"/>
-            <a:ext cx="3130296" cy="1754326"/>
-          </a:xfrm>
-          <a:prstGeom prst="rect">
-            <a:avLst/>
-          </a:prstGeom>
-        </p:spPr>
-        <p:txBody>
-          <a:bodyPr wrap="square">
-            <a:spAutoFit/>
-          </a:bodyPr>
-          <a:lstStyle/>
-          <a:p>
-            <a:r>
-              <a:rPr lang="en-US" altLang="zh-TW" dirty="0">
-                <a:solidFill>
-                  <a:srgbClr val="212121"/>
-                </a:solidFill>
-                <a:latin typeface="Courier New" panose="02070309020205020404" pitchFamily="49" charset="0"/>
-              </a:rPr>
-              <a:t>[0.11570619 0.78875665 0.39686784 0.48704091 0.97169284 0.46821603 0.23169899 0.49406479 0.7894499 0.220011 ]</a:t>
-            </a:r>
-            <a:endParaRPr lang="zh-TW" altLang="en-US" dirty="0"/>
-          </a:p>
-        </p:txBody>
-      </p:sp>
-      <p:sp>
-        <p:nvSpPr>
-          <p:cNvPr id="11" name="矩形 10"/>
-          <p:cNvSpPr/>
-          <p:nvPr/>
-        </p:nvSpPr>
-        <p:spPr>
-          <a:xfrm>
-            <a:off x="7181088" y="1619732"/>
-            <a:ext cx="3877056" cy="2632964"/>
-          </a:xfrm>
-          <a:prstGeom prst="rect">
-            <a:avLst/>
-          </a:prstGeom>
-          <a:noFill/>
-          <a:ln w="38100">
-            <a:solidFill>
-              <a:srgbClr val="FF0000"/>
-            </a:solidFill>
-          </a:ln>
-        </p:spPr>
-        <p:style>
-          <a:lnRef idx="2">
-            <a:schemeClr val="accent1">
-              <a:shade val="50000"/>
-            </a:schemeClr>
-          </a:lnRef>
-          <a:fillRef idx="1">
-            <a:schemeClr val="accent1"/>
-          </a:fillRef>
-          <a:effectRef idx="0">
-            <a:schemeClr val="accent1"/>
-          </a:effectRef>
-          <a:fontRef idx="minor">
-            <a:schemeClr val="lt1"/>
-          </a:fontRef>
-        </p:style>
-        <p:txBody>
-          <a:bodyPr rtlCol="0" anchor="ctr"/>
-          <a:lstStyle/>
-          <a:p>
-            <a:pPr algn="ctr"/>
-            <a:endParaRPr lang="zh-TW" altLang="en-US"/>
-          </a:p>
-        </p:txBody>
-      </p:sp>
-      <p:sp>
-        <p:nvSpPr>
-          <p:cNvPr id="12" name="矩形 11"/>
-          <p:cNvSpPr/>
-          <p:nvPr/>
-        </p:nvSpPr>
-        <p:spPr>
-          <a:xfrm>
-            <a:off x="3118866" y="4204472"/>
-            <a:ext cx="3657600" cy="307112"/>
-          </a:xfrm>
-          <a:prstGeom prst="rect">
-            <a:avLst/>
-          </a:prstGeom>
-          <a:noFill/>
-          <a:ln w="28575">
-            <a:solidFill>
-              <a:srgbClr val="FF0000"/>
-            </a:solidFill>
-          </a:ln>
-        </p:spPr>
-        <p:style>
-          <a:lnRef idx="2">
-            <a:schemeClr val="accent1">
-              <a:shade val="50000"/>
-            </a:schemeClr>
-          </a:lnRef>
-          <a:fillRef idx="1">
-            <a:schemeClr val="accent1"/>
-          </a:fillRef>
-          <a:effectRef idx="0">
-            <a:schemeClr val="accent1"/>
-          </a:effectRef>
-          <a:fontRef idx="minor">
-            <a:schemeClr val="lt1"/>
-          </a:fontRef>
-        </p:style>
-        <p:txBody>
-          <a:bodyPr rtlCol="0" anchor="ctr"/>
-          <a:lstStyle/>
-          <a:p>
-            <a:pPr algn="ctr"/>
-            <a:endParaRPr lang="zh-TW" altLang="en-US"/>
-          </a:p>
-        </p:txBody>
-      </p:sp>
-      <p:cxnSp>
-        <p:nvCxnSpPr>
-          <p:cNvPr id="14" name="直線單箭頭接點 13"/>
-          <p:cNvCxnSpPr/>
-          <p:nvPr/>
-        </p:nvCxnSpPr>
-        <p:spPr>
-          <a:xfrm rot="10800000">
-            <a:off x="6953631" y="4364346"/>
-            <a:ext cx="680466" cy="646176"/>
-          </a:xfrm>
-          <a:prstGeom prst="curvedConnector3">
-            <a:avLst>
-              <a:gd name="adj1" fmla="val 50000"/>
-            </a:avLst>
-          </a:prstGeom>
-          <a:ln w="28575">
-            <a:solidFill>
-              <a:srgbClr val="FF0000"/>
-            </a:solidFill>
-            <a:tailEnd type="triangle"/>
-          </a:ln>
-        </p:spPr>
-        <p:style>
-          <a:lnRef idx="1">
-            <a:schemeClr val="accent1"/>
-          </a:lnRef>
-          <a:fillRef idx="0">
-            <a:schemeClr val="accent1"/>
-          </a:fillRef>
-          <a:effectRef idx="0">
-            <a:schemeClr val="accent1"/>
-          </a:effectRef>
-          <a:fontRef idx="minor">
-            <a:schemeClr val="tx1"/>
-          </a:fontRef>
-        </p:style>
-      </p:cxnSp>
-      <p:sp>
-        <p:nvSpPr>
-          <p:cNvPr id="16" name="文字方塊 15"/>
-          <p:cNvSpPr txBox="1"/>
-          <p:nvPr/>
-        </p:nvSpPr>
-        <p:spPr>
-          <a:xfrm>
-            <a:off x="7634096" y="4933002"/>
-            <a:ext cx="3424047" cy="369332"/>
-          </a:xfrm>
-          <a:prstGeom prst="rect">
-            <a:avLst/>
-          </a:prstGeom>
-          <a:noFill/>
-        </p:spPr>
-        <p:txBody>
-          <a:bodyPr wrap="square" rtlCol="0">
-            <a:spAutoFit/>
-          </a:bodyPr>
-          <a:lstStyle/>
-          <a:p>
-            <a:r>
-              <a:rPr lang="en-US" altLang="zh-TW" dirty="0" smtClean="0"/>
-              <a:t>S = </a:t>
-            </a:r>
-            <a:r>
-              <a:rPr lang="zh-TW" altLang="en-US" dirty="0" smtClean="0"/>
-              <a:t>大小</a:t>
-            </a:r>
-            <a:r>
-              <a:rPr lang="en-US" altLang="zh-TW" dirty="0" smtClean="0"/>
-              <a:t>,C=</a:t>
-            </a:r>
-            <a:r>
-              <a:rPr lang="zh-TW" altLang="en-US" dirty="0" smtClean="0"/>
-              <a:t> 顏色</a:t>
-            </a:r>
-            <a:r>
-              <a:rPr lang="en-US" altLang="zh-TW" dirty="0" smtClean="0"/>
-              <a:t>,</a:t>
-            </a:r>
-            <a:r>
-              <a:rPr lang="zh-TW" altLang="en-US" dirty="0" smtClean="0"/>
-              <a:t> </a:t>
-            </a:r>
-            <a:r>
-              <a:rPr lang="en-US" altLang="zh-TW" dirty="0" smtClean="0"/>
-              <a:t>maker=</a:t>
-            </a:r>
-            <a:r>
-              <a:rPr lang="zh-TW" altLang="en-US" dirty="0" smtClean="0"/>
-              <a:t>形狀</a:t>
-            </a:r>
-            <a:endParaRPr lang="zh-TW" altLang="en-US" dirty="0"/>
-          </a:p>
-        </p:txBody>
-      </p:sp>
-      <p:sp>
-        <p:nvSpPr>
-          <p:cNvPr id="17" name="文字方塊 16"/>
-          <p:cNvSpPr txBox="1"/>
-          <p:nvPr/>
-        </p:nvSpPr>
-        <p:spPr>
-          <a:xfrm>
-            <a:off x="3194304" y="633248"/>
-            <a:ext cx="5925312" cy="646331"/>
-          </a:xfrm>
-          <a:prstGeom prst="rect">
-            <a:avLst/>
-          </a:prstGeom>
-          <a:noFill/>
-        </p:spPr>
-        <p:txBody>
-          <a:bodyPr wrap="square" rtlCol="0">
-            <a:spAutoFit/>
-          </a:bodyPr>
-          <a:lstStyle/>
-          <a:p>
-            <a:r>
-              <a:rPr lang="zh-TW" altLang="en-US" dirty="0" smtClean="0"/>
-              <a:t>生成隨機 </a:t>
-            </a:r>
-            <a:r>
-              <a:rPr lang="en-US" altLang="zh-TW" dirty="0" err="1" smtClean="0"/>
-              <a:t>x,y</a:t>
-            </a:r>
-            <a:r>
-              <a:rPr lang="zh-TW" altLang="en-US" dirty="0" smtClean="0"/>
-              <a:t>軸範圍為</a:t>
-            </a:r>
-            <a:r>
-              <a:rPr lang="en-US" altLang="zh-TW" dirty="0" smtClean="0"/>
-              <a:t>0~1</a:t>
-            </a:r>
-            <a:r>
-              <a:rPr lang="zh-TW" altLang="en-US" dirty="0" smtClean="0"/>
-              <a:t>的點，點的圖示為五角形</a:t>
-            </a:r>
-            <a:r>
-              <a:rPr lang="en-US" altLang="zh-TW" dirty="0" smtClean="0"/>
-              <a:t>(p),</a:t>
-            </a:r>
-            <a:r>
-              <a:rPr lang="zh-TW" altLang="en-US" dirty="0" smtClean="0"/>
-              <a:t>顏色為藍色 </a:t>
-            </a:r>
-            <a:endParaRPr lang="zh-TW" altLang="en-US" dirty="0"/>
-          </a:p>
-        </p:txBody>
-      </p:sp>
-    </p:spTree>
-    <p:extLst>
-      <p:ext uri="{BB962C8B-B14F-4D97-AF65-F5344CB8AC3E}">
-        <p14:creationId xmlns:p14="http://schemas.microsoft.com/office/powerpoint/2010/main" val="2677199681"/>
-      </p:ext>
-    </p:extLst>
-  </p:cSld>
-  <p:clrMapOvr>
-    <a:masterClrMapping/>
-  </p:clrMapOvr>
-  <p:timing>
-    <p:tnLst>
-      <p:par>
-        <p:cTn id="1" dur="indefinite" restart="never" nodeType="tmRoot"/>
-      </p:par>
-    </p:tnLst>
-  </p:timing>
-</p:sld>
-</file>
-
-<file path=ppt/slides/slide23.xml><?xml version="1.0" encoding="utf-8"?>
-<p:sld xmlns:a="http://schemas.openxmlformats.org/drawingml/2006/main" xmlns:r="http://schemas.openxmlformats.org/officeDocument/2006/relationships" xmlns:p="http://schemas.openxmlformats.org/presentationml/2006/main">
-  <p:cSld>
-    <p:spTree>
-      <p:nvGrpSpPr>
-        <p:cNvPr id="1" name=""/>
-        <p:cNvGrpSpPr/>
-        <p:nvPr/>
-      </p:nvGrpSpPr>
-      <p:grpSpPr>
-        <a:xfrm>
-          <a:off x="0" y="0"/>
-          <a:ext cx="0" cy="0"/>
-          <a:chOff x="0" y="0"/>
-          <a:chExt cx="0" cy="0"/>
-        </a:xfrm>
-      </p:grpSpPr>
-      <p:sp>
-        <p:nvSpPr>
-          <p:cNvPr id="2" name="標題 1"/>
-          <p:cNvSpPr>
-            <a:spLocks noGrp="1"/>
-          </p:cNvSpPr>
-          <p:nvPr>
-            <p:ph type="title"/>
-          </p:nvPr>
-        </p:nvSpPr>
-        <p:spPr>
-          <a:xfrm>
-            <a:off x="838200" y="365125"/>
-            <a:ext cx="10515600" cy="1325563"/>
-          </a:xfrm>
-        </p:spPr>
-        <p:txBody>
-          <a:bodyPr/>
-          <a:lstStyle/>
-          <a:p>
-            <a:r>
-              <a:rPr lang="zh-TW" altLang="en-US" dirty="0" smtClean="0"/>
-              <a:t>執行結果</a:t>
-            </a:r>
-            <a:endParaRPr lang="zh-TW" altLang="en-US" dirty="0"/>
-          </a:p>
-        </p:txBody>
-      </p:sp>
-      <p:pic>
-        <p:nvPicPr>
-          <p:cNvPr id="3" name="圖片 2"/>
-          <p:cNvPicPr>
-            <a:picLocks noChangeAspect="1"/>
-          </p:cNvPicPr>
-          <p:nvPr/>
-        </p:nvPicPr>
-        <p:blipFill>
-          <a:blip r:embed="rId2">
-            <a:extLst>
-              <a:ext uri="{28A0092B-C50C-407E-A947-70E740481C1C}">
-                <a14:useLocalDpi xmlns:a14="http://schemas.microsoft.com/office/drawing/2010/main" val="0"/>
-              </a:ext>
-            </a:extLst>
-          </a:blip>
-          <a:stretch>
-            <a:fillRect/>
-          </a:stretch>
-        </p:blipFill>
-        <p:spPr>
-          <a:xfrm>
-            <a:off x="3698095" y="1524821"/>
-            <a:ext cx="6819681" cy="4582825"/>
-          </a:xfrm>
-          <a:prstGeom prst="rect">
-            <a:avLst/>
-          </a:prstGeom>
-        </p:spPr>
-      </p:pic>
-      <p:sp>
-        <p:nvSpPr>
-          <p:cNvPr id="4" name="矩形 3"/>
-          <p:cNvSpPr/>
-          <p:nvPr/>
-        </p:nvSpPr>
-        <p:spPr>
-          <a:xfrm>
-            <a:off x="4960552" y="940046"/>
-            <a:ext cx="4294765" cy="584775"/>
-          </a:xfrm>
-          <a:prstGeom prst="rect">
-            <a:avLst/>
-          </a:prstGeom>
-        </p:spPr>
-        <p:txBody>
-          <a:bodyPr wrap="none">
-            <a:spAutoFit/>
-          </a:bodyPr>
-          <a:lstStyle/>
-          <a:p>
-            <a:r>
-              <a:rPr lang="en-US" altLang="zh-TW" sz="3200" dirty="0" smtClean="0">
-                <a:solidFill>
-                  <a:srgbClr val="000000"/>
-                </a:solidFill>
-                <a:latin typeface="Courier New" panose="02070309020205020404" pitchFamily="49" charset="0"/>
-              </a:rPr>
-              <a:t>s=x*</a:t>
-            </a:r>
-            <a:r>
-              <a:rPr lang="en-US" altLang="zh-TW" sz="3200" dirty="0" smtClean="0">
-                <a:solidFill>
-                  <a:srgbClr val="09885A"/>
-                </a:solidFill>
-                <a:latin typeface="Courier New" panose="02070309020205020404" pitchFamily="49" charset="0"/>
-              </a:rPr>
-              <a:t>500</a:t>
-            </a:r>
-            <a:r>
-              <a:rPr lang="zh-TW" altLang="en-US" sz="3200" dirty="0">
-                <a:solidFill>
-                  <a:srgbClr val="09885A"/>
-                </a:solidFill>
-                <a:latin typeface="Courier New" panose="02070309020205020404" pitchFamily="49" charset="0"/>
-              </a:rPr>
-              <a:t> </a:t>
-            </a:r>
-            <a:r>
-              <a:rPr lang="en-US" altLang="zh-TW" sz="3200" dirty="0" smtClean="0">
-                <a:solidFill>
-                  <a:srgbClr val="FF0000"/>
-                </a:solidFill>
-                <a:latin typeface="Courier New" panose="02070309020205020404" pitchFamily="49" charset="0"/>
-              </a:rPr>
-              <a:t>x</a:t>
-            </a:r>
-            <a:r>
-              <a:rPr lang="zh-TW" altLang="en-US" sz="3200" dirty="0" smtClean="0">
-                <a:solidFill>
-                  <a:srgbClr val="FF0000"/>
-                </a:solidFill>
-                <a:latin typeface="Courier New" panose="02070309020205020404" pitchFamily="49" charset="0"/>
-              </a:rPr>
-              <a:t>越大</a:t>
-            </a:r>
-            <a:r>
-              <a:rPr lang="en-US" altLang="zh-TW" sz="3200" dirty="0" smtClean="0">
-                <a:solidFill>
-                  <a:srgbClr val="FF0000"/>
-                </a:solidFill>
-                <a:latin typeface="Courier New" panose="02070309020205020404" pitchFamily="49" charset="0"/>
-              </a:rPr>
-              <a:t>S</a:t>
-            </a:r>
-            <a:r>
-              <a:rPr lang="zh-TW" altLang="en-US" sz="3200" dirty="0" smtClean="0">
-                <a:solidFill>
-                  <a:srgbClr val="FF0000"/>
-                </a:solidFill>
-                <a:latin typeface="Courier New" panose="02070309020205020404" pitchFamily="49" charset="0"/>
-              </a:rPr>
-              <a:t>越大</a:t>
-            </a:r>
-            <a:endParaRPr lang="zh-TW" altLang="en-US" sz="3200" dirty="0">
-              <a:solidFill>
-                <a:srgbClr val="FF0000"/>
-              </a:solidFill>
-            </a:endParaRPr>
-          </a:p>
-        </p:txBody>
-      </p:sp>
-      <p:sp>
-        <p:nvSpPr>
-          <p:cNvPr id="5" name="矩形 4"/>
-          <p:cNvSpPr/>
-          <p:nvPr/>
-        </p:nvSpPr>
-        <p:spPr>
-          <a:xfrm>
-            <a:off x="5489105" y="6107646"/>
-            <a:ext cx="3631122" cy="369332"/>
-          </a:xfrm>
-          <a:prstGeom prst="rect">
-            <a:avLst/>
-          </a:prstGeom>
-        </p:spPr>
-        <p:txBody>
-          <a:bodyPr wrap="none">
-            <a:spAutoFit/>
-          </a:bodyPr>
-          <a:lstStyle/>
-          <a:p>
-            <a:r>
-              <a:rPr lang="en-US" altLang="zh-TW" dirty="0">
-                <a:solidFill>
-                  <a:srgbClr val="000000"/>
-                </a:solidFill>
-                <a:latin typeface="Courier New" panose="02070309020205020404" pitchFamily="49" charset="0"/>
-              </a:rPr>
-              <a:t>x = </a:t>
-            </a:r>
-            <a:r>
-              <a:rPr lang="en-US" altLang="zh-TW" dirty="0" err="1">
-                <a:solidFill>
-                  <a:srgbClr val="000000"/>
-                </a:solidFill>
-                <a:latin typeface="Courier New" panose="02070309020205020404" pitchFamily="49" charset="0"/>
-              </a:rPr>
-              <a:t>np.random.random</a:t>
-            </a:r>
-            <a:r>
-              <a:rPr lang="en-US" altLang="zh-TW" dirty="0">
-                <a:solidFill>
-                  <a:srgbClr val="000000"/>
-                </a:solidFill>
-                <a:latin typeface="Courier New" panose="02070309020205020404" pitchFamily="49" charset="0"/>
-              </a:rPr>
-              <a:t>(</a:t>
-            </a:r>
-            <a:r>
-              <a:rPr lang="en-US" altLang="zh-TW" dirty="0">
-                <a:solidFill>
-                  <a:srgbClr val="09885A"/>
-                </a:solidFill>
-                <a:latin typeface="Courier New" panose="02070309020205020404" pitchFamily="49" charset="0"/>
-              </a:rPr>
-              <a:t>100</a:t>
-            </a:r>
-            <a:r>
-              <a:rPr lang="en-US" altLang="zh-TW" dirty="0">
-                <a:solidFill>
-                  <a:srgbClr val="000000"/>
-                </a:solidFill>
-                <a:latin typeface="Courier New" panose="02070309020205020404" pitchFamily="49" charset="0"/>
-              </a:rPr>
-              <a:t>)</a:t>
-            </a:r>
-          </a:p>
-        </p:txBody>
-      </p:sp>
-      <p:sp>
-        <p:nvSpPr>
-          <p:cNvPr id="6" name="矩形 5"/>
-          <p:cNvSpPr/>
-          <p:nvPr/>
-        </p:nvSpPr>
-        <p:spPr>
-          <a:xfrm>
-            <a:off x="354615" y="3466464"/>
-            <a:ext cx="3631122" cy="369332"/>
-          </a:xfrm>
-          <a:prstGeom prst="rect">
-            <a:avLst/>
-          </a:prstGeom>
-        </p:spPr>
-        <p:txBody>
-          <a:bodyPr wrap="none">
-            <a:spAutoFit/>
-          </a:bodyPr>
-          <a:lstStyle/>
-          <a:p>
-            <a:r>
-              <a:rPr lang="en-US" altLang="zh-TW" dirty="0">
-                <a:solidFill>
-                  <a:srgbClr val="000000"/>
-                </a:solidFill>
-                <a:latin typeface="Courier New" panose="02070309020205020404" pitchFamily="49" charset="0"/>
-              </a:rPr>
-              <a:t>y = </a:t>
-            </a:r>
-            <a:r>
-              <a:rPr lang="en-US" altLang="zh-TW" dirty="0" err="1">
-                <a:solidFill>
-                  <a:srgbClr val="000000"/>
-                </a:solidFill>
-                <a:latin typeface="Courier New" panose="02070309020205020404" pitchFamily="49" charset="0"/>
-              </a:rPr>
-              <a:t>np.random.random</a:t>
-            </a:r>
-            <a:r>
-              <a:rPr lang="en-US" altLang="zh-TW" dirty="0">
-                <a:solidFill>
-                  <a:srgbClr val="000000"/>
-                </a:solidFill>
-                <a:latin typeface="Courier New" panose="02070309020205020404" pitchFamily="49" charset="0"/>
-              </a:rPr>
-              <a:t>(</a:t>
-            </a:r>
-            <a:r>
-              <a:rPr lang="en-US" altLang="zh-TW" dirty="0">
-                <a:solidFill>
-                  <a:srgbClr val="09885A"/>
-                </a:solidFill>
-                <a:latin typeface="Courier New" panose="02070309020205020404" pitchFamily="49" charset="0"/>
-              </a:rPr>
-              <a:t>100</a:t>
-            </a:r>
-            <a:r>
-              <a:rPr lang="en-US" altLang="zh-TW" dirty="0">
-                <a:solidFill>
-                  <a:srgbClr val="000000"/>
-                </a:solidFill>
-                <a:latin typeface="Courier New" panose="02070309020205020404" pitchFamily="49" charset="0"/>
-              </a:rPr>
-              <a:t>)</a:t>
-            </a:r>
-          </a:p>
-        </p:txBody>
-      </p:sp>
-    </p:spTree>
-    <p:extLst>
-      <p:ext uri="{BB962C8B-B14F-4D97-AF65-F5344CB8AC3E}">
-        <p14:creationId xmlns:p14="http://schemas.microsoft.com/office/powerpoint/2010/main" val="3899301533"/>
-      </p:ext>
-    </p:extLst>
-  </p:cSld>
-  <p:clrMapOvr>
-    <a:masterClrMapping/>
-  </p:clrMapOvr>
-  <p:timing>
-    <p:tnLst>
-      <p:par>
-        <p:cTn id="1" dur="indefinite" restart="never" nodeType="tmRoot"/>
-      </p:par>
-    </p:tnLst>
-  </p:timing>
-</p:sld>
-</file>
-
-<file path=ppt/slides/slide3.xml><?xml version="1.0" encoding="utf-8"?>
+<file path=ppt/slides/slide2.xml><?xml version="1.0" encoding="utf-8"?>
 <p:sld xmlns:a="http://schemas.openxmlformats.org/drawingml/2006/main" xmlns:r="http://schemas.openxmlformats.org/officeDocument/2006/relationships" xmlns:p="http://schemas.openxmlformats.org/presentationml/2006/main">
   <p:cSld>
     <p:spTree>
@@ -8861,7 +6315,1875 @@
 </p:sld>
 </file>
 
-<file path=ppt/slides/slide4.xml><?xml version="1.0" encoding="utf-8"?>
+<file path=ppt/slides/slide20.xml><?xml version="1.0" encoding="utf-8"?>
+<p:sld xmlns:a="http://schemas.openxmlformats.org/drawingml/2006/main" xmlns:r="http://schemas.openxmlformats.org/officeDocument/2006/relationships" xmlns:p="http://schemas.openxmlformats.org/presentationml/2006/main">
+  <p:cSld>
+    <p:spTree>
+      <p:nvGrpSpPr>
+        <p:cNvPr id="1" name=""/>
+        <p:cNvGrpSpPr/>
+        <p:nvPr/>
+      </p:nvGrpSpPr>
+      <p:grpSpPr>
+        <a:xfrm>
+          <a:off x="0" y="0"/>
+          <a:ext cx="0" cy="0"/>
+          <a:chOff x="0" y="0"/>
+          <a:chExt cx="0" cy="0"/>
+        </a:xfrm>
+      </p:grpSpPr>
+      <p:sp>
+        <p:nvSpPr>
+          <p:cNvPr id="2" name="標題 1"/>
+          <p:cNvSpPr>
+            <a:spLocks noGrp="1"/>
+          </p:cNvSpPr>
+          <p:nvPr>
+            <p:ph type="title"/>
+          </p:nvPr>
+        </p:nvSpPr>
+        <p:spPr/>
+        <p:txBody>
+          <a:bodyPr/>
+          <a:lstStyle/>
+          <a:p>
+            <a:r>
+              <a:rPr lang="zh-TW" altLang="en-US" dirty="0" smtClean="0"/>
+              <a:t>作業</a:t>
+            </a:r>
+            <a:r>
+              <a:rPr lang="en-US" altLang="zh-TW" dirty="0" smtClean="0"/>
+              <a:t>4:</a:t>
+            </a:r>
+            <a:r>
+              <a:rPr lang="zh-TW" altLang="en-US" dirty="0" smtClean="0"/>
+              <a:t>生成下</a:t>
+            </a:r>
+            <a:r>
+              <a:rPr lang="zh-TW" altLang="en-US" dirty="0"/>
+              <a:t>圖</a:t>
+            </a:r>
+          </a:p>
+        </p:txBody>
+      </p:sp>
+      <p:pic>
+        <p:nvPicPr>
+          <p:cNvPr id="3" name="圖片 2"/>
+          <p:cNvPicPr>
+            <a:picLocks noChangeAspect="1"/>
+          </p:cNvPicPr>
+          <p:nvPr/>
+        </p:nvPicPr>
+        <p:blipFill>
+          <a:blip r:embed="rId2">
+            <a:extLst>
+              <a:ext uri="{28A0092B-C50C-407E-A947-70E740481C1C}">
+                <a14:useLocalDpi xmlns:a14="http://schemas.microsoft.com/office/drawing/2010/main" val="0"/>
+              </a:ext>
+            </a:extLst>
+          </a:blip>
+          <a:stretch>
+            <a:fillRect/>
+          </a:stretch>
+        </p:blipFill>
+        <p:spPr>
+          <a:xfrm>
+            <a:off x="2686159" y="1520000"/>
+            <a:ext cx="6819681" cy="4582825"/>
+          </a:xfrm>
+          <a:prstGeom prst="rect">
+            <a:avLst/>
+          </a:prstGeom>
+        </p:spPr>
+      </p:pic>
+    </p:spTree>
+    <p:extLst>
+      <p:ext uri="{BB962C8B-B14F-4D97-AF65-F5344CB8AC3E}">
+        <p14:creationId xmlns:p14="http://schemas.microsoft.com/office/powerpoint/2010/main" val="2034871664"/>
+      </p:ext>
+    </p:extLst>
+  </p:cSld>
+  <p:clrMapOvr>
+    <a:masterClrMapping/>
+  </p:clrMapOvr>
+</p:sld>
+</file>
+
+<file path=ppt/slides/slide21.xml><?xml version="1.0" encoding="utf-8"?>
+<p:sld xmlns:a="http://schemas.openxmlformats.org/drawingml/2006/main" xmlns:r="http://schemas.openxmlformats.org/officeDocument/2006/relationships" xmlns:p="http://schemas.openxmlformats.org/presentationml/2006/main">
+  <p:cSld>
+    <p:spTree>
+      <p:nvGrpSpPr>
+        <p:cNvPr id="1" name=""/>
+        <p:cNvGrpSpPr/>
+        <p:nvPr/>
+      </p:nvGrpSpPr>
+      <p:grpSpPr>
+        <a:xfrm>
+          <a:off x="0" y="0"/>
+          <a:ext cx="0" cy="0"/>
+          <a:chOff x="0" y="0"/>
+          <a:chExt cx="0" cy="0"/>
+        </a:xfrm>
+      </p:grpSpPr>
+      <p:sp>
+        <p:nvSpPr>
+          <p:cNvPr id="2" name="標題 1"/>
+          <p:cNvSpPr>
+            <a:spLocks noGrp="1"/>
+          </p:cNvSpPr>
+          <p:nvPr>
+            <p:ph type="title"/>
+          </p:nvPr>
+        </p:nvSpPr>
+        <p:spPr/>
+        <p:txBody>
+          <a:bodyPr/>
+          <a:lstStyle/>
+          <a:p>
+            <a:r>
+              <a:rPr lang="zh-TW" altLang="en-US" dirty="0" smtClean="0"/>
+              <a:t>程式碼</a:t>
+            </a:r>
+            <a:endParaRPr lang="zh-TW" altLang="en-US" dirty="0"/>
+          </a:p>
+        </p:txBody>
+      </p:sp>
+      <p:sp>
+        <p:nvSpPr>
+          <p:cNvPr id="3" name="矩形 2"/>
+          <p:cNvSpPr/>
+          <p:nvPr/>
+        </p:nvSpPr>
+        <p:spPr>
+          <a:xfrm>
+            <a:off x="1085088" y="1989064"/>
+            <a:ext cx="6096000" cy="3139321"/>
+          </a:xfrm>
+          <a:prstGeom prst="rect">
+            <a:avLst/>
+          </a:prstGeom>
+        </p:spPr>
+        <p:txBody>
+          <a:bodyPr>
+            <a:spAutoFit/>
+          </a:bodyPr>
+          <a:lstStyle/>
+          <a:p>
+            <a:r>
+              <a:rPr lang="en-US" altLang="zh-TW" dirty="0">
+                <a:solidFill>
+                  <a:srgbClr val="AF00DB"/>
+                </a:solidFill>
+                <a:latin typeface="Courier New" panose="02070309020205020404" pitchFamily="49" charset="0"/>
+              </a:rPr>
+              <a:t>import</a:t>
+            </a:r>
+            <a:r>
+              <a:rPr lang="en-US" altLang="zh-TW" dirty="0">
+                <a:solidFill>
+                  <a:srgbClr val="000000"/>
+                </a:solidFill>
+                <a:latin typeface="Courier New" panose="02070309020205020404" pitchFamily="49" charset="0"/>
+              </a:rPr>
+              <a:t> </a:t>
+            </a:r>
+            <a:r>
+              <a:rPr lang="en-US" altLang="zh-TW" dirty="0" err="1">
+                <a:solidFill>
+                  <a:srgbClr val="000000"/>
+                </a:solidFill>
+                <a:latin typeface="Courier New" panose="02070309020205020404" pitchFamily="49" charset="0"/>
+              </a:rPr>
+              <a:t>matplotlib.pylab</a:t>
+            </a:r>
+            <a:r>
+              <a:rPr lang="en-US" altLang="zh-TW" dirty="0">
+                <a:solidFill>
+                  <a:srgbClr val="000000"/>
+                </a:solidFill>
+                <a:latin typeface="Courier New" panose="02070309020205020404" pitchFamily="49" charset="0"/>
+              </a:rPr>
+              <a:t> </a:t>
+            </a:r>
+            <a:r>
+              <a:rPr lang="en-US" altLang="zh-TW" dirty="0">
+                <a:solidFill>
+                  <a:srgbClr val="AF00DB"/>
+                </a:solidFill>
+                <a:latin typeface="Courier New" panose="02070309020205020404" pitchFamily="49" charset="0"/>
+              </a:rPr>
+              <a:t>as</a:t>
+            </a:r>
+            <a:r>
+              <a:rPr lang="en-US" altLang="zh-TW" dirty="0">
+                <a:solidFill>
+                  <a:srgbClr val="000000"/>
+                </a:solidFill>
+                <a:latin typeface="Courier New" panose="02070309020205020404" pitchFamily="49" charset="0"/>
+              </a:rPr>
+              <a:t> </a:t>
+            </a:r>
+            <a:r>
+              <a:rPr lang="en-US" altLang="zh-TW" dirty="0" err="1">
+                <a:solidFill>
+                  <a:srgbClr val="000000"/>
+                </a:solidFill>
+                <a:latin typeface="Courier New" panose="02070309020205020404" pitchFamily="49" charset="0"/>
+              </a:rPr>
+              <a:t>pl</a:t>
+            </a:r>
+            <a:endParaRPr lang="en-US" altLang="zh-TW" dirty="0">
+              <a:solidFill>
+                <a:srgbClr val="000000"/>
+              </a:solidFill>
+              <a:latin typeface="Courier New" panose="02070309020205020404" pitchFamily="49" charset="0"/>
+            </a:endParaRPr>
+          </a:p>
+          <a:p>
+            <a:r>
+              <a:rPr lang="en-US" altLang="zh-TW" dirty="0">
+                <a:solidFill>
+                  <a:srgbClr val="AF00DB"/>
+                </a:solidFill>
+                <a:latin typeface="Courier New" panose="02070309020205020404" pitchFamily="49" charset="0"/>
+              </a:rPr>
+              <a:t>import</a:t>
+            </a:r>
+            <a:r>
+              <a:rPr lang="en-US" altLang="zh-TW" dirty="0">
+                <a:solidFill>
+                  <a:srgbClr val="000000"/>
+                </a:solidFill>
+                <a:latin typeface="Courier New" panose="02070309020205020404" pitchFamily="49" charset="0"/>
+              </a:rPr>
+              <a:t> </a:t>
+            </a:r>
+            <a:r>
+              <a:rPr lang="en-US" altLang="zh-TW" dirty="0" err="1">
+                <a:solidFill>
+                  <a:srgbClr val="000000"/>
+                </a:solidFill>
+                <a:latin typeface="Courier New" panose="02070309020205020404" pitchFamily="49" charset="0"/>
+              </a:rPr>
+              <a:t>numpy</a:t>
+            </a:r>
+            <a:r>
+              <a:rPr lang="en-US" altLang="zh-TW" dirty="0">
+                <a:solidFill>
+                  <a:srgbClr val="000000"/>
+                </a:solidFill>
+                <a:latin typeface="Courier New" panose="02070309020205020404" pitchFamily="49" charset="0"/>
+              </a:rPr>
+              <a:t> </a:t>
+            </a:r>
+            <a:r>
+              <a:rPr lang="en-US" altLang="zh-TW" dirty="0">
+                <a:solidFill>
+                  <a:srgbClr val="AF00DB"/>
+                </a:solidFill>
+                <a:latin typeface="Courier New" panose="02070309020205020404" pitchFamily="49" charset="0"/>
+              </a:rPr>
+              <a:t>as</a:t>
+            </a:r>
+            <a:r>
+              <a:rPr lang="en-US" altLang="zh-TW" dirty="0">
+                <a:solidFill>
+                  <a:srgbClr val="000000"/>
+                </a:solidFill>
+                <a:latin typeface="Courier New" panose="02070309020205020404" pitchFamily="49" charset="0"/>
+              </a:rPr>
+              <a:t> np</a:t>
+            </a:r>
+          </a:p>
+          <a:p>
+            <a:r>
+              <a:rPr lang="en-US" altLang="zh-TW" dirty="0">
+                <a:solidFill>
+                  <a:srgbClr val="000000"/>
+                </a:solidFill>
+                <a:latin typeface="Courier New" panose="02070309020205020404" pitchFamily="49" charset="0"/>
+              </a:rPr>
+              <a:t/>
+            </a:r>
+            <a:br>
+              <a:rPr lang="en-US" altLang="zh-TW" dirty="0">
+                <a:solidFill>
+                  <a:srgbClr val="000000"/>
+                </a:solidFill>
+                <a:latin typeface="Courier New" panose="02070309020205020404" pitchFamily="49" charset="0"/>
+              </a:rPr>
+            </a:br>
+            <a:r>
+              <a:rPr lang="en-US" altLang="zh-TW" dirty="0">
+                <a:solidFill>
+                  <a:srgbClr val="000000"/>
+                </a:solidFill>
+                <a:latin typeface="Courier New" panose="02070309020205020404" pitchFamily="49" charset="0"/>
+              </a:rPr>
+              <a:t/>
+            </a:r>
+            <a:br>
+              <a:rPr lang="en-US" altLang="zh-TW" dirty="0">
+                <a:solidFill>
+                  <a:srgbClr val="000000"/>
+                </a:solidFill>
+                <a:latin typeface="Courier New" panose="02070309020205020404" pitchFamily="49" charset="0"/>
+              </a:rPr>
+            </a:br>
+            <a:r>
+              <a:rPr lang="en-US" altLang="zh-TW" dirty="0">
+                <a:solidFill>
+                  <a:srgbClr val="000000"/>
+                </a:solidFill>
+                <a:latin typeface="Courier New" panose="02070309020205020404" pitchFamily="49" charset="0"/>
+              </a:rPr>
+              <a:t>x = </a:t>
+            </a:r>
+            <a:r>
+              <a:rPr lang="en-US" altLang="zh-TW" dirty="0" err="1">
+                <a:solidFill>
+                  <a:srgbClr val="000000"/>
+                </a:solidFill>
+                <a:latin typeface="Courier New" panose="02070309020205020404" pitchFamily="49" charset="0"/>
+              </a:rPr>
+              <a:t>np.random.random</a:t>
+            </a:r>
+            <a:r>
+              <a:rPr lang="en-US" altLang="zh-TW" dirty="0">
+                <a:solidFill>
+                  <a:srgbClr val="000000"/>
+                </a:solidFill>
+                <a:latin typeface="Courier New" panose="02070309020205020404" pitchFamily="49" charset="0"/>
+              </a:rPr>
+              <a:t>(</a:t>
+            </a:r>
+            <a:r>
+              <a:rPr lang="en-US" altLang="zh-TW" dirty="0">
+                <a:solidFill>
+                  <a:srgbClr val="09885A"/>
+                </a:solidFill>
+                <a:latin typeface="Courier New" panose="02070309020205020404" pitchFamily="49" charset="0"/>
+              </a:rPr>
+              <a:t>100</a:t>
+            </a:r>
+            <a:r>
+              <a:rPr lang="en-US" altLang="zh-TW" dirty="0">
+                <a:solidFill>
+                  <a:srgbClr val="000000"/>
+                </a:solidFill>
+                <a:latin typeface="Courier New" panose="02070309020205020404" pitchFamily="49" charset="0"/>
+              </a:rPr>
+              <a:t>)</a:t>
+            </a:r>
+          </a:p>
+          <a:p>
+            <a:r>
+              <a:rPr lang="en-US" altLang="zh-TW" dirty="0" smtClean="0">
+                <a:solidFill>
+                  <a:srgbClr val="000000"/>
+                </a:solidFill>
+                <a:latin typeface="Courier New" panose="02070309020205020404" pitchFamily="49" charset="0"/>
+              </a:rPr>
+              <a:t>y</a:t>
+            </a:r>
+            <a:r>
+              <a:rPr lang="en-US" altLang="zh-TW" dirty="0">
+                <a:solidFill>
+                  <a:srgbClr val="000000"/>
+                </a:solidFill>
+                <a:latin typeface="Courier New" panose="02070309020205020404" pitchFamily="49" charset="0"/>
+              </a:rPr>
+              <a:t> = </a:t>
+            </a:r>
+            <a:r>
+              <a:rPr lang="en-US" altLang="zh-TW" dirty="0" err="1">
+                <a:solidFill>
+                  <a:srgbClr val="000000"/>
+                </a:solidFill>
+                <a:latin typeface="Courier New" panose="02070309020205020404" pitchFamily="49" charset="0"/>
+              </a:rPr>
+              <a:t>np.random.random</a:t>
+            </a:r>
+            <a:r>
+              <a:rPr lang="en-US" altLang="zh-TW" dirty="0">
+                <a:solidFill>
+                  <a:srgbClr val="000000"/>
+                </a:solidFill>
+                <a:latin typeface="Courier New" panose="02070309020205020404" pitchFamily="49" charset="0"/>
+              </a:rPr>
+              <a:t>(</a:t>
+            </a:r>
+            <a:r>
+              <a:rPr lang="en-US" altLang="zh-TW" dirty="0">
+                <a:solidFill>
+                  <a:srgbClr val="09885A"/>
+                </a:solidFill>
+                <a:latin typeface="Courier New" panose="02070309020205020404" pitchFamily="49" charset="0"/>
+              </a:rPr>
+              <a:t>100</a:t>
+            </a:r>
+            <a:r>
+              <a:rPr lang="en-US" altLang="zh-TW" dirty="0">
+                <a:solidFill>
+                  <a:srgbClr val="000000"/>
+                </a:solidFill>
+                <a:latin typeface="Courier New" panose="02070309020205020404" pitchFamily="49" charset="0"/>
+              </a:rPr>
+              <a:t>)</a:t>
+            </a:r>
+          </a:p>
+          <a:p>
+            <a:r>
+              <a:rPr lang="en-US" altLang="zh-TW" dirty="0">
+                <a:solidFill>
+                  <a:srgbClr val="000000"/>
+                </a:solidFill>
+                <a:latin typeface="Courier New" panose="02070309020205020404" pitchFamily="49" charset="0"/>
+              </a:rPr>
+              <a:t/>
+            </a:r>
+            <a:br>
+              <a:rPr lang="en-US" altLang="zh-TW" dirty="0">
+                <a:solidFill>
+                  <a:srgbClr val="000000"/>
+                </a:solidFill>
+                <a:latin typeface="Courier New" panose="02070309020205020404" pitchFamily="49" charset="0"/>
+              </a:rPr>
+            </a:br>
+            <a:r>
+              <a:rPr lang="en-US" altLang="zh-TW" dirty="0">
+                <a:solidFill>
+                  <a:srgbClr val="008000"/>
+                </a:solidFill>
+                <a:latin typeface="Courier New" panose="02070309020205020404" pitchFamily="49" charset="0"/>
+              </a:rPr>
+              <a:t> </a:t>
+            </a:r>
+            <a:endParaRPr lang="en-US" altLang="zh-TW" dirty="0">
+              <a:solidFill>
+                <a:srgbClr val="000000"/>
+              </a:solidFill>
+              <a:latin typeface="Courier New" panose="02070309020205020404" pitchFamily="49" charset="0"/>
+            </a:endParaRPr>
+          </a:p>
+          <a:p>
+            <a:r>
+              <a:rPr lang="en-US" altLang="zh-TW" dirty="0" err="1">
+                <a:solidFill>
+                  <a:srgbClr val="000000"/>
+                </a:solidFill>
+                <a:latin typeface="Courier New" panose="02070309020205020404" pitchFamily="49" charset="0"/>
+              </a:rPr>
+              <a:t>pl.scatter</a:t>
+            </a:r>
+            <a:r>
+              <a:rPr lang="en-US" altLang="zh-TW" dirty="0">
+                <a:solidFill>
+                  <a:srgbClr val="000000"/>
+                </a:solidFill>
+                <a:latin typeface="Courier New" panose="02070309020205020404" pitchFamily="49" charset="0"/>
+              </a:rPr>
+              <a:t>(</a:t>
+            </a:r>
+            <a:r>
+              <a:rPr lang="en-US" altLang="zh-TW" dirty="0" err="1">
+                <a:solidFill>
+                  <a:srgbClr val="000000"/>
+                </a:solidFill>
+                <a:latin typeface="Courier New" panose="02070309020205020404" pitchFamily="49" charset="0"/>
+              </a:rPr>
+              <a:t>x,y,s</a:t>
+            </a:r>
+            <a:r>
+              <a:rPr lang="en-US" altLang="zh-TW" dirty="0">
+                <a:solidFill>
+                  <a:srgbClr val="000000"/>
+                </a:solidFill>
+                <a:latin typeface="Courier New" panose="02070309020205020404" pitchFamily="49" charset="0"/>
+              </a:rPr>
+              <a:t>=x*</a:t>
+            </a:r>
+            <a:r>
+              <a:rPr lang="en-US" altLang="zh-TW" dirty="0">
+                <a:solidFill>
+                  <a:srgbClr val="09885A"/>
+                </a:solidFill>
+                <a:latin typeface="Courier New" panose="02070309020205020404" pitchFamily="49" charset="0"/>
+              </a:rPr>
+              <a:t>500</a:t>
+            </a:r>
+            <a:r>
+              <a:rPr lang="en-US" altLang="zh-TW" dirty="0">
+                <a:solidFill>
+                  <a:srgbClr val="000000"/>
+                </a:solidFill>
+                <a:latin typeface="Courier New" panose="02070309020205020404" pitchFamily="49" charset="0"/>
+              </a:rPr>
+              <a:t>,c=</a:t>
+            </a:r>
+            <a:r>
+              <a:rPr lang="en-US" altLang="zh-TW" dirty="0" err="1">
+                <a:solidFill>
+                  <a:srgbClr val="000000"/>
+                </a:solidFill>
+                <a:latin typeface="Courier New" panose="02070309020205020404" pitchFamily="49" charset="0"/>
+              </a:rPr>
+              <a:t>u</a:t>
+            </a:r>
+            <a:r>
+              <a:rPr lang="en-US" altLang="zh-TW" dirty="0" err="1">
+                <a:solidFill>
+                  <a:srgbClr val="A31515"/>
+                </a:solidFill>
+                <a:latin typeface="Courier New" panose="02070309020205020404" pitchFamily="49" charset="0"/>
+              </a:rPr>
+              <a:t>'b'</a:t>
+            </a:r>
+            <a:r>
+              <a:rPr lang="en-US" altLang="zh-TW" dirty="0" err="1">
+                <a:solidFill>
+                  <a:srgbClr val="000000"/>
+                </a:solidFill>
+                <a:latin typeface="Courier New" panose="02070309020205020404" pitchFamily="49" charset="0"/>
+              </a:rPr>
+              <a:t>,marker</a:t>
+            </a:r>
+            <a:r>
+              <a:rPr lang="en-US" altLang="zh-TW" dirty="0">
+                <a:solidFill>
+                  <a:srgbClr val="000000"/>
+                </a:solidFill>
+                <a:latin typeface="Courier New" panose="02070309020205020404" pitchFamily="49" charset="0"/>
+              </a:rPr>
+              <a:t>=</a:t>
+            </a:r>
+            <a:r>
+              <a:rPr lang="en-US" altLang="zh-TW" dirty="0" err="1">
+                <a:solidFill>
+                  <a:srgbClr val="000000"/>
+                </a:solidFill>
+                <a:latin typeface="Courier New" panose="02070309020205020404" pitchFamily="49" charset="0"/>
+              </a:rPr>
+              <a:t>u</a:t>
+            </a:r>
+            <a:r>
+              <a:rPr lang="en-US" altLang="zh-TW" dirty="0" err="1">
+                <a:solidFill>
+                  <a:srgbClr val="A31515"/>
+                </a:solidFill>
+                <a:latin typeface="Courier New" panose="02070309020205020404" pitchFamily="49" charset="0"/>
+              </a:rPr>
+              <a:t>'p</a:t>
+            </a:r>
+            <a:r>
+              <a:rPr lang="en-US" altLang="zh-TW" dirty="0">
+                <a:solidFill>
+                  <a:srgbClr val="A31515"/>
+                </a:solidFill>
+                <a:latin typeface="Courier New" panose="02070309020205020404" pitchFamily="49" charset="0"/>
+              </a:rPr>
+              <a:t>'</a:t>
+            </a:r>
+            <a:r>
+              <a:rPr lang="en-US" altLang="zh-TW" dirty="0">
+                <a:solidFill>
+                  <a:srgbClr val="000000"/>
+                </a:solidFill>
+                <a:latin typeface="Courier New" panose="02070309020205020404" pitchFamily="49" charset="0"/>
+              </a:rPr>
+              <a:t>)  </a:t>
+            </a:r>
+          </a:p>
+          <a:p>
+            <a:r>
+              <a:rPr lang="en-US" altLang="zh-TW" dirty="0" err="1">
+                <a:solidFill>
+                  <a:srgbClr val="000000"/>
+                </a:solidFill>
+                <a:latin typeface="Courier New" panose="02070309020205020404" pitchFamily="49" charset="0"/>
+              </a:rPr>
+              <a:t>pl.show</a:t>
+            </a:r>
+            <a:r>
+              <a:rPr lang="en-US" altLang="zh-TW" dirty="0">
+                <a:solidFill>
+                  <a:srgbClr val="000000"/>
+                </a:solidFill>
+                <a:latin typeface="Courier New" panose="02070309020205020404" pitchFamily="49" charset="0"/>
+              </a:rPr>
+              <a:t>()</a:t>
+            </a:r>
+            <a:endParaRPr lang="en-US" altLang="zh-TW" b="0" dirty="0">
+              <a:solidFill>
+                <a:srgbClr val="000000"/>
+              </a:solidFill>
+              <a:effectLst/>
+              <a:latin typeface="Courier New" panose="02070309020205020404" pitchFamily="49" charset="0"/>
+            </a:endParaRPr>
+          </a:p>
+        </p:txBody>
+      </p:sp>
+      <p:sp>
+        <p:nvSpPr>
+          <p:cNvPr id="4" name="矩形 3"/>
+          <p:cNvSpPr/>
+          <p:nvPr/>
+        </p:nvSpPr>
+        <p:spPr>
+          <a:xfrm>
+            <a:off x="972312" y="3096768"/>
+            <a:ext cx="3965448" cy="719328"/>
+          </a:xfrm>
+          <a:prstGeom prst="rect">
+            <a:avLst/>
+          </a:prstGeom>
+          <a:noFill/>
+          <a:ln w="38100">
+            <a:solidFill>
+              <a:srgbClr val="FF0000"/>
+            </a:solidFill>
+          </a:ln>
+        </p:spPr>
+        <p:style>
+          <a:lnRef idx="2">
+            <a:schemeClr val="accent1">
+              <a:shade val="50000"/>
+            </a:schemeClr>
+          </a:lnRef>
+          <a:fillRef idx="1">
+            <a:schemeClr val="accent1"/>
+          </a:fillRef>
+          <a:effectRef idx="0">
+            <a:schemeClr val="accent1"/>
+          </a:effectRef>
+          <a:fontRef idx="minor">
+            <a:schemeClr val="lt1"/>
+          </a:fontRef>
+        </p:style>
+        <p:txBody>
+          <a:bodyPr rtlCol="0" anchor="ctr"/>
+          <a:lstStyle/>
+          <a:p>
+            <a:pPr algn="ctr"/>
+            <a:endParaRPr lang="zh-TW" altLang="en-US"/>
+          </a:p>
+        </p:txBody>
+      </p:sp>
+      <p:sp>
+        <p:nvSpPr>
+          <p:cNvPr id="6" name="文字方塊 5"/>
+          <p:cNvSpPr txBox="1"/>
+          <p:nvPr/>
+        </p:nvSpPr>
+        <p:spPr>
+          <a:xfrm>
+            <a:off x="1450848" y="2727436"/>
+            <a:ext cx="3336036" cy="369332"/>
+          </a:xfrm>
+          <a:prstGeom prst="rect">
+            <a:avLst/>
+          </a:prstGeom>
+          <a:noFill/>
+        </p:spPr>
+        <p:txBody>
+          <a:bodyPr wrap="square" rtlCol="0">
+            <a:spAutoFit/>
+          </a:bodyPr>
+          <a:lstStyle/>
+          <a:p>
+            <a:r>
+              <a:rPr lang="zh-TW" altLang="en-US" dirty="0" smtClean="0"/>
+              <a:t>隨機生成</a:t>
+            </a:r>
+            <a:r>
+              <a:rPr lang="en-US" altLang="zh-TW" dirty="0" smtClean="0"/>
+              <a:t>0~1</a:t>
+            </a:r>
+            <a:r>
+              <a:rPr lang="zh-TW" altLang="en-US" dirty="0" smtClean="0"/>
+              <a:t>的</a:t>
+            </a:r>
+            <a:r>
+              <a:rPr lang="en-US" altLang="zh-TW" dirty="0" smtClean="0"/>
+              <a:t>100</a:t>
+            </a:r>
+            <a:r>
+              <a:rPr lang="zh-TW" altLang="en-US" dirty="0" smtClean="0"/>
+              <a:t>個資料</a:t>
+            </a:r>
+            <a:endParaRPr lang="zh-TW" altLang="en-US" dirty="0"/>
+          </a:p>
+        </p:txBody>
+      </p:sp>
+      <p:sp>
+        <p:nvSpPr>
+          <p:cNvPr id="7" name="矩形 6"/>
+          <p:cNvSpPr/>
+          <p:nvPr/>
+        </p:nvSpPr>
+        <p:spPr>
+          <a:xfrm>
+            <a:off x="7293864" y="1619732"/>
+            <a:ext cx="3631122" cy="369332"/>
+          </a:xfrm>
+          <a:prstGeom prst="rect">
+            <a:avLst/>
+          </a:prstGeom>
+        </p:spPr>
+        <p:txBody>
+          <a:bodyPr wrap="none">
+            <a:spAutoFit/>
+          </a:bodyPr>
+          <a:lstStyle/>
+          <a:p>
+            <a:r>
+              <a:rPr lang="en-US" altLang="zh-TW" dirty="0">
+                <a:solidFill>
+                  <a:srgbClr val="000000"/>
+                </a:solidFill>
+                <a:latin typeface="Courier New" panose="02070309020205020404" pitchFamily="49" charset="0"/>
+              </a:rPr>
+              <a:t>x = </a:t>
+            </a:r>
+            <a:r>
+              <a:rPr lang="en-US" altLang="zh-TW" dirty="0" err="1" smtClean="0">
+                <a:solidFill>
+                  <a:srgbClr val="000000"/>
+                </a:solidFill>
+                <a:latin typeface="Courier New" panose="02070309020205020404" pitchFamily="49" charset="0"/>
+              </a:rPr>
+              <a:t>np.random.random</a:t>
+            </a:r>
+            <a:r>
+              <a:rPr lang="en-US" altLang="zh-TW" dirty="0" smtClean="0">
+                <a:solidFill>
+                  <a:srgbClr val="000000"/>
+                </a:solidFill>
+                <a:latin typeface="Courier New" panose="02070309020205020404" pitchFamily="49" charset="0"/>
+              </a:rPr>
+              <a:t>(</a:t>
+            </a:r>
+            <a:r>
+              <a:rPr lang="en-US" altLang="zh-TW" dirty="0" smtClean="0">
+                <a:solidFill>
+                  <a:srgbClr val="09885A"/>
+                </a:solidFill>
+                <a:latin typeface="Courier New" panose="02070309020205020404" pitchFamily="49" charset="0"/>
+              </a:rPr>
+              <a:t>10</a:t>
+            </a:r>
+            <a:r>
+              <a:rPr lang="en-US" altLang="zh-TW" dirty="0">
+                <a:solidFill>
+                  <a:srgbClr val="000000"/>
+                </a:solidFill>
+                <a:latin typeface="Courier New" panose="02070309020205020404" pitchFamily="49" charset="0"/>
+              </a:rPr>
+              <a:t>)</a:t>
+            </a:r>
+          </a:p>
+        </p:txBody>
+      </p:sp>
+      <p:sp>
+        <p:nvSpPr>
+          <p:cNvPr id="10" name="矩形 9"/>
+          <p:cNvSpPr/>
+          <p:nvPr/>
+        </p:nvSpPr>
+        <p:spPr>
+          <a:xfrm>
+            <a:off x="7293864" y="2366508"/>
+            <a:ext cx="3130296" cy="1754326"/>
+          </a:xfrm>
+          <a:prstGeom prst="rect">
+            <a:avLst/>
+          </a:prstGeom>
+        </p:spPr>
+        <p:txBody>
+          <a:bodyPr wrap="square">
+            <a:spAutoFit/>
+          </a:bodyPr>
+          <a:lstStyle/>
+          <a:p>
+            <a:r>
+              <a:rPr lang="en-US" altLang="zh-TW" dirty="0">
+                <a:solidFill>
+                  <a:srgbClr val="212121"/>
+                </a:solidFill>
+                <a:latin typeface="Courier New" panose="02070309020205020404" pitchFamily="49" charset="0"/>
+              </a:rPr>
+              <a:t>[0.11570619 0.78875665 0.39686784 0.48704091 0.97169284 0.46821603 0.23169899 0.49406479 0.7894499 0.220011 ]</a:t>
+            </a:r>
+            <a:endParaRPr lang="zh-TW" altLang="en-US" dirty="0"/>
+          </a:p>
+        </p:txBody>
+      </p:sp>
+      <p:sp>
+        <p:nvSpPr>
+          <p:cNvPr id="11" name="矩形 10"/>
+          <p:cNvSpPr/>
+          <p:nvPr/>
+        </p:nvSpPr>
+        <p:spPr>
+          <a:xfrm>
+            <a:off x="7181088" y="1619732"/>
+            <a:ext cx="3877056" cy="2632964"/>
+          </a:xfrm>
+          <a:prstGeom prst="rect">
+            <a:avLst/>
+          </a:prstGeom>
+          <a:noFill/>
+          <a:ln w="38100">
+            <a:solidFill>
+              <a:srgbClr val="FF0000"/>
+            </a:solidFill>
+          </a:ln>
+        </p:spPr>
+        <p:style>
+          <a:lnRef idx="2">
+            <a:schemeClr val="accent1">
+              <a:shade val="50000"/>
+            </a:schemeClr>
+          </a:lnRef>
+          <a:fillRef idx="1">
+            <a:schemeClr val="accent1"/>
+          </a:fillRef>
+          <a:effectRef idx="0">
+            <a:schemeClr val="accent1"/>
+          </a:effectRef>
+          <a:fontRef idx="minor">
+            <a:schemeClr val="lt1"/>
+          </a:fontRef>
+        </p:style>
+        <p:txBody>
+          <a:bodyPr rtlCol="0" anchor="ctr"/>
+          <a:lstStyle/>
+          <a:p>
+            <a:pPr algn="ctr"/>
+            <a:endParaRPr lang="zh-TW" altLang="en-US"/>
+          </a:p>
+        </p:txBody>
+      </p:sp>
+      <p:sp>
+        <p:nvSpPr>
+          <p:cNvPr id="12" name="矩形 11"/>
+          <p:cNvSpPr/>
+          <p:nvPr/>
+        </p:nvSpPr>
+        <p:spPr>
+          <a:xfrm>
+            <a:off x="3118866" y="4204472"/>
+            <a:ext cx="3657600" cy="307112"/>
+          </a:xfrm>
+          <a:prstGeom prst="rect">
+            <a:avLst/>
+          </a:prstGeom>
+          <a:noFill/>
+          <a:ln w="28575">
+            <a:solidFill>
+              <a:srgbClr val="FF0000"/>
+            </a:solidFill>
+          </a:ln>
+        </p:spPr>
+        <p:style>
+          <a:lnRef idx="2">
+            <a:schemeClr val="accent1">
+              <a:shade val="50000"/>
+            </a:schemeClr>
+          </a:lnRef>
+          <a:fillRef idx="1">
+            <a:schemeClr val="accent1"/>
+          </a:fillRef>
+          <a:effectRef idx="0">
+            <a:schemeClr val="accent1"/>
+          </a:effectRef>
+          <a:fontRef idx="minor">
+            <a:schemeClr val="lt1"/>
+          </a:fontRef>
+        </p:style>
+        <p:txBody>
+          <a:bodyPr rtlCol="0" anchor="ctr"/>
+          <a:lstStyle/>
+          <a:p>
+            <a:pPr algn="ctr"/>
+            <a:endParaRPr lang="zh-TW" altLang="en-US"/>
+          </a:p>
+        </p:txBody>
+      </p:sp>
+      <p:cxnSp>
+        <p:nvCxnSpPr>
+          <p:cNvPr id="14" name="直線單箭頭接點 13"/>
+          <p:cNvCxnSpPr/>
+          <p:nvPr/>
+        </p:nvCxnSpPr>
+        <p:spPr>
+          <a:xfrm rot="10800000">
+            <a:off x="6953631" y="4364346"/>
+            <a:ext cx="680466" cy="646176"/>
+          </a:xfrm>
+          <a:prstGeom prst="curvedConnector3">
+            <a:avLst>
+              <a:gd name="adj1" fmla="val 50000"/>
+            </a:avLst>
+          </a:prstGeom>
+          <a:ln w="28575">
+            <a:solidFill>
+              <a:srgbClr val="FF0000"/>
+            </a:solidFill>
+            <a:tailEnd type="triangle"/>
+          </a:ln>
+        </p:spPr>
+        <p:style>
+          <a:lnRef idx="1">
+            <a:schemeClr val="accent1"/>
+          </a:lnRef>
+          <a:fillRef idx="0">
+            <a:schemeClr val="accent1"/>
+          </a:fillRef>
+          <a:effectRef idx="0">
+            <a:schemeClr val="accent1"/>
+          </a:effectRef>
+          <a:fontRef idx="minor">
+            <a:schemeClr val="tx1"/>
+          </a:fontRef>
+        </p:style>
+      </p:cxnSp>
+      <p:sp>
+        <p:nvSpPr>
+          <p:cNvPr id="16" name="文字方塊 15"/>
+          <p:cNvSpPr txBox="1"/>
+          <p:nvPr/>
+        </p:nvSpPr>
+        <p:spPr>
+          <a:xfrm>
+            <a:off x="7634096" y="4933002"/>
+            <a:ext cx="3424047" cy="369332"/>
+          </a:xfrm>
+          <a:prstGeom prst="rect">
+            <a:avLst/>
+          </a:prstGeom>
+          <a:noFill/>
+        </p:spPr>
+        <p:txBody>
+          <a:bodyPr wrap="square" rtlCol="0">
+            <a:spAutoFit/>
+          </a:bodyPr>
+          <a:lstStyle/>
+          <a:p>
+            <a:r>
+              <a:rPr lang="en-US" altLang="zh-TW" dirty="0" smtClean="0"/>
+              <a:t>S = </a:t>
+            </a:r>
+            <a:r>
+              <a:rPr lang="zh-TW" altLang="en-US" dirty="0" smtClean="0"/>
+              <a:t>大小</a:t>
+            </a:r>
+            <a:r>
+              <a:rPr lang="en-US" altLang="zh-TW" dirty="0" smtClean="0"/>
+              <a:t>,C=</a:t>
+            </a:r>
+            <a:r>
+              <a:rPr lang="zh-TW" altLang="en-US" dirty="0" smtClean="0"/>
+              <a:t> 顏色</a:t>
+            </a:r>
+            <a:r>
+              <a:rPr lang="en-US" altLang="zh-TW" dirty="0" smtClean="0"/>
+              <a:t>,</a:t>
+            </a:r>
+            <a:r>
+              <a:rPr lang="zh-TW" altLang="en-US" dirty="0" smtClean="0"/>
+              <a:t> </a:t>
+            </a:r>
+            <a:r>
+              <a:rPr lang="en-US" altLang="zh-TW" dirty="0" smtClean="0"/>
+              <a:t>maker=</a:t>
+            </a:r>
+            <a:r>
+              <a:rPr lang="zh-TW" altLang="en-US" dirty="0" smtClean="0"/>
+              <a:t>形狀</a:t>
+            </a:r>
+            <a:endParaRPr lang="zh-TW" altLang="en-US" dirty="0"/>
+          </a:p>
+        </p:txBody>
+      </p:sp>
+      <p:sp>
+        <p:nvSpPr>
+          <p:cNvPr id="17" name="文字方塊 16"/>
+          <p:cNvSpPr txBox="1"/>
+          <p:nvPr/>
+        </p:nvSpPr>
+        <p:spPr>
+          <a:xfrm>
+            <a:off x="3194304" y="633248"/>
+            <a:ext cx="5925312" cy="646331"/>
+          </a:xfrm>
+          <a:prstGeom prst="rect">
+            <a:avLst/>
+          </a:prstGeom>
+          <a:noFill/>
+        </p:spPr>
+        <p:txBody>
+          <a:bodyPr wrap="square" rtlCol="0">
+            <a:spAutoFit/>
+          </a:bodyPr>
+          <a:lstStyle/>
+          <a:p>
+            <a:r>
+              <a:rPr lang="zh-TW" altLang="en-US" dirty="0" smtClean="0"/>
+              <a:t>生成隨機 </a:t>
+            </a:r>
+            <a:r>
+              <a:rPr lang="en-US" altLang="zh-TW" dirty="0" err="1" smtClean="0"/>
+              <a:t>x,y</a:t>
+            </a:r>
+            <a:r>
+              <a:rPr lang="zh-TW" altLang="en-US" dirty="0" smtClean="0"/>
+              <a:t>軸範圍為</a:t>
+            </a:r>
+            <a:r>
+              <a:rPr lang="en-US" altLang="zh-TW" dirty="0" smtClean="0"/>
+              <a:t>0~1</a:t>
+            </a:r>
+            <a:r>
+              <a:rPr lang="zh-TW" altLang="en-US" dirty="0" smtClean="0"/>
+              <a:t>的點，點的圖示為五角形</a:t>
+            </a:r>
+            <a:r>
+              <a:rPr lang="en-US" altLang="zh-TW" dirty="0" smtClean="0"/>
+              <a:t>(p),</a:t>
+            </a:r>
+            <a:r>
+              <a:rPr lang="zh-TW" altLang="en-US" dirty="0" smtClean="0"/>
+              <a:t>顏色為藍色 </a:t>
+            </a:r>
+            <a:endParaRPr lang="zh-TW" altLang="en-US" dirty="0"/>
+          </a:p>
+        </p:txBody>
+      </p:sp>
+    </p:spTree>
+    <p:extLst>
+      <p:ext uri="{BB962C8B-B14F-4D97-AF65-F5344CB8AC3E}">
+        <p14:creationId xmlns:p14="http://schemas.microsoft.com/office/powerpoint/2010/main" val="2677199681"/>
+      </p:ext>
+    </p:extLst>
+  </p:cSld>
+  <p:clrMapOvr>
+    <a:masterClrMapping/>
+  </p:clrMapOvr>
+  <p:timing>
+    <p:tnLst>
+      <p:par>
+        <p:cTn id="1" dur="indefinite" restart="never" nodeType="tmRoot"/>
+      </p:par>
+    </p:tnLst>
+  </p:timing>
+</p:sld>
+</file>
+
+<file path=ppt/slides/slide22.xml><?xml version="1.0" encoding="utf-8"?>
+<p:sld xmlns:a="http://schemas.openxmlformats.org/drawingml/2006/main" xmlns:r="http://schemas.openxmlformats.org/officeDocument/2006/relationships" xmlns:p="http://schemas.openxmlformats.org/presentationml/2006/main">
+  <p:cSld>
+    <p:spTree>
+      <p:nvGrpSpPr>
+        <p:cNvPr id="1" name=""/>
+        <p:cNvGrpSpPr/>
+        <p:nvPr/>
+      </p:nvGrpSpPr>
+      <p:grpSpPr>
+        <a:xfrm>
+          <a:off x="0" y="0"/>
+          <a:ext cx="0" cy="0"/>
+          <a:chOff x="0" y="0"/>
+          <a:chExt cx="0" cy="0"/>
+        </a:xfrm>
+      </p:grpSpPr>
+      <p:sp>
+        <p:nvSpPr>
+          <p:cNvPr id="2" name="標題 1"/>
+          <p:cNvSpPr>
+            <a:spLocks noGrp="1"/>
+          </p:cNvSpPr>
+          <p:nvPr>
+            <p:ph type="title"/>
+          </p:nvPr>
+        </p:nvSpPr>
+        <p:spPr>
+          <a:xfrm>
+            <a:off x="838200" y="365125"/>
+            <a:ext cx="10515600" cy="1325563"/>
+          </a:xfrm>
+        </p:spPr>
+        <p:txBody>
+          <a:bodyPr/>
+          <a:lstStyle/>
+          <a:p>
+            <a:r>
+              <a:rPr lang="zh-TW" altLang="en-US" dirty="0" smtClean="0"/>
+              <a:t>執行結果</a:t>
+            </a:r>
+            <a:endParaRPr lang="zh-TW" altLang="en-US" dirty="0"/>
+          </a:p>
+        </p:txBody>
+      </p:sp>
+      <p:pic>
+        <p:nvPicPr>
+          <p:cNvPr id="3" name="圖片 2"/>
+          <p:cNvPicPr>
+            <a:picLocks noChangeAspect="1"/>
+          </p:cNvPicPr>
+          <p:nvPr/>
+        </p:nvPicPr>
+        <p:blipFill>
+          <a:blip r:embed="rId2">
+            <a:extLst>
+              <a:ext uri="{28A0092B-C50C-407E-A947-70E740481C1C}">
+                <a14:useLocalDpi xmlns:a14="http://schemas.microsoft.com/office/drawing/2010/main" val="0"/>
+              </a:ext>
+            </a:extLst>
+          </a:blip>
+          <a:stretch>
+            <a:fillRect/>
+          </a:stretch>
+        </p:blipFill>
+        <p:spPr>
+          <a:xfrm>
+            <a:off x="3698095" y="1524821"/>
+            <a:ext cx="6819681" cy="4582825"/>
+          </a:xfrm>
+          <a:prstGeom prst="rect">
+            <a:avLst/>
+          </a:prstGeom>
+        </p:spPr>
+      </p:pic>
+      <p:sp>
+        <p:nvSpPr>
+          <p:cNvPr id="4" name="矩形 3"/>
+          <p:cNvSpPr/>
+          <p:nvPr/>
+        </p:nvSpPr>
+        <p:spPr>
+          <a:xfrm>
+            <a:off x="4960552" y="940046"/>
+            <a:ext cx="4294765" cy="584775"/>
+          </a:xfrm>
+          <a:prstGeom prst="rect">
+            <a:avLst/>
+          </a:prstGeom>
+        </p:spPr>
+        <p:txBody>
+          <a:bodyPr wrap="none">
+            <a:spAutoFit/>
+          </a:bodyPr>
+          <a:lstStyle/>
+          <a:p>
+            <a:r>
+              <a:rPr lang="en-US" altLang="zh-TW" sz="3200" dirty="0" smtClean="0">
+                <a:solidFill>
+                  <a:srgbClr val="000000"/>
+                </a:solidFill>
+                <a:latin typeface="Courier New" panose="02070309020205020404" pitchFamily="49" charset="0"/>
+              </a:rPr>
+              <a:t>s=x*</a:t>
+            </a:r>
+            <a:r>
+              <a:rPr lang="en-US" altLang="zh-TW" sz="3200" dirty="0" smtClean="0">
+                <a:solidFill>
+                  <a:srgbClr val="09885A"/>
+                </a:solidFill>
+                <a:latin typeface="Courier New" panose="02070309020205020404" pitchFamily="49" charset="0"/>
+              </a:rPr>
+              <a:t>500</a:t>
+            </a:r>
+            <a:r>
+              <a:rPr lang="zh-TW" altLang="en-US" sz="3200" dirty="0">
+                <a:solidFill>
+                  <a:srgbClr val="09885A"/>
+                </a:solidFill>
+                <a:latin typeface="Courier New" panose="02070309020205020404" pitchFamily="49" charset="0"/>
+              </a:rPr>
+              <a:t> </a:t>
+            </a:r>
+            <a:r>
+              <a:rPr lang="en-US" altLang="zh-TW" sz="3200" dirty="0" smtClean="0">
+                <a:solidFill>
+                  <a:srgbClr val="FF0000"/>
+                </a:solidFill>
+                <a:latin typeface="Courier New" panose="02070309020205020404" pitchFamily="49" charset="0"/>
+              </a:rPr>
+              <a:t>x</a:t>
+            </a:r>
+            <a:r>
+              <a:rPr lang="zh-TW" altLang="en-US" sz="3200" dirty="0" smtClean="0">
+                <a:solidFill>
+                  <a:srgbClr val="FF0000"/>
+                </a:solidFill>
+                <a:latin typeface="Courier New" panose="02070309020205020404" pitchFamily="49" charset="0"/>
+              </a:rPr>
+              <a:t>越大</a:t>
+            </a:r>
+            <a:r>
+              <a:rPr lang="en-US" altLang="zh-TW" sz="3200" dirty="0" smtClean="0">
+                <a:solidFill>
+                  <a:srgbClr val="FF0000"/>
+                </a:solidFill>
+                <a:latin typeface="Courier New" panose="02070309020205020404" pitchFamily="49" charset="0"/>
+              </a:rPr>
+              <a:t>S</a:t>
+            </a:r>
+            <a:r>
+              <a:rPr lang="zh-TW" altLang="en-US" sz="3200" dirty="0" smtClean="0">
+                <a:solidFill>
+                  <a:srgbClr val="FF0000"/>
+                </a:solidFill>
+                <a:latin typeface="Courier New" panose="02070309020205020404" pitchFamily="49" charset="0"/>
+              </a:rPr>
+              <a:t>越大</a:t>
+            </a:r>
+            <a:endParaRPr lang="zh-TW" altLang="en-US" sz="3200" dirty="0">
+              <a:solidFill>
+                <a:srgbClr val="FF0000"/>
+              </a:solidFill>
+            </a:endParaRPr>
+          </a:p>
+        </p:txBody>
+      </p:sp>
+      <p:sp>
+        <p:nvSpPr>
+          <p:cNvPr id="5" name="矩形 4"/>
+          <p:cNvSpPr/>
+          <p:nvPr/>
+        </p:nvSpPr>
+        <p:spPr>
+          <a:xfrm>
+            <a:off x="5489105" y="6107646"/>
+            <a:ext cx="3631122" cy="369332"/>
+          </a:xfrm>
+          <a:prstGeom prst="rect">
+            <a:avLst/>
+          </a:prstGeom>
+        </p:spPr>
+        <p:txBody>
+          <a:bodyPr wrap="none">
+            <a:spAutoFit/>
+          </a:bodyPr>
+          <a:lstStyle/>
+          <a:p>
+            <a:r>
+              <a:rPr lang="en-US" altLang="zh-TW" dirty="0">
+                <a:solidFill>
+                  <a:srgbClr val="000000"/>
+                </a:solidFill>
+                <a:latin typeface="Courier New" panose="02070309020205020404" pitchFamily="49" charset="0"/>
+              </a:rPr>
+              <a:t>x = </a:t>
+            </a:r>
+            <a:r>
+              <a:rPr lang="en-US" altLang="zh-TW" dirty="0" err="1">
+                <a:solidFill>
+                  <a:srgbClr val="000000"/>
+                </a:solidFill>
+                <a:latin typeface="Courier New" panose="02070309020205020404" pitchFamily="49" charset="0"/>
+              </a:rPr>
+              <a:t>np.random.random</a:t>
+            </a:r>
+            <a:r>
+              <a:rPr lang="en-US" altLang="zh-TW" dirty="0">
+                <a:solidFill>
+                  <a:srgbClr val="000000"/>
+                </a:solidFill>
+                <a:latin typeface="Courier New" panose="02070309020205020404" pitchFamily="49" charset="0"/>
+              </a:rPr>
+              <a:t>(</a:t>
+            </a:r>
+            <a:r>
+              <a:rPr lang="en-US" altLang="zh-TW" dirty="0">
+                <a:solidFill>
+                  <a:srgbClr val="09885A"/>
+                </a:solidFill>
+                <a:latin typeface="Courier New" panose="02070309020205020404" pitchFamily="49" charset="0"/>
+              </a:rPr>
+              <a:t>100</a:t>
+            </a:r>
+            <a:r>
+              <a:rPr lang="en-US" altLang="zh-TW" dirty="0">
+                <a:solidFill>
+                  <a:srgbClr val="000000"/>
+                </a:solidFill>
+                <a:latin typeface="Courier New" panose="02070309020205020404" pitchFamily="49" charset="0"/>
+              </a:rPr>
+              <a:t>)</a:t>
+            </a:r>
+          </a:p>
+        </p:txBody>
+      </p:sp>
+      <p:sp>
+        <p:nvSpPr>
+          <p:cNvPr id="6" name="矩形 5"/>
+          <p:cNvSpPr/>
+          <p:nvPr/>
+        </p:nvSpPr>
+        <p:spPr>
+          <a:xfrm>
+            <a:off x="354615" y="3466464"/>
+            <a:ext cx="3631122" cy="369332"/>
+          </a:xfrm>
+          <a:prstGeom prst="rect">
+            <a:avLst/>
+          </a:prstGeom>
+        </p:spPr>
+        <p:txBody>
+          <a:bodyPr wrap="none">
+            <a:spAutoFit/>
+          </a:bodyPr>
+          <a:lstStyle/>
+          <a:p>
+            <a:r>
+              <a:rPr lang="en-US" altLang="zh-TW" dirty="0">
+                <a:solidFill>
+                  <a:srgbClr val="000000"/>
+                </a:solidFill>
+                <a:latin typeface="Courier New" panose="02070309020205020404" pitchFamily="49" charset="0"/>
+              </a:rPr>
+              <a:t>y = </a:t>
+            </a:r>
+            <a:r>
+              <a:rPr lang="en-US" altLang="zh-TW" dirty="0" err="1">
+                <a:solidFill>
+                  <a:srgbClr val="000000"/>
+                </a:solidFill>
+                <a:latin typeface="Courier New" panose="02070309020205020404" pitchFamily="49" charset="0"/>
+              </a:rPr>
+              <a:t>np.random.random</a:t>
+            </a:r>
+            <a:r>
+              <a:rPr lang="en-US" altLang="zh-TW" dirty="0">
+                <a:solidFill>
+                  <a:srgbClr val="000000"/>
+                </a:solidFill>
+                <a:latin typeface="Courier New" panose="02070309020205020404" pitchFamily="49" charset="0"/>
+              </a:rPr>
+              <a:t>(</a:t>
+            </a:r>
+            <a:r>
+              <a:rPr lang="en-US" altLang="zh-TW" dirty="0">
+                <a:solidFill>
+                  <a:srgbClr val="09885A"/>
+                </a:solidFill>
+                <a:latin typeface="Courier New" panose="02070309020205020404" pitchFamily="49" charset="0"/>
+              </a:rPr>
+              <a:t>100</a:t>
+            </a:r>
+            <a:r>
+              <a:rPr lang="en-US" altLang="zh-TW" dirty="0">
+                <a:solidFill>
+                  <a:srgbClr val="000000"/>
+                </a:solidFill>
+                <a:latin typeface="Courier New" panose="02070309020205020404" pitchFamily="49" charset="0"/>
+              </a:rPr>
+              <a:t>)</a:t>
+            </a:r>
+          </a:p>
+        </p:txBody>
+      </p:sp>
+    </p:spTree>
+    <p:extLst>
+      <p:ext uri="{BB962C8B-B14F-4D97-AF65-F5344CB8AC3E}">
+        <p14:creationId xmlns:p14="http://schemas.microsoft.com/office/powerpoint/2010/main" val="3899301533"/>
+      </p:ext>
+    </p:extLst>
+  </p:cSld>
+  <p:clrMapOvr>
+    <a:masterClrMapping/>
+  </p:clrMapOvr>
+  <p:timing>
+    <p:tnLst>
+      <p:par>
+        <p:cTn id="1" dur="indefinite" restart="never" nodeType="tmRoot"/>
+      </p:par>
+    </p:tnLst>
+  </p:timing>
+</p:sld>
+</file>
+
+<file path=ppt/slides/slide23.xml><?xml version="1.0" encoding="utf-8"?>
+<p:sld xmlns:a="http://schemas.openxmlformats.org/drawingml/2006/main" xmlns:r="http://schemas.openxmlformats.org/officeDocument/2006/relationships" xmlns:p="http://schemas.openxmlformats.org/presentationml/2006/main">
+  <p:cSld>
+    <p:spTree>
+      <p:nvGrpSpPr>
+        <p:cNvPr id="1" name=""/>
+        <p:cNvGrpSpPr/>
+        <p:nvPr/>
+      </p:nvGrpSpPr>
+      <p:grpSpPr>
+        <a:xfrm>
+          <a:off x="0" y="0"/>
+          <a:ext cx="0" cy="0"/>
+          <a:chOff x="0" y="0"/>
+          <a:chExt cx="0" cy="0"/>
+        </a:xfrm>
+      </p:grpSpPr>
+      <p:sp>
+        <p:nvSpPr>
+          <p:cNvPr id="2" name="標題 1"/>
+          <p:cNvSpPr>
+            <a:spLocks noGrp="1"/>
+          </p:cNvSpPr>
+          <p:nvPr>
+            <p:ph type="title"/>
+          </p:nvPr>
+        </p:nvSpPr>
+        <p:spPr/>
+        <p:txBody>
+          <a:bodyPr/>
+          <a:lstStyle/>
+          <a:p>
+            <a:r>
+              <a:rPr lang="zh-TW" altLang="en-US" dirty="0" smtClean="0"/>
+              <a:t>測試</a:t>
+            </a:r>
+            <a:r>
+              <a:rPr lang="en-US" altLang="zh-TW" dirty="0" smtClean="0"/>
+              <a:t>1:</a:t>
+            </a:r>
+            <a:r>
+              <a:rPr lang="zh-TW" altLang="en-US" dirty="0" smtClean="0"/>
+              <a:t>符號換成星號</a:t>
+            </a:r>
+            <a:endParaRPr lang="zh-TW" altLang="en-US" dirty="0"/>
+          </a:p>
+        </p:txBody>
+      </p:sp>
+      <p:pic>
+        <p:nvPicPr>
+          <p:cNvPr id="3" name="圖片 2"/>
+          <p:cNvPicPr>
+            <a:picLocks noChangeAspect="1"/>
+          </p:cNvPicPr>
+          <p:nvPr/>
+        </p:nvPicPr>
+        <p:blipFill>
+          <a:blip r:embed="rId2">
+            <a:extLst>
+              <a:ext uri="{28A0092B-C50C-407E-A947-70E740481C1C}">
+                <a14:useLocalDpi xmlns:a14="http://schemas.microsoft.com/office/drawing/2010/main" val="0"/>
+              </a:ext>
+            </a:extLst>
+          </a:blip>
+          <a:stretch>
+            <a:fillRect/>
+          </a:stretch>
+        </p:blipFill>
+        <p:spPr>
+          <a:xfrm>
+            <a:off x="838200" y="1861376"/>
+            <a:ext cx="6278784" cy="4185856"/>
+          </a:xfrm>
+          <a:prstGeom prst="rect">
+            <a:avLst/>
+          </a:prstGeom>
+        </p:spPr>
+      </p:pic>
+      <p:sp>
+        <p:nvSpPr>
+          <p:cNvPr id="4" name="矩形 3"/>
+          <p:cNvSpPr/>
+          <p:nvPr/>
+        </p:nvSpPr>
+        <p:spPr>
+          <a:xfrm>
+            <a:off x="4355544" y="1360534"/>
+            <a:ext cx="8214408" cy="830997"/>
+          </a:xfrm>
+          <a:prstGeom prst="rect">
+            <a:avLst/>
+          </a:prstGeom>
+        </p:spPr>
+        <p:txBody>
+          <a:bodyPr wrap="square">
+            <a:spAutoFit/>
+          </a:bodyPr>
+          <a:lstStyle/>
+          <a:p>
+            <a:r>
+              <a:rPr lang="en-US" altLang="zh-TW" sz="2400" dirty="0" err="1">
+                <a:solidFill>
+                  <a:srgbClr val="000000"/>
+                </a:solidFill>
+                <a:latin typeface="Courier New" panose="02070309020205020404" pitchFamily="49" charset="0"/>
+              </a:rPr>
+              <a:t>pl.scatter</a:t>
+            </a:r>
+            <a:r>
+              <a:rPr lang="en-US" altLang="zh-TW" sz="2400" dirty="0">
+                <a:solidFill>
+                  <a:srgbClr val="000000"/>
+                </a:solidFill>
+                <a:latin typeface="Courier New" panose="02070309020205020404" pitchFamily="49" charset="0"/>
+              </a:rPr>
+              <a:t>(</a:t>
+            </a:r>
+            <a:r>
+              <a:rPr lang="en-US" altLang="zh-TW" sz="2400" dirty="0" err="1">
+                <a:solidFill>
+                  <a:srgbClr val="000000"/>
+                </a:solidFill>
+                <a:latin typeface="Courier New" panose="02070309020205020404" pitchFamily="49" charset="0"/>
+              </a:rPr>
+              <a:t>x,y,s</a:t>
+            </a:r>
+            <a:r>
+              <a:rPr lang="en-US" altLang="zh-TW" sz="2400" dirty="0">
+                <a:solidFill>
+                  <a:srgbClr val="000000"/>
+                </a:solidFill>
+                <a:latin typeface="Courier New" panose="02070309020205020404" pitchFamily="49" charset="0"/>
+              </a:rPr>
+              <a:t>=x*</a:t>
+            </a:r>
+            <a:r>
+              <a:rPr lang="en-US" altLang="zh-TW" sz="2400" dirty="0">
+                <a:solidFill>
+                  <a:srgbClr val="09885A"/>
+                </a:solidFill>
+                <a:latin typeface="Courier New" panose="02070309020205020404" pitchFamily="49" charset="0"/>
+              </a:rPr>
+              <a:t>500</a:t>
+            </a:r>
+            <a:r>
+              <a:rPr lang="en-US" altLang="zh-TW" sz="2400" dirty="0">
+                <a:solidFill>
+                  <a:srgbClr val="000000"/>
+                </a:solidFill>
+                <a:latin typeface="Courier New" panose="02070309020205020404" pitchFamily="49" charset="0"/>
+              </a:rPr>
+              <a:t>,c=</a:t>
+            </a:r>
+            <a:r>
+              <a:rPr lang="en-US" altLang="zh-TW" sz="2400" dirty="0" err="1">
+                <a:solidFill>
+                  <a:srgbClr val="000000"/>
+                </a:solidFill>
+                <a:latin typeface="Courier New" panose="02070309020205020404" pitchFamily="49" charset="0"/>
+              </a:rPr>
+              <a:t>u</a:t>
+            </a:r>
+            <a:r>
+              <a:rPr lang="en-US" altLang="zh-TW" sz="2400" dirty="0" err="1">
+                <a:solidFill>
+                  <a:srgbClr val="A31515"/>
+                </a:solidFill>
+                <a:latin typeface="Courier New" panose="02070309020205020404" pitchFamily="49" charset="0"/>
+              </a:rPr>
+              <a:t>'b'</a:t>
+            </a:r>
+            <a:r>
+              <a:rPr lang="en-US" altLang="zh-TW" sz="2400" dirty="0" err="1">
+                <a:solidFill>
+                  <a:srgbClr val="000000"/>
+                </a:solidFill>
+                <a:latin typeface="Courier New" panose="02070309020205020404" pitchFamily="49" charset="0"/>
+              </a:rPr>
+              <a:t>,</a:t>
+            </a:r>
+            <a:r>
+              <a:rPr lang="en-US" altLang="zh-TW" sz="2400" dirty="0" err="1">
+                <a:solidFill>
+                  <a:srgbClr val="FF0000"/>
+                </a:solidFill>
+                <a:latin typeface="Courier New" panose="02070309020205020404" pitchFamily="49" charset="0"/>
+              </a:rPr>
+              <a:t>marker</a:t>
+            </a:r>
+            <a:r>
+              <a:rPr lang="en-US" altLang="zh-TW" sz="2400" dirty="0">
+                <a:solidFill>
+                  <a:srgbClr val="FF0000"/>
+                </a:solidFill>
+                <a:latin typeface="Courier New" panose="02070309020205020404" pitchFamily="49" charset="0"/>
+              </a:rPr>
+              <a:t>=u'*'</a:t>
+            </a:r>
+            <a:r>
+              <a:rPr lang="en-US" altLang="zh-TW" sz="2400" dirty="0">
+                <a:solidFill>
+                  <a:srgbClr val="000000"/>
+                </a:solidFill>
+                <a:latin typeface="Courier New" panose="02070309020205020404" pitchFamily="49" charset="0"/>
+              </a:rPr>
+              <a:t>)  </a:t>
+            </a:r>
+            <a:endParaRPr lang="en-US" altLang="zh-TW" sz="2400" b="0" dirty="0">
+              <a:solidFill>
+                <a:srgbClr val="000000"/>
+              </a:solidFill>
+              <a:effectLst/>
+              <a:latin typeface="Courier New" panose="02070309020205020404" pitchFamily="49" charset="0"/>
+            </a:endParaRPr>
+          </a:p>
+        </p:txBody>
+      </p:sp>
+    </p:spTree>
+    <p:extLst>
+      <p:ext uri="{BB962C8B-B14F-4D97-AF65-F5344CB8AC3E}">
+        <p14:creationId xmlns:p14="http://schemas.microsoft.com/office/powerpoint/2010/main" val="1689145879"/>
+      </p:ext>
+    </p:extLst>
+  </p:cSld>
+  <p:clrMapOvr>
+    <a:masterClrMapping/>
+  </p:clrMapOvr>
+  <p:timing>
+    <p:tnLst>
+      <p:par>
+        <p:cTn id="1" dur="indefinite" restart="never" nodeType="tmRoot"/>
+      </p:par>
+    </p:tnLst>
+  </p:timing>
+</p:sld>
+</file>
+
+<file path=ppt/slides/slide24.xml><?xml version="1.0" encoding="utf-8"?>
+<p:sld xmlns:a="http://schemas.openxmlformats.org/drawingml/2006/main" xmlns:r="http://schemas.openxmlformats.org/officeDocument/2006/relationships" xmlns:p="http://schemas.openxmlformats.org/presentationml/2006/main">
+  <p:cSld>
+    <p:spTree>
+      <p:nvGrpSpPr>
+        <p:cNvPr id="1" name=""/>
+        <p:cNvGrpSpPr/>
+        <p:nvPr/>
+      </p:nvGrpSpPr>
+      <p:grpSpPr>
+        <a:xfrm>
+          <a:off x="0" y="0"/>
+          <a:ext cx="0" cy="0"/>
+          <a:chOff x="0" y="0"/>
+          <a:chExt cx="0" cy="0"/>
+        </a:xfrm>
+      </p:grpSpPr>
+      <p:sp>
+        <p:nvSpPr>
+          <p:cNvPr id="2" name="標題 1"/>
+          <p:cNvSpPr>
+            <a:spLocks noGrp="1"/>
+          </p:cNvSpPr>
+          <p:nvPr>
+            <p:ph type="title"/>
+          </p:nvPr>
+        </p:nvSpPr>
+        <p:spPr/>
+        <p:txBody>
+          <a:bodyPr/>
+          <a:lstStyle/>
+          <a:p>
+            <a:r>
+              <a:rPr lang="zh-TW" altLang="en-US" dirty="0" smtClean="0"/>
+              <a:t>測試</a:t>
+            </a:r>
+            <a:r>
+              <a:rPr lang="en-US" altLang="zh-TW" dirty="0" smtClean="0"/>
+              <a:t>2:</a:t>
+            </a:r>
+            <a:r>
+              <a:rPr lang="zh-TW" altLang="en-US" dirty="0" smtClean="0"/>
+              <a:t>換成紅</a:t>
+            </a:r>
+            <a:r>
+              <a:rPr lang="zh-TW" altLang="en-US" dirty="0"/>
+              <a:t>色</a:t>
+            </a:r>
+          </a:p>
+        </p:txBody>
+      </p:sp>
+      <p:pic>
+        <p:nvPicPr>
+          <p:cNvPr id="3" name="圖片 2"/>
+          <p:cNvPicPr>
+            <a:picLocks noChangeAspect="1"/>
+          </p:cNvPicPr>
+          <p:nvPr/>
+        </p:nvPicPr>
+        <p:blipFill>
+          <a:blip r:embed="rId2">
+            <a:extLst>
+              <a:ext uri="{28A0092B-C50C-407E-A947-70E740481C1C}">
+                <a14:useLocalDpi xmlns:a14="http://schemas.microsoft.com/office/drawing/2010/main" val="0"/>
+              </a:ext>
+            </a:extLst>
+          </a:blip>
+          <a:stretch>
+            <a:fillRect/>
+          </a:stretch>
+        </p:blipFill>
+        <p:spPr>
+          <a:xfrm>
+            <a:off x="838200" y="1890416"/>
+            <a:ext cx="5704871" cy="3803247"/>
+          </a:xfrm>
+          <a:prstGeom prst="rect">
+            <a:avLst/>
+          </a:prstGeom>
+        </p:spPr>
+      </p:pic>
+      <p:sp>
+        <p:nvSpPr>
+          <p:cNvPr id="4" name="矩形 3"/>
+          <p:cNvSpPr/>
+          <p:nvPr/>
+        </p:nvSpPr>
+        <p:spPr>
+          <a:xfrm>
+            <a:off x="3587496" y="1474917"/>
+            <a:ext cx="8092440" cy="830997"/>
+          </a:xfrm>
+          <a:prstGeom prst="rect">
+            <a:avLst/>
+          </a:prstGeom>
+        </p:spPr>
+        <p:txBody>
+          <a:bodyPr wrap="square">
+            <a:spAutoFit/>
+          </a:bodyPr>
+          <a:lstStyle/>
+          <a:p>
+            <a:r>
+              <a:rPr lang="en-US" altLang="zh-TW" sz="2400" dirty="0" err="1">
+                <a:solidFill>
+                  <a:srgbClr val="000000"/>
+                </a:solidFill>
+                <a:latin typeface="Courier New" panose="02070309020205020404" pitchFamily="49" charset="0"/>
+              </a:rPr>
+              <a:t>pl.scatter</a:t>
+            </a:r>
+            <a:r>
+              <a:rPr lang="en-US" altLang="zh-TW" sz="2400" dirty="0">
+                <a:solidFill>
+                  <a:srgbClr val="000000"/>
+                </a:solidFill>
+                <a:latin typeface="Courier New" panose="02070309020205020404" pitchFamily="49" charset="0"/>
+              </a:rPr>
+              <a:t>(</a:t>
+            </a:r>
+            <a:r>
+              <a:rPr lang="en-US" altLang="zh-TW" sz="2400" dirty="0" err="1">
+                <a:solidFill>
+                  <a:srgbClr val="000000"/>
+                </a:solidFill>
+                <a:latin typeface="Courier New" panose="02070309020205020404" pitchFamily="49" charset="0"/>
+              </a:rPr>
+              <a:t>x,y,s</a:t>
+            </a:r>
+            <a:r>
+              <a:rPr lang="en-US" altLang="zh-TW" sz="2400" dirty="0">
+                <a:solidFill>
+                  <a:srgbClr val="000000"/>
+                </a:solidFill>
+                <a:latin typeface="Courier New" panose="02070309020205020404" pitchFamily="49" charset="0"/>
+              </a:rPr>
+              <a:t>=x*</a:t>
+            </a:r>
+            <a:r>
+              <a:rPr lang="en-US" altLang="zh-TW" sz="2400" dirty="0">
+                <a:solidFill>
+                  <a:srgbClr val="09885A"/>
+                </a:solidFill>
+                <a:latin typeface="Courier New" panose="02070309020205020404" pitchFamily="49" charset="0"/>
+              </a:rPr>
+              <a:t>500</a:t>
+            </a:r>
+            <a:r>
+              <a:rPr lang="en-US" altLang="zh-TW" sz="2400" dirty="0">
+                <a:solidFill>
+                  <a:srgbClr val="000000"/>
+                </a:solidFill>
+                <a:latin typeface="Courier New" panose="02070309020205020404" pitchFamily="49" charset="0"/>
+              </a:rPr>
+              <a:t>,</a:t>
+            </a:r>
+            <a:r>
+              <a:rPr lang="en-US" altLang="zh-TW" sz="2400" dirty="0">
+                <a:solidFill>
+                  <a:srgbClr val="FF0000"/>
+                </a:solidFill>
+                <a:latin typeface="Courier New" panose="02070309020205020404" pitchFamily="49" charset="0"/>
+              </a:rPr>
+              <a:t>c=</a:t>
+            </a:r>
+            <a:r>
+              <a:rPr lang="en-US" altLang="zh-TW" sz="2400" dirty="0" err="1">
+                <a:solidFill>
+                  <a:srgbClr val="FF0000"/>
+                </a:solidFill>
+                <a:latin typeface="Courier New" panose="02070309020205020404" pitchFamily="49" charset="0"/>
+              </a:rPr>
+              <a:t>u'r',</a:t>
+            </a:r>
+            <a:r>
+              <a:rPr lang="en-US" altLang="zh-TW" sz="2400" dirty="0" err="1">
+                <a:solidFill>
+                  <a:srgbClr val="000000"/>
+                </a:solidFill>
+                <a:latin typeface="Courier New" panose="02070309020205020404" pitchFamily="49" charset="0"/>
+              </a:rPr>
+              <a:t>marker</a:t>
+            </a:r>
+            <a:r>
+              <a:rPr lang="en-US" altLang="zh-TW" sz="2400" dirty="0">
+                <a:solidFill>
+                  <a:srgbClr val="000000"/>
+                </a:solidFill>
+                <a:latin typeface="Courier New" panose="02070309020205020404" pitchFamily="49" charset="0"/>
+              </a:rPr>
+              <a:t>=u</a:t>
+            </a:r>
+            <a:r>
+              <a:rPr lang="en-US" altLang="zh-TW" sz="2400" dirty="0">
+                <a:solidFill>
+                  <a:srgbClr val="A31515"/>
+                </a:solidFill>
+                <a:latin typeface="Courier New" panose="02070309020205020404" pitchFamily="49" charset="0"/>
+              </a:rPr>
+              <a:t>'*'</a:t>
+            </a:r>
+            <a:r>
+              <a:rPr lang="en-US" altLang="zh-TW" sz="2400" dirty="0">
+                <a:solidFill>
+                  <a:srgbClr val="000000"/>
+                </a:solidFill>
+                <a:latin typeface="Courier New" panose="02070309020205020404" pitchFamily="49" charset="0"/>
+              </a:rPr>
+              <a:t>)  </a:t>
+            </a:r>
+            <a:endParaRPr lang="en-US" altLang="zh-TW" sz="2400" b="0" dirty="0">
+              <a:solidFill>
+                <a:srgbClr val="000000"/>
+              </a:solidFill>
+              <a:effectLst/>
+              <a:latin typeface="Courier New" panose="02070309020205020404" pitchFamily="49" charset="0"/>
+            </a:endParaRPr>
+          </a:p>
+        </p:txBody>
+      </p:sp>
+    </p:spTree>
+    <p:extLst>
+      <p:ext uri="{BB962C8B-B14F-4D97-AF65-F5344CB8AC3E}">
+        <p14:creationId xmlns:p14="http://schemas.microsoft.com/office/powerpoint/2010/main" val="791341890"/>
+      </p:ext>
+    </p:extLst>
+  </p:cSld>
+  <p:clrMapOvr>
+    <a:masterClrMapping/>
+  </p:clrMapOvr>
+  <p:timing>
+    <p:tnLst>
+      <p:par>
+        <p:cTn id="1" dur="indefinite" restart="never" nodeType="tmRoot"/>
+      </p:par>
+    </p:tnLst>
+  </p:timing>
+</p:sld>
+</file>
+
+<file path=ppt/slides/slide3.xml><?xml version="1.0" encoding="utf-8"?>
 <p:sld xmlns:a="http://schemas.openxmlformats.org/drawingml/2006/main" xmlns:r="http://schemas.openxmlformats.org/officeDocument/2006/relationships" xmlns:p="http://schemas.openxmlformats.org/presentationml/2006/main">
   <p:cSld>
     <p:spTree>
@@ -9965,7 +9287,7 @@
 </p:sld>
 </file>
 
-<file path=ppt/slides/slide5.xml><?xml version="1.0" encoding="utf-8"?>
+<file path=ppt/slides/slide4.xml><?xml version="1.0" encoding="utf-8"?>
 <p:sld xmlns:a="http://schemas.openxmlformats.org/drawingml/2006/main" xmlns:r="http://schemas.openxmlformats.org/officeDocument/2006/relationships" xmlns:p="http://schemas.openxmlformats.org/presentationml/2006/main">
   <p:cSld>
     <p:spTree>
@@ -10310,7 +9632,7 @@
 </p:sld>
 </file>
 
-<file path=ppt/slides/slide6.xml><?xml version="1.0" encoding="utf-8"?>
+<file path=ppt/slides/slide5.xml><?xml version="1.0" encoding="utf-8"?>
 <p:sld xmlns:a="http://schemas.openxmlformats.org/drawingml/2006/main" xmlns:r="http://schemas.openxmlformats.org/officeDocument/2006/relationships" xmlns:p="http://schemas.openxmlformats.org/presentationml/2006/main">
   <p:cSld>
     <p:spTree>
@@ -10537,7 +9859,7 @@
 </p:sld>
 </file>
 
-<file path=ppt/slides/slide7.xml><?xml version="1.0" encoding="utf-8"?>
+<file path=ppt/slides/slide6.xml><?xml version="1.0" encoding="utf-8"?>
 <p:sld xmlns:a="http://schemas.openxmlformats.org/drawingml/2006/main" xmlns:r="http://schemas.openxmlformats.org/officeDocument/2006/relationships" xmlns:p="http://schemas.openxmlformats.org/presentationml/2006/main">
   <p:cSld>
     <p:spTree>
@@ -11481,7 +10803,7 @@
 </p:sld>
 </file>
 
-<file path=ppt/slides/slide8.xml><?xml version="1.0" encoding="utf-8"?>
+<file path=ppt/slides/slide7.xml><?xml version="1.0" encoding="utf-8"?>
 <p:sld xmlns:a="http://schemas.openxmlformats.org/drawingml/2006/main" xmlns:r="http://schemas.openxmlformats.org/officeDocument/2006/relationships" xmlns:p="http://schemas.openxmlformats.org/presentationml/2006/main">
   <p:cSld>
     <p:spTree>
@@ -11699,7 +11021,7 @@
 </p:sld>
 </file>
 
-<file path=ppt/slides/slide9.xml><?xml version="1.0" encoding="utf-8"?>
+<file path=ppt/slides/slide8.xml><?xml version="1.0" encoding="utf-8"?>
 <p:sld xmlns:a="http://schemas.openxmlformats.org/drawingml/2006/main" xmlns:r="http://schemas.openxmlformats.org/officeDocument/2006/relationships" xmlns:p="http://schemas.openxmlformats.org/presentationml/2006/main">
   <p:cSld>
     <p:spTree>
@@ -12822,6 +12144,1161 @@
       </p:par>
     </p:tnLst>
   </p:timing>
+</p:sld>
+</file>
+
+<file path=ppt/slides/slide9.xml><?xml version="1.0" encoding="utf-8"?>
+<p:sld xmlns:a="http://schemas.openxmlformats.org/drawingml/2006/main" xmlns:r="http://schemas.openxmlformats.org/officeDocument/2006/relationships" xmlns:p="http://schemas.openxmlformats.org/presentationml/2006/main">
+  <p:cSld>
+    <p:spTree>
+      <p:nvGrpSpPr>
+        <p:cNvPr id="1" name=""/>
+        <p:cNvGrpSpPr/>
+        <p:nvPr/>
+      </p:nvGrpSpPr>
+      <p:grpSpPr>
+        <a:xfrm>
+          <a:off x="0" y="0"/>
+          <a:ext cx="0" cy="0"/>
+          <a:chOff x="0" y="0"/>
+          <a:chExt cx="0" cy="0"/>
+        </a:xfrm>
+      </p:grpSpPr>
+      <p:sp>
+        <p:nvSpPr>
+          <p:cNvPr id="2" name="標題 1"/>
+          <p:cNvSpPr>
+            <a:spLocks noGrp="1"/>
+          </p:cNvSpPr>
+          <p:nvPr>
+            <p:ph type="title"/>
+          </p:nvPr>
+        </p:nvSpPr>
+        <p:spPr>
+          <a:xfrm>
+            <a:off x="606552" y="175317"/>
+            <a:ext cx="10515600" cy="1325563"/>
+          </a:xfrm>
+        </p:spPr>
+        <p:txBody>
+          <a:bodyPr/>
+          <a:lstStyle/>
+          <a:p>
+            <a:r>
+              <a:rPr lang="zh-TW" altLang="en-US" dirty="0" smtClean="0"/>
+              <a:t>補充</a:t>
+            </a:r>
+            <a:r>
+              <a:rPr lang="en-US" altLang="zh-TW" dirty="0" smtClean="0"/>
+              <a:t>:</a:t>
+            </a:r>
+            <a:endParaRPr lang="zh-TW" altLang="en-US" dirty="0"/>
+          </a:p>
+        </p:txBody>
+      </p:sp>
+      <p:graphicFrame>
+        <p:nvGraphicFramePr>
+          <p:cNvPr id="4" name="表格 3"/>
+          <p:cNvGraphicFramePr>
+            <a:graphicFrameLocks noGrp="1"/>
+          </p:cNvGraphicFramePr>
+          <p:nvPr>
+            <p:extLst>
+              <p:ext uri="{D42A27DB-BD31-4B8C-83A1-F6EECF244321}">
+                <p14:modId xmlns:p14="http://schemas.microsoft.com/office/powerpoint/2010/main" val="3769571097"/>
+              </p:ext>
+            </p:extLst>
+          </p:nvPr>
+        </p:nvGraphicFramePr>
+        <p:xfrm>
+          <a:off x="7266432" y="1966545"/>
+          <a:ext cx="2153328" cy="3291840"/>
+        </p:xfrm>
+        <a:graphic>
+          <a:graphicData uri="http://schemas.openxmlformats.org/drawingml/2006/table">
+            <a:tbl>
+              <a:tblPr/>
+              <a:tblGrid>
+                <a:gridCol w="1076664"/>
+                <a:gridCol w="1076664"/>
+              </a:tblGrid>
+              <a:tr h="0">
+                <a:tc>
+                  <a:txBody>
+                    <a:bodyPr/>
+                    <a:lstStyle/>
+                    <a:p>
+                      <a:r>
+                        <a:rPr lang="en-US" dirty="0">
+                          <a:effectLst/>
+                        </a:rPr>
+                        <a:t>character</a:t>
+                      </a:r>
+                    </a:p>
+                  </a:txBody>
+                  <a:tcPr anchor="ctr">
+                    <a:lnL>
+                      <a:noFill/>
+                    </a:lnL>
+                    <a:lnR>
+                      <a:noFill/>
+                    </a:lnR>
+                    <a:lnT>
+                      <a:noFill/>
+                    </a:lnT>
+                    <a:lnB>
+                      <a:noFill/>
+                    </a:lnB>
+                    <a:solidFill>
+                      <a:srgbClr val="F0F0F0"/>
+                    </a:solidFill>
+                  </a:tcPr>
+                </a:tc>
+                <a:tc>
+                  <a:txBody>
+                    <a:bodyPr/>
+                    <a:lstStyle/>
+                    <a:p>
+                      <a:r>
+                        <a:rPr lang="en-US">
+                          <a:effectLst/>
+                        </a:rPr>
+                        <a:t>color</a:t>
+                      </a:r>
+                    </a:p>
+                  </a:txBody>
+                  <a:tcPr anchor="ctr">
+                    <a:lnL>
+                      <a:noFill/>
+                    </a:lnL>
+                    <a:lnR>
+                      <a:noFill/>
+                    </a:lnR>
+                    <a:lnT>
+                      <a:noFill/>
+                    </a:lnT>
+                    <a:lnB>
+                      <a:noFill/>
+                    </a:lnB>
+                    <a:solidFill>
+                      <a:srgbClr val="F0F0F0"/>
+                    </a:solidFill>
+                  </a:tcPr>
+                </a:tc>
+              </a:tr>
+              <a:tr h="0">
+                <a:tc>
+                  <a:txBody>
+                    <a:bodyPr/>
+                    <a:lstStyle/>
+                    <a:p>
+                      <a:r>
+                        <a:rPr lang="en-US">
+                          <a:effectLst/>
+                        </a:rPr>
+                        <a:t>'b'</a:t>
+                      </a:r>
+                    </a:p>
+                  </a:txBody>
+                  <a:tcPr anchor="ctr">
+                    <a:lnL>
+                      <a:noFill/>
+                    </a:lnL>
+                    <a:lnR>
+                      <a:noFill/>
+                    </a:lnR>
+                    <a:lnT>
+                      <a:noFill/>
+                    </a:lnT>
+                    <a:lnB>
+                      <a:noFill/>
+                    </a:lnB>
+                    <a:solidFill>
+                      <a:srgbClr val="FFFFFF"/>
+                    </a:solidFill>
+                  </a:tcPr>
+                </a:tc>
+                <a:tc>
+                  <a:txBody>
+                    <a:bodyPr/>
+                    <a:lstStyle/>
+                    <a:p>
+                      <a:r>
+                        <a:rPr lang="en-US" dirty="0">
+                          <a:effectLst/>
+                        </a:rPr>
+                        <a:t>blue</a:t>
+                      </a:r>
+                    </a:p>
+                  </a:txBody>
+                  <a:tcPr anchor="ctr">
+                    <a:lnL>
+                      <a:noFill/>
+                    </a:lnL>
+                    <a:lnR>
+                      <a:noFill/>
+                    </a:lnR>
+                    <a:lnT>
+                      <a:noFill/>
+                    </a:lnT>
+                    <a:lnB>
+                      <a:noFill/>
+                    </a:lnB>
+                    <a:solidFill>
+                      <a:srgbClr val="FFFFFF"/>
+                    </a:solidFill>
+                  </a:tcPr>
+                </a:tc>
+              </a:tr>
+              <a:tr h="0">
+                <a:tc>
+                  <a:txBody>
+                    <a:bodyPr/>
+                    <a:lstStyle/>
+                    <a:p>
+                      <a:r>
+                        <a:rPr lang="en-US" dirty="0">
+                          <a:effectLst/>
+                        </a:rPr>
+                        <a:t>'g'</a:t>
+                      </a:r>
+                    </a:p>
+                  </a:txBody>
+                  <a:tcPr anchor="ctr">
+                    <a:lnL>
+                      <a:noFill/>
+                    </a:lnL>
+                    <a:lnR>
+                      <a:noFill/>
+                    </a:lnR>
+                    <a:lnT>
+                      <a:noFill/>
+                    </a:lnT>
+                    <a:lnB>
+                      <a:noFill/>
+                    </a:lnB>
+                    <a:solidFill>
+                      <a:srgbClr val="FFFFFF"/>
+                    </a:solidFill>
+                  </a:tcPr>
+                </a:tc>
+                <a:tc>
+                  <a:txBody>
+                    <a:bodyPr/>
+                    <a:lstStyle/>
+                    <a:p>
+                      <a:r>
+                        <a:rPr lang="en-US" dirty="0">
+                          <a:effectLst/>
+                        </a:rPr>
+                        <a:t>green</a:t>
+                      </a:r>
+                    </a:p>
+                  </a:txBody>
+                  <a:tcPr anchor="ctr">
+                    <a:lnL>
+                      <a:noFill/>
+                    </a:lnL>
+                    <a:lnR>
+                      <a:noFill/>
+                    </a:lnR>
+                    <a:lnT>
+                      <a:noFill/>
+                    </a:lnT>
+                    <a:lnB>
+                      <a:noFill/>
+                    </a:lnB>
+                    <a:solidFill>
+                      <a:srgbClr val="FFFFFF"/>
+                    </a:solidFill>
+                  </a:tcPr>
+                </a:tc>
+              </a:tr>
+              <a:tr h="0">
+                <a:tc>
+                  <a:txBody>
+                    <a:bodyPr/>
+                    <a:lstStyle/>
+                    <a:p>
+                      <a:r>
+                        <a:rPr lang="en-US" dirty="0">
+                          <a:effectLst/>
+                        </a:rPr>
+                        <a:t>'r'</a:t>
+                      </a:r>
+                    </a:p>
+                  </a:txBody>
+                  <a:tcPr anchor="ctr">
+                    <a:lnL>
+                      <a:noFill/>
+                    </a:lnL>
+                    <a:lnR>
+                      <a:noFill/>
+                    </a:lnR>
+                    <a:lnT>
+                      <a:noFill/>
+                    </a:lnT>
+                    <a:lnB>
+                      <a:noFill/>
+                    </a:lnB>
+                    <a:solidFill>
+                      <a:srgbClr val="FFFFFF"/>
+                    </a:solidFill>
+                  </a:tcPr>
+                </a:tc>
+                <a:tc>
+                  <a:txBody>
+                    <a:bodyPr/>
+                    <a:lstStyle/>
+                    <a:p>
+                      <a:r>
+                        <a:rPr lang="en-US" dirty="0">
+                          <a:effectLst/>
+                        </a:rPr>
+                        <a:t>red</a:t>
+                      </a:r>
+                    </a:p>
+                  </a:txBody>
+                  <a:tcPr anchor="ctr">
+                    <a:lnL>
+                      <a:noFill/>
+                    </a:lnL>
+                    <a:lnR>
+                      <a:noFill/>
+                    </a:lnR>
+                    <a:lnT>
+                      <a:noFill/>
+                    </a:lnT>
+                    <a:lnB>
+                      <a:noFill/>
+                    </a:lnB>
+                    <a:solidFill>
+                      <a:srgbClr val="FFFFFF"/>
+                    </a:solidFill>
+                  </a:tcPr>
+                </a:tc>
+              </a:tr>
+              <a:tr h="0">
+                <a:tc>
+                  <a:txBody>
+                    <a:bodyPr/>
+                    <a:lstStyle/>
+                    <a:p>
+                      <a:r>
+                        <a:rPr lang="en-US" dirty="0">
+                          <a:effectLst/>
+                        </a:rPr>
+                        <a:t>'c'</a:t>
+                      </a:r>
+                    </a:p>
+                  </a:txBody>
+                  <a:tcPr anchor="ctr">
+                    <a:lnL>
+                      <a:noFill/>
+                    </a:lnL>
+                    <a:lnR>
+                      <a:noFill/>
+                    </a:lnR>
+                    <a:lnT>
+                      <a:noFill/>
+                    </a:lnT>
+                    <a:lnB>
+                      <a:noFill/>
+                    </a:lnB>
+                    <a:solidFill>
+                      <a:srgbClr val="FFFFFF"/>
+                    </a:solidFill>
+                  </a:tcPr>
+                </a:tc>
+                <a:tc>
+                  <a:txBody>
+                    <a:bodyPr/>
+                    <a:lstStyle/>
+                    <a:p>
+                      <a:r>
+                        <a:rPr lang="en-US" dirty="0">
+                          <a:effectLst/>
+                        </a:rPr>
+                        <a:t>cyan</a:t>
+                      </a:r>
+                    </a:p>
+                  </a:txBody>
+                  <a:tcPr anchor="ctr">
+                    <a:lnL>
+                      <a:noFill/>
+                    </a:lnL>
+                    <a:lnR>
+                      <a:noFill/>
+                    </a:lnR>
+                    <a:lnT>
+                      <a:noFill/>
+                    </a:lnT>
+                    <a:lnB>
+                      <a:noFill/>
+                    </a:lnB>
+                    <a:solidFill>
+                      <a:srgbClr val="FFFFFF"/>
+                    </a:solidFill>
+                  </a:tcPr>
+                </a:tc>
+              </a:tr>
+              <a:tr h="0">
+                <a:tc>
+                  <a:txBody>
+                    <a:bodyPr/>
+                    <a:lstStyle/>
+                    <a:p>
+                      <a:r>
+                        <a:rPr lang="en-US">
+                          <a:effectLst/>
+                        </a:rPr>
+                        <a:t>'m'</a:t>
+                      </a:r>
+                    </a:p>
+                  </a:txBody>
+                  <a:tcPr anchor="ctr">
+                    <a:lnL>
+                      <a:noFill/>
+                    </a:lnL>
+                    <a:lnR>
+                      <a:noFill/>
+                    </a:lnR>
+                    <a:lnT>
+                      <a:noFill/>
+                    </a:lnT>
+                    <a:lnB>
+                      <a:noFill/>
+                    </a:lnB>
+                    <a:solidFill>
+                      <a:srgbClr val="FFFFFF"/>
+                    </a:solidFill>
+                  </a:tcPr>
+                </a:tc>
+                <a:tc>
+                  <a:txBody>
+                    <a:bodyPr/>
+                    <a:lstStyle/>
+                    <a:p>
+                      <a:r>
+                        <a:rPr lang="en-US" dirty="0">
+                          <a:effectLst/>
+                        </a:rPr>
+                        <a:t>magenta</a:t>
+                      </a:r>
+                    </a:p>
+                  </a:txBody>
+                  <a:tcPr anchor="ctr">
+                    <a:lnL>
+                      <a:noFill/>
+                    </a:lnL>
+                    <a:lnR>
+                      <a:noFill/>
+                    </a:lnR>
+                    <a:lnT>
+                      <a:noFill/>
+                    </a:lnT>
+                    <a:lnB>
+                      <a:noFill/>
+                    </a:lnB>
+                    <a:solidFill>
+                      <a:srgbClr val="FFFFFF"/>
+                    </a:solidFill>
+                  </a:tcPr>
+                </a:tc>
+              </a:tr>
+              <a:tr h="0">
+                <a:tc>
+                  <a:txBody>
+                    <a:bodyPr/>
+                    <a:lstStyle/>
+                    <a:p>
+                      <a:r>
+                        <a:rPr lang="en-US">
+                          <a:effectLst/>
+                        </a:rPr>
+                        <a:t>'y'</a:t>
+                      </a:r>
+                    </a:p>
+                  </a:txBody>
+                  <a:tcPr anchor="ctr">
+                    <a:lnL>
+                      <a:noFill/>
+                    </a:lnL>
+                    <a:lnR>
+                      <a:noFill/>
+                    </a:lnR>
+                    <a:lnT>
+                      <a:noFill/>
+                    </a:lnT>
+                    <a:lnB>
+                      <a:noFill/>
+                    </a:lnB>
+                    <a:solidFill>
+                      <a:srgbClr val="FFFFFF"/>
+                    </a:solidFill>
+                  </a:tcPr>
+                </a:tc>
+                <a:tc>
+                  <a:txBody>
+                    <a:bodyPr/>
+                    <a:lstStyle/>
+                    <a:p>
+                      <a:r>
+                        <a:rPr lang="en-US">
+                          <a:effectLst/>
+                        </a:rPr>
+                        <a:t>yellow</a:t>
+                      </a:r>
+                    </a:p>
+                  </a:txBody>
+                  <a:tcPr anchor="ctr">
+                    <a:lnL>
+                      <a:noFill/>
+                    </a:lnL>
+                    <a:lnR>
+                      <a:noFill/>
+                    </a:lnR>
+                    <a:lnT>
+                      <a:noFill/>
+                    </a:lnT>
+                    <a:lnB>
+                      <a:noFill/>
+                    </a:lnB>
+                    <a:solidFill>
+                      <a:srgbClr val="FFFFFF"/>
+                    </a:solidFill>
+                  </a:tcPr>
+                </a:tc>
+              </a:tr>
+              <a:tr h="0">
+                <a:tc>
+                  <a:txBody>
+                    <a:bodyPr/>
+                    <a:lstStyle/>
+                    <a:p>
+                      <a:r>
+                        <a:rPr lang="en-US">
+                          <a:effectLst/>
+                        </a:rPr>
+                        <a:t>'k'</a:t>
+                      </a:r>
+                    </a:p>
+                  </a:txBody>
+                  <a:tcPr anchor="ctr">
+                    <a:lnL>
+                      <a:noFill/>
+                    </a:lnL>
+                    <a:lnR>
+                      <a:noFill/>
+                    </a:lnR>
+                    <a:lnT>
+                      <a:noFill/>
+                    </a:lnT>
+                    <a:lnB>
+                      <a:noFill/>
+                    </a:lnB>
+                    <a:solidFill>
+                      <a:srgbClr val="FFFFFF"/>
+                    </a:solidFill>
+                  </a:tcPr>
+                </a:tc>
+                <a:tc>
+                  <a:txBody>
+                    <a:bodyPr/>
+                    <a:lstStyle/>
+                    <a:p>
+                      <a:r>
+                        <a:rPr lang="en-US">
+                          <a:effectLst/>
+                        </a:rPr>
+                        <a:t>black</a:t>
+                      </a:r>
+                    </a:p>
+                  </a:txBody>
+                  <a:tcPr anchor="ctr">
+                    <a:lnL>
+                      <a:noFill/>
+                    </a:lnL>
+                    <a:lnR>
+                      <a:noFill/>
+                    </a:lnR>
+                    <a:lnT>
+                      <a:noFill/>
+                    </a:lnT>
+                    <a:lnB>
+                      <a:noFill/>
+                    </a:lnB>
+                    <a:solidFill>
+                      <a:srgbClr val="FFFFFF"/>
+                    </a:solidFill>
+                  </a:tcPr>
+                </a:tc>
+              </a:tr>
+              <a:tr h="0">
+                <a:tc>
+                  <a:txBody>
+                    <a:bodyPr/>
+                    <a:lstStyle/>
+                    <a:p>
+                      <a:r>
+                        <a:rPr lang="en-US" dirty="0">
+                          <a:effectLst/>
+                        </a:rPr>
+                        <a:t>'w'</a:t>
+                      </a:r>
+                    </a:p>
+                  </a:txBody>
+                  <a:tcPr anchor="ctr">
+                    <a:lnL>
+                      <a:noFill/>
+                    </a:lnL>
+                    <a:lnR>
+                      <a:noFill/>
+                    </a:lnR>
+                    <a:lnT>
+                      <a:noFill/>
+                    </a:lnT>
+                    <a:lnB>
+                      <a:noFill/>
+                    </a:lnB>
+                    <a:solidFill>
+                      <a:srgbClr val="FFFFFF"/>
+                    </a:solidFill>
+                  </a:tcPr>
+                </a:tc>
+                <a:tc>
+                  <a:txBody>
+                    <a:bodyPr/>
+                    <a:lstStyle/>
+                    <a:p>
+                      <a:r>
+                        <a:rPr lang="en-US" dirty="0">
+                          <a:effectLst/>
+                        </a:rPr>
+                        <a:t>white</a:t>
+                      </a:r>
+                    </a:p>
+                  </a:txBody>
+                  <a:tcPr anchor="ctr">
+                    <a:lnL>
+                      <a:noFill/>
+                    </a:lnL>
+                    <a:lnR>
+                      <a:noFill/>
+                    </a:lnR>
+                    <a:lnT>
+                      <a:noFill/>
+                    </a:lnT>
+                    <a:lnB>
+                      <a:noFill/>
+                    </a:lnB>
+                    <a:solidFill>
+                      <a:srgbClr val="FFFFFF"/>
+                    </a:solidFill>
+                  </a:tcPr>
+                </a:tc>
+              </a:tr>
+            </a:tbl>
+          </a:graphicData>
+        </a:graphic>
+      </p:graphicFrame>
+      <p:graphicFrame>
+        <p:nvGraphicFramePr>
+          <p:cNvPr id="7" name="表格 6"/>
+          <p:cNvGraphicFramePr>
+            <a:graphicFrameLocks noGrp="1"/>
+          </p:cNvGraphicFramePr>
+          <p:nvPr>
+            <p:extLst>
+              <p:ext uri="{D42A27DB-BD31-4B8C-83A1-F6EECF244321}">
+                <p14:modId xmlns:p14="http://schemas.microsoft.com/office/powerpoint/2010/main" val="2817865593"/>
+              </p:ext>
+            </p:extLst>
+          </p:nvPr>
+        </p:nvGraphicFramePr>
+        <p:xfrm>
+          <a:off x="2255520" y="2878145"/>
+          <a:ext cx="3458226" cy="2103120"/>
+        </p:xfrm>
+        <a:graphic>
+          <a:graphicData uri="http://schemas.openxmlformats.org/drawingml/2006/table">
+            <a:tbl>
+              <a:tblPr/>
+              <a:tblGrid>
+                <a:gridCol w="1037467"/>
+                <a:gridCol w="2420759"/>
+              </a:tblGrid>
+              <a:tr h="0">
+                <a:tc>
+                  <a:txBody>
+                    <a:bodyPr/>
+                    <a:lstStyle/>
+                    <a:p>
+                      <a:r>
+                        <a:rPr lang="en-US" dirty="0">
+                          <a:effectLst/>
+                        </a:rPr>
+                        <a:t>character</a:t>
+                      </a:r>
+                    </a:p>
+                  </a:txBody>
+                  <a:tcPr anchor="ctr">
+                    <a:lnL>
+                      <a:noFill/>
+                    </a:lnL>
+                    <a:lnR>
+                      <a:noFill/>
+                    </a:lnR>
+                    <a:lnT>
+                      <a:noFill/>
+                    </a:lnT>
+                    <a:lnB>
+                      <a:noFill/>
+                    </a:lnB>
+                    <a:solidFill>
+                      <a:srgbClr val="F0F0F0"/>
+                    </a:solidFill>
+                  </a:tcPr>
+                </a:tc>
+                <a:tc>
+                  <a:txBody>
+                    <a:bodyPr/>
+                    <a:lstStyle/>
+                    <a:p>
+                      <a:r>
+                        <a:rPr lang="en-US" dirty="0">
+                          <a:effectLst/>
+                        </a:rPr>
+                        <a:t>description</a:t>
+                      </a:r>
+                    </a:p>
+                  </a:txBody>
+                  <a:tcPr anchor="ctr">
+                    <a:lnL>
+                      <a:noFill/>
+                    </a:lnL>
+                    <a:lnR>
+                      <a:noFill/>
+                    </a:lnR>
+                    <a:lnT>
+                      <a:noFill/>
+                    </a:lnT>
+                    <a:lnB>
+                      <a:noFill/>
+                    </a:lnB>
+                    <a:lnTlToBr w="12700" cmpd="sng">
+                      <a:noFill/>
+                      <a:prstDash val="solid"/>
+                    </a:lnTlToBr>
+                    <a:lnBlToTr w="12700" cmpd="sng">
+                      <a:noFill/>
+                      <a:prstDash val="solid"/>
+                    </a:lnBlToTr>
+                    <a:solidFill>
+                      <a:srgbClr val="F0F0F0"/>
+                    </a:solidFill>
+                  </a:tcPr>
+                </a:tc>
+              </a:tr>
+              <a:tr h="0">
+                <a:tc>
+                  <a:txBody>
+                    <a:bodyPr/>
+                    <a:lstStyle/>
+                    <a:p>
+                      <a:r>
+                        <a:rPr lang="en-US" altLang="zh-TW">
+                          <a:effectLst/>
+                        </a:rPr>
+                        <a:t>'-'</a:t>
+                      </a:r>
+                    </a:p>
+                  </a:txBody>
+                  <a:tcPr anchor="ctr">
+                    <a:lnL>
+                      <a:noFill/>
+                    </a:lnL>
+                    <a:lnR>
+                      <a:noFill/>
+                    </a:lnR>
+                    <a:lnT>
+                      <a:noFill/>
+                    </a:lnT>
+                    <a:lnB>
+                      <a:noFill/>
+                    </a:lnB>
+                    <a:solidFill>
+                      <a:srgbClr val="FFFFFF"/>
+                    </a:solidFill>
+                  </a:tcPr>
+                </a:tc>
+                <a:tc>
+                  <a:txBody>
+                    <a:bodyPr/>
+                    <a:lstStyle/>
+                    <a:p>
+                      <a:r>
+                        <a:rPr lang="en-US" dirty="0">
+                          <a:effectLst/>
+                        </a:rPr>
+                        <a:t>solid line style</a:t>
+                      </a:r>
+                    </a:p>
+                  </a:txBody>
+                  <a:tcPr anchor="ctr">
+                    <a:lnL>
+                      <a:noFill/>
+                    </a:lnL>
+                    <a:lnR>
+                      <a:noFill/>
+                    </a:lnR>
+                    <a:lnT>
+                      <a:noFill/>
+                    </a:lnT>
+                    <a:lnB>
+                      <a:noFill/>
+                    </a:lnB>
+                    <a:lnTlToBr w="12700" cmpd="sng">
+                      <a:noFill/>
+                      <a:prstDash val="solid"/>
+                    </a:lnTlToBr>
+                    <a:lnBlToTr w="12700" cmpd="sng">
+                      <a:noFill/>
+                      <a:prstDash val="solid"/>
+                    </a:lnBlToTr>
+                    <a:solidFill>
+                      <a:srgbClr val="FFFFFF"/>
+                    </a:solidFill>
+                  </a:tcPr>
+                </a:tc>
+              </a:tr>
+              <a:tr h="0">
+                <a:tc>
+                  <a:txBody>
+                    <a:bodyPr/>
+                    <a:lstStyle/>
+                    <a:p>
+                      <a:r>
+                        <a:rPr lang="en-US" altLang="zh-TW">
+                          <a:effectLst/>
+                        </a:rPr>
+                        <a:t>'--'</a:t>
+                      </a:r>
+                    </a:p>
+                  </a:txBody>
+                  <a:tcPr anchor="ctr">
+                    <a:lnL>
+                      <a:noFill/>
+                    </a:lnL>
+                    <a:lnR>
+                      <a:noFill/>
+                    </a:lnR>
+                    <a:lnT>
+                      <a:noFill/>
+                    </a:lnT>
+                    <a:lnB>
+                      <a:noFill/>
+                    </a:lnB>
+                    <a:solidFill>
+                      <a:srgbClr val="FFFFFF"/>
+                    </a:solidFill>
+                  </a:tcPr>
+                </a:tc>
+                <a:tc>
+                  <a:txBody>
+                    <a:bodyPr/>
+                    <a:lstStyle/>
+                    <a:p>
+                      <a:r>
+                        <a:rPr lang="en-US">
+                          <a:effectLst/>
+                        </a:rPr>
+                        <a:t>dashed line style</a:t>
+                      </a:r>
+                    </a:p>
+                  </a:txBody>
+                  <a:tcPr anchor="ctr">
+                    <a:lnL>
+                      <a:noFill/>
+                    </a:lnL>
+                    <a:lnR>
+                      <a:noFill/>
+                    </a:lnR>
+                    <a:lnT>
+                      <a:noFill/>
+                    </a:lnT>
+                    <a:lnB>
+                      <a:noFill/>
+                    </a:lnB>
+                    <a:lnTlToBr w="12700" cmpd="sng">
+                      <a:noFill/>
+                      <a:prstDash val="solid"/>
+                    </a:lnTlToBr>
+                    <a:lnBlToTr w="12700" cmpd="sng">
+                      <a:noFill/>
+                      <a:prstDash val="solid"/>
+                    </a:lnBlToTr>
+                    <a:solidFill>
+                      <a:srgbClr val="FFFFFF"/>
+                    </a:solidFill>
+                  </a:tcPr>
+                </a:tc>
+              </a:tr>
+              <a:tr h="0">
+                <a:tc>
+                  <a:txBody>
+                    <a:bodyPr/>
+                    <a:lstStyle/>
+                    <a:p>
+                      <a:r>
+                        <a:rPr lang="en-US" altLang="zh-TW">
+                          <a:effectLst/>
+                        </a:rPr>
+                        <a:t>'-.'</a:t>
+                      </a:r>
+                    </a:p>
+                  </a:txBody>
+                  <a:tcPr anchor="ctr">
+                    <a:lnL>
+                      <a:noFill/>
+                    </a:lnL>
+                    <a:lnR>
+                      <a:noFill/>
+                    </a:lnR>
+                    <a:lnT>
+                      <a:noFill/>
+                    </a:lnT>
+                    <a:lnB>
+                      <a:noFill/>
+                    </a:lnB>
+                    <a:solidFill>
+                      <a:srgbClr val="FFFFFF"/>
+                    </a:solidFill>
+                  </a:tcPr>
+                </a:tc>
+                <a:tc>
+                  <a:txBody>
+                    <a:bodyPr/>
+                    <a:lstStyle/>
+                    <a:p>
+                      <a:r>
+                        <a:rPr lang="en-US">
+                          <a:effectLst/>
+                        </a:rPr>
+                        <a:t>dash-dot line style</a:t>
+                      </a:r>
+                    </a:p>
+                  </a:txBody>
+                  <a:tcPr anchor="ctr">
+                    <a:lnL>
+                      <a:noFill/>
+                    </a:lnL>
+                    <a:lnR>
+                      <a:noFill/>
+                    </a:lnR>
+                    <a:lnT>
+                      <a:noFill/>
+                    </a:lnT>
+                    <a:lnB>
+                      <a:noFill/>
+                    </a:lnB>
+                    <a:lnTlToBr w="12700" cmpd="sng">
+                      <a:noFill/>
+                      <a:prstDash val="solid"/>
+                    </a:lnTlToBr>
+                    <a:lnBlToTr w="12700" cmpd="sng">
+                      <a:noFill/>
+                      <a:prstDash val="solid"/>
+                    </a:lnBlToTr>
+                    <a:solidFill>
+                      <a:srgbClr val="FFFFFF"/>
+                    </a:solidFill>
+                  </a:tcPr>
+                </a:tc>
+              </a:tr>
+              <a:tr h="0">
+                <a:tc>
+                  <a:txBody>
+                    <a:bodyPr/>
+                    <a:lstStyle/>
+                    <a:p>
+                      <a:r>
+                        <a:rPr lang="en-US" altLang="zh-TW">
+                          <a:effectLst/>
+                        </a:rPr>
+                        <a:t>':'</a:t>
+                      </a:r>
+                    </a:p>
+                  </a:txBody>
+                  <a:tcPr anchor="ctr">
+                    <a:lnL>
+                      <a:noFill/>
+                    </a:lnL>
+                    <a:lnR>
+                      <a:noFill/>
+                    </a:lnR>
+                    <a:lnT>
+                      <a:noFill/>
+                    </a:lnT>
+                    <a:lnB>
+                      <a:noFill/>
+                    </a:lnB>
+                    <a:solidFill>
+                      <a:srgbClr val="FFFFFF"/>
+                    </a:solidFill>
+                  </a:tcPr>
+                </a:tc>
+                <a:tc>
+                  <a:txBody>
+                    <a:bodyPr/>
+                    <a:lstStyle/>
+                    <a:p>
+                      <a:r>
+                        <a:rPr lang="en-US" dirty="0">
+                          <a:effectLst/>
+                        </a:rPr>
+                        <a:t>dotted line style</a:t>
+                      </a:r>
+                    </a:p>
+                  </a:txBody>
+                  <a:tcPr anchor="ctr">
+                    <a:lnL>
+                      <a:noFill/>
+                    </a:lnL>
+                    <a:lnR>
+                      <a:noFill/>
+                    </a:lnR>
+                    <a:lnT>
+                      <a:noFill/>
+                    </a:lnT>
+                    <a:lnB>
+                      <a:noFill/>
+                    </a:lnB>
+                    <a:lnTlToBr w="12700" cmpd="sng">
+                      <a:noFill/>
+                      <a:prstDash val="solid"/>
+                    </a:lnTlToBr>
+                    <a:lnBlToTr w="12700" cmpd="sng">
+                      <a:noFill/>
+                      <a:prstDash val="solid"/>
+                    </a:lnBlToTr>
+                    <a:solidFill>
+                      <a:srgbClr val="FFFFFF"/>
+                    </a:solidFill>
+                  </a:tcPr>
+                </a:tc>
+              </a:tr>
+            </a:tbl>
+          </a:graphicData>
+        </a:graphic>
+      </p:graphicFrame>
+      <p:sp>
+        <p:nvSpPr>
+          <p:cNvPr id="10" name="文字方塊 9"/>
+          <p:cNvSpPr txBox="1"/>
+          <p:nvPr/>
+        </p:nvSpPr>
+        <p:spPr>
+          <a:xfrm>
+            <a:off x="2255520" y="1966545"/>
+            <a:ext cx="3462528" cy="461665"/>
+          </a:xfrm>
+          <a:prstGeom prst="rect">
+            <a:avLst/>
+          </a:prstGeom>
+          <a:noFill/>
+        </p:spPr>
+        <p:txBody>
+          <a:bodyPr wrap="square" rtlCol="0">
+            <a:spAutoFit/>
+          </a:bodyPr>
+          <a:lstStyle/>
+          <a:p>
+            <a:r>
+              <a:rPr lang="en-US" altLang="zh-TW" sz="2400" dirty="0" smtClean="0"/>
+              <a:t>Line style</a:t>
+            </a:r>
+            <a:endParaRPr lang="zh-TW" altLang="en-US" sz="2400" dirty="0"/>
+          </a:p>
+        </p:txBody>
+      </p:sp>
+      <p:sp>
+        <p:nvSpPr>
+          <p:cNvPr id="11" name="文字方塊 10"/>
+          <p:cNvSpPr txBox="1"/>
+          <p:nvPr/>
+        </p:nvSpPr>
+        <p:spPr>
+          <a:xfrm>
+            <a:off x="7266432" y="1500880"/>
+            <a:ext cx="2657856" cy="461665"/>
+          </a:xfrm>
+          <a:prstGeom prst="rect">
+            <a:avLst/>
+          </a:prstGeom>
+          <a:noFill/>
+        </p:spPr>
+        <p:txBody>
+          <a:bodyPr wrap="square" rtlCol="0">
+            <a:spAutoFit/>
+          </a:bodyPr>
+          <a:lstStyle/>
+          <a:p>
+            <a:r>
+              <a:rPr lang="en-US" altLang="zh-TW" sz="2400" dirty="0" smtClean="0"/>
+              <a:t>Colors</a:t>
+            </a:r>
+            <a:endParaRPr lang="zh-TW" altLang="en-US" sz="2400" dirty="0"/>
+          </a:p>
+        </p:txBody>
+      </p:sp>
+      <p:sp>
+        <p:nvSpPr>
+          <p:cNvPr id="12" name="矩形 11"/>
+          <p:cNvSpPr/>
+          <p:nvPr/>
+        </p:nvSpPr>
+        <p:spPr>
+          <a:xfrm>
+            <a:off x="3344449" y="284101"/>
+            <a:ext cx="7650584" cy="369332"/>
+          </a:xfrm>
+          <a:prstGeom prst="rect">
+            <a:avLst/>
+          </a:prstGeom>
+        </p:spPr>
+        <p:txBody>
+          <a:bodyPr wrap="square">
+            <a:spAutoFit/>
+          </a:bodyPr>
+          <a:lstStyle/>
+          <a:p>
+            <a:r>
+              <a:rPr lang="zh-TW" altLang="en-US" dirty="0" smtClean="0"/>
+              <a:t>參考文件</a:t>
+            </a:r>
+            <a:r>
+              <a:rPr lang="en-US" altLang="zh-TW" dirty="0" smtClean="0"/>
+              <a:t>:https</a:t>
+            </a:r>
+            <a:r>
+              <a:rPr lang="en-US" altLang="zh-TW" dirty="0"/>
+              <a:t>://matplotlib.org/3.3.2/api/_as_gen/matplotlib.pyplot.plot.html</a:t>
+            </a:r>
+            <a:endParaRPr lang="zh-TW" altLang="en-US" dirty="0"/>
+          </a:p>
+        </p:txBody>
+      </p:sp>
+    </p:spTree>
+    <p:extLst>
+      <p:ext uri="{BB962C8B-B14F-4D97-AF65-F5344CB8AC3E}">
+        <p14:creationId xmlns:p14="http://schemas.microsoft.com/office/powerpoint/2010/main" val="2060509436"/>
+      </p:ext>
+    </p:extLst>
+  </p:cSld>
+  <p:clrMapOvr>
+    <a:masterClrMapping/>
+  </p:clrMapOvr>
 </p:sld>
 </file>
 
